--- a/summary.pptx
+++ b/summary.pptx
@@ -5,17 +5,23 @@
     <p:sldMasterId id="2147483935" r:id="rId4"/>
   </p:sldMasterIdLst>
   <p:notesMasterIdLst>
-    <p:notesMasterId r:id="rId10"/>
+    <p:notesMasterId r:id="rId16"/>
   </p:notesMasterIdLst>
   <p:handoutMasterIdLst>
-    <p:handoutMasterId r:id="rId11"/>
+    <p:handoutMasterId r:id="rId17"/>
   </p:handoutMasterIdLst>
   <p:sldIdLst>
     <p:sldId id="318" r:id="rId5"/>
     <p:sldId id="320" r:id="rId6"/>
-    <p:sldId id="1839" r:id="rId7"/>
-    <p:sldId id="1819" r:id="rId8"/>
-    <p:sldId id="1830" r:id="rId9"/>
+    <p:sldId id="1840" r:id="rId7"/>
+    <p:sldId id="1841" r:id="rId8"/>
+    <p:sldId id="1842" r:id="rId9"/>
+    <p:sldId id="1843" r:id="rId10"/>
+    <p:sldId id="1819" r:id="rId11"/>
+    <p:sldId id="1844" r:id="rId12"/>
+    <p:sldId id="1830" r:id="rId13"/>
+    <p:sldId id="1846" r:id="rId14"/>
+    <p:sldId id="1845" r:id="rId15"/>
   </p:sldIdLst>
   <p:sldSz cx="12188825" cy="6858000"/>
   <p:notesSz cx="7010400" cy="9296400"/>
@@ -259,7 +265,7 @@
           <a:p>
             <a:fld id="{0B842F42-2CE9-4E35-95C1-410DC08A50B1}" type="datetimeFigureOut">
               <a:rPr lang="en-US" smtClean="0"/>
-              <a:t>7/25/2020</a:t>
+              <a:t>7/28/2020</a:t>
             </a:fld>
             <a:endParaRPr lang="en-US"/>
           </a:p>
@@ -424,7 +430,7 @@
           <a:p>
             <a:fld id="{6F282904-F315-4730-8D91-37D99E141A6F}" type="datetimeFigureOut">
               <a:rPr lang="en-US" smtClean="0"/>
-              <a:t>7/25/2020</a:t>
+              <a:t>7/28/2020</a:t>
             </a:fld>
             <a:endParaRPr lang="en-US"/>
           </a:p>
@@ -3554,7 +3560,7 @@
           <a:p>
             <a:r>
               <a:rPr lang="en-US" dirty="0"/>
-              <a:t>Final Summary</a:t>
+              <a:t>Summary</a:t>
             </a:r>
           </a:p>
         </p:txBody>
@@ -3603,40 +3609,8 @@
           </a:p>
           <a:p>
             <a:r>
-              <a:rPr lang="en-US" dirty="0"/>
-              <a:t>Michael A. </a:t>
-            </a:r>
-            <a:r>
-              <a:rPr lang="en-US" dirty="0" err="1"/>
-              <a:t>Heroux</a:t>
-            </a:r>
-            <a:br>
               <a:rPr lang="en-US" sz="2000" dirty="0"/>
-            </a:br>
-            <a:r>
-              <a:rPr lang="en-US" sz="2000" dirty="0"/>
-              <a:t>Sandia National Laboratories</a:t>
-            </a:r>
-          </a:p>
-          <a:p>
-            <a:r>
-              <a:rPr lang="en-US" sz="2000" dirty="0"/>
-              <a:t>Better Scientific Software Tutorial</a:t>
-            </a:r>
-            <a:br>
-              <a:rPr lang="en-US" sz="2000" dirty="0"/>
-            </a:br>
-            <a:r>
-              <a:rPr lang="en-US" sz="2000" dirty="0"/>
-              <a:t>RF </a:t>
-            </a:r>
-            <a:r>
-              <a:rPr lang="en-US" sz="2000" dirty="0" err="1"/>
-              <a:t>SciDAC</a:t>
-            </a:r>
-            <a:r>
-              <a:rPr lang="en-US" sz="2000" dirty="0"/>
-              <a:t> 2020 Workshop</a:t>
+              <a:t>Software Productivity Track, ATPESC 2020</a:t>
             </a:r>
           </a:p>
         </p:txBody>
@@ -3768,6 +3742,1100 @@
     <p:extLst>
       <p:ext uri="{BB962C8B-B14F-4D97-AF65-F5344CB8AC3E}">
         <p14:creationId xmlns:p14="http://schemas.microsoft.com/office/powerpoint/2010/main" val="136510035"/>
+      </p:ext>
+    </p:extLst>
+  </p:cSld>
+  <p:clrMapOvr>
+    <a:masterClrMapping/>
+  </p:clrMapOvr>
+</p:sld>
+</file>
+
+<file path=ppt/slides/slide10.xml><?xml version="1.0" encoding="utf-8"?>
+<p:sld xmlns:a="http://schemas.openxmlformats.org/drawingml/2006/main" xmlns:r="http://schemas.openxmlformats.org/officeDocument/2006/relationships" xmlns:p="http://schemas.openxmlformats.org/presentationml/2006/main">
+  <p:cSld>
+    <p:spTree>
+      <p:nvGrpSpPr>
+        <p:cNvPr id="1" name=""/>
+        <p:cNvGrpSpPr/>
+        <p:nvPr/>
+      </p:nvGrpSpPr>
+      <p:grpSpPr>
+        <a:xfrm>
+          <a:off x="0" y="0"/>
+          <a:ext cx="0" cy="0"/>
+          <a:chOff x="0" y="0"/>
+          <a:chExt cx="0" cy="0"/>
+        </a:xfrm>
+      </p:grpSpPr>
+      <p:sp>
+        <p:nvSpPr>
+          <p:cNvPr id="3" name="Content Placeholder 2">
+            <a:extLst>
+              <a:ext uri="{FF2B5EF4-FFF2-40B4-BE49-F238E27FC236}">
+                <a16:creationId xmlns:a16="http://schemas.microsoft.com/office/drawing/2014/main" id="{36733E54-E07F-40D0-AAF9-603545181CBC}"/>
+              </a:ext>
+            </a:extLst>
+          </p:cNvPr>
+          <p:cNvSpPr>
+            <a:spLocks noGrp="1"/>
+          </p:cNvSpPr>
+          <p:nvPr>
+            <p:ph idx="1"/>
+          </p:nvPr>
+        </p:nvSpPr>
+        <p:spPr>
+          <a:xfrm>
+            <a:off x="365760" y="1405111"/>
+            <a:ext cx="11369809" cy="4047778"/>
+          </a:xfrm>
+        </p:spPr>
+        <p:txBody>
+          <a:bodyPr anchor="ctr" anchorCtr="0"/>
+          <a:lstStyle/>
+          <a:p>
+            <a:pPr marL="0" indent="0" algn="ctr">
+              <a:buNone/>
+            </a:pPr>
+            <a:r>
+              <a:rPr lang="en-US" sz="4400" dirty="0"/>
+              <a:t>But you’re a researcher.  </a:t>
+            </a:r>
+            <a:br>
+              <a:rPr lang="en-US" sz="4400" dirty="0"/>
+            </a:br>
+            <a:r>
+              <a:rPr lang="en-US" sz="4400" dirty="0"/>
+              <a:t>You can’t afford to spend </a:t>
+            </a:r>
+            <a:br>
+              <a:rPr lang="en-US" sz="4400" dirty="0"/>
+            </a:br>
+            <a:r>
+              <a:rPr lang="en-US" sz="4400" dirty="0"/>
+              <a:t>“all” of your time on </a:t>
+            </a:r>
+            <a:br>
+              <a:rPr lang="en-US" sz="4400" dirty="0"/>
+            </a:br>
+            <a:r>
+              <a:rPr lang="en-US" sz="4400" dirty="0"/>
+              <a:t>software engineering.</a:t>
+            </a:r>
+          </a:p>
+        </p:txBody>
+      </p:sp>
+    </p:spTree>
+    <p:extLst>
+      <p:ext uri="{BB962C8B-B14F-4D97-AF65-F5344CB8AC3E}">
+        <p14:creationId xmlns:p14="http://schemas.microsoft.com/office/powerpoint/2010/main" val="648753678"/>
+      </p:ext>
+    </p:extLst>
+  </p:cSld>
+  <p:clrMapOvr>
+    <a:masterClrMapping/>
+  </p:clrMapOvr>
+</p:sld>
+</file>
+
+<file path=ppt/slides/slide11.xml><?xml version="1.0" encoding="utf-8"?>
+<p:sld xmlns:a="http://schemas.openxmlformats.org/drawingml/2006/main" xmlns:r="http://schemas.openxmlformats.org/officeDocument/2006/relationships" xmlns:p="http://schemas.openxmlformats.org/presentationml/2006/main">
+  <p:cSld>
+    <p:spTree>
+      <p:nvGrpSpPr>
+        <p:cNvPr id="1" name=""/>
+        <p:cNvGrpSpPr/>
+        <p:nvPr/>
+      </p:nvGrpSpPr>
+      <p:grpSpPr>
+        <a:xfrm>
+          <a:off x="0" y="0"/>
+          <a:ext cx="0" cy="0"/>
+          <a:chOff x="0" y="0"/>
+          <a:chExt cx="0" cy="0"/>
+        </a:xfrm>
+      </p:grpSpPr>
+      <p:sp>
+        <p:nvSpPr>
+          <p:cNvPr id="2" name="Title 1">
+            <a:extLst>
+              <a:ext uri="{FF2B5EF4-FFF2-40B4-BE49-F238E27FC236}">
+                <a16:creationId xmlns:a16="http://schemas.microsoft.com/office/drawing/2014/main" id="{0FFA2F6E-6146-4EFE-B865-F5301F6BE1EB}"/>
+              </a:ext>
+            </a:extLst>
+          </p:cNvPr>
+          <p:cNvSpPr>
+            <a:spLocks noGrp="1"/>
+          </p:cNvSpPr>
+          <p:nvPr>
+            <p:ph type="title"/>
+          </p:nvPr>
+        </p:nvSpPr>
+        <p:spPr/>
+        <p:txBody>
+          <a:bodyPr/>
+          <a:lstStyle/>
+          <a:p>
+            <a:r>
+              <a:rPr lang="en-US" dirty="0"/>
+              <a:t>A Final Recommendation: </a:t>
+            </a:r>
+            <a:br>
+              <a:rPr lang="en-US" dirty="0"/>
+            </a:br>
+            <a:r>
+              <a:rPr lang="en-US" dirty="0"/>
+              <a:t>Continual, Incremental Software Process Improvement</a:t>
+            </a:r>
+          </a:p>
+        </p:txBody>
+      </p:sp>
+      <p:sp>
+        <p:nvSpPr>
+          <p:cNvPr id="3" name="Content Placeholder 2">
+            <a:extLst>
+              <a:ext uri="{FF2B5EF4-FFF2-40B4-BE49-F238E27FC236}">
+                <a16:creationId xmlns:a16="http://schemas.microsoft.com/office/drawing/2014/main" id="{27AD9C12-D43C-463C-8992-BC3491AF2024}"/>
+              </a:ext>
+            </a:extLst>
+          </p:cNvPr>
+          <p:cNvSpPr>
+            <a:spLocks noGrp="1"/>
+          </p:cNvSpPr>
+          <p:nvPr>
+            <p:ph idx="1"/>
+          </p:nvPr>
+        </p:nvSpPr>
+        <p:spPr>
+          <a:xfrm>
+            <a:off x="365760" y="1314847"/>
+            <a:ext cx="6192695" cy="4047778"/>
+          </a:xfrm>
+        </p:spPr>
+        <p:txBody>
+          <a:bodyPr/>
+          <a:lstStyle/>
+          <a:p>
+            <a:pPr marL="0" indent="0">
+              <a:buNone/>
+            </a:pPr>
+            <a:r>
+              <a:rPr lang="en-US" sz="2000" dirty="0">
+                <a:solidFill>
+                  <a:schemeClr val="tx2"/>
+                </a:solidFill>
+              </a:rPr>
+              <a:t>Target: your project should include “just enough” software engineering so that you can meet your short-term and longer-term scientific goals effectively</a:t>
+            </a:r>
+          </a:p>
+          <a:p>
+            <a:r>
+              <a:rPr lang="en-US" sz="2000" dirty="0"/>
+              <a:t>Identify your team’s “pain points” in your software development processes</a:t>
+            </a:r>
+          </a:p>
+          <a:p>
+            <a:r>
+              <a:rPr lang="en-US" sz="2000" dirty="0"/>
+              <a:t>Set a goal for something to improve</a:t>
+            </a:r>
+          </a:p>
+          <a:p>
+            <a:pPr lvl="1">
+              <a:spcBef>
+                <a:spcPts val="200"/>
+              </a:spcBef>
+            </a:pPr>
+            <a:r>
+              <a:rPr lang="en-US" sz="1800" dirty="0"/>
+              <a:t>Target processes and behaviors, not just tasks</a:t>
+            </a:r>
+          </a:p>
+          <a:p>
+            <a:pPr lvl="1">
+              <a:spcBef>
+                <a:spcPts val="200"/>
+              </a:spcBef>
+            </a:pPr>
+            <a:r>
+              <a:rPr lang="en-US" sz="1800" dirty="0"/>
+              <a:t>Pick something that you can address in a few months that will give you a noticeable benefit</a:t>
+            </a:r>
+          </a:p>
+          <a:p>
+            <a:r>
+              <a:rPr lang="en-US" sz="2000" dirty="0"/>
+              <a:t>Agree on a plan to address it, identify markers of progress and what is “done”</a:t>
+            </a:r>
+          </a:p>
+          <a:p>
+            <a:pPr lvl="1">
+              <a:spcBef>
+                <a:spcPts val="200"/>
+              </a:spcBef>
+            </a:pPr>
+            <a:r>
+              <a:rPr lang="en-US" sz="1800" dirty="0"/>
+              <a:t>Write them down</a:t>
+            </a:r>
+          </a:p>
+          <a:p>
+            <a:r>
+              <a:rPr lang="en-US" sz="2000" dirty="0"/>
+              <a:t>Work your plan, track your progress</a:t>
+            </a:r>
+          </a:p>
+          <a:p>
+            <a:r>
+              <a:rPr lang="en-US" sz="2000" dirty="0"/>
+              <a:t>When you are done, celebrate…</a:t>
+            </a:r>
+          </a:p>
+          <a:p>
+            <a:r>
+              <a:rPr lang="en-US" sz="2000" dirty="0"/>
+              <a:t>…then pick a new pain point to address</a:t>
+            </a:r>
+          </a:p>
+        </p:txBody>
+      </p:sp>
+      <p:grpSp>
+        <p:nvGrpSpPr>
+          <p:cNvPr id="4" name="Group 3">
+            <a:extLst>
+              <a:ext uri="{FF2B5EF4-FFF2-40B4-BE49-F238E27FC236}">
+                <a16:creationId xmlns:a16="http://schemas.microsoft.com/office/drawing/2014/main" id="{DEC13CE4-4B4C-452A-B152-15940038BCDB}"/>
+              </a:ext>
+            </a:extLst>
+          </p:cNvPr>
+          <p:cNvGrpSpPr/>
+          <p:nvPr/>
+        </p:nvGrpSpPr>
+        <p:grpSpPr>
+          <a:xfrm>
+            <a:off x="6923541" y="1549889"/>
+            <a:ext cx="5100290" cy="2328428"/>
+            <a:chOff x="1221440" y="2819400"/>
+            <a:chExt cx="5136248" cy="2800725"/>
+          </a:xfrm>
+        </p:grpSpPr>
+        <p:cxnSp>
+          <p:nvCxnSpPr>
+            <p:cNvPr id="5" name="Straight Arrow Connector 4">
+              <a:extLst>
+                <a:ext uri="{FF2B5EF4-FFF2-40B4-BE49-F238E27FC236}">
+                  <a16:creationId xmlns:a16="http://schemas.microsoft.com/office/drawing/2014/main" id="{29FB71AC-EC8C-4EFD-9651-13F8E238B9E9}"/>
+                </a:ext>
+              </a:extLst>
+            </p:cNvPr>
+            <p:cNvCxnSpPr/>
+            <p:nvPr/>
+          </p:nvCxnSpPr>
+          <p:spPr>
+            <a:xfrm flipV="1">
+              <a:off x="1828800" y="2819400"/>
+              <a:ext cx="0" cy="2133600"/>
+            </a:xfrm>
+            <a:prstGeom prst="straightConnector1">
+              <a:avLst/>
+            </a:prstGeom>
+            <a:ln>
+              <a:tailEnd type="triangle"/>
+            </a:ln>
+          </p:spPr>
+          <p:style>
+            <a:lnRef idx="2">
+              <a:schemeClr val="dk1"/>
+            </a:lnRef>
+            <a:fillRef idx="0">
+              <a:schemeClr val="dk1"/>
+            </a:fillRef>
+            <a:effectRef idx="1">
+              <a:schemeClr val="dk1"/>
+            </a:effectRef>
+            <a:fontRef idx="minor">
+              <a:schemeClr val="tx1"/>
+            </a:fontRef>
+          </p:style>
+        </p:cxnSp>
+        <p:cxnSp>
+          <p:nvCxnSpPr>
+            <p:cNvPr id="6" name="Straight Arrow Connector 5">
+              <a:extLst>
+                <a:ext uri="{FF2B5EF4-FFF2-40B4-BE49-F238E27FC236}">
+                  <a16:creationId xmlns:a16="http://schemas.microsoft.com/office/drawing/2014/main" id="{2955D048-918B-4AD0-8D97-AAA2265EC1E7}"/>
+                </a:ext>
+              </a:extLst>
+            </p:cNvPr>
+            <p:cNvCxnSpPr/>
+            <p:nvPr/>
+          </p:nvCxnSpPr>
+          <p:spPr>
+            <a:xfrm>
+              <a:off x="1828800" y="4953000"/>
+              <a:ext cx="4267200" cy="0"/>
+            </a:xfrm>
+            <a:prstGeom prst="straightConnector1">
+              <a:avLst/>
+            </a:prstGeom>
+            <a:ln>
+              <a:tailEnd type="triangle"/>
+            </a:ln>
+          </p:spPr>
+          <p:style>
+            <a:lnRef idx="2">
+              <a:schemeClr val="dk1"/>
+            </a:lnRef>
+            <a:fillRef idx="0">
+              <a:schemeClr val="dk1"/>
+            </a:fillRef>
+            <a:effectRef idx="1">
+              <a:schemeClr val="dk1"/>
+            </a:effectRef>
+            <a:fontRef idx="minor">
+              <a:schemeClr val="tx1"/>
+            </a:fontRef>
+          </p:style>
+        </p:cxnSp>
+        <p:sp>
+          <p:nvSpPr>
+            <p:cNvPr id="7" name="TextBox 6">
+              <a:extLst>
+                <a:ext uri="{FF2B5EF4-FFF2-40B4-BE49-F238E27FC236}">
+                  <a16:creationId xmlns:a16="http://schemas.microsoft.com/office/drawing/2014/main" id="{23BC6B35-3F60-47AA-A46C-877971ABA70E}"/>
+                </a:ext>
+              </a:extLst>
+            </p:cNvPr>
+            <p:cNvSpPr txBox="1"/>
+            <p:nvPr/>
+          </p:nvSpPr>
+          <p:spPr>
+            <a:xfrm rot="16200000">
+              <a:off x="923849" y="3766860"/>
+              <a:ext cx="1067759" cy="472577"/>
+            </a:xfrm>
+            <a:prstGeom prst="rect">
+              <a:avLst/>
+            </a:prstGeom>
+            <a:noFill/>
+          </p:spPr>
+          <p:txBody>
+            <a:bodyPr wrap="none" rtlCol="0">
+              <a:spAutoFit/>
+            </a:bodyPr>
+            <a:lstStyle/>
+            <a:p>
+              <a:pPr marL="0" marR="0" lvl="0" indent="0" algn="l" defTabSz="914400" rtl="0" eaLnBrk="1" fontAlgn="base" latinLnBrk="0" hangingPunct="1">
+                <a:lnSpc>
+                  <a:spcPct val="100000"/>
+                </a:lnSpc>
+                <a:spcBef>
+                  <a:spcPct val="0"/>
+                </a:spcBef>
+                <a:spcAft>
+                  <a:spcPct val="0"/>
+                </a:spcAft>
+                <a:buClrTx/>
+                <a:buSzTx/>
+                <a:buFontTx/>
+                <a:buNone/>
+                <a:tabLst/>
+                <a:defRPr/>
+              </a:pPr>
+              <a:r>
+                <a:rPr kumimoji="0" lang="en-US" sz="1400" b="1" i="0" u="none" strike="noStrike" kern="1200" cap="none" spc="0" normalizeH="0" baseline="0" noProof="0" dirty="0">
+                  <a:ln>
+                    <a:noFill/>
+                  </a:ln>
+                  <a:solidFill>
+                    <a:prstClr val="black"/>
+                  </a:solidFill>
+                  <a:effectLst/>
+                  <a:uLnTx/>
+                  <a:uFillTx/>
+                  <a:latin typeface="Arial" charset="0"/>
+                  <a:ea typeface="+mn-ea"/>
+                  <a:cs typeface="Arial" charset="0"/>
+                </a:rPr>
+                <a:t>Cost</a:t>
+              </a:r>
+            </a:p>
+          </p:txBody>
+        </p:sp>
+        <p:sp>
+          <p:nvSpPr>
+            <p:cNvPr id="8" name="TextBox 7">
+              <a:extLst>
+                <a:ext uri="{FF2B5EF4-FFF2-40B4-BE49-F238E27FC236}">
+                  <a16:creationId xmlns:a16="http://schemas.microsoft.com/office/drawing/2014/main" id="{77AAE76F-8A49-4EF9-B227-D1C603A30142}"/>
+                </a:ext>
+              </a:extLst>
+            </p:cNvPr>
+            <p:cNvSpPr txBox="1"/>
+            <p:nvPr/>
+          </p:nvSpPr>
+          <p:spPr>
+            <a:xfrm>
+              <a:off x="3228867" y="5053524"/>
+              <a:ext cx="1477294" cy="564455"/>
+            </a:xfrm>
+            <a:prstGeom prst="rect">
+              <a:avLst/>
+            </a:prstGeom>
+            <a:noFill/>
+          </p:spPr>
+          <p:txBody>
+            <a:bodyPr wrap="none" rtlCol="0">
+              <a:spAutoFit/>
+            </a:bodyPr>
+            <a:lstStyle/>
+            <a:p>
+              <a:pPr marL="0" marR="0" lvl="0" indent="0" algn="l" defTabSz="914400" rtl="0" eaLnBrk="1" fontAlgn="base" latinLnBrk="0" hangingPunct="1">
+                <a:lnSpc>
+                  <a:spcPct val="100000"/>
+                </a:lnSpc>
+                <a:spcBef>
+                  <a:spcPct val="0"/>
+                </a:spcBef>
+                <a:spcAft>
+                  <a:spcPct val="0"/>
+                </a:spcAft>
+                <a:buClrTx/>
+                <a:buSzTx/>
+                <a:buFontTx/>
+                <a:buNone/>
+                <a:tabLst/>
+                <a:defRPr/>
+              </a:pPr>
+              <a:r>
+                <a:rPr kumimoji="0" lang="en-US" sz="1400" b="1" i="0" u="none" strike="noStrike" kern="1200" cap="none" spc="0" normalizeH="0" baseline="0" noProof="0" dirty="0">
+                  <a:ln>
+                    <a:noFill/>
+                  </a:ln>
+                  <a:solidFill>
+                    <a:prstClr val="black"/>
+                  </a:solidFill>
+                  <a:effectLst/>
+                  <a:uLnTx/>
+                  <a:uFillTx/>
+                  <a:latin typeface="Arial" charset="0"/>
+                  <a:ea typeface="+mn-ea"/>
+                  <a:cs typeface="Arial" charset="0"/>
+                </a:rPr>
+                <a:t>Progress</a:t>
+              </a:r>
+            </a:p>
+          </p:txBody>
+        </p:sp>
+        <p:cxnSp>
+          <p:nvCxnSpPr>
+            <p:cNvPr id="9" name="Straight Connector 8">
+              <a:extLst>
+                <a:ext uri="{FF2B5EF4-FFF2-40B4-BE49-F238E27FC236}">
+                  <a16:creationId xmlns:a16="http://schemas.microsoft.com/office/drawing/2014/main" id="{734F5887-730B-4A85-AB9B-F1526C3A2E8B}"/>
+                </a:ext>
+              </a:extLst>
+            </p:cNvPr>
+            <p:cNvCxnSpPr/>
+            <p:nvPr/>
+          </p:nvCxnSpPr>
+          <p:spPr>
+            <a:xfrm>
+              <a:off x="5715000" y="4816152"/>
+              <a:ext cx="0" cy="273696"/>
+            </a:xfrm>
+            <a:prstGeom prst="line">
+              <a:avLst/>
+            </a:prstGeom>
+            <a:ln>
+              <a:solidFill>
+                <a:schemeClr val="tx1"/>
+              </a:solidFill>
+            </a:ln>
+          </p:spPr>
+          <p:style>
+            <a:lnRef idx="2">
+              <a:schemeClr val="accent1"/>
+            </a:lnRef>
+            <a:fillRef idx="0">
+              <a:schemeClr val="accent1"/>
+            </a:fillRef>
+            <a:effectRef idx="1">
+              <a:schemeClr val="accent1"/>
+            </a:effectRef>
+            <a:fontRef idx="minor">
+              <a:schemeClr val="tx1"/>
+            </a:fontRef>
+          </p:style>
+        </p:cxnSp>
+        <p:sp>
+          <p:nvSpPr>
+            <p:cNvPr id="10" name="TextBox 9">
+              <a:extLst>
+                <a:ext uri="{FF2B5EF4-FFF2-40B4-BE49-F238E27FC236}">
+                  <a16:creationId xmlns:a16="http://schemas.microsoft.com/office/drawing/2014/main" id="{CF660C7B-61C6-4891-A541-D6D4D90B5FE0}"/>
+                </a:ext>
+              </a:extLst>
+            </p:cNvPr>
+            <p:cNvSpPr txBox="1"/>
+            <p:nvPr/>
+          </p:nvSpPr>
+          <p:spPr>
+            <a:xfrm>
+              <a:off x="1513456" y="5042031"/>
+              <a:ext cx="864421" cy="564455"/>
+            </a:xfrm>
+            <a:prstGeom prst="rect">
+              <a:avLst/>
+            </a:prstGeom>
+            <a:noFill/>
+          </p:spPr>
+          <p:txBody>
+            <a:bodyPr wrap="none" rtlCol="0">
+              <a:spAutoFit/>
+            </a:bodyPr>
+            <a:lstStyle/>
+            <a:p>
+              <a:pPr marL="0" marR="0" lvl="0" indent="0" algn="l" defTabSz="914400" rtl="0" eaLnBrk="1" fontAlgn="base" latinLnBrk="0" hangingPunct="1">
+                <a:lnSpc>
+                  <a:spcPct val="100000"/>
+                </a:lnSpc>
+                <a:spcBef>
+                  <a:spcPct val="0"/>
+                </a:spcBef>
+                <a:spcAft>
+                  <a:spcPct val="0"/>
+                </a:spcAft>
+                <a:buClrTx/>
+                <a:buSzTx/>
+                <a:buFontTx/>
+                <a:buNone/>
+                <a:tabLst/>
+                <a:defRPr/>
+              </a:pPr>
+              <a:r>
+                <a:rPr kumimoji="0" lang="en-US" sz="1400" b="0" i="1" u="none" strike="noStrike" kern="1200" cap="none" spc="0" normalizeH="0" baseline="0" noProof="0" dirty="0">
+                  <a:ln>
+                    <a:noFill/>
+                  </a:ln>
+                  <a:solidFill>
+                    <a:prstClr val="black"/>
+                  </a:solidFill>
+                  <a:effectLst/>
+                  <a:uLnTx/>
+                  <a:uFillTx/>
+                  <a:latin typeface="Arial" charset="0"/>
+                  <a:ea typeface="+mn-ea"/>
+                  <a:cs typeface="Arial" charset="0"/>
+                </a:rPr>
+                <a:t>Start</a:t>
+              </a:r>
+            </a:p>
+          </p:txBody>
+        </p:sp>
+        <p:sp>
+          <p:nvSpPr>
+            <p:cNvPr id="11" name="TextBox 10">
+              <a:extLst>
+                <a:ext uri="{FF2B5EF4-FFF2-40B4-BE49-F238E27FC236}">
+                  <a16:creationId xmlns:a16="http://schemas.microsoft.com/office/drawing/2014/main" id="{963A2AFD-582A-4C12-88FF-7ABAB0661306}"/>
+                </a:ext>
+              </a:extLst>
+            </p:cNvPr>
+            <p:cNvSpPr txBox="1"/>
+            <p:nvPr/>
+          </p:nvSpPr>
+          <p:spPr>
+            <a:xfrm>
+              <a:off x="5340664" y="5055670"/>
+              <a:ext cx="1017024" cy="564455"/>
+            </a:xfrm>
+            <a:prstGeom prst="rect">
+              <a:avLst/>
+            </a:prstGeom>
+            <a:noFill/>
+          </p:spPr>
+          <p:txBody>
+            <a:bodyPr wrap="none" rtlCol="0">
+              <a:spAutoFit/>
+            </a:bodyPr>
+            <a:lstStyle/>
+            <a:p>
+              <a:pPr marL="0" marR="0" lvl="0" indent="0" algn="l" defTabSz="914400" rtl="0" eaLnBrk="1" fontAlgn="base" latinLnBrk="0" hangingPunct="1">
+                <a:lnSpc>
+                  <a:spcPct val="100000"/>
+                </a:lnSpc>
+                <a:spcBef>
+                  <a:spcPct val="0"/>
+                </a:spcBef>
+                <a:spcAft>
+                  <a:spcPct val="0"/>
+                </a:spcAft>
+                <a:buClrTx/>
+                <a:buSzTx/>
+                <a:buFontTx/>
+                <a:buNone/>
+                <a:tabLst/>
+                <a:defRPr/>
+              </a:pPr>
+              <a:r>
+                <a:rPr kumimoji="0" lang="en-US" sz="1400" b="0" i="1" u="none" strike="noStrike" kern="1200" cap="none" spc="0" normalizeH="0" baseline="0" noProof="0" dirty="0">
+                  <a:ln>
+                    <a:noFill/>
+                  </a:ln>
+                  <a:solidFill>
+                    <a:prstClr val="black"/>
+                  </a:solidFill>
+                  <a:effectLst/>
+                  <a:uLnTx/>
+                  <a:uFillTx/>
+                  <a:latin typeface="Arial" charset="0"/>
+                  <a:ea typeface="+mn-ea"/>
+                  <a:cs typeface="Arial" charset="0"/>
+                </a:rPr>
+                <a:t>Finish</a:t>
+              </a:r>
+            </a:p>
+          </p:txBody>
+        </p:sp>
+        <p:cxnSp>
+          <p:nvCxnSpPr>
+            <p:cNvPr id="12" name="Straight Connector 11">
+              <a:extLst>
+                <a:ext uri="{FF2B5EF4-FFF2-40B4-BE49-F238E27FC236}">
+                  <a16:creationId xmlns:a16="http://schemas.microsoft.com/office/drawing/2014/main" id="{7DD4FC99-ACDA-4640-A14D-10B1CBD4BFE0}"/>
+                </a:ext>
+              </a:extLst>
+            </p:cNvPr>
+            <p:cNvCxnSpPr/>
+            <p:nvPr/>
+          </p:nvCxnSpPr>
+          <p:spPr>
+            <a:xfrm flipV="1">
+              <a:off x="1843033" y="2947405"/>
+              <a:ext cx="3891330" cy="2005595"/>
+            </a:xfrm>
+            <a:prstGeom prst="line">
+              <a:avLst/>
+            </a:prstGeom>
+            <a:ln>
+              <a:solidFill>
+                <a:srgbClr val="FF0000"/>
+              </a:solidFill>
+            </a:ln>
+          </p:spPr>
+          <p:style>
+            <a:lnRef idx="2">
+              <a:schemeClr val="accent1"/>
+            </a:lnRef>
+            <a:fillRef idx="0">
+              <a:schemeClr val="accent1"/>
+            </a:fillRef>
+            <a:effectRef idx="1">
+              <a:schemeClr val="accent1"/>
+            </a:effectRef>
+            <a:fontRef idx="minor">
+              <a:schemeClr val="tx1"/>
+            </a:fontRef>
+          </p:style>
+        </p:cxnSp>
+        <p:cxnSp>
+          <p:nvCxnSpPr>
+            <p:cNvPr id="13" name="Straight Connector 12">
+              <a:extLst>
+                <a:ext uri="{FF2B5EF4-FFF2-40B4-BE49-F238E27FC236}">
+                  <a16:creationId xmlns:a16="http://schemas.microsoft.com/office/drawing/2014/main" id="{789CFB48-4418-4698-9F56-8D2060B724A6}"/>
+                </a:ext>
+              </a:extLst>
+            </p:cNvPr>
+            <p:cNvCxnSpPr/>
+            <p:nvPr/>
+          </p:nvCxnSpPr>
+          <p:spPr>
+            <a:xfrm flipV="1">
+              <a:off x="1843033" y="4336335"/>
+              <a:ext cx="629455" cy="616665"/>
+            </a:xfrm>
+            <a:prstGeom prst="line">
+              <a:avLst/>
+            </a:prstGeom>
+            <a:ln>
+              <a:solidFill>
+                <a:srgbClr val="00B050"/>
+              </a:solidFill>
+            </a:ln>
+          </p:spPr>
+          <p:style>
+            <a:lnRef idx="2">
+              <a:schemeClr val="accent1"/>
+            </a:lnRef>
+            <a:fillRef idx="0">
+              <a:schemeClr val="accent1"/>
+            </a:fillRef>
+            <a:effectRef idx="1">
+              <a:schemeClr val="accent1"/>
+            </a:effectRef>
+            <a:fontRef idx="minor">
+              <a:schemeClr val="tx1"/>
+            </a:fontRef>
+          </p:style>
+        </p:cxnSp>
+        <p:cxnSp>
+          <p:nvCxnSpPr>
+            <p:cNvPr id="14" name="Straight Connector 13">
+              <a:extLst>
+                <a:ext uri="{FF2B5EF4-FFF2-40B4-BE49-F238E27FC236}">
+                  <a16:creationId xmlns:a16="http://schemas.microsoft.com/office/drawing/2014/main" id="{0833A540-12B4-4DDF-AF11-A09126055DBB}"/>
+                </a:ext>
+              </a:extLst>
+            </p:cNvPr>
+            <p:cNvCxnSpPr/>
+            <p:nvPr/>
+          </p:nvCxnSpPr>
+          <p:spPr>
+            <a:xfrm flipV="1">
+              <a:off x="2472489" y="3826882"/>
+              <a:ext cx="3235005" cy="509453"/>
+            </a:xfrm>
+            <a:prstGeom prst="line">
+              <a:avLst/>
+            </a:prstGeom>
+            <a:ln>
+              <a:solidFill>
+                <a:srgbClr val="00B050"/>
+              </a:solidFill>
+            </a:ln>
+          </p:spPr>
+          <p:style>
+            <a:lnRef idx="2">
+              <a:schemeClr val="accent1"/>
+            </a:lnRef>
+            <a:fillRef idx="0">
+              <a:schemeClr val="accent1"/>
+            </a:fillRef>
+            <a:effectRef idx="1">
+              <a:schemeClr val="accent1"/>
+            </a:effectRef>
+            <a:fontRef idx="minor">
+              <a:schemeClr val="tx1"/>
+            </a:fontRef>
+          </p:style>
+        </p:cxnSp>
+        <p:grpSp>
+          <p:nvGrpSpPr>
+            <p:cNvPr id="15" name="Group 14">
+              <a:extLst>
+                <a:ext uri="{FF2B5EF4-FFF2-40B4-BE49-F238E27FC236}">
+                  <a16:creationId xmlns:a16="http://schemas.microsoft.com/office/drawing/2014/main" id="{E169B2CA-9C5D-443D-8F6A-932A654488CD}"/>
+                </a:ext>
+              </a:extLst>
+            </p:cNvPr>
+            <p:cNvGrpSpPr/>
+            <p:nvPr/>
+          </p:nvGrpSpPr>
+          <p:grpSpPr>
+            <a:xfrm>
+              <a:off x="2057400" y="2947405"/>
+              <a:ext cx="2048669" cy="801054"/>
+              <a:chOff x="6663843" y="2438400"/>
+              <a:chExt cx="2048669" cy="801054"/>
+            </a:xfrm>
+          </p:grpSpPr>
+          <p:sp>
+            <p:nvSpPr>
+              <p:cNvPr id="16" name="TextBox 15">
+                <a:extLst>
+                  <a:ext uri="{FF2B5EF4-FFF2-40B4-BE49-F238E27FC236}">
+                    <a16:creationId xmlns:a16="http://schemas.microsoft.com/office/drawing/2014/main" id="{9C4E6164-3FFB-4A92-A0E6-6AE45E9C5CAE}"/>
+                  </a:ext>
+                </a:extLst>
+              </p:cNvPr>
+              <p:cNvSpPr txBox="1"/>
+              <p:nvPr/>
+            </p:nvSpPr>
+            <p:spPr>
+              <a:xfrm>
+                <a:off x="7120197" y="2438400"/>
+                <a:ext cx="1592315" cy="801054"/>
+              </a:xfrm>
+              <a:prstGeom prst="rect">
+                <a:avLst/>
+              </a:prstGeom>
+              <a:noFill/>
+            </p:spPr>
+            <p:txBody>
+              <a:bodyPr wrap="none" rtlCol="0">
+                <a:spAutoFit/>
+              </a:bodyPr>
+              <a:lstStyle/>
+              <a:p>
+                <a:pPr marL="0" marR="0" lvl="0" indent="0" algn="l" defTabSz="914400" rtl="0" eaLnBrk="1" fontAlgn="base" latinLnBrk="0" hangingPunct="1">
+                  <a:lnSpc>
+                    <a:spcPct val="100000"/>
+                  </a:lnSpc>
+                  <a:spcBef>
+                    <a:spcPct val="0"/>
+                  </a:spcBef>
+                  <a:spcAft>
+                    <a:spcPct val="0"/>
+                  </a:spcAft>
+                  <a:buClrTx/>
+                  <a:buSzTx/>
+                  <a:buFontTx/>
+                  <a:buNone/>
+                  <a:tabLst/>
+                  <a:defRPr/>
+                </a:pPr>
+                <a:r>
+                  <a:rPr kumimoji="0" lang="en-US" sz="1400" b="0" i="0" u="none" strike="noStrike" kern="1200" cap="none" spc="0" normalizeH="0" baseline="0" noProof="0" dirty="0">
+                    <a:ln>
+                      <a:noFill/>
+                    </a:ln>
+                    <a:solidFill>
+                      <a:prstClr val="black"/>
+                    </a:solidFill>
+                    <a:effectLst/>
+                    <a:uLnTx/>
+                    <a:uFillTx/>
+                    <a:latin typeface="Arial" charset="0"/>
+                    <a:ea typeface="+mn-ea"/>
+                    <a:cs typeface="Arial" charset="0"/>
+                  </a:rPr>
+                  <a:t>Old Process</a:t>
+                </a:r>
+              </a:p>
+              <a:p>
+                <a:pPr marL="0" marR="0" lvl="0" indent="0" algn="l" defTabSz="914400" rtl="0" eaLnBrk="1" fontAlgn="base" latinLnBrk="0" hangingPunct="1">
+                  <a:lnSpc>
+                    <a:spcPct val="100000"/>
+                  </a:lnSpc>
+                  <a:spcBef>
+                    <a:spcPct val="0"/>
+                  </a:spcBef>
+                  <a:spcAft>
+                    <a:spcPct val="0"/>
+                  </a:spcAft>
+                  <a:buClrTx/>
+                  <a:buSzTx/>
+                  <a:buFontTx/>
+                  <a:buNone/>
+                  <a:tabLst/>
+                  <a:defRPr/>
+                </a:pPr>
+                <a:r>
+                  <a:rPr kumimoji="0" lang="en-US" sz="1400" b="0" i="0" u="none" strike="noStrike" kern="1200" cap="none" spc="0" normalizeH="0" baseline="0" noProof="0" dirty="0">
+                    <a:ln>
+                      <a:noFill/>
+                    </a:ln>
+                    <a:solidFill>
+                      <a:prstClr val="black"/>
+                    </a:solidFill>
+                    <a:effectLst/>
+                    <a:uLnTx/>
+                    <a:uFillTx/>
+                    <a:latin typeface="Arial" charset="0"/>
+                    <a:ea typeface="+mn-ea"/>
+                    <a:cs typeface="Arial" charset="0"/>
+                  </a:rPr>
+                  <a:t>New Process</a:t>
+                </a:r>
+              </a:p>
+            </p:txBody>
+          </p:sp>
+          <p:cxnSp>
+            <p:nvCxnSpPr>
+              <p:cNvPr id="17" name="Straight Connector 16">
+                <a:extLst>
+                  <a:ext uri="{FF2B5EF4-FFF2-40B4-BE49-F238E27FC236}">
+                    <a16:creationId xmlns:a16="http://schemas.microsoft.com/office/drawing/2014/main" id="{6C63E1A2-427D-456C-B92A-C936948D5EE9}"/>
+                  </a:ext>
+                </a:extLst>
+              </p:cNvPr>
+              <p:cNvCxnSpPr/>
+              <p:nvPr/>
+            </p:nvCxnSpPr>
+            <p:spPr>
+              <a:xfrm>
+                <a:off x="6663843" y="2590800"/>
+                <a:ext cx="433761" cy="0"/>
+              </a:xfrm>
+              <a:prstGeom prst="line">
+                <a:avLst/>
+              </a:prstGeom>
+              <a:ln>
+                <a:solidFill>
+                  <a:srgbClr val="FF0000"/>
+                </a:solidFill>
+              </a:ln>
+            </p:spPr>
+            <p:style>
+              <a:lnRef idx="2">
+                <a:schemeClr val="accent1"/>
+              </a:lnRef>
+              <a:fillRef idx="0">
+                <a:schemeClr val="accent1"/>
+              </a:fillRef>
+              <a:effectRef idx="1">
+                <a:schemeClr val="accent1"/>
+              </a:effectRef>
+              <a:fontRef idx="minor">
+                <a:schemeClr val="tx1"/>
+              </a:fontRef>
+            </p:style>
+          </p:cxnSp>
+          <p:cxnSp>
+            <p:nvCxnSpPr>
+              <p:cNvPr id="18" name="Straight Connector 17">
+                <a:extLst>
+                  <a:ext uri="{FF2B5EF4-FFF2-40B4-BE49-F238E27FC236}">
+                    <a16:creationId xmlns:a16="http://schemas.microsoft.com/office/drawing/2014/main" id="{2BF1FD62-76D5-4B93-825B-7B7D7C45D88E}"/>
+                  </a:ext>
+                </a:extLst>
+              </p:cNvPr>
+              <p:cNvCxnSpPr/>
+              <p:nvPr/>
+            </p:nvCxnSpPr>
+            <p:spPr>
+              <a:xfrm>
+                <a:off x="6663843" y="2878138"/>
+                <a:ext cx="445057" cy="0"/>
+              </a:xfrm>
+              <a:prstGeom prst="line">
+                <a:avLst/>
+              </a:prstGeom>
+              <a:ln>
+                <a:solidFill>
+                  <a:srgbClr val="00B050"/>
+                </a:solidFill>
+              </a:ln>
+            </p:spPr>
+            <p:style>
+              <a:lnRef idx="2">
+                <a:schemeClr val="accent1"/>
+              </a:lnRef>
+              <a:fillRef idx="0">
+                <a:schemeClr val="accent1"/>
+              </a:fillRef>
+              <a:effectRef idx="1">
+                <a:schemeClr val="accent1"/>
+              </a:effectRef>
+              <a:fontRef idx="minor">
+                <a:schemeClr val="tx1"/>
+              </a:fontRef>
+            </p:style>
+          </p:cxnSp>
+        </p:grpSp>
+      </p:grpSp>
+      <p:sp>
+        <p:nvSpPr>
+          <p:cNvPr id="19" name="TextBox 18">
+            <a:extLst>
+              <a:ext uri="{FF2B5EF4-FFF2-40B4-BE49-F238E27FC236}">
+                <a16:creationId xmlns:a16="http://schemas.microsoft.com/office/drawing/2014/main" id="{CB4556FD-8900-4E34-B5BB-4F6E7C6D06E9}"/>
+              </a:ext>
+            </a:extLst>
+          </p:cNvPr>
+          <p:cNvSpPr txBox="1"/>
+          <p:nvPr/>
+        </p:nvSpPr>
+        <p:spPr>
+          <a:xfrm>
+            <a:off x="7481252" y="3921044"/>
+            <a:ext cx="3984868" cy="683264"/>
+          </a:xfrm>
+          <a:prstGeom prst="rect">
+            <a:avLst/>
+          </a:prstGeom>
+          <a:noFill/>
+        </p:spPr>
+        <p:txBody>
+          <a:bodyPr wrap="square" lIns="118872" tIns="91440" rIns="118872" bIns="91440" rtlCol="0" anchor="ctr" anchorCtr="0">
+            <a:spAutoFit/>
+          </a:bodyPr>
+          <a:lstStyle/>
+          <a:p>
+            <a:pPr algn="l">
+              <a:lnSpc>
+                <a:spcPct val="90000"/>
+              </a:lnSpc>
+            </a:pPr>
+            <a:r>
+              <a:rPr lang="en-US" i="1" dirty="0">
+                <a:solidFill>
+                  <a:schemeClr val="tx2"/>
+                </a:solidFill>
+              </a:rPr>
+              <a:t>The new process costs something to implement, but it pays off over time</a:t>
+            </a:r>
+          </a:p>
+        </p:txBody>
+      </p:sp>
+      <p:sp>
+        <p:nvSpPr>
+          <p:cNvPr id="20" name="TextBox 19">
+            <a:extLst>
+              <a:ext uri="{FF2B5EF4-FFF2-40B4-BE49-F238E27FC236}">
+                <a16:creationId xmlns:a16="http://schemas.microsoft.com/office/drawing/2014/main" id="{B31AEBA1-8DD1-46C2-BA97-AA7026B03181}"/>
+              </a:ext>
+            </a:extLst>
+          </p:cNvPr>
+          <p:cNvSpPr txBox="1"/>
+          <p:nvPr/>
+        </p:nvSpPr>
+        <p:spPr>
+          <a:xfrm>
+            <a:off x="6094412" y="5146497"/>
+            <a:ext cx="5677452" cy="683264"/>
+          </a:xfrm>
+          <a:prstGeom prst="rect">
+            <a:avLst/>
+          </a:prstGeom>
+          <a:noFill/>
+          <a:ln w="25400">
+            <a:solidFill>
+              <a:schemeClr val="tx1"/>
+            </a:solidFill>
+          </a:ln>
+        </p:spPr>
+        <p:txBody>
+          <a:bodyPr wrap="none" lIns="118872" tIns="91440" rIns="118872" bIns="91440" rtlCol="0" anchor="ctr" anchorCtr="0">
+            <a:spAutoFit/>
+          </a:bodyPr>
+          <a:lstStyle/>
+          <a:p>
+            <a:pPr algn="ctr">
+              <a:lnSpc>
+                <a:spcPct val="90000"/>
+              </a:lnSpc>
+            </a:pPr>
+            <a:r>
+              <a:rPr lang="en-US" dirty="0"/>
+              <a:t>Productivity and Sustainability Improvement Planning</a:t>
+            </a:r>
+            <a:endParaRPr lang="en-US" dirty="0">
+              <a:hlinkClick r:id="rId2"/>
+            </a:endParaRPr>
+          </a:p>
+          <a:p>
+            <a:pPr algn="ctr">
+              <a:lnSpc>
+                <a:spcPct val="90000"/>
+              </a:lnSpc>
+            </a:pPr>
+            <a:r>
+              <a:rPr lang="en-US" dirty="0">
+                <a:hlinkClick r:id="rId2"/>
+              </a:rPr>
+              <a:t>https://bssw.io/psip</a:t>
+            </a:r>
+            <a:endParaRPr lang="en-US" dirty="0"/>
+          </a:p>
+        </p:txBody>
+      </p:sp>
+    </p:spTree>
+    <p:extLst>
+      <p:ext uri="{BB962C8B-B14F-4D97-AF65-F5344CB8AC3E}">
+        <p14:creationId xmlns:p14="http://schemas.microsoft.com/office/powerpoint/2010/main" val="3932546652"/>
       </p:ext>
     </p:extLst>
   </p:cSld>
@@ -4126,7 +5194,7 @@
           <p:cNvPr id="2" name="Title 1">
             <a:extLst>
               <a:ext uri="{FF2B5EF4-FFF2-40B4-BE49-F238E27FC236}">
-                <a16:creationId xmlns:a16="http://schemas.microsoft.com/office/drawing/2014/main" id="{81DC924B-5B6D-0D48-84F3-4320D88EE221}"/>
+                <a16:creationId xmlns:a16="http://schemas.microsoft.com/office/drawing/2014/main" id="{91244D94-3E9F-43CD-AAF7-1C9718E6D132}"/>
               </a:ext>
             </a:extLst>
           </p:cNvPr>
@@ -4137,19 +5205,14 @@
             <p:ph type="title"/>
           </p:nvPr>
         </p:nvSpPr>
-        <p:spPr>
-          <a:xfrm>
-            <a:off x="285616" y="127001"/>
-            <a:ext cx="11372473" cy="914400"/>
-          </a:xfrm>
-        </p:spPr>
+        <p:spPr/>
         <p:txBody>
           <a:bodyPr/>
           <a:lstStyle/>
           <a:p>
             <a:r>
               <a:rPr lang="en-US" dirty="0"/>
-              <a:t>Research Software Used in Policymaking gets Scrutiny</a:t>
+              <a:t>Software Under the Microscope</a:t>
             </a:r>
           </a:p>
         </p:txBody>
@@ -4159,7 +5222,7 @@
           <p:cNvPr id="3" name="Content Placeholder 2">
             <a:extLst>
               <a:ext uri="{FF2B5EF4-FFF2-40B4-BE49-F238E27FC236}">
-                <a16:creationId xmlns:a16="http://schemas.microsoft.com/office/drawing/2014/main" id="{1E46A525-C218-8F40-A882-286AE2FD48FB}"/>
+                <a16:creationId xmlns:a16="http://schemas.microsoft.com/office/drawing/2014/main" id="{268F46BB-6B5A-4644-9D89-549681D75630}"/>
               </a:ext>
             </a:extLst>
           </p:cNvPr>
@@ -4167,14 +5230,17 @@
             <a:spLocks noGrp="1"/>
           </p:cNvSpPr>
           <p:nvPr>
-            <p:ph idx="1"/>
+            <p:ph sz="half" idx="2"/>
           </p:nvPr>
         </p:nvSpPr>
         <p:spPr>
           <a:xfrm>
-            <a:off x="595967" y="736600"/>
-            <a:ext cx="11369809" cy="4383038"/>
+            <a:off x="457199" y="1419254"/>
+            <a:ext cx="5902349" cy="3373229"/>
           </a:xfrm>
+          <a:ln>
+            <a:noFill/>
+          </a:ln>
         </p:spPr>
         <p:txBody>
           <a:bodyPr/>
@@ -4197,88 +5263,211 @@
             </a:r>
           </a:p>
           <a:p>
-            <a:pPr>
-              <a:spcBef>
-                <a:spcPts val="800"/>
-              </a:spcBef>
-            </a:pPr>
             <a:r>
               <a:rPr lang="en-US" sz="2000" dirty="0"/>
               <a:t>April 1: Nicholas Lewis (independent climate science researcher in UK) can’t easily see where some of the assumptions come from – publishes a blog article</a:t>
             </a:r>
           </a:p>
           <a:p>
-            <a:pPr>
-              <a:spcBef>
-                <a:spcPts val="800"/>
-              </a:spcBef>
-            </a:pPr>
-            <a:r>
-              <a:rPr lang="en-US" sz="2000" dirty="0"/>
-              <a:t>April 22: Imperial collaborates with Microsoft to refactor and clean up the code, which is released on GitHub</a:t>
-            </a:r>
-          </a:p>
-          <a:p>
-            <a:pPr>
-              <a:spcBef>
-                <a:spcPts val="800"/>
-              </a:spcBef>
-            </a:pPr>
-            <a:r>
-              <a:rPr lang="en-US" sz="2000" dirty="0"/>
-              <a:t>May 16: Daily Telegraph and Fox News sensationalize the story</a:t>
-            </a:r>
-            <a:r>
-              <a:rPr lang="en-US" sz="1600" dirty="0"/>
-              <a:t> </a:t>
-            </a:r>
-          </a:p>
-          <a:p>
-            <a:pPr lvl="1">
-              <a:spcBef>
-                <a:spcPts val="200"/>
-              </a:spcBef>
-            </a:pPr>
-            <a:r>
-              <a:rPr lang="en-US" sz="1600" dirty="0"/>
-              <a:t>“In our commercial reality, we would fire anyone for developing code like this and any business that relied on it to produce software for sale would likely go bust,” David Richards, co-founder of British data technology company </a:t>
-            </a:r>
-            <a:r>
-              <a:rPr lang="en-US" sz="1600" dirty="0" err="1"/>
-              <a:t>WANdisco</a:t>
-            </a:r>
-            <a:endParaRPr lang="en-US" sz="1600" dirty="0"/>
-          </a:p>
-          <a:p>
-            <a:pPr>
-              <a:spcBef>
-                <a:spcPts val="800"/>
-              </a:spcBef>
-            </a:pPr>
-            <a:r>
-              <a:rPr lang="en-US" sz="2000" dirty="0"/>
-              <a:t>May 29: CODECHECK independently reproduces paper reporting Imperial’s results</a:t>
-            </a:r>
-          </a:p>
-          <a:p>
-            <a:pPr>
-              <a:spcBef>
-                <a:spcPts val="800"/>
-              </a:spcBef>
-            </a:pPr>
-            <a:r>
-              <a:rPr lang="en-US" sz="2000" i="1" dirty="0"/>
-              <a:t>Documentation and test cases become more critical as the code’s results became more relevant!</a:t>
+            <a:pPr lvl="1"/>
+            <a:r>
+              <a:rPr lang="en-US" dirty="0">
+                <a:solidFill>
+                  <a:schemeClr val="tx2"/>
+                </a:solidFill>
+              </a:rPr>
+              <a:t>“Moreover, the computer code… is old, unverified, and documented inadequately, if at all…”</a:t>
             </a:r>
           </a:p>
         </p:txBody>
       </p:sp>
+      <p:pic>
+        <p:nvPicPr>
+          <p:cNvPr id="8" name="Picture 7" descr="A screenshot of a cell phone&#10;&#10;Description automatically generated">
+            <a:extLst>
+              <a:ext uri="{FF2B5EF4-FFF2-40B4-BE49-F238E27FC236}">
+                <a16:creationId xmlns:a16="http://schemas.microsoft.com/office/drawing/2014/main" id="{D75A5D10-6C61-4973-A536-F9DB2ECCEC95}"/>
+              </a:ext>
+            </a:extLst>
+          </p:cNvPr>
+          <p:cNvPicPr>
+            <a:picLocks noChangeAspect="1"/>
+          </p:cNvPicPr>
+          <p:nvPr/>
+        </p:nvPicPr>
+        <p:blipFill rotWithShape="1">
+          <a:blip r:embed="rId2" cstate="print">
+            <a:extLst>
+              <a:ext uri="{28A0092B-C50C-407E-A947-70E740481C1C}">
+                <a14:useLocalDpi xmlns:a14="http://schemas.microsoft.com/office/drawing/2010/main" val="0"/>
+              </a:ext>
+            </a:extLst>
+          </a:blip>
+          <a:srcRect l="9115" t="9104" r="7533" b="76091"/>
+          <a:stretch/>
+        </p:blipFill>
+        <p:spPr>
+          <a:xfrm>
+            <a:off x="6809849" y="4122497"/>
+            <a:ext cx="4042279" cy="1015300"/>
+          </a:xfrm>
+          <a:prstGeom prst="rect">
+            <a:avLst/>
+          </a:prstGeom>
+          <a:ln w="19050">
+            <a:gradFill flip="none" rotWithShape="1">
+              <a:gsLst>
+                <a:gs pos="0">
+                  <a:schemeClr val="accent1">
+                    <a:lumMod val="5000"/>
+                    <a:lumOff val="95000"/>
+                  </a:schemeClr>
+                </a:gs>
+                <a:gs pos="74000">
+                  <a:schemeClr val="accent1">
+                    <a:lumMod val="45000"/>
+                    <a:lumOff val="55000"/>
+                  </a:schemeClr>
+                </a:gs>
+                <a:gs pos="83000">
+                  <a:schemeClr val="accent1">
+                    <a:lumMod val="45000"/>
+                    <a:lumOff val="55000"/>
+                  </a:schemeClr>
+                </a:gs>
+                <a:gs pos="100000">
+                  <a:schemeClr val="accent1">
+                    <a:lumMod val="30000"/>
+                    <a:lumOff val="70000"/>
+                  </a:schemeClr>
+                </a:gs>
+              </a:gsLst>
+              <a:lin ang="16200000" scaled="1"/>
+              <a:tileRect/>
+            </a:gradFill>
+          </a:ln>
+        </p:spPr>
+      </p:pic>
+      <p:pic>
+        <p:nvPicPr>
+          <p:cNvPr id="10" name="Picture 9" descr="A screenshot of a cell phone&#10;&#10;Description automatically generated">
+            <a:extLst>
+              <a:ext uri="{FF2B5EF4-FFF2-40B4-BE49-F238E27FC236}">
+                <a16:creationId xmlns:a16="http://schemas.microsoft.com/office/drawing/2014/main" id="{0478805F-E121-4A80-88F5-B4CDA20812BF}"/>
+              </a:ext>
+            </a:extLst>
+          </p:cNvPr>
+          <p:cNvPicPr>
+            <a:picLocks noChangeAspect="1"/>
+          </p:cNvPicPr>
+          <p:nvPr/>
+        </p:nvPicPr>
+        <p:blipFill rotWithShape="1">
+          <a:blip r:embed="rId3" cstate="print">
+            <a:extLst>
+              <a:ext uri="{28A0092B-C50C-407E-A947-70E740481C1C}">
+                <a14:useLocalDpi xmlns:a14="http://schemas.microsoft.com/office/drawing/2010/main" val="0"/>
+              </a:ext>
+            </a:extLst>
+          </a:blip>
+          <a:srcRect l="10675" t="3862" r="9742" b="62942"/>
+          <a:stretch/>
+        </p:blipFill>
+        <p:spPr>
+          <a:xfrm>
+            <a:off x="6143044" y="339860"/>
+            <a:ext cx="3859399" cy="2276542"/>
+          </a:xfrm>
+          <a:prstGeom prst="rect">
+            <a:avLst/>
+          </a:prstGeom>
+          <a:ln w="19050">
+            <a:gradFill flip="none" rotWithShape="1">
+              <a:gsLst>
+                <a:gs pos="0">
+                  <a:schemeClr val="accent1">
+                    <a:lumMod val="5000"/>
+                    <a:lumOff val="95000"/>
+                  </a:schemeClr>
+                </a:gs>
+                <a:gs pos="74000">
+                  <a:schemeClr val="accent1">
+                    <a:lumMod val="45000"/>
+                    <a:lumOff val="55000"/>
+                  </a:schemeClr>
+                </a:gs>
+                <a:gs pos="83000">
+                  <a:schemeClr val="accent1">
+                    <a:lumMod val="45000"/>
+                    <a:lumOff val="55000"/>
+                  </a:schemeClr>
+                </a:gs>
+                <a:gs pos="100000">
+                  <a:schemeClr val="accent1">
+                    <a:lumMod val="30000"/>
+                    <a:lumOff val="70000"/>
+                  </a:schemeClr>
+                </a:gs>
+              </a:gsLst>
+              <a:lin ang="16200000" scaled="1"/>
+              <a:tileRect/>
+            </a:gradFill>
+          </a:ln>
+        </p:spPr>
+      </p:pic>
+      <p:pic>
+        <p:nvPicPr>
+          <p:cNvPr id="12" name="Picture 11" descr="A close up of a map&#10;&#10;Description automatically generated">
+            <a:extLst>
+              <a:ext uri="{FF2B5EF4-FFF2-40B4-BE49-F238E27FC236}">
+                <a16:creationId xmlns:a16="http://schemas.microsoft.com/office/drawing/2014/main" id="{07733F80-77F2-46CC-8074-06717545457E}"/>
+              </a:ext>
+            </a:extLst>
+          </p:cNvPr>
+          <p:cNvPicPr>
+            <a:picLocks noChangeAspect="1"/>
+          </p:cNvPicPr>
+          <p:nvPr/>
+        </p:nvPicPr>
+        <p:blipFill rotWithShape="1">
+          <a:blip r:embed="rId4" cstate="print">
+            <a:extLst>
+              <a:ext uri="{28A0092B-C50C-407E-A947-70E740481C1C}">
+                <a14:useLocalDpi xmlns:a14="http://schemas.microsoft.com/office/drawing/2010/main" val="0"/>
+              </a:ext>
+            </a:extLst>
+          </a:blip>
+          <a:srcRect l="11326" t="15632" r="10913" b="44828"/>
+          <a:stretch/>
+        </p:blipFill>
+        <p:spPr>
+          <a:xfrm>
+            <a:off x="8288767" y="1176619"/>
+            <a:ext cx="3771112" cy="2711670"/>
+          </a:xfrm>
+          <a:prstGeom prst="rect">
+            <a:avLst/>
+          </a:prstGeom>
+          <a:ln>
+            <a:solidFill>
+              <a:schemeClr val="accent1"/>
+            </a:solidFill>
+          </a:ln>
+          <a:effectLst>
+            <a:outerShdw blurRad="50800" dist="38100" dir="2700000" algn="tl" rotWithShape="0">
+              <a:prstClr val="black">
+                <a:alpha val="40000"/>
+              </a:prstClr>
+            </a:outerShdw>
+          </a:effectLst>
+        </p:spPr>
+      </p:pic>
       <p:sp>
         <p:nvSpPr>
-          <p:cNvPr id="5" name="TextBox 4">
+          <p:cNvPr id="13" name="TextBox 12">
             <a:extLst>
               <a:ext uri="{FF2B5EF4-FFF2-40B4-BE49-F238E27FC236}">
-                <a16:creationId xmlns:a16="http://schemas.microsoft.com/office/drawing/2014/main" id="{36CF2F71-DEDB-F441-8D41-E2C0586ABB9A}"/>
+                <a16:creationId xmlns:a16="http://schemas.microsoft.com/office/drawing/2014/main" id="{95476604-38E0-4990-8608-A0AF27FDA5F7}"/>
               </a:ext>
             </a:extLst>
           </p:cNvPr>
@@ -4287,8 +5476,8 @@
         </p:nvSpPr>
         <p:spPr>
           <a:xfrm>
-            <a:off x="921409" y="4775697"/>
-            <a:ext cx="10573023" cy="1348061"/>
+            <a:off x="457200" y="5353371"/>
+            <a:ext cx="7390806" cy="766364"/>
           </a:xfrm>
           <a:prstGeom prst="rect">
             <a:avLst/>
@@ -4321,11 +5510,13 @@
             </a:pPr>
             <a:r>
               <a:rPr lang="en-US" sz="1400" dirty="0">
-                <a:hlinkClick r:id="rId2"/>
+                <a:hlinkClick r:id="rId5"/>
               </a:rPr>
-              <a:t>https://www.nature.com/articles/d41586-020-01003-6</a:t>
-            </a:r>
-            <a:endParaRPr lang="en-US" sz="1400" dirty="0"/>
+              <a:t>https://doi.org/10.25561/77482</a:t>
+            </a:r>
+            <a:endParaRPr lang="en-US" sz="1400" dirty="0">
+              <a:hlinkClick r:id="rId6"/>
+            </a:endParaRPr>
           </a:p>
           <a:p>
             <a:pPr>
@@ -4335,7 +5526,7 @@
             </a:pPr>
             <a:r>
               <a:rPr lang="en-US" sz="1400" dirty="0">
-                <a:hlinkClick r:id="rId3"/>
+                <a:hlinkClick r:id="rId7"/>
               </a:rPr>
               <a:t>https://www.nicholaslewis.org/imperial-college-uk-covid-19-numbers-dont-seem-to-add-up/</a:t>
             </a:r>
@@ -4349,54 +5540,9 @@
             </a:pPr>
             <a:r>
               <a:rPr lang="en-US" sz="1400" dirty="0">
-                <a:hlinkClick r:id="rId4"/>
-              </a:rPr>
-              <a:t>https://www.foxnews.com/world/imperial-college-britain-coronavirus-lockdown-buggy-mess-unreliable</a:t>
-            </a:r>
-            <a:endParaRPr lang="en-US" sz="1400" dirty="0"/>
-          </a:p>
-          <a:p>
-            <a:pPr>
-              <a:lnSpc>
-                <a:spcPct val="90000"/>
-              </a:lnSpc>
-            </a:pPr>
-            <a:r>
-              <a:rPr lang="en-US" sz="1400" dirty="0">
-                <a:hlinkClick r:id="rId5"/>
-              </a:rPr>
-              <a:t>https://github.com/mrc-ide/covid-sim/issues/116</a:t>
-            </a:r>
-            <a:r>
-              <a:rPr lang="en-US" sz="1400" dirty="0"/>
-              <a:t> ‘’There appears to be a bug in either the creation or re-use of the network file’’</a:t>
-            </a:r>
-          </a:p>
-          <a:p>
-            <a:pPr>
-              <a:lnSpc>
-                <a:spcPct val="90000"/>
-              </a:lnSpc>
-            </a:pPr>
-            <a:r>
-              <a:rPr lang="en-US" sz="1400" dirty="0">
                 <a:hlinkClick r:id="rId6"/>
               </a:rPr>
-              <a:t>https://philbull.wordpress.com/2020/05/10/why-you-can-ignore-reviews-of-scientific-code-by-commercial-software-developers/amp/</a:t>
-            </a:r>
-            <a:endParaRPr lang="en-US" sz="1400" dirty="0"/>
-          </a:p>
-          <a:p>
-            <a:pPr>
-              <a:lnSpc>
-                <a:spcPct val="90000"/>
-              </a:lnSpc>
-            </a:pPr>
-            <a:r>
-              <a:rPr lang="en-US" sz="1400" dirty="0">
-                <a:hlinkClick r:id="rId7"/>
-              </a:rPr>
-              <a:t>http://doi.org/10.5281/zenodo.3865491</a:t>
+              <a:t>https://www.nature.com/articles/d41586-020-01003-6</a:t>
             </a:r>
             <a:endParaRPr lang="en-US" sz="1400" dirty="0"/>
           </a:p>
@@ -4405,7 +5551,7 @@
     </p:spTree>
     <p:extLst>
       <p:ext uri="{BB962C8B-B14F-4D97-AF65-F5344CB8AC3E}">
-        <p14:creationId xmlns:p14="http://schemas.microsoft.com/office/powerpoint/2010/main" val="3297713737"/>
+        <p14:creationId xmlns:p14="http://schemas.microsoft.com/office/powerpoint/2010/main" val="3946097563"/>
       </p:ext>
     </p:extLst>
   </p:cSld>
@@ -4416,6 +5562,1074 @@
 </file>
 
 <file path=ppt/slides/slide4.xml><?xml version="1.0" encoding="utf-8"?>
+<p:sld xmlns:a="http://schemas.openxmlformats.org/drawingml/2006/main" xmlns:r="http://schemas.openxmlformats.org/officeDocument/2006/relationships" xmlns:p="http://schemas.openxmlformats.org/presentationml/2006/main">
+  <p:cSld>
+    <p:spTree>
+      <p:nvGrpSpPr>
+        <p:cNvPr id="1" name=""/>
+        <p:cNvGrpSpPr/>
+        <p:nvPr/>
+      </p:nvGrpSpPr>
+      <p:grpSpPr>
+        <a:xfrm>
+          <a:off x="0" y="0"/>
+          <a:ext cx="0" cy="0"/>
+          <a:chOff x="0" y="0"/>
+          <a:chExt cx="0" cy="0"/>
+        </a:xfrm>
+      </p:grpSpPr>
+      <p:sp>
+        <p:nvSpPr>
+          <p:cNvPr id="2" name="Title 1">
+            <a:extLst>
+              <a:ext uri="{FF2B5EF4-FFF2-40B4-BE49-F238E27FC236}">
+                <a16:creationId xmlns:a16="http://schemas.microsoft.com/office/drawing/2014/main" id="{E0D26887-E839-4994-8D3F-B684EEE2158C}"/>
+              </a:ext>
+            </a:extLst>
+          </p:cNvPr>
+          <p:cNvSpPr>
+            <a:spLocks noGrp="1"/>
+          </p:cNvSpPr>
+          <p:nvPr>
+            <p:ph type="title"/>
+          </p:nvPr>
+        </p:nvSpPr>
+        <p:spPr/>
+        <p:txBody>
+          <a:bodyPr/>
+          <a:lstStyle/>
+          <a:p>
+            <a:r>
+              <a:rPr lang="en-US" dirty="0"/>
+              <a:t>The Press Picks Up the Story</a:t>
+            </a:r>
+          </a:p>
+        </p:txBody>
+      </p:sp>
+      <p:sp>
+        <p:nvSpPr>
+          <p:cNvPr id="7" name="TextBox 6">
+            <a:extLst>
+              <a:ext uri="{FF2B5EF4-FFF2-40B4-BE49-F238E27FC236}">
+                <a16:creationId xmlns:a16="http://schemas.microsoft.com/office/drawing/2014/main" id="{27B9885B-2F9D-4132-89B1-5734073BA3DA}"/>
+              </a:ext>
+            </a:extLst>
+          </p:cNvPr>
+          <p:cNvSpPr txBox="1"/>
+          <p:nvPr/>
+        </p:nvSpPr>
+        <p:spPr>
+          <a:xfrm>
+            <a:off x="1393927" y="5562257"/>
+            <a:ext cx="9400971" cy="572464"/>
+          </a:xfrm>
+          <a:prstGeom prst="rect">
+            <a:avLst/>
+          </a:prstGeom>
+        </p:spPr>
+        <p:style>
+          <a:lnRef idx="2">
+            <a:schemeClr val="dk1"/>
+          </a:lnRef>
+          <a:fillRef idx="1">
+            <a:schemeClr val="lt1"/>
+          </a:fillRef>
+          <a:effectRef idx="0">
+            <a:schemeClr val="dk1"/>
+          </a:effectRef>
+          <a:fontRef idx="minor">
+            <a:schemeClr val="dk1"/>
+          </a:fontRef>
+        </p:style>
+        <p:txBody>
+          <a:bodyPr wrap="none" lIns="118872" tIns="91440" rIns="118872" bIns="91440" rtlCol="0" anchor="ctr" anchorCtr="0">
+            <a:spAutoFit/>
+          </a:bodyPr>
+          <a:lstStyle/>
+          <a:p>
+            <a:pPr>
+              <a:lnSpc>
+                <a:spcPct val="90000"/>
+              </a:lnSpc>
+            </a:pPr>
+            <a:r>
+              <a:rPr lang="en-US" sz="1400" dirty="0">
+                <a:hlinkClick r:id="rId2"/>
+              </a:rPr>
+              <a:t>https://www.foxnews.com/world/imperial-college-britain-coronavirus-lockdown-buggy-mess-unreliable</a:t>
+            </a:r>
+            <a:endParaRPr lang="en-US" sz="1400" dirty="0"/>
+          </a:p>
+          <a:p>
+            <a:pPr>
+              <a:lnSpc>
+                <a:spcPct val="90000"/>
+              </a:lnSpc>
+            </a:pPr>
+            <a:r>
+              <a:rPr lang="en-US" sz="1400" dirty="0">
+                <a:hlinkClick r:id="rId3"/>
+              </a:rPr>
+              <a:t>https://www.telegraph.co.uk/technology/2020/05/16/coding-led-lockdown-totally-unreliable-buggy-mess-say-experts/</a:t>
+            </a:r>
+            <a:endParaRPr lang="en-US" sz="1400" dirty="0"/>
+          </a:p>
+        </p:txBody>
+      </p:sp>
+      <p:pic>
+        <p:nvPicPr>
+          <p:cNvPr id="12" name="Picture 11" descr="A screenshot of a social media post&#10;&#10;Description automatically generated">
+            <a:extLst>
+              <a:ext uri="{FF2B5EF4-FFF2-40B4-BE49-F238E27FC236}">
+                <a16:creationId xmlns:a16="http://schemas.microsoft.com/office/drawing/2014/main" id="{7A99D9B9-5B12-4D08-BDB7-1B5D6001092B}"/>
+              </a:ext>
+            </a:extLst>
+          </p:cNvPr>
+          <p:cNvPicPr>
+            <a:picLocks noChangeAspect="1"/>
+          </p:cNvPicPr>
+          <p:nvPr/>
+        </p:nvPicPr>
+        <p:blipFill rotWithShape="1">
+          <a:blip r:embed="rId4">
+            <a:extLst>
+              <a:ext uri="{28A0092B-C50C-407E-A947-70E740481C1C}">
+                <a14:useLocalDpi xmlns:a14="http://schemas.microsoft.com/office/drawing/2010/main" val="0"/>
+              </a:ext>
+            </a:extLst>
+          </a:blip>
+          <a:srcRect l="26511" t="41819" r="26898" b="37404"/>
+          <a:stretch/>
+        </p:blipFill>
+        <p:spPr>
+          <a:xfrm>
+            <a:off x="5837035" y="238701"/>
+            <a:ext cx="5678906" cy="1375038"/>
+          </a:xfrm>
+          <a:prstGeom prst="rect">
+            <a:avLst/>
+          </a:prstGeom>
+          <a:ln>
+            <a:solidFill>
+              <a:schemeClr val="accent1"/>
+            </a:solidFill>
+          </a:ln>
+          <a:effectLst>
+            <a:outerShdw blurRad="50800" dist="38100" dir="2700000" algn="tl" rotWithShape="0">
+              <a:prstClr val="black">
+                <a:alpha val="40000"/>
+              </a:prstClr>
+            </a:outerShdw>
+          </a:effectLst>
+        </p:spPr>
+      </p:pic>
+      <p:sp>
+        <p:nvSpPr>
+          <p:cNvPr id="13" name="Rectangle 12">
+            <a:extLst>
+              <a:ext uri="{FF2B5EF4-FFF2-40B4-BE49-F238E27FC236}">
+                <a16:creationId xmlns:a16="http://schemas.microsoft.com/office/drawing/2014/main" id="{9247790C-CFF1-484A-A92D-04A37887B341}"/>
+              </a:ext>
+            </a:extLst>
+          </p:cNvPr>
+          <p:cNvSpPr/>
+          <p:nvPr/>
+        </p:nvSpPr>
+        <p:spPr>
+          <a:xfrm>
+            <a:off x="186818" y="3349327"/>
+            <a:ext cx="5190403" cy="1754326"/>
+          </a:xfrm>
+          <a:prstGeom prst="rect">
+            <a:avLst/>
+          </a:prstGeom>
+          <a:solidFill>
+            <a:schemeClr val="bg1"/>
+          </a:solidFill>
+          <a:ln>
+            <a:solidFill>
+              <a:schemeClr val="accent1"/>
+            </a:solidFill>
+          </a:ln>
+          <a:effectLst>
+            <a:outerShdw blurRad="50800" dist="38100" dir="2700000" algn="tl" rotWithShape="0">
+              <a:prstClr val="black">
+                <a:alpha val="40000"/>
+              </a:prstClr>
+            </a:outerShdw>
+          </a:effectLst>
+        </p:spPr>
+        <p:txBody>
+          <a:bodyPr wrap="square">
+            <a:spAutoFit/>
+          </a:bodyPr>
+          <a:lstStyle/>
+          <a:p>
+            <a:r>
+              <a:rPr lang="en-US" dirty="0">
+                <a:latin typeface="+mn-lt"/>
+              </a:rPr>
+              <a:t>“</a:t>
+            </a:r>
+            <a:r>
+              <a:rPr lang="en-US" dirty="0">
+                <a:highlight>
+                  <a:srgbClr val="FFFF00"/>
+                </a:highlight>
+                <a:latin typeface="+mn-lt"/>
+              </a:rPr>
+              <a:t>Models must be capable of passing the basic scientific test of producing the same results given the same initial set of parameters</a:t>
+            </a:r>
+            <a:r>
+              <a:rPr lang="en-US" dirty="0">
+                <a:latin typeface="+mn-lt"/>
+              </a:rPr>
+              <a:t>…otherwise, there is simply no way of knowing whether they will be reliable,” said Michael Bonsall, Professor of Mathematical Biology at Oxford University.</a:t>
+            </a:r>
+          </a:p>
+        </p:txBody>
+      </p:sp>
+      <p:sp>
+        <p:nvSpPr>
+          <p:cNvPr id="14" name="Rectangle 13">
+            <a:extLst>
+              <a:ext uri="{FF2B5EF4-FFF2-40B4-BE49-F238E27FC236}">
+                <a16:creationId xmlns:a16="http://schemas.microsoft.com/office/drawing/2014/main" id="{590551D9-996E-4696-B3DD-86421718D866}"/>
+              </a:ext>
+            </a:extLst>
+          </p:cNvPr>
+          <p:cNvSpPr/>
+          <p:nvPr/>
+        </p:nvSpPr>
+        <p:spPr>
+          <a:xfrm>
+            <a:off x="373787" y="1425155"/>
+            <a:ext cx="4816467" cy="1754326"/>
+          </a:xfrm>
+          <a:prstGeom prst="rect">
+            <a:avLst/>
+          </a:prstGeom>
+          <a:solidFill>
+            <a:schemeClr val="bg1"/>
+          </a:solidFill>
+          <a:ln>
+            <a:solidFill>
+              <a:schemeClr val="accent1"/>
+            </a:solidFill>
+          </a:ln>
+          <a:effectLst>
+            <a:outerShdw blurRad="50800" dist="38100" dir="2700000" algn="tl" rotWithShape="0">
+              <a:prstClr val="black">
+                <a:alpha val="40000"/>
+              </a:prstClr>
+            </a:outerShdw>
+          </a:effectLst>
+        </p:spPr>
+        <p:txBody>
+          <a:bodyPr wrap="square">
+            <a:spAutoFit/>
+          </a:bodyPr>
+          <a:lstStyle/>
+          <a:p>
+            <a:r>
+              <a:rPr lang="en-US" dirty="0"/>
+              <a:t>“In our commercial reality, </a:t>
+            </a:r>
+            <a:r>
+              <a:rPr lang="en-US" dirty="0">
+                <a:highlight>
+                  <a:srgbClr val="FFFF00"/>
+                </a:highlight>
+              </a:rPr>
+              <a:t>we would fire anyone for developing code like this </a:t>
+            </a:r>
+            <a:r>
+              <a:rPr lang="en-US" dirty="0"/>
+              <a:t>and any business that relied on it to produce software for sale would likely go bust,” David Richards, co-founder of British data technology company </a:t>
+            </a:r>
+            <a:r>
+              <a:rPr lang="en-US" dirty="0" err="1"/>
+              <a:t>WANdisco</a:t>
+            </a:r>
+            <a:r>
+              <a:rPr lang="en-US" dirty="0"/>
+              <a:t>, told the Daily Telegraph.</a:t>
+            </a:r>
+          </a:p>
+        </p:txBody>
+      </p:sp>
+      <p:sp>
+        <p:nvSpPr>
+          <p:cNvPr id="15" name="Rectangle 14">
+            <a:extLst>
+              <a:ext uri="{FF2B5EF4-FFF2-40B4-BE49-F238E27FC236}">
+                <a16:creationId xmlns:a16="http://schemas.microsoft.com/office/drawing/2014/main" id="{A9681A77-8F7F-40BA-A04E-61141280FBC4}"/>
+              </a:ext>
+            </a:extLst>
+          </p:cNvPr>
+          <p:cNvSpPr/>
+          <p:nvPr/>
+        </p:nvSpPr>
+        <p:spPr>
+          <a:xfrm>
+            <a:off x="5625866" y="1879838"/>
+            <a:ext cx="6266248" cy="3416320"/>
+          </a:xfrm>
+          <a:prstGeom prst="rect">
+            <a:avLst/>
+          </a:prstGeom>
+          <a:solidFill>
+            <a:schemeClr val="bg1"/>
+          </a:solidFill>
+          <a:ln>
+            <a:solidFill>
+              <a:schemeClr val="accent1"/>
+            </a:solidFill>
+          </a:ln>
+          <a:effectLst>
+            <a:outerShdw blurRad="50800" dist="38100" dir="2700000" algn="tl" rotWithShape="0">
+              <a:prstClr val="black">
+                <a:alpha val="40000"/>
+              </a:prstClr>
+            </a:outerShdw>
+          </a:effectLst>
+        </p:spPr>
+        <p:txBody>
+          <a:bodyPr wrap="square">
+            <a:spAutoFit/>
+          </a:bodyPr>
+          <a:lstStyle/>
+          <a:p>
+            <a:r>
+              <a:rPr lang="en-US" dirty="0"/>
+              <a:t>Scientists from the University of Edinburgh have further claimed that it is </a:t>
+            </a:r>
+            <a:r>
+              <a:rPr lang="en-US" dirty="0">
+                <a:highlight>
+                  <a:srgbClr val="FFFF00"/>
+                </a:highlight>
+              </a:rPr>
+              <a:t>impossible to reproduce </a:t>
+            </a:r>
+            <a:r>
+              <a:rPr lang="en-US" dirty="0"/>
+              <a:t>the same results from the same data using the model. The team got different results when they used different machines, and even different results from the same machines.</a:t>
+            </a:r>
+          </a:p>
+          <a:p>
+            <a:r>
+              <a:rPr lang="en-US" dirty="0"/>
+              <a:t>“There appears to be a bug in either the creation or re-use of the network file. If we attempt two completely identical runs, only varying in that the second should use the network file produced by the first, the results are quite different,” the Edinburgh researchers wrote on the </a:t>
+            </a:r>
+            <a:r>
+              <a:rPr lang="en-US" dirty="0" err="1"/>
+              <a:t>Github</a:t>
+            </a:r>
+            <a:r>
+              <a:rPr lang="en-US" dirty="0"/>
+              <a:t> file.</a:t>
+            </a:r>
+          </a:p>
+          <a:p>
+            <a:r>
+              <a:rPr lang="en-US" dirty="0"/>
+              <a:t>A fix was provided, but it was </a:t>
+            </a:r>
+            <a:r>
+              <a:rPr lang="en-US" dirty="0">
+                <a:highlight>
+                  <a:srgbClr val="FFFF00"/>
+                </a:highlight>
+              </a:rPr>
+              <a:t>the first of many bugs </a:t>
+            </a:r>
+            <a:r>
+              <a:rPr lang="en-US" dirty="0"/>
+              <a:t>found within the program.</a:t>
+            </a:r>
+          </a:p>
+        </p:txBody>
+      </p:sp>
+      <p:sp>
+        <p:nvSpPr>
+          <p:cNvPr id="16" name="TextBox 15">
+            <a:extLst>
+              <a:ext uri="{FF2B5EF4-FFF2-40B4-BE49-F238E27FC236}">
+                <a16:creationId xmlns:a16="http://schemas.microsoft.com/office/drawing/2014/main" id="{2A6A05DB-8039-483A-8C18-6E63A758D369}"/>
+              </a:ext>
+            </a:extLst>
+          </p:cNvPr>
+          <p:cNvSpPr txBox="1"/>
+          <p:nvPr/>
+        </p:nvSpPr>
+        <p:spPr>
+          <a:xfrm>
+            <a:off x="373787" y="907768"/>
+            <a:ext cx="3430042" cy="350865"/>
+          </a:xfrm>
+          <a:prstGeom prst="rect">
+            <a:avLst/>
+          </a:prstGeom>
+          <a:noFill/>
+        </p:spPr>
+        <p:txBody>
+          <a:bodyPr wrap="none" lIns="118872" tIns="91440" rIns="118872" bIns="91440" rtlCol="0" anchor="ctr" anchorCtr="0">
+            <a:spAutoFit/>
+          </a:bodyPr>
+          <a:lstStyle/>
+          <a:p>
+            <a:pPr algn="l">
+              <a:lnSpc>
+                <a:spcPct val="90000"/>
+              </a:lnSpc>
+            </a:pPr>
+            <a:r>
+              <a:rPr lang="en-US" sz="1200" i="1" dirty="0">
+                <a:solidFill>
+                  <a:schemeClr val="tx2"/>
+                </a:solidFill>
+              </a:rPr>
+              <a:t>Headline and quotes from the Fox News article</a:t>
+            </a:r>
+          </a:p>
+        </p:txBody>
+      </p:sp>
+    </p:spTree>
+    <p:extLst>
+      <p:ext uri="{BB962C8B-B14F-4D97-AF65-F5344CB8AC3E}">
+        <p14:creationId xmlns:p14="http://schemas.microsoft.com/office/powerpoint/2010/main" val="3267181914"/>
+      </p:ext>
+    </p:extLst>
+  </p:cSld>
+  <p:clrMapOvr>
+    <a:masterClrMapping/>
+  </p:clrMapOvr>
+</p:sld>
+</file>
+
+<file path=ppt/slides/slide5.xml><?xml version="1.0" encoding="utf-8"?>
+<p:sld xmlns:a="http://schemas.openxmlformats.org/drawingml/2006/main" xmlns:r="http://schemas.openxmlformats.org/officeDocument/2006/relationships" xmlns:p="http://schemas.openxmlformats.org/presentationml/2006/main">
+  <p:cSld>
+    <p:spTree>
+      <p:nvGrpSpPr>
+        <p:cNvPr id="1" name=""/>
+        <p:cNvGrpSpPr/>
+        <p:nvPr/>
+      </p:nvGrpSpPr>
+      <p:grpSpPr>
+        <a:xfrm>
+          <a:off x="0" y="0"/>
+          <a:ext cx="0" cy="0"/>
+          <a:chOff x="0" y="0"/>
+          <a:chExt cx="0" cy="0"/>
+        </a:xfrm>
+      </p:grpSpPr>
+      <p:sp>
+        <p:nvSpPr>
+          <p:cNvPr id="2" name="Title 1">
+            <a:extLst>
+              <a:ext uri="{FF2B5EF4-FFF2-40B4-BE49-F238E27FC236}">
+                <a16:creationId xmlns:a16="http://schemas.microsoft.com/office/drawing/2014/main" id="{346BC4CB-2CF6-4B12-AA0F-B434DB9F521A}"/>
+              </a:ext>
+            </a:extLst>
+          </p:cNvPr>
+          <p:cNvSpPr>
+            <a:spLocks noGrp="1"/>
+          </p:cNvSpPr>
+          <p:nvPr>
+            <p:ph type="title"/>
+          </p:nvPr>
+        </p:nvSpPr>
+        <p:spPr/>
+        <p:txBody>
+          <a:bodyPr/>
+          <a:lstStyle/>
+          <a:p>
+            <a:r>
+              <a:rPr lang="en-US" dirty="0"/>
+              <a:t>What you May Not Have Heard</a:t>
+            </a:r>
+          </a:p>
+        </p:txBody>
+      </p:sp>
+      <p:sp>
+        <p:nvSpPr>
+          <p:cNvPr id="4" name="Content Placeholder 3">
+            <a:extLst>
+              <a:ext uri="{FF2B5EF4-FFF2-40B4-BE49-F238E27FC236}">
+                <a16:creationId xmlns:a16="http://schemas.microsoft.com/office/drawing/2014/main" id="{01357309-EA5B-4871-B245-254EA8DF9454}"/>
+              </a:ext>
+            </a:extLst>
+          </p:cNvPr>
+          <p:cNvSpPr>
+            <a:spLocks noGrp="1"/>
+          </p:cNvSpPr>
+          <p:nvPr>
+            <p:ph sz="half" idx="2"/>
+          </p:nvPr>
+        </p:nvSpPr>
+        <p:spPr>
+          <a:xfrm>
+            <a:off x="457200" y="1534144"/>
+            <a:ext cx="5588582" cy="3373229"/>
+          </a:xfrm>
+          <a:ln>
+            <a:noFill/>
+          </a:ln>
+        </p:spPr>
+        <p:txBody>
+          <a:bodyPr/>
+          <a:lstStyle/>
+          <a:p>
+            <a:r>
+              <a:rPr lang="en-US" dirty="0"/>
+              <a:t>April 22: Imperial collaborates with Microsoft to refactor and clean up the code, which is released on GitHub</a:t>
+            </a:r>
+          </a:p>
+          <a:p>
+            <a:r>
+              <a:rPr lang="en-US" dirty="0"/>
+              <a:t>May 10: Phil Bull rebuts criticisms of the Imperial code</a:t>
+            </a:r>
+          </a:p>
+          <a:p>
+            <a:pPr lvl="1"/>
+            <a:r>
+              <a:rPr lang="en-US" dirty="0"/>
+              <a:t>Which spurs further discussions within some groups focused on scientific software</a:t>
+            </a:r>
+          </a:p>
+          <a:p>
+            <a:r>
+              <a:rPr lang="en-US" dirty="0"/>
+              <a:t>May 29: CODECHECK independently reproduces results of Imperial’s Report 9</a:t>
+            </a:r>
+          </a:p>
+        </p:txBody>
+      </p:sp>
+      <p:sp>
+        <p:nvSpPr>
+          <p:cNvPr id="7" name="TextBox 6">
+            <a:extLst>
+              <a:ext uri="{FF2B5EF4-FFF2-40B4-BE49-F238E27FC236}">
+                <a16:creationId xmlns:a16="http://schemas.microsoft.com/office/drawing/2014/main" id="{15D30507-6194-454F-AB00-74011ECCE6EA}"/>
+              </a:ext>
+            </a:extLst>
+          </p:cNvPr>
+          <p:cNvSpPr txBox="1"/>
+          <p:nvPr/>
+        </p:nvSpPr>
+        <p:spPr>
+          <a:xfrm>
+            <a:off x="807902" y="5051400"/>
+            <a:ext cx="4809128" cy="1154162"/>
+          </a:xfrm>
+          <a:prstGeom prst="rect">
+            <a:avLst/>
+          </a:prstGeom>
+        </p:spPr>
+        <p:style>
+          <a:lnRef idx="2">
+            <a:schemeClr val="dk1"/>
+          </a:lnRef>
+          <a:fillRef idx="1">
+            <a:schemeClr val="lt1"/>
+          </a:fillRef>
+          <a:effectRef idx="0">
+            <a:schemeClr val="dk1"/>
+          </a:effectRef>
+          <a:fontRef idx="minor">
+            <a:schemeClr val="dk1"/>
+          </a:fontRef>
+        </p:style>
+        <p:txBody>
+          <a:bodyPr wrap="square" lIns="118872" tIns="91440" rIns="118872" bIns="91440" rtlCol="0" anchor="ctr" anchorCtr="0">
+            <a:spAutoFit/>
+          </a:bodyPr>
+          <a:lstStyle/>
+          <a:p>
+            <a:pPr>
+              <a:lnSpc>
+                <a:spcPct val="90000"/>
+              </a:lnSpc>
+            </a:pPr>
+            <a:r>
+              <a:rPr lang="en-US" sz="1400" dirty="0">
+                <a:hlinkClick r:id="rId2"/>
+              </a:rPr>
+              <a:t>https://github.com/mrc-ide/covid-sim/</a:t>
+            </a:r>
+            <a:endParaRPr lang="en-US" sz="1400" dirty="0"/>
+          </a:p>
+          <a:p>
+            <a:pPr>
+              <a:lnSpc>
+                <a:spcPct val="90000"/>
+              </a:lnSpc>
+            </a:pPr>
+            <a:r>
+              <a:rPr lang="en-US" sz="1400" dirty="0">
+                <a:hlinkClick r:id="rId3"/>
+              </a:rPr>
+              <a:t>https://philbull.wordpress.com/2020/05/10/why-you-can-ignore-reviews-of-scientific-code-by-commercial-software-developers/amp/</a:t>
+            </a:r>
+            <a:endParaRPr lang="en-US" sz="1400" dirty="0"/>
+          </a:p>
+          <a:p>
+            <a:pPr>
+              <a:lnSpc>
+                <a:spcPct val="90000"/>
+              </a:lnSpc>
+            </a:pPr>
+            <a:r>
+              <a:rPr lang="en-US" sz="1400" dirty="0">
+                <a:hlinkClick r:id="rId4"/>
+              </a:rPr>
+              <a:t>http://doi.org/10.5281/zenodo.3865491</a:t>
+            </a:r>
+            <a:endParaRPr lang="en-US" sz="1400" dirty="0"/>
+          </a:p>
+        </p:txBody>
+      </p:sp>
+      <p:sp>
+        <p:nvSpPr>
+          <p:cNvPr id="8" name="Rectangle 7">
+            <a:extLst>
+              <a:ext uri="{FF2B5EF4-FFF2-40B4-BE49-F238E27FC236}">
+                <a16:creationId xmlns:a16="http://schemas.microsoft.com/office/drawing/2014/main" id="{28B0AE1F-B199-489E-BB28-CE689B7DE1EE}"/>
+              </a:ext>
+            </a:extLst>
+          </p:cNvPr>
+          <p:cNvSpPr/>
+          <p:nvPr/>
+        </p:nvSpPr>
+        <p:spPr>
+          <a:xfrm>
+            <a:off x="6045782" y="1050899"/>
+            <a:ext cx="5975243" cy="2308324"/>
+          </a:xfrm>
+          <a:prstGeom prst="rect">
+            <a:avLst/>
+          </a:prstGeom>
+          <a:solidFill>
+            <a:schemeClr val="bg1"/>
+          </a:solidFill>
+          <a:ln>
+            <a:gradFill flip="none" rotWithShape="1">
+              <a:gsLst>
+                <a:gs pos="0">
+                  <a:schemeClr val="accent1">
+                    <a:lumMod val="5000"/>
+                    <a:lumOff val="95000"/>
+                  </a:schemeClr>
+                </a:gs>
+                <a:gs pos="74000">
+                  <a:schemeClr val="accent1">
+                    <a:lumMod val="45000"/>
+                    <a:lumOff val="55000"/>
+                  </a:schemeClr>
+                </a:gs>
+                <a:gs pos="83000">
+                  <a:schemeClr val="accent1">
+                    <a:lumMod val="45000"/>
+                    <a:lumOff val="55000"/>
+                  </a:schemeClr>
+                </a:gs>
+                <a:gs pos="100000">
+                  <a:schemeClr val="accent1">
+                    <a:lumMod val="30000"/>
+                    <a:lumOff val="70000"/>
+                  </a:schemeClr>
+                </a:gs>
+              </a:gsLst>
+              <a:lin ang="16200000" scaled="1"/>
+              <a:tileRect/>
+            </a:gradFill>
+          </a:ln>
+          <a:effectLst>
+            <a:outerShdw blurRad="50800" dist="38100" dir="2700000" algn="tl" rotWithShape="0">
+              <a:prstClr val="black">
+                <a:alpha val="40000"/>
+              </a:prstClr>
+            </a:outerShdw>
+          </a:effectLst>
+        </p:spPr>
+        <p:txBody>
+          <a:bodyPr wrap="square">
+            <a:spAutoFit/>
+          </a:bodyPr>
+          <a:lstStyle/>
+          <a:p>
+            <a:r>
+              <a:rPr lang="en-US" i="1" dirty="0" err="1">
+                <a:solidFill>
+                  <a:srgbClr val="353535"/>
+                </a:solidFill>
+                <a:latin typeface="+mn-lt"/>
+              </a:rPr>
+              <a:t>tl;dr</a:t>
+            </a:r>
+            <a:r>
+              <a:rPr lang="en-US" i="1" dirty="0">
+                <a:solidFill>
+                  <a:srgbClr val="353535"/>
+                </a:solidFill>
+                <a:latin typeface="+mn-lt"/>
+              </a:rPr>
+              <a:t>: Many </a:t>
+            </a:r>
+            <a:r>
+              <a:rPr lang="en-US" i="1" dirty="0">
+                <a:solidFill>
+                  <a:srgbClr val="353535"/>
+                </a:solidFill>
+                <a:highlight>
+                  <a:srgbClr val="FFFF00"/>
+                </a:highlight>
+                <a:latin typeface="+mn-lt"/>
+              </a:rPr>
+              <a:t>scientists write code that is crappy stylistically, but which is nevertheless scientifically correct </a:t>
+            </a:r>
+            <a:r>
+              <a:rPr lang="en-US" i="1" dirty="0">
+                <a:solidFill>
+                  <a:srgbClr val="353535"/>
+                </a:solidFill>
+                <a:latin typeface="+mn-lt"/>
+              </a:rPr>
+              <a:t>(following rigorous checking/validation of outputs </a:t>
+            </a:r>
+            <a:r>
+              <a:rPr lang="en-US" i="1" dirty="0" err="1">
+                <a:solidFill>
+                  <a:srgbClr val="353535"/>
+                </a:solidFill>
+                <a:latin typeface="+mn-lt"/>
+              </a:rPr>
+              <a:t>etc</a:t>
+            </a:r>
+            <a:r>
+              <a:rPr lang="en-US" i="1" dirty="0">
+                <a:solidFill>
+                  <a:srgbClr val="353535"/>
+                </a:solidFill>
+                <a:latin typeface="+mn-lt"/>
+              </a:rPr>
+              <a:t>). Professional </a:t>
+            </a:r>
+            <a:r>
+              <a:rPr lang="en-US" i="1" dirty="0">
+                <a:solidFill>
+                  <a:srgbClr val="353535"/>
+                </a:solidFill>
+                <a:highlight>
+                  <a:srgbClr val="FFFF00"/>
+                </a:highlight>
+                <a:latin typeface="+mn-lt"/>
+              </a:rPr>
+              <a:t>commercial software developers are well-qualified to review code style, but most don’t have a clue about checking scientific validity or what counts as good scientific practice</a:t>
+            </a:r>
+            <a:r>
+              <a:rPr lang="en-US" i="1" dirty="0">
+                <a:solidFill>
+                  <a:srgbClr val="353535"/>
+                </a:solidFill>
+                <a:latin typeface="+mn-lt"/>
+              </a:rPr>
+              <a:t>. Criticisms of the </a:t>
+            </a:r>
+            <a:r>
+              <a:rPr lang="en-US" i="1" dirty="0">
+                <a:latin typeface="+mn-lt"/>
+              </a:rPr>
+              <a:t>Imperial </a:t>
+            </a:r>
+            <a:r>
+              <a:rPr lang="en-US" i="1" dirty="0" err="1">
+                <a:latin typeface="+mn-lt"/>
+              </a:rPr>
+              <a:t>Covid</a:t>
+            </a:r>
+            <a:r>
+              <a:rPr lang="en-US" i="1" dirty="0">
+                <a:latin typeface="+mn-lt"/>
+              </a:rPr>
+              <a:t>-Sim </a:t>
+            </a:r>
+            <a:r>
+              <a:rPr lang="en-US" i="1" dirty="0">
+                <a:solidFill>
+                  <a:srgbClr val="353535"/>
+                </a:solidFill>
+                <a:latin typeface="+mn-lt"/>
+              </a:rPr>
+              <a:t>model from some of the latter are overstated at best.</a:t>
+            </a:r>
+            <a:endParaRPr lang="en-US" dirty="0">
+              <a:latin typeface="+mn-lt"/>
+            </a:endParaRPr>
+          </a:p>
+        </p:txBody>
+      </p:sp>
+      <p:pic>
+        <p:nvPicPr>
+          <p:cNvPr id="12" name="Picture 11" descr="A screenshot of a cell phone&#10;&#10;Description automatically generated">
+            <a:extLst>
+              <a:ext uri="{FF2B5EF4-FFF2-40B4-BE49-F238E27FC236}">
+                <a16:creationId xmlns:a16="http://schemas.microsoft.com/office/drawing/2014/main" id="{55130320-93E9-4928-8D3D-88B5FA347BC5}"/>
+              </a:ext>
+            </a:extLst>
+          </p:cNvPr>
+          <p:cNvPicPr>
+            <a:picLocks noChangeAspect="1"/>
+          </p:cNvPicPr>
+          <p:nvPr/>
+        </p:nvPicPr>
+        <p:blipFill rotWithShape="1">
+          <a:blip r:embed="rId5" cstate="print">
+            <a:extLst>
+              <a:ext uri="{28A0092B-C50C-407E-A947-70E740481C1C}">
+                <a14:useLocalDpi xmlns:a14="http://schemas.microsoft.com/office/drawing/2010/main" val="0"/>
+              </a:ext>
+            </a:extLst>
+          </a:blip>
+          <a:srcRect l="19196" t="12341" r="18661" b="52281"/>
+          <a:stretch/>
+        </p:blipFill>
+        <p:spPr>
+          <a:xfrm>
+            <a:off x="7386795" y="3565479"/>
+            <a:ext cx="3293215" cy="2426253"/>
+          </a:xfrm>
+          <a:prstGeom prst="rect">
+            <a:avLst/>
+          </a:prstGeom>
+          <a:ln w="19050">
+            <a:gradFill flip="none" rotWithShape="1">
+              <a:gsLst>
+                <a:gs pos="0">
+                  <a:schemeClr val="accent1">
+                    <a:lumMod val="5000"/>
+                    <a:lumOff val="95000"/>
+                  </a:schemeClr>
+                </a:gs>
+                <a:gs pos="74000">
+                  <a:schemeClr val="accent1">
+                    <a:lumMod val="45000"/>
+                    <a:lumOff val="55000"/>
+                  </a:schemeClr>
+                </a:gs>
+                <a:gs pos="83000">
+                  <a:schemeClr val="accent1">
+                    <a:lumMod val="45000"/>
+                    <a:lumOff val="55000"/>
+                  </a:schemeClr>
+                </a:gs>
+                <a:gs pos="100000">
+                  <a:schemeClr val="accent1">
+                    <a:lumMod val="30000"/>
+                    <a:lumOff val="70000"/>
+                  </a:schemeClr>
+                </a:gs>
+              </a:gsLst>
+              <a:lin ang="16200000" scaled="1"/>
+              <a:tileRect/>
+            </a:gradFill>
+          </a:ln>
+          <a:effectLst>
+            <a:outerShdw blurRad="50800" dist="38100" dir="2700000" algn="tl" rotWithShape="0">
+              <a:prstClr val="black">
+                <a:alpha val="40000"/>
+              </a:prstClr>
+            </a:outerShdw>
+          </a:effectLst>
+        </p:spPr>
+      </p:pic>
+    </p:spTree>
+    <p:extLst>
+      <p:ext uri="{BB962C8B-B14F-4D97-AF65-F5344CB8AC3E}">
+        <p14:creationId xmlns:p14="http://schemas.microsoft.com/office/powerpoint/2010/main" val="2441288283"/>
+      </p:ext>
+    </p:extLst>
+  </p:cSld>
+  <p:clrMapOvr>
+    <a:masterClrMapping/>
+  </p:clrMapOvr>
+</p:sld>
+</file>
+
+<file path=ppt/slides/slide6.xml><?xml version="1.0" encoding="utf-8"?>
+<p:sld xmlns:a="http://schemas.openxmlformats.org/drawingml/2006/main" xmlns:r="http://schemas.openxmlformats.org/officeDocument/2006/relationships" xmlns:p="http://schemas.openxmlformats.org/presentationml/2006/main">
+  <p:cSld>
+    <p:spTree>
+      <p:nvGrpSpPr>
+        <p:cNvPr id="1" name=""/>
+        <p:cNvGrpSpPr/>
+        <p:nvPr/>
+      </p:nvGrpSpPr>
+      <p:grpSpPr>
+        <a:xfrm>
+          <a:off x="0" y="0"/>
+          <a:ext cx="0" cy="0"/>
+          <a:chOff x="0" y="0"/>
+          <a:chExt cx="0" cy="0"/>
+        </a:xfrm>
+      </p:grpSpPr>
+      <p:sp>
+        <p:nvSpPr>
+          <p:cNvPr id="7" name="Title 6">
+            <a:extLst>
+              <a:ext uri="{FF2B5EF4-FFF2-40B4-BE49-F238E27FC236}">
+                <a16:creationId xmlns:a16="http://schemas.microsoft.com/office/drawing/2014/main" id="{29328965-75A8-4374-82D5-A2BF03690E41}"/>
+              </a:ext>
+            </a:extLst>
+          </p:cNvPr>
+          <p:cNvSpPr>
+            <a:spLocks noGrp="1"/>
+          </p:cNvSpPr>
+          <p:nvPr>
+            <p:ph type="title"/>
+          </p:nvPr>
+        </p:nvSpPr>
+        <p:spPr/>
+        <p:txBody>
+          <a:bodyPr/>
+          <a:lstStyle/>
+          <a:p>
+            <a:r>
+              <a:rPr lang="en-US" dirty="0"/>
+              <a:t>Some Observations</a:t>
+            </a:r>
+          </a:p>
+        </p:txBody>
+      </p:sp>
+      <p:sp>
+        <p:nvSpPr>
+          <p:cNvPr id="8" name="Content Placeholder 7">
+            <a:extLst>
+              <a:ext uri="{FF2B5EF4-FFF2-40B4-BE49-F238E27FC236}">
+                <a16:creationId xmlns:a16="http://schemas.microsoft.com/office/drawing/2014/main" id="{20324307-6414-484B-8953-D8554EF97306}"/>
+              </a:ext>
+            </a:extLst>
+          </p:cNvPr>
+          <p:cNvSpPr>
+            <a:spLocks noGrp="1"/>
+          </p:cNvSpPr>
+          <p:nvPr>
+            <p:ph idx="1"/>
+          </p:nvPr>
+        </p:nvSpPr>
+        <p:spPr/>
+        <p:txBody>
+          <a:bodyPr/>
+          <a:lstStyle/>
+          <a:p>
+            <a:r>
+              <a:rPr lang="en-US" dirty="0"/>
+              <a:t>Your code is likely to live longer than you expect, and may be used in ways you don’t expect by people you don’t know – plan for it!</a:t>
+            </a:r>
+          </a:p>
+          <a:p>
+            <a:r>
+              <a:rPr lang="en-US" dirty="0"/>
+              <a:t>Increasingly, consequential decisions are made based on computational results</a:t>
+            </a:r>
+          </a:p>
+          <a:p>
+            <a:pPr lvl="1"/>
+            <a:r>
+              <a:rPr lang="en-US" dirty="0"/>
+              <a:t>The codes generating those results may (justifiably) be subject to greater scrutiny</a:t>
+            </a:r>
+          </a:p>
+          <a:p>
+            <a:r>
+              <a:rPr lang="en-US" dirty="0"/>
+              <a:t>The scientific credibility of software is strongly connected to good software engineering practices</a:t>
+            </a:r>
+          </a:p>
+          <a:p>
+            <a:pPr lvl="1"/>
+            <a:r>
+              <a:rPr lang="en-US" dirty="0"/>
+              <a:t>Documentation</a:t>
+            </a:r>
+          </a:p>
+          <a:p>
+            <a:pPr lvl="1"/>
+            <a:r>
+              <a:rPr lang="en-US" dirty="0"/>
+              <a:t>Testing, verification, and (where possible) validation</a:t>
+            </a:r>
+          </a:p>
+          <a:p>
+            <a:pPr lvl="1"/>
+            <a:r>
+              <a:rPr lang="en-US" dirty="0"/>
+              <a:t>Code readability and quality metrics</a:t>
+            </a:r>
+          </a:p>
+        </p:txBody>
+      </p:sp>
+      <p:sp>
+        <p:nvSpPr>
+          <p:cNvPr id="9" name="TextBox 8">
+            <a:extLst>
+              <a:ext uri="{FF2B5EF4-FFF2-40B4-BE49-F238E27FC236}">
+                <a16:creationId xmlns:a16="http://schemas.microsoft.com/office/drawing/2014/main" id="{F7A973BB-506E-4A1B-8268-0ECF0419F34A}"/>
+              </a:ext>
+            </a:extLst>
+          </p:cNvPr>
+          <p:cNvSpPr txBox="1"/>
+          <p:nvPr/>
+        </p:nvSpPr>
+        <p:spPr>
+          <a:xfrm>
+            <a:off x="365760" y="5526605"/>
+            <a:ext cx="10869579" cy="517065"/>
+          </a:xfrm>
+          <a:prstGeom prst="rect">
+            <a:avLst/>
+          </a:prstGeom>
+          <a:noFill/>
+        </p:spPr>
+        <p:txBody>
+          <a:bodyPr wrap="none" lIns="118872" tIns="91440" rIns="118872" bIns="91440" rtlCol="0" anchor="ctr" anchorCtr="0">
+            <a:spAutoFit/>
+          </a:bodyPr>
+          <a:lstStyle/>
+          <a:p>
+            <a:pPr algn="l">
+              <a:lnSpc>
+                <a:spcPct val="90000"/>
+              </a:lnSpc>
+            </a:pPr>
+            <a:r>
+              <a:rPr lang="en-US" sz="2400" dirty="0">
+                <a:solidFill>
+                  <a:schemeClr val="tx2"/>
+                </a:solidFill>
+              </a:rPr>
+              <a:t>Question: Should we excuse scientific software for being “crappy stylistically”?</a:t>
+            </a:r>
+          </a:p>
+        </p:txBody>
+      </p:sp>
+    </p:spTree>
+    <p:extLst>
+      <p:ext uri="{BB962C8B-B14F-4D97-AF65-F5344CB8AC3E}">
+        <p14:creationId xmlns:p14="http://schemas.microsoft.com/office/powerpoint/2010/main" val="739991148"/>
+      </p:ext>
+    </p:extLst>
+  </p:cSld>
+  <p:clrMapOvr>
+    <a:masterClrMapping/>
+  </p:clrMapOvr>
+</p:sld>
+</file>
+
+<file path=ppt/slides/slide7.xml><?xml version="1.0" encoding="utf-8"?>
 <p:sld xmlns:a="http://schemas.openxmlformats.org/drawingml/2006/main" xmlns:r="http://schemas.openxmlformats.org/officeDocument/2006/relationships" xmlns:p="http://schemas.openxmlformats.org/presentationml/2006/main">
   <p:cSld>
     <p:spTree>
@@ -4495,7 +6709,129 @@
 </p:sld>
 </file>
 
-<file path=ppt/slides/slide5.xml><?xml version="1.0" encoding="utf-8"?>
+<file path=ppt/slides/slide8.xml><?xml version="1.0" encoding="utf-8"?>
+<p:sld xmlns:a="http://schemas.openxmlformats.org/drawingml/2006/main" xmlns:r="http://schemas.openxmlformats.org/officeDocument/2006/relationships" xmlns:p="http://schemas.openxmlformats.org/presentationml/2006/main">
+  <p:cSld>
+    <p:spTree>
+      <p:nvGrpSpPr>
+        <p:cNvPr id="1" name=""/>
+        <p:cNvGrpSpPr/>
+        <p:nvPr/>
+      </p:nvGrpSpPr>
+      <p:grpSpPr>
+        <a:xfrm>
+          <a:off x="0" y="0"/>
+          <a:ext cx="0" cy="0"/>
+          <a:chOff x="0" y="0"/>
+          <a:chExt cx="0" cy="0"/>
+        </a:xfrm>
+      </p:grpSpPr>
+      <p:sp>
+        <p:nvSpPr>
+          <p:cNvPr id="2" name="Title 1">
+            <a:extLst>
+              <a:ext uri="{FF2B5EF4-FFF2-40B4-BE49-F238E27FC236}">
+                <a16:creationId xmlns:a16="http://schemas.microsoft.com/office/drawing/2014/main" id="{0DDB3257-4000-436D-A7C3-75FA1E751AA5}"/>
+              </a:ext>
+            </a:extLst>
+          </p:cNvPr>
+          <p:cNvSpPr>
+            <a:spLocks noGrp="1"/>
+          </p:cNvSpPr>
+          <p:nvPr>
+            <p:ph type="title"/>
+          </p:nvPr>
+        </p:nvSpPr>
+        <p:spPr/>
+        <p:txBody>
+          <a:bodyPr/>
+          <a:lstStyle/>
+          <a:p>
+            <a:r>
+              <a:rPr lang="en-US" dirty="0"/>
+              <a:t>Today, We Covered Many Topics…</a:t>
+            </a:r>
+          </a:p>
+        </p:txBody>
+      </p:sp>
+      <p:sp>
+        <p:nvSpPr>
+          <p:cNvPr id="3" name="Content Placeholder 2">
+            <a:extLst>
+              <a:ext uri="{FF2B5EF4-FFF2-40B4-BE49-F238E27FC236}">
+                <a16:creationId xmlns:a16="http://schemas.microsoft.com/office/drawing/2014/main" id="{83604F36-B0F4-4052-B41C-CEB4982754BF}"/>
+              </a:ext>
+            </a:extLst>
+          </p:cNvPr>
+          <p:cNvSpPr>
+            <a:spLocks noGrp="1"/>
+          </p:cNvSpPr>
+          <p:nvPr>
+            <p:ph idx="1"/>
+          </p:nvPr>
+        </p:nvSpPr>
+        <p:spPr/>
+        <p:txBody>
+          <a:bodyPr/>
+          <a:lstStyle/>
+          <a:p>
+            <a:r>
+              <a:rPr lang="en-US" dirty="0"/>
+              <a:t>Project management</a:t>
+            </a:r>
+          </a:p>
+          <a:p>
+            <a:r>
+              <a:rPr lang="en-US" dirty="0"/>
+              <a:t>Collaboration around software development</a:t>
+            </a:r>
+          </a:p>
+          <a:p>
+            <a:r>
+              <a:rPr lang="en-US" dirty="0"/>
+              <a:t>Designing software for flexibility and extensibility</a:t>
+            </a:r>
+          </a:p>
+          <a:p>
+            <a:r>
+              <a:rPr lang="en-US" dirty="0"/>
+              <a:t>Testing strategies for complex software systems</a:t>
+            </a:r>
+          </a:p>
+          <a:p>
+            <a:r>
+              <a:rPr lang="en-US" dirty="0"/>
+              <a:t>Systematic refactoring of large, complex software systems</a:t>
+            </a:r>
+          </a:p>
+          <a:p>
+            <a:r>
+              <a:rPr lang="en-US" dirty="0"/>
+              <a:t>Continuous integration testing</a:t>
+            </a:r>
+          </a:p>
+          <a:p>
+            <a:r>
+              <a:rPr lang="en-US" dirty="0"/>
+              <a:t>Reproducibility</a:t>
+            </a:r>
+          </a:p>
+        </p:txBody>
+      </p:sp>
+    </p:spTree>
+    <p:extLst>
+      <p:ext uri="{BB962C8B-B14F-4D97-AF65-F5344CB8AC3E}">
+        <p14:creationId xmlns:p14="http://schemas.microsoft.com/office/powerpoint/2010/main" val="4009266668"/>
+      </p:ext>
+    </p:extLst>
+  </p:cSld>
+  <p:clrMapOvr>
+    <a:masterClrMapping/>
+  </p:clrMapOvr>
+</p:sld>
+</file>
+
+<file path=ppt/slides/slide9.xml><?xml version="1.0" encoding="utf-8"?>
 <p:sld xmlns:a="http://schemas.openxmlformats.org/drawingml/2006/main" xmlns:r="http://schemas.openxmlformats.org/officeDocument/2006/relationships" xmlns:p="http://schemas.openxmlformats.org/presentationml/2006/main">
   <p:cSld>
     <p:spTree>
@@ -4535,7 +6871,7 @@
           <a:p>
             <a:r>
               <a:rPr lang="en-US" dirty="0"/>
-              <a:t>Summary</a:t>
+              <a:t>And there are Many More We Didn’t Have Time For</a:t>
             </a:r>
           </a:p>
         </p:txBody>
@@ -4573,19 +6909,144 @@
             </a:pPr>
             <a:r>
               <a:rPr lang="en-US" dirty="0"/>
-              <a:t>There are many beneficial software development practices that we don’t have time to cover in this tutorial.  </a:t>
-            </a:r>
-            <a:r>
-              <a:rPr lang="en-US" b="1" dirty="0"/>
-              <a:t>That doesn’t mean they’re </a:t>
-            </a:r>
-            <a:r>
-              <a:rPr lang="en-US" b="1" i="1" dirty="0"/>
-              <a:t>not</a:t>
-            </a:r>
-            <a:r>
-              <a:rPr lang="en-US" b="1" dirty="0"/>
-              <a:t> useful and important!</a:t>
+              <a:t>Documentation</a:t>
+            </a:r>
+          </a:p>
+          <a:p>
+            <a:pPr>
+              <a:spcBef>
+                <a:spcPts val="200"/>
+              </a:spcBef>
+            </a:pPr>
+            <a:r>
+              <a:rPr lang="en-US" dirty="0"/>
+              <a:t>Licensing</a:t>
+            </a:r>
+          </a:p>
+          <a:p>
+            <a:pPr>
+              <a:spcBef>
+                <a:spcPts val="200"/>
+              </a:spcBef>
+            </a:pPr>
+            <a:r>
+              <a:rPr lang="en-US" dirty="0"/>
+              <a:t>Software publication and citation</a:t>
+            </a:r>
+          </a:p>
+          <a:p>
+            <a:pPr>
+              <a:spcBef>
+                <a:spcPts val="200"/>
+              </a:spcBef>
+            </a:pPr>
+            <a:r>
+              <a:rPr lang="en-US" dirty="0"/>
+              <a:t>Requirements gathering</a:t>
+            </a:r>
+          </a:p>
+          <a:p>
+            <a:pPr>
+              <a:spcBef>
+                <a:spcPts val="200"/>
+              </a:spcBef>
+            </a:pPr>
+            <a:r>
+              <a:rPr lang="en-US" dirty="0"/>
+              <a:t>Configuration and build</a:t>
+            </a:r>
+          </a:p>
+          <a:p>
+            <a:pPr>
+              <a:spcBef>
+                <a:spcPts val="200"/>
+              </a:spcBef>
+            </a:pPr>
+            <a:r>
+              <a:rPr lang="en-US" dirty="0"/>
+              <a:t>Packaging and distribution</a:t>
+            </a:r>
+          </a:p>
+          <a:p>
+            <a:pPr>
+              <a:spcBef>
+                <a:spcPts val="200"/>
+              </a:spcBef>
+            </a:pPr>
+            <a:r>
+              <a:rPr lang="en-US" dirty="0"/>
+              <a:t>Issue tracking</a:t>
+            </a:r>
+          </a:p>
+          <a:p>
+            <a:pPr>
+              <a:spcBef>
+                <a:spcPts val="200"/>
+              </a:spcBef>
+            </a:pPr>
+            <a:r>
+              <a:rPr lang="en-US" dirty="0"/>
+              <a:t>Debugging strategies</a:t>
+            </a:r>
+          </a:p>
+          <a:p>
+            <a:pPr>
+              <a:spcBef>
+                <a:spcPts val="200"/>
+              </a:spcBef>
+            </a:pPr>
+            <a:r>
+              <a:rPr lang="en-US" dirty="0"/>
+              <a:t>Understanding and debugging floating-point math</a:t>
+            </a:r>
+          </a:p>
+          <a:p>
+            <a:pPr>
+              <a:spcBef>
+                <a:spcPts val="200"/>
+              </a:spcBef>
+            </a:pPr>
+            <a:r>
+              <a:rPr lang="en-US" dirty="0"/>
+              <a:t>Performance and performance portability</a:t>
+            </a:r>
+          </a:p>
+          <a:p>
+            <a:pPr>
+              <a:spcBef>
+                <a:spcPts val="200"/>
+              </a:spcBef>
+            </a:pPr>
+            <a:r>
+              <a:rPr lang="en-US" dirty="0"/>
+              <a:t>Building and sustaining communities around software</a:t>
+            </a:r>
+          </a:p>
+          <a:p>
+            <a:pPr>
+              <a:spcBef>
+                <a:spcPts val="200"/>
+              </a:spcBef>
+            </a:pPr>
+            <a:r>
+              <a:rPr lang="en-US" dirty="0"/>
+              <a:t>…</a:t>
+            </a:r>
+          </a:p>
+          <a:p>
+            <a:pPr marL="0" indent="0">
+              <a:spcBef>
+                <a:spcPts val="2400"/>
+              </a:spcBef>
+              <a:buNone/>
+            </a:pPr>
+            <a:r>
+              <a:rPr lang="en-US" b="1" dirty="0">
+                <a:solidFill>
+                  <a:schemeClr val="tx2"/>
+                </a:solidFill>
+              </a:rPr>
+              <a:t>It’s not because they’re unimportant!</a:t>
             </a:r>
           </a:p>
         </p:txBody>
@@ -5516,6 +7977,21 @@
 </file>
 
 <file path=customXml/item1.xml><?xml version="1.0" encoding="utf-8"?>
+<p:properties xmlns:p="http://schemas.microsoft.com/office/2006/metadata/properties" xmlns:xsi="http://www.w3.org/2001/XMLSchema-instance" xmlns:pc="http://schemas.microsoft.com/office/infopath/2007/PartnerControls">
+  <documentManagement/>
+</p:properties>
+</file>
+
+<file path=customXml/item2.xml><?xml version="1.0" encoding="utf-8"?>
+<?mso-contentType ?>
+<FormTemplates xmlns="http://schemas.microsoft.com/sharepoint/v3/contenttype/forms">
+  <Display>DocumentLibraryForm</Display>
+  <Edit>DocumentLibraryForm</Edit>
+  <New>DocumentLibraryForm</New>
+</FormTemplates>
+</file>
+
+<file path=customXml/item3.xml><?xml version="1.0" encoding="utf-8"?>
 <ct:contentTypeSchema xmlns:ct="http://schemas.microsoft.com/office/2006/metadata/contentType" xmlns:ma="http://schemas.microsoft.com/office/2006/metadata/properties/metaAttributes" ct:_="" ma:_="" ma:contentTypeName="Document" ma:contentTypeID="0x010100565464437F680748A68B85EB6594EA7D" ma:contentTypeVersion="0" ma:contentTypeDescription="Create a new document." ma:contentTypeScope="" ma:versionID="fe3f4dd58d5914c51cfc6deaa8ad845c">
   <xsd:schema xmlns:xsd="http://www.w3.org/2001/XMLSchema" xmlns:p="http://schemas.microsoft.com/office/2006/metadata/properties" targetNamespace="http://schemas.microsoft.com/office/2006/metadata/properties" ma:root="true" ma:fieldsID="4aeb20c0e3442673af7ee10786458764">
     <xsd:element name="properties">
@@ -5564,32 +8040,17 @@
 </ct:contentTypeSchema>
 </file>
 
-<file path=customXml/item2.xml><?xml version="1.0" encoding="utf-8"?>
-<?mso-contentType ?>
-<FormTemplates xmlns="http://schemas.microsoft.com/sharepoint/v3/contenttype/forms">
-  <Display>DocumentLibraryForm</Display>
-  <Edit>DocumentLibraryForm</Edit>
-  <New>DocumentLibraryForm</New>
-</FormTemplates>
-</file>
-
-<file path=customXml/item3.xml><?xml version="1.0" encoding="utf-8"?>
-<p:properties xmlns:p="http://schemas.microsoft.com/office/2006/metadata/properties" xmlns:xsi="http://www.w3.org/2001/XMLSchema-instance" xmlns:pc="http://schemas.microsoft.com/office/infopath/2007/PartnerControls">
-  <documentManagement/>
-</p:properties>
-</file>
-
 <file path=customXml/itemProps1.xml><?xml version="1.0" encoding="utf-8"?>
-<ds:datastoreItem xmlns:ds="http://schemas.openxmlformats.org/officeDocument/2006/customXml" ds:itemID="{E8DB7DEB-074E-4EE8-9B6E-FD277323109C}">
+<ds:datastoreItem xmlns:ds="http://schemas.openxmlformats.org/officeDocument/2006/customXml" ds:itemID="{A50EC660-24D0-43A0-AE5E-E274115E726B}">
   <ds:schemaRefs>
-    <ds:schemaRef ds:uri="http://schemas.microsoft.com/office/2006/metadata/contentType"/>
-    <ds:schemaRef ds:uri="http://schemas.microsoft.com/office/2006/metadata/properties/metaAttributes"/>
-    <ds:schemaRef ds:uri="http://www.w3.org/2001/XMLSchema"/>
+    <ds:schemaRef ds:uri="http://purl.org/dc/terms/"/>
+    <ds:schemaRef ds:uri="http://schemas.openxmlformats.org/package/2006/metadata/core-properties"/>
+    <ds:schemaRef ds:uri="http://schemas.microsoft.com/office/2006/documentManagement/types"/>
+    <ds:schemaRef ds:uri="http://purl.org/dc/elements/1.1/"/>
     <ds:schemaRef ds:uri="http://schemas.microsoft.com/office/2006/metadata/properties"/>
-    <ds:schemaRef ds:uri="http://schemas.openxmlformats.org/package/2006/metadata/core-properties"/>
-    <ds:schemaRef ds:uri="http://purl.org/dc/elements/1.1/"/>
-    <ds:schemaRef ds:uri="http://purl.org/dc/terms/"/>
-    <ds:schemaRef ds:uri="http://schemas.microsoft.com/office/internal/2005/internalDocumentation"/>
+    <ds:schemaRef ds:uri="http://www.w3.org/XML/1998/namespace"/>
+    <ds:schemaRef ds:uri="http://purl.org/dc/dcmitype/"/>
+    <ds:schemaRef ds:uri="http://schemas.microsoft.com/office/infopath/2007/PartnerControls"/>
   </ds:schemaRefs>
 </ds:datastoreItem>
 </file>
@@ -5603,16 +8064,16 @@
 </file>
 
 <file path=customXml/itemProps3.xml><?xml version="1.0" encoding="utf-8"?>
-<ds:datastoreItem xmlns:ds="http://schemas.openxmlformats.org/officeDocument/2006/customXml" ds:itemID="{A50EC660-24D0-43A0-AE5E-E274115E726B}">
+<ds:datastoreItem xmlns:ds="http://schemas.openxmlformats.org/officeDocument/2006/customXml" ds:itemID="{E8DB7DEB-074E-4EE8-9B6E-FD277323109C}">
   <ds:schemaRefs>
+    <ds:schemaRef ds:uri="http://schemas.microsoft.com/office/2006/metadata/contentType"/>
+    <ds:schemaRef ds:uri="http://schemas.microsoft.com/office/2006/metadata/properties/metaAttributes"/>
+    <ds:schemaRef ds:uri="http://www.w3.org/2001/XMLSchema"/>
+    <ds:schemaRef ds:uri="http://schemas.microsoft.com/office/2006/metadata/properties"/>
+    <ds:schemaRef ds:uri="http://schemas.openxmlformats.org/package/2006/metadata/core-properties"/>
+    <ds:schemaRef ds:uri="http://purl.org/dc/elements/1.1/"/>
     <ds:schemaRef ds:uri="http://purl.org/dc/terms/"/>
-    <ds:schemaRef ds:uri="http://schemas.openxmlformats.org/package/2006/metadata/core-properties"/>
-    <ds:schemaRef ds:uri="http://schemas.microsoft.com/office/2006/documentManagement/types"/>
-    <ds:schemaRef ds:uri="http://purl.org/dc/elements/1.1/"/>
-    <ds:schemaRef ds:uri="http://schemas.microsoft.com/office/2006/metadata/properties"/>
-    <ds:schemaRef ds:uri="http://www.w3.org/XML/1998/namespace"/>
-    <ds:schemaRef ds:uri="http://purl.org/dc/dcmitype/"/>
-    <ds:schemaRef ds:uri="http://schemas.microsoft.com/office/infopath/2007/PartnerControls"/>
+    <ds:schemaRef ds:uri="http://schemas.microsoft.com/office/internal/2005/internalDocumentation"/>
   </ds:schemaRefs>
 </ds:datastoreItem>
 </file>
--- a/summary.pptx
+++ b/summary.pptx
@@ -3929,12 +3929,20 @@
             </a:r>
           </a:p>
           <a:p>
+            <a:pPr marL="457200" indent="-457200">
+              <a:buFont typeface="+mj-lt"/>
+              <a:buAutoNum type="arabicPeriod"/>
+            </a:pPr>
             <a:r>
               <a:rPr lang="en-US" sz="2000" dirty="0"/>
               <a:t>Identify your team’s “pain points” in your software development processes</a:t>
             </a:r>
           </a:p>
           <a:p>
+            <a:pPr marL="457200" indent="-457200">
+              <a:buFont typeface="+mj-lt"/>
+              <a:buAutoNum type="arabicPeriod"/>
+            </a:pPr>
             <a:r>
               <a:rPr lang="en-US" sz="2000" dirty="0"/>
               <a:t>Set a goal for something to improve</a:t>
@@ -3963,6 +3971,10 @@
             </a:r>
           </a:p>
           <a:p>
+            <a:pPr marL="457200" indent="-457200">
+              <a:buFont typeface="+mj-lt"/>
+              <a:buAutoNum type="arabicPeriod"/>
+            </a:pPr>
             <a:r>
               <a:rPr lang="en-US" sz="2000" dirty="0"/>
               <a:t>Agree on a plan to address it, identify markers of progress and what is “done”</a:t>
@@ -3980,18 +3992,29 @@
             </a:r>
           </a:p>
           <a:p>
+            <a:pPr marL="457200" indent="-457200">
+              <a:buFont typeface="+mj-lt"/>
+              <a:buAutoNum type="arabicPeriod"/>
+            </a:pPr>
             <a:r>
               <a:rPr lang="en-US" sz="2000" dirty="0"/>
               <a:t>Work your plan, track your progress</a:t>
             </a:r>
           </a:p>
           <a:p>
+            <a:pPr marL="457200" indent="-457200">
+              <a:buFont typeface="+mj-lt"/>
+              <a:buAutoNum type="arabicPeriod"/>
+            </a:pPr>
             <a:r>
               <a:rPr lang="en-US" sz="2000" dirty="0"/>
               <a:t>When you are done, celebrate…</a:t>
             </a:r>
           </a:p>
           <a:p>
+            <a:pPr marL="0" indent="0">
+              <a:buNone/>
+            </a:pPr>
             <a:r>
               <a:rPr lang="en-US" sz="2000" dirty="0"/>
               <a:t>…then pick a new pain point to address</a:t>
@@ -7983,15 +8006,6 @@
 </file>
 
 <file path=customXml/item2.xml><?xml version="1.0" encoding="utf-8"?>
-<?mso-contentType ?>
-<FormTemplates xmlns="http://schemas.microsoft.com/sharepoint/v3/contenttype/forms">
-  <Display>DocumentLibraryForm</Display>
-  <Edit>DocumentLibraryForm</Edit>
-  <New>DocumentLibraryForm</New>
-</FormTemplates>
-</file>
-
-<file path=customXml/item3.xml><?xml version="1.0" encoding="utf-8"?>
 <ct:contentTypeSchema xmlns:ct="http://schemas.microsoft.com/office/2006/metadata/contentType" xmlns:ma="http://schemas.microsoft.com/office/2006/metadata/properties/metaAttributes" ct:_="" ma:_="" ma:contentTypeName="Document" ma:contentTypeID="0x010100565464437F680748A68B85EB6594EA7D" ma:contentTypeVersion="0" ma:contentTypeDescription="Create a new document." ma:contentTypeScope="" ma:versionID="fe3f4dd58d5914c51cfc6deaa8ad845c">
   <xsd:schema xmlns:xsd="http://www.w3.org/2001/XMLSchema" xmlns:p="http://schemas.microsoft.com/office/2006/metadata/properties" targetNamespace="http://schemas.microsoft.com/office/2006/metadata/properties" ma:root="true" ma:fieldsID="4aeb20c0e3442673af7ee10786458764">
     <xsd:element name="properties">
@@ -8040,6 +8054,15 @@
 </ct:contentTypeSchema>
 </file>
 
+<file path=customXml/item3.xml><?xml version="1.0" encoding="utf-8"?>
+<?mso-contentType ?>
+<FormTemplates xmlns="http://schemas.microsoft.com/sharepoint/v3/contenttype/forms">
+  <Display>DocumentLibraryForm</Display>
+  <Edit>DocumentLibraryForm</Edit>
+  <New>DocumentLibraryForm</New>
+</FormTemplates>
+</file>
+
 <file path=customXml/itemProps1.xml><?xml version="1.0" encoding="utf-8"?>
 <ds:datastoreItem xmlns:ds="http://schemas.openxmlformats.org/officeDocument/2006/customXml" ds:itemID="{A50EC660-24D0-43A0-AE5E-E274115E726B}">
   <ds:schemaRefs>
@@ -8056,14 +8079,6 @@
 </file>
 
 <file path=customXml/itemProps2.xml><?xml version="1.0" encoding="utf-8"?>
-<ds:datastoreItem xmlns:ds="http://schemas.openxmlformats.org/officeDocument/2006/customXml" ds:itemID="{19E20559-B232-4371-8690-E3D8007EDB82}">
-  <ds:schemaRefs>
-    <ds:schemaRef ds:uri="http://schemas.microsoft.com/sharepoint/v3/contenttype/forms"/>
-  </ds:schemaRefs>
-</ds:datastoreItem>
-</file>
-
-<file path=customXml/itemProps3.xml><?xml version="1.0" encoding="utf-8"?>
 <ds:datastoreItem xmlns:ds="http://schemas.openxmlformats.org/officeDocument/2006/customXml" ds:itemID="{E8DB7DEB-074E-4EE8-9B6E-FD277323109C}">
   <ds:schemaRefs>
     <ds:schemaRef ds:uri="http://schemas.microsoft.com/office/2006/metadata/contentType"/>
@@ -8076,4 +8091,12 @@
     <ds:schemaRef ds:uri="http://schemas.microsoft.com/office/internal/2005/internalDocumentation"/>
   </ds:schemaRefs>
 </ds:datastoreItem>
+</file>
+
+<file path=customXml/itemProps3.xml><?xml version="1.0" encoding="utf-8"?>
+<ds:datastoreItem xmlns:ds="http://schemas.openxmlformats.org/officeDocument/2006/customXml" ds:itemID="{19E20559-B232-4371-8690-E3D8007EDB82}">
+  <ds:schemaRefs>
+    <ds:schemaRef ds:uri="http://schemas.microsoft.com/sharepoint/v3/contenttype/forms"/>
+  </ds:schemaRefs>
+</ds:datastoreItem>
 </file>
--- a/summary.pptx
+++ b/summary.pptx
@@ -265,7 +265,7 @@
           <a:p>
             <a:fld id="{0B842F42-2CE9-4E35-95C1-410DC08A50B1}" type="datetimeFigureOut">
               <a:rPr lang="en-US" smtClean="0"/>
-              <a:t>7/28/2020</a:t>
+              <a:t>7/29/2020</a:t>
             </a:fld>
             <a:endParaRPr lang="en-US"/>
           </a:p>
@@ -430,7 +430,7 @@
           <a:p>
             <a:fld id="{6F282904-F315-4730-8D91-37D99E141A6F}" type="datetimeFigureOut">
               <a:rPr lang="en-US" smtClean="0"/>
-              <a:t>7/28/2020</a:t>
+              <a:t>7/29/2020</a:t>
             </a:fld>
             <a:endParaRPr lang="en-US"/>
           </a:p>
@@ -3908,8 +3908,8 @@
         </p:nvSpPr>
         <p:spPr>
           <a:xfrm>
-            <a:off x="365760" y="1314847"/>
-            <a:ext cx="6192695" cy="4047778"/>
+            <a:off x="365761" y="1314847"/>
+            <a:ext cx="6151518" cy="4047778"/>
           </a:xfrm>
         </p:spPr>
         <p:txBody>
@@ -3977,7 +3977,14 @@
             </a:pPr>
             <a:r>
               <a:rPr lang="en-US" sz="2000" dirty="0"/>
-              <a:t>Agree on a plan to address it, identify markers of progress and what is “done”</a:t>
+              <a:t>Agree on a plan to address it, identify </a:t>
+            </a:r>
+            <a:br>
+              <a:rPr lang="en-US" sz="2000" dirty="0"/>
+            </a:br>
+            <a:r>
+              <a:rPr lang="en-US" sz="2000" dirty="0"/>
+              <a:t>markers of progress and what is “done”</a:t>
             </a:r>
           </a:p>
           <a:p>
@@ -4036,8 +4043,8 @@
         </p:nvGrpSpPr>
         <p:grpSpPr>
           <a:xfrm>
-            <a:off x="6923541" y="1549889"/>
-            <a:ext cx="5100290" cy="2328428"/>
+            <a:off x="7053210" y="1325882"/>
+            <a:ext cx="4344246" cy="1983272"/>
             <a:chOff x="1221440" y="2819400"/>
             <a:chExt cx="5136248" cy="2800725"/>
           </a:xfrm>
@@ -4763,7 +4770,7 @@
         </p:nvSpPr>
         <p:spPr>
           <a:xfrm>
-            <a:off x="7481252" y="3921044"/>
+            <a:off x="7232899" y="3144011"/>
             <a:ext cx="3984868" cy="683264"/>
           </a:xfrm>
           <a:prstGeom prst="rect">
@@ -4807,7 +4814,7 @@
         </p:nvSpPr>
         <p:spPr>
           <a:xfrm>
-            <a:off x="6094412" y="5146497"/>
+            <a:off x="6386607" y="4008800"/>
             <a:ext cx="5677452" cy="683264"/>
           </a:xfrm>
           <a:prstGeom prst="rect">
@@ -4855,6 +4862,112 @@
           </a:p>
         </p:txBody>
       </p:sp>
+      <p:grpSp>
+        <p:nvGrpSpPr>
+          <p:cNvPr id="23" name="Group 22">
+            <a:extLst>
+              <a:ext uri="{FF2B5EF4-FFF2-40B4-BE49-F238E27FC236}">
+                <a16:creationId xmlns:a16="http://schemas.microsoft.com/office/drawing/2014/main" id="{C2A18DBF-07D0-4AF3-9160-E8A13EA6B37D}"/>
+              </a:ext>
+            </a:extLst>
+          </p:cNvPr>
+          <p:cNvGrpSpPr/>
+          <p:nvPr/>
+        </p:nvGrpSpPr>
+        <p:grpSpPr>
+          <a:xfrm>
+            <a:off x="6366805" y="4876507"/>
+            <a:ext cx="5697253" cy="1181862"/>
+            <a:chOff x="6366805" y="4842132"/>
+            <a:chExt cx="5697253" cy="1181862"/>
+          </a:xfrm>
+        </p:grpSpPr>
+        <p:pic>
+          <p:nvPicPr>
+            <p:cNvPr id="22" name="Picture 21" descr="Screen Shot 2017-01-21 at 6.45.35 PM.png">
+              <a:extLst>
+                <a:ext uri="{FF2B5EF4-FFF2-40B4-BE49-F238E27FC236}">
+                  <a16:creationId xmlns:a16="http://schemas.microsoft.com/office/drawing/2014/main" id="{D8DB96E3-D93C-41AE-9BA8-E29F8517EFF7}"/>
+                </a:ext>
+              </a:extLst>
+            </p:cNvPr>
+            <p:cNvPicPr>
+              <a:picLocks noChangeAspect="1"/>
+            </p:cNvPicPr>
+            <p:nvPr/>
+          </p:nvPicPr>
+          <p:blipFill rotWithShape="1">
+            <a:blip r:embed="rId3" cstate="print">
+              <a:extLst>
+                <a:ext uri="{28A0092B-C50C-407E-A947-70E740481C1C}">
+                  <a14:useLocalDpi xmlns:a14="http://schemas.microsoft.com/office/drawing/2010/main" val="0"/>
+                </a:ext>
+              </a:extLst>
+            </a:blip>
+            <a:srcRect r="64086"/>
+            <a:stretch/>
+          </p:blipFill>
+          <p:spPr>
+            <a:xfrm>
+              <a:off x="6366805" y="4843952"/>
+              <a:ext cx="986232" cy="1178223"/>
+            </a:xfrm>
+            <a:prstGeom prst="rect">
+              <a:avLst/>
+            </a:prstGeom>
+          </p:spPr>
+        </p:pic>
+        <p:sp>
+          <p:nvSpPr>
+            <p:cNvPr id="21" name="TextBox 20">
+              <a:extLst>
+                <a:ext uri="{FF2B5EF4-FFF2-40B4-BE49-F238E27FC236}">
+                  <a16:creationId xmlns:a16="http://schemas.microsoft.com/office/drawing/2014/main" id="{43FF5050-EEEF-45C2-8C43-6B7BE81EBAD3}"/>
+                </a:ext>
+              </a:extLst>
+            </p:cNvPr>
+            <p:cNvSpPr txBox="1"/>
+            <p:nvPr/>
+          </p:nvSpPr>
+          <p:spPr>
+            <a:xfrm>
+              <a:off x="7300197" y="4842132"/>
+              <a:ext cx="4763861" cy="1181862"/>
+            </a:xfrm>
+            <a:prstGeom prst="rect">
+              <a:avLst/>
+            </a:prstGeom>
+            <a:noFill/>
+          </p:spPr>
+          <p:txBody>
+            <a:bodyPr wrap="square" lIns="118872" tIns="91440" rIns="118872" bIns="91440" rtlCol="0" anchor="ctr" anchorCtr="0">
+              <a:spAutoFit/>
+            </a:bodyPr>
+            <a:lstStyle/>
+            <a:p>
+              <a:pPr algn="l">
+                <a:lnSpc>
+                  <a:spcPct val="90000"/>
+                </a:lnSpc>
+              </a:pPr>
+              <a:r>
+                <a:rPr lang="en-US" dirty="0"/>
+                <a:t>A goal of </a:t>
+              </a:r>
+              <a:r>
+                <a:rPr lang="en-US" dirty="0">
+                  <a:hlinkClick r:id="rId4"/>
+                </a:rPr>
+                <a:t>BSSw.io</a:t>
+              </a:r>
+              <a:r>
+                <a:rPr lang="en-US" dirty="0"/>
+                <a:t> is to provide resources for improving your software processes.  If you find useful resources that aren’t on BSSw.io, consider contributing.  Its easy and quick.</a:t>
+              </a:r>
+            </a:p>
+          </p:txBody>
+        </p:sp>
+      </p:grpSp>
     </p:spTree>
     <p:extLst>
       <p:ext uri="{BB962C8B-B14F-4D97-AF65-F5344CB8AC3E}">
@@ -6609,8 +6722,8 @@
         </p:nvSpPr>
         <p:spPr>
           <a:xfrm>
-            <a:off x="365760" y="5526605"/>
-            <a:ext cx="10869579" cy="517065"/>
+            <a:off x="365760" y="5360406"/>
+            <a:ext cx="10869579" cy="849463"/>
           </a:xfrm>
           <a:prstGeom prst="rect">
             <a:avLst/>
@@ -6635,6 +6748,24 @@
                 </a:solidFill>
               </a:rPr>
               <a:t>Question: Should we excuse scientific software for being “crappy stylistically”?</a:t>
+            </a:r>
+          </a:p>
+          <a:p>
+            <a:pPr algn="l">
+              <a:lnSpc>
+                <a:spcPct val="90000"/>
+              </a:lnSpc>
+            </a:pPr>
+            <a:r>
+              <a:rPr lang="en-US" sz="2400" dirty="0">
+                <a:solidFill>
+                  <a:schemeClr val="tx2">
+                    <a:lumMod val="40000"/>
+                    <a:lumOff val="60000"/>
+                  </a:schemeClr>
+                </a:solidFill>
+              </a:rPr>
+              <a:t>Hint: crappy code can hide bugs</a:t>
             </a:r>
           </a:p>
         </p:txBody>
@@ -6912,14 +7043,17 @@
             <a:spLocks noGrp="1"/>
           </p:cNvSpPr>
           <p:nvPr>
-            <p:ph idx="1"/>
+            <p:ph sz="half" idx="2"/>
           </p:nvPr>
         </p:nvSpPr>
         <p:spPr>
           <a:xfrm>
-            <a:off x="365760" y="961292"/>
-            <a:ext cx="11369809" cy="4047778"/>
+            <a:off x="457200" y="1217891"/>
+            <a:ext cx="5588582" cy="3373229"/>
           </a:xfrm>
+          <a:ln>
+            <a:noFill/>
+          </a:ln>
         </p:spPr>
         <p:txBody>
           <a:bodyPr/>
@@ -6927,7 +7061,7 @@
           <a:p>
             <a:pPr>
               <a:spcBef>
-                <a:spcPts val="200"/>
+                <a:spcPts val="800"/>
               </a:spcBef>
             </a:pPr>
             <a:r>
@@ -6938,7 +7072,7 @@
           <a:p>
             <a:pPr>
               <a:spcBef>
-                <a:spcPts val="200"/>
+                <a:spcPts val="800"/>
               </a:spcBef>
             </a:pPr>
             <a:r>
@@ -6949,29 +7083,29 @@
           <a:p>
             <a:pPr>
               <a:spcBef>
-                <a:spcPts val="200"/>
+                <a:spcPts val="800"/>
               </a:spcBef>
             </a:pPr>
             <a:r>
               <a:rPr lang="en-US" dirty="0"/>
-              <a:t>Software publication and citation</a:t>
+              <a:t>Packaging and distribution</a:t>
             </a:r>
           </a:p>
           <a:p>
             <a:pPr>
               <a:spcBef>
-                <a:spcPts val="200"/>
+                <a:spcPts val="800"/>
               </a:spcBef>
             </a:pPr>
             <a:r>
               <a:rPr lang="en-US" dirty="0"/>
-              <a:t>Requirements gathering</a:t>
+              <a:t>Issue tracking</a:t>
             </a:r>
           </a:p>
           <a:p>
             <a:pPr>
               <a:spcBef>
-                <a:spcPts val="200"/>
+                <a:spcPts val="800"/>
               </a:spcBef>
             </a:pPr>
             <a:r>
@@ -6982,73 +7116,73 @@
           <a:p>
             <a:pPr>
               <a:spcBef>
-                <a:spcPts val="200"/>
+                <a:spcPts val="800"/>
               </a:spcBef>
             </a:pPr>
             <a:r>
               <a:rPr lang="en-US" dirty="0"/>
-              <a:t>Packaging and distribution</a:t>
+              <a:t>Debugging strategies</a:t>
             </a:r>
           </a:p>
           <a:p>
             <a:pPr>
               <a:spcBef>
-                <a:spcPts val="200"/>
+                <a:spcPts val="800"/>
               </a:spcBef>
             </a:pPr>
             <a:r>
               <a:rPr lang="en-US" dirty="0"/>
-              <a:t>Issue tracking</a:t>
+              <a:t>Building and sustaining communities around software</a:t>
             </a:r>
           </a:p>
           <a:p>
             <a:pPr>
               <a:spcBef>
-                <a:spcPts val="200"/>
+                <a:spcPts val="800"/>
               </a:spcBef>
             </a:pPr>
             <a:r>
               <a:rPr lang="en-US" dirty="0"/>
-              <a:t>Debugging strategies</a:t>
+              <a:t>Software publication and citation</a:t>
             </a:r>
           </a:p>
           <a:p>
             <a:pPr>
               <a:spcBef>
-                <a:spcPts val="200"/>
+                <a:spcPts val="800"/>
               </a:spcBef>
             </a:pPr>
             <a:r>
               <a:rPr lang="en-US" dirty="0"/>
-              <a:t>Understanding and debugging floating-point math</a:t>
+              <a:t>Requirements gathering</a:t>
             </a:r>
           </a:p>
           <a:p>
             <a:pPr>
               <a:spcBef>
-                <a:spcPts val="200"/>
+                <a:spcPts val="800"/>
               </a:spcBef>
             </a:pPr>
             <a:r>
               <a:rPr lang="en-US" dirty="0"/>
-              <a:t>Performance and performance portability</a:t>
+              <a:t>Understanding and debugging floating-point math</a:t>
             </a:r>
           </a:p>
           <a:p>
             <a:pPr>
               <a:spcBef>
-                <a:spcPts val="200"/>
+                <a:spcPts val="800"/>
               </a:spcBef>
             </a:pPr>
             <a:r>
               <a:rPr lang="en-US" dirty="0"/>
-              <a:t>Building and sustaining communities around software</a:t>
+              <a:t>Performance and performance portability</a:t>
             </a:r>
           </a:p>
           <a:p>
             <a:pPr>
               <a:spcBef>
-                <a:spcPts val="200"/>
+                <a:spcPts val="800"/>
               </a:spcBef>
             </a:pPr>
             <a:r>
@@ -7056,12 +7190,41 @@
               <a:t>…</a:t>
             </a:r>
           </a:p>
-          <a:p>
-            <a:pPr marL="0" indent="0">
+        </p:txBody>
+      </p:sp>
+      <p:sp>
+        <p:nvSpPr>
+          <p:cNvPr id="7" name="Content Placeholder 6">
+            <a:extLst>
+              <a:ext uri="{FF2B5EF4-FFF2-40B4-BE49-F238E27FC236}">
+                <a16:creationId xmlns:a16="http://schemas.microsoft.com/office/drawing/2014/main" id="{F1C4C0C8-A19F-42A3-BF4E-B009E8F99501}"/>
+              </a:ext>
+            </a:extLst>
+          </p:cNvPr>
+          <p:cNvSpPr>
+            <a:spLocks noGrp="1"/>
+          </p:cNvSpPr>
+          <p:nvPr>
+            <p:ph sz="quarter" idx="4"/>
+          </p:nvPr>
+        </p:nvSpPr>
+        <p:spPr>
+          <a:xfrm>
+            <a:off x="6218914" y="1217891"/>
+            <a:ext cx="5531934" cy="3373229"/>
+          </a:xfrm>
+          <a:ln>
+            <a:noFill/>
+          </a:ln>
+        </p:spPr>
+        <p:txBody>
+          <a:bodyPr/>
+          <a:lstStyle/>
+          <a:p>
+            <a:pPr>
               <a:spcBef>
                 <a:spcPts val="2400"/>
               </a:spcBef>
-              <a:buNone/>
             </a:pPr>
             <a:r>
               <a:rPr lang="en-US" b="1" dirty="0">
@@ -7069,8 +7232,71 @@
                   <a:schemeClr val="tx2"/>
                 </a:solidFill>
               </a:rPr>
-              <a:t>It’s not because they’re unimportant!</a:t>
-            </a:r>
+              <a:t>Also important topics, but…</a:t>
+            </a:r>
+          </a:p>
+          <a:p>
+            <a:pPr>
+              <a:spcBef>
+                <a:spcPts val="800"/>
+              </a:spcBef>
+            </a:pPr>
+            <a:r>
+              <a:rPr lang="en-US" dirty="0">
+                <a:solidFill>
+                  <a:schemeClr val="tx2"/>
+                </a:solidFill>
+              </a:rPr>
+              <a:t>Less distinction between research software and other software</a:t>
+            </a:r>
+          </a:p>
+          <a:p>
+            <a:pPr>
+              <a:spcBef>
+                <a:spcPts val="800"/>
+              </a:spcBef>
+            </a:pPr>
+            <a:r>
+              <a:rPr lang="en-US" dirty="0">
+                <a:solidFill>
+                  <a:schemeClr val="tx2"/>
+                </a:solidFill>
+              </a:rPr>
+              <a:t>More informational resources available</a:t>
+            </a:r>
+          </a:p>
+          <a:p>
+            <a:pPr>
+              <a:spcBef>
+                <a:spcPts val="800"/>
+              </a:spcBef>
+            </a:pPr>
+            <a:r>
+              <a:rPr lang="en-US" dirty="0">
+                <a:solidFill>
+                  <a:schemeClr val="tx2"/>
+                </a:solidFill>
+              </a:rPr>
+              <a:t>Next-level concerns for starting researchers</a:t>
+            </a:r>
+          </a:p>
+          <a:p>
+            <a:pPr>
+              <a:spcBef>
+                <a:spcPts val="800"/>
+              </a:spcBef>
+            </a:pPr>
+            <a:r>
+              <a:rPr lang="en-US" dirty="0">
+                <a:solidFill>
+                  <a:schemeClr val="tx2"/>
+                </a:solidFill>
+              </a:rPr>
+              <a:t>There’s only so much time in the day!</a:t>
+            </a:r>
+          </a:p>
+          <a:p>
+            <a:endParaRPr lang="en-US" dirty="0"/>
           </a:p>
         </p:txBody>
       </p:sp>
@@ -8000,12 +8226,6 @@
 </file>
 
 <file path=customXml/item1.xml><?xml version="1.0" encoding="utf-8"?>
-<p:properties xmlns:p="http://schemas.microsoft.com/office/2006/metadata/properties" xmlns:xsi="http://www.w3.org/2001/XMLSchema-instance" xmlns:pc="http://schemas.microsoft.com/office/infopath/2007/PartnerControls">
-  <documentManagement/>
-</p:properties>
-</file>
-
-<file path=customXml/item2.xml><?xml version="1.0" encoding="utf-8"?>
 <ct:contentTypeSchema xmlns:ct="http://schemas.microsoft.com/office/2006/metadata/contentType" xmlns:ma="http://schemas.microsoft.com/office/2006/metadata/properties/metaAttributes" ct:_="" ma:_="" ma:contentTypeName="Document" ma:contentTypeID="0x010100565464437F680748A68B85EB6594EA7D" ma:contentTypeVersion="0" ma:contentTypeDescription="Create a new document." ma:contentTypeScope="" ma:versionID="fe3f4dd58d5914c51cfc6deaa8ad845c">
   <xsd:schema xmlns:xsd="http://www.w3.org/2001/XMLSchema" xmlns:p="http://schemas.microsoft.com/office/2006/metadata/properties" targetNamespace="http://schemas.microsoft.com/office/2006/metadata/properties" ma:root="true" ma:fieldsID="4aeb20c0e3442673af7ee10786458764">
     <xsd:element name="properties">
@@ -8054,6 +8274,12 @@
 </ct:contentTypeSchema>
 </file>
 
+<file path=customXml/item2.xml><?xml version="1.0" encoding="utf-8"?>
+<p:properties xmlns:p="http://schemas.microsoft.com/office/2006/metadata/properties" xmlns:xsi="http://www.w3.org/2001/XMLSchema-instance" xmlns:pc="http://schemas.microsoft.com/office/infopath/2007/PartnerControls">
+  <documentManagement/>
+</p:properties>
+</file>
+
 <file path=customXml/item3.xml><?xml version="1.0" encoding="utf-8"?>
 <?mso-contentType ?>
 <FormTemplates xmlns="http://schemas.microsoft.com/sharepoint/v3/contenttype/forms">
@@ -8064,6 +8290,21 @@
 </file>
 
 <file path=customXml/itemProps1.xml><?xml version="1.0" encoding="utf-8"?>
+<ds:datastoreItem xmlns:ds="http://schemas.openxmlformats.org/officeDocument/2006/customXml" ds:itemID="{E8DB7DEB-074E-4EE8-9B6E-FD277323109C}">
+  <ds:schemaRefs>
+    <ds:schemaRef ds:uri="http://schemas.microsoft.com/office/2006/metadata/contentType"/>
+    <ds:schemaRef ds:uri="http://schemas.microsoft.com/office/2006/metadata/properties/metaAttributes"/>
+    <ds:schemaRef ds:uri="http://www.w3.org/2001/XMLSchema"/>
+    <ds:schemaRef ds:uri="http://schemas.microsoft.com/office/2006/metadata/properties"/>
+    <ds:schemaRef ds:uri="http://schemas.openxmlformats.org/package/2006/metadata/core-properties"/>
+    <ds:schemaRef ds:uri="http://purl.org/dc/elements/1.1/"/>
+    <ds:schemaRef ds:uri="http://purl.org/dc/terms/"/>
+    <ds:schemaRef ds:uri="http://schemas.microsoft.com/office/internal/2005/internalDocumentation"/>
+  </ds:schemaRefs>
+</ds:datastoreItem>
+</file>
+
+<file path=customXml/itemProps2.xml><?xml version="1.0" encoding="utf-8"?>
 <ds:datastoreItem xmlns:ds="http://schemas.openxmlformats.org/officeDocument/2006/customXml" ds:itemID="{A50EC660-24D0-43A0-AE5E-E274115E726B}">
   <ds:schemaRefs>
     <ds:schemaRef ds:uri="http://purl.org/dc/terms/"/>
@@ -8078,21 +8319,6 @@
 </ds:datastoreItem>
 </file>
 
-<file path=customXml/itemProps2.xml><?xml version="1.0" encoding="utf-8"?>
-<ds:datastoreItem xmlns:ds="http://schemas.openxmlformats.org/officeDocument/2006/customXml" ds:itemID="{E8DB7DEB-074E-4EE8-9B6E-FD277323109C}">
-  <ds:schemaRefs>
-    <ds:schemaRef ds:uri="http://schemas.microsoft.com/office/2006/metadata/contentType"/>
-    <ds:schemaRef ds:uri="http://schemas.microsoft.com/office/2006/metadata/properties/metaAttributes"/>
-    <ds:schemaRef ds:uri="http://www.w3.org/2001/XMLSchema"/>
-    <ds:schemaRef ds:uri="http://schemas.microsoft.com/office/2006/metadata/properties"/>
-    <ds:schemaRef ds:uri="http://schemas.openxmlformats.org/package/2006/metadata/core-properties"/>
-    <ds:schemaRef ds:uri="http://purl.org/dc/elements/1.1/"/>
-    <ds:schemaRef ds:uri="http://purl.org/dc/terms/"/>
-    <ds:schemaRef ds:uri="http://schemas.microsoft.com/office/internal/2005/internalDocumentation"/>
-  </ds:schemaRefs>
-</ds:datastoreItem>
-</file>
-
 <file path=customXml/itemProps3.xml><?xml version="1.0" encoding="utf-8"?>
 <ds:datastoreItem xmlns:ds="http://schemas.openxmlformats.org/officeDocument/2006/customXml" ds:itemID="{19E20559-B232-4371-8690-E3D8007EDB82}">
   <ds:schemaRefs>

--- a/summary.pptx
+++ b/summary.pptx
@@ -12,7 +12,7 @@
   </p:handoutMasterIdLst>
   <p:sldIdLst>
     <p:sldId id="318" r:id="rId5"/>
-    <p:sldId id="320" r:id="rId6"/>
+    <p:sldId id="1847" r:id="rId6"/>
     <p:sldId id="1840" r:id="rId7"/>
     <p:sldId id="1841" r:id="rId8"/>
     <p:sldId id="1842" r:id="rId9"/>
@@ -265,7 +265,7 @@
           <a:p>
             <a:fld id="{0B842F42-2CE9-4E35-95C1-410DC08A50B1}" type="datetimeFigureOut">
               <a:rPr lang="en-US" smtClean="0"/>
-              <a:t>7/29/2020</a:t>
+              <a:t>8/2/2020</a:t>
             </a:fld>
             <a:endParaRPr lang="en-US"/>
           </a:p>
@@ -430,7 +430,7 @@
           <a:p>
             <a:fld id="{6F282904-F315-4730-8D91-37D99E141A6F}" type="datetimeFigureOut">
               <a:rPr lang="en-US" smtClean="0"/>
-              <a:t>7/29/2020</a:t>
+              <a:t>8/2/2020</a:t>
             </a:fld>
             <a:endParaRPr lang="en-US"/>
           </a:p>
@@ -5067,23 +5067,23 @@
               </a:spcBef>
             </a:pPr>
             <a:r>
-              <a:rPr lang="en-US" sz="1800" dirty="0"/>
+              <a:rPr lang="en-US" sz="1600" dirty="0"/>
               <a:t>This work is licensed under a </a:t>
             </a:r>
             <a:r>
-              <a:rPr lang="en-US" sz="1800" dirty="0">
+              <a:rPr lang="en-US" sz="1600" dirty="0">
                 <a:hlinkClick r:id="rId2"/>
               </a:rPr>
               <a:t>Creative</a:t>
             </a:r>
             <a:r>
-              <a:rPr lang="en-US" sz="1800" dirty="0">
+              <a:rPr lang="en-US" sz="1600" dirty="0">
                 <a:hlinkClick r:id="rId3"/>
               </a:rPr>
               <a:t> Commons Attribution 4.0 International License</a:t>
             </a:r>
             <a:r>
-              <a:rPr lang="en-US" sz="1800" dirty="0"/>
+              <a:rPr lang="en-US" sz="1600" dirty="0"/>
               <a:t> (CC BY 4.0).</a:t>
             </a:r>
           </a:p>
@@ -5094,24 +5094,24 @@
               </a:spcBef>
             </a:pPr>
             <a:r>
-              <a:rPr lang="en-US" sz="1800" b="1" dirty="0"/>
-              <a:t>The requested citation the overall tutorial is: David E. Bernholdt, Better Scientific Software tutorial, in RF </a:t>
-            </a:r>
-            <a:r>
-              <a:rPr lang="en-US" sz="1800" b="1" dirty="0" err="1"/>
-              <a:t>SciDAC</a:t>
-            </a:r>
-            <a:r>
-              <a:rPr lang="en-US" sz="1800" b="1" dirty="0"/>
-              <a:t> 2020 Workshop, Knoxville, Tennessee. DOI: </a:t>
-            </a:r>
-            <a:r>
-              <a:rPr lang="en-US" sz="1800" b="1" dirty="0">
+              <a:rPr lang="en-US" sz="1600" b="1" dirty="0"/>
+              <a:t>The requested citation the overall tutorial is: David E. Bernholdt, Anshu Dubey, Mark C. Miller, Katherine M. Riley, and James M. </a:t>
+            </a:r>
+            <a:r>
+              <a:rPr lang="en-US" sz="1600" b="1" dirty="0" err="1"/>
+              <a:t>Willenbring</a:t>
+            </a:r>
+            <a:r>
+              <a:rPr lang="en-US" sz="1600" b="1" dirty="0"/>
+              <a:t>, Software Productivity Track, in Argonne Training Program for Extreme Scale Computing (ATPESC), online. DOI: </a:t>
+            </a:r>
+            <a:r>
+              <a:rPr lang="en-US" sz="1600" b="1" dirty="0">
                 <a:hlinkClick r:id="rId4"/>
               </a:rPr>
-              <a:t>10.6084/m9.figshare.11918397</a:t>
-            </a:r>
-            <a:endParaRPr lang="en-US" sz="1800" b="1" dirty="0"/>
+              <a:t>10.6084/m9.figshare.12719834</a:t>
+            </a:r>
+            <a:endParaRPr lang="en-US" sz="1600" b="1" dirty="0"/>
           </a:p>
           <a:p>
             <a:pPr>
@@ -5120,16 +5120,16 @@
               </a:spcBef>
             </a:pPr>
             <a:r>
-              <a:rPr lang="en-US" sz="1800" dirty="0"/>
+              <a:rPr lang="en-US" sz="1600" dirty="0"/>
               <a:t>Individual modules may be cited as </a:t>
             </a:r>
             <a:r>
-              <a:rPr lang="en-US" sz="1800" i="1" dirty="0"/>
+              <a:rPr lang="en-US" sz="1600" i="1" dirty="0"/>
               <a:t>Speaker, Module Title</a:t>
             </a:r>
             <a:r>
-              <a:rPr lang="en-US" sz="1800" dirty="0"/>
-              <a:t>, in Better Scientific Software Tutorial…</a:t>
+              <a:rPr lang="en-US" sz="1600" dirty="0"/>
+              <a:t>, in Software Productivity Track…</a:t>
             </a:r>
           </a:p>
           <a:p>
@@ -5144,12 +5144,12 @@
           <a:p>
             <a:pPr>
               <a:spcBef>
-                <a:spcPts val="0"/>
+                <a:spcPts val="400"/>
               </a:spcBef>
             </a:pPr>
             <a:r>
               <a:rPr lang="en-US" sz="1600" dirty="0"/>
-              <a:t>Additional contributors to this this tutorial include: Anshu Dubey, Mike </a:t>
+              <a:t>Additional contributors include: Patricia Grubel, Rinku Gupta, Mike </a:t>
             </a:r>
             <a:r>
               <a:rPr lang="en-US" sz="1600" dirty="0" err="1"/>
@@ -5165,18 +5165,13 @@
             </a:r>
             <a:r>
               <a:rPr lang="en-US" sz="1600" dirty="0"/>
-              <a:t>, Jared O’Neal, and Katherine Riley, James M. </a:t>
-            </a:r>
-            <a:r>
-              <a:rPr lang="en-US" sz="1600" dirty="0" err="1"/>
-              <a:t>Willenbring</a:t>
-            </a:r>
-            <a:endParaRPr lang="en-US" sz="1600" dirty="0"/>
+              <a:t>, Jared O’Neal, David Rogers</a:t>
+            </a:r>
           </a:p>
           <a:p>
             <a:pPr>
               <a:spcBef>
-                <a:spcPts val="600"/>
+                <a:spcPts val="400"/>
               </a:spcBef>
             </a:pPr>
             <a:r>
@@ -5200,20 +5195,12 @@
           <a:p>
             <a:pPr>
               <a:spcBef>
-                <a:spcPts val="600"/>
+                <a:spcPts val="400"/>
               </a:spcBef>
             </a:pPr>
             <a:r>
               <a:rPr lang="en-US" sz="1600" dirty="0"/>
-              <a:t>This work was performed in part at the Argonne National Laboratory, which is managed </a:t>
-            </a:r>
-            <a:r>
-              <a:rPr lang="en-US" sz="1600" dirty="0" err="1"/>
-              <a:t>managed</a:t>
-            </a:r>
-            <a:r>
-              <a:rPr lang="en-US" sz="1600" dirty="0"/>
-              <a:t> by </a:t>
+              <a:t>This work was performed in part at the Argonne National Laboratory, which is managed by </a:t>
             </a:r>
             <a:r>
               <a:rPr lang="en-US" sz="1600" dirty="0" err="1"/>
@@ -5227,7 +5214,7 @@
           <a:p>
             <a:pPr>
               <a:spcBef>
-                <a:spcPts val="600"/>
+                <a:spcPts val="400"/>
               </a:spcBef>
             </a:pPr>
             <a:r>
@@ -5238,12 +5225,23 @@
           <a:p>
             <a:pPr>
               <a:spcBef>
-                <a:spcPts val="600"/>
+                <a:spcPts val="400"/>
               </a:spcBef>
             </a:pPr>
             <a:r>
               <a:rPr lang="en-US" sz="1600" dirty="0"/>
-              <a:t>This work was performed in part at Sandia National Laboratories. Sandia National Laboratories is a multi-mission laboratory managed and operated by National Technology and Engineering Solutions of Sandia, LLC., a wholly owned subsidiary of Honeywell International, Inc., for the U.S. Department of Energy’s National Nuclear Security Administration under contract DE-NA0003525. SAND NO SAND2017-5474 PE</a:t>
+              <a:t>This work was performed in part at the Lawrence Livermore National Laboratory, which is managed by Lawrence Livermore National Security, LLC for the U.S. Department of Energy under Contract No. DE-AC52-07NA27344.</a:t>
+            </a:r>
+          </a:p>
+          <a:p>
+            <a:pPr>
+              <a:spcBef>
+                <a:spcPts val="400"/>
+              </a:spcBef>
+            </a:pPr>
+            <a:r>
+              <a:rPr lang="en-US" sz="1600" dirty="0"/>
+              <a:t>This work was performed in part at Sandia National Laboratories. Sandia National Laboratories is a multi-mission laboratory managed and operated by National Technology and Engineering Solutions of Sandia, LLC., a wholly owned subsidiary of Honeywell International, Inc., for the U.S. Department of Energy’s National Nuclear Security Administration under contract DE-NA0003525.</a:t>
             </a:r>
           </a:p>
         </p:txBody>
@@ -5298,7 +5296,7 @@
     </p:spTree>
     <p:extLst>
       <p:ext uri="{BB962C8B-B14F-4D97-AF65-F5344CB8AC3E}">
-        <p14:creationId xmlns:p14="http://schemas.microsoft.com/office/powerpoint/2010/main" val="978726433"/>
+        <p14:creationId xmlns:p14="http://schemas.microsoft.com/office/powerpoint/2010/main" val="4103288913"/>
       </p:ext>
     </p:extLst>
   </p:cSld>
@@ -8275,18 +8273,18 @@
 </file>
 
 <file path=customXml/item2.xml><?xml version="1.0" encoding="utf-8"?>
-<p:properties xmlns:p="http://schemas.microsoft.com/office/2006/metadata/properties" xmlns:xsi="http://www.w3.org/2001/XMLSchema-instance" xmlns:pc="http://schemas.microsoft.com/office/infopath/2007/PartnerControls">
-  <documentManagement/>
-</p:properties>
-</file>
-
-<file path=customXml/item3.xml><?xml version="1.0" encoding="utf-8"?>
 <?mso-contentType ?>
 <FormTemplates xmlns="http://schemas.microsoft.com/sharepoint/v3/contenttype/forms">
   <Display>DocumentLibraryForm</Display>
   <Edit>DocumentLibraryForm</Edit>
   <New>DocumentLibraryForm</New>
 </FormTemplates>
+</file>
+
+<file path=customXml/item3.xml><?xml version="1.0" encoding="utf-8"?>
+<p:properties xmlns:p="http://schemas.microsoft.com/office/2006/metadata/properties" xmlns:xsi="http://www.w3.org/2001/XMLSchema-instance" xmlns:pc="http://schemas.microsoft.com/office/infopath/2007/PartnerControls">
+  <documentManagement/>
+</p:properties>
 </file>
 
 <file path=customXml/itemProps1.xml><?xml version="1.0" encoding="utf-8"?>
@@ -8305,6 +8303,14 @@
 </file>
 
 <file path=customXml/itemProps2.xml><?xml version="1.0" encoding="utf-8"?>
+<ds:datastoreItem xmlns:ds="http://schemas.openxmlformats.org/officeDocument/2006/customXml" ds:itemID="{19E20559-B232-4371-8690-E3D8007EDB82}">
+  <ds:schemaRefs>
+    <ds:schemaRef ds:uri="http://schemas.microsoft.com/sharepoint/v3/contenttype/forms"/>
+  </ds:schemaRefs>
+</ds:datastoreItem>
+</file>
+
+<file path=customXml/itemProps3.xml><?xml version="1.0" encoding="utf-8"?>
 <ds:datastoreItem xmlns:ds="http://schemas.openxmlformats.org/officeDocument/2006/customXml" ds:itemID="{A50EC660-24D0-43A0-AE5E-E274115E726B}">
   <ds:schemaRefs>
     <ds:schemaRef ds:uri="http://purl.org/dc/terms/"/>
@@ -8317,12 +8323,4 @@
     <ds:schemaRef ds:uri="http://schemas.microsoft.com/office/infopath/2007/PartnerControls"/>
   </ds:schemaRefs>
 </ds:datastoreItem>
-</file>
-
-<file path=customXml/itemProps3.xml><?xml version="1.0" encoding="utf-8"?>
-<ds:datastoreItem xmlns:ds="http://schemas.openxmlformats.org/officeDocument/2006/customXml" ds:itemID="{19E20559-B232-4371-8690-E3D8007EDB82}">
-  <ds:schemaRefs>
-    <ds:schemaRef ds:uri="http://schemas.microsoft.com/sharepoint/v3/contenttype/forms"/>
-  </ds:schemaRefs>
-</ds:datastoreItem>
 </file>
--- a/summary.pptx
+++ b/summary.pptx
@@ -12,7 +12,7 @@
   </p:handoutMasterIdLst>
   <p:sldIdLst>
     <p:sldId id="318" r:id="rId5"/>
-    <p:sldId id="320" r:id="rId6"/>
+    <p:sldId id="1848" r:id="rId6"/>
     <p:sldId id="1840" r:id="rId7"/>
     <p:sldId id="1841" r:id="rId8"/>
     <p:sldId id="1842" r:id="rId9"/>
@@ -266,7 +266,7 @@
           <a:p>
             <a:fld id="{0B842F42-2CE9-4E35-95C1-410DC08A50B1}" type="datetimeFigureOut">
               <a:rPr lang="en-US" smtClean="0"/>
-              <a:t>10/2/2020</a:t>
+              <a:t>3/21/2021</a:t>
             </a:fld>
             <a:endParaRPr lang="en-US"/>
           </a:p>
@@ -431,7 +431,7 @@
           <a:p>
             <a:fld id="{6F282904-F315-4730-8D91-37D99E141A6F}" type="datetimeFigureOut">
               <a:rPr lang="en-US" smtClean="0"/>
-              <a:t>10/2/2020</a:t>
+              <a:t>3/21/2021</a:t>
             </a:fld>
             <a:endParaRPr lang="en-US"/>
           </a:p>
@@ -3598,7 +3598,7 @@
             </a:r>
             <a:r>
               <a:rPr lang="en-US" dirty="0"/>
-              <a:t>, David Rogers</a:t>
+              <a:t>, David M. Rogers</a:t>
             </a:r>
             <a:br>
               <a:rPr lang="en-US" u="sng" dirty="0"/>
@@ -3610,8 +3610,8 @@
           </a:p>
           <a:p>
             <a:r>
-              <a:rPr lang="en-US" sz="2000" dirty="0"/>
-              <a:t>Better Scientific Software Tutorial, SC20, November 2020</a:t>
+              <a:rPr lang="en-US" dirty="0"/>
+              <a:t>Better Scientific Software Tutorial, ISS, March 2021</a:t>
             </a:r>
           </a:p>
         </p:txBody>
@@ -5053,39 +5053,6 @@
           <a:bodyPr/>
           <a:lstStyle/>
           <a:p>
-            <a:r>
-              <a:rPr lang="en-US" b="1" dirty="0">
-                <a:solidFill>
-                  <a:schemeClr val="tx2"/>
-                </a:solidFill>
-              </a:rPr>
-              <a:t>Please complete an evaluation of this tutorial</a:t>
-            </a:r>
-          </a:p>
-          <a:p>
-            <a:pPr lvl="1"/>
-            <a:r>
-              <a:rPr lang="en-US" u="sng" dirty="0">
-                <a:solidFill>
-                  <a:schemeClr val="tx2"/>
-                </a:solidFill>
-                <a:hlinkClick r:id="rId2">
-                  <a:extLst>
-                    <a:ext uri="{A12FA001-AC4F-418D-AE19-62706E023703}">
-                      <ahyp:hlinkClr xmlns:ahyp="http://schemas.microsoft.com/office/drawing/2018/hyperlinkcolor" val="tx"/>
-                    </a:ext>
-                  </a:extLst>
-                </a:hlinkClick>
-              </a:rPr>
-              <a:t>https://submissions.supercomputing.org/?page=Submit&amp;id=TutorialEvaluation&amp;site=sc20</a:t>
-            </a:r>
-            <a:endParaRPr lang="en-US" u="sng" dirty="0">
-              <a:solidFill>
-                <a:schemeClr val="tx2"/>
-              </a:solidFill>
-            </a:endParaRPr>
-          </a:p>
-          <a:p>
             <a:pPr>
               <a:spcBef>
                 <a:spcPts val="2400"/>
@@ -5097,7 +5064,7 @@
             </a:r>
             <a:r>
               <a:rPr lang="en-US" dirty="0">
-                <a:hlinkClick r:id="rId3"/>
+                <a:hlinkClick r:id="rId2"/>
               </a:rPr>
               <a:t>bssw-tutorial@lists.mcs.anl.gov</a:t>
             </a:r>
@@ -5122,6 +5089,27 @@
             </a:pPr>
             <a:r>
               <a:rPr lang="en-US" dirty="0"/>
+              <a:t>See tutorial web site for links to resources mentioned in the tutorial</a:t>
+            </a:r>
+          </a:p>
+          <a:p>
+            <a:pPr lvl="1"/>
+            <a:r>
+              <a:rPr lang="en-US" dirty="0">
+                <a:hlinkClick r:id="rId3"/>
+              </a:rPr>
+              <a:t>https://bssw-tutorial.github.io/</a:t>
+            </a:r>
+            <a:endParaRPr lang="en-US" dirty="0"/>
+          </a:p>
+          <a:p>
+            <a:pPr>
+              <a:spcBef>
+                <a:spcPts val="2400"/>
+              </a:spcBef>
+            </a:pPr>
+            <a:r>
+              <a:rPr lang="en-US" dirty="0"/>
               <a:t>Follow us:</a:t>
             </a:r>
           </a:p>
@@ -5208,65 +5196,6 @@
               <a:t>https://bssw.io/items.rss</a:t>
             </a:r>
             <a:endParaRPr lang="en-US" dirty="0"/>
-          </a:p>
-        </p:txBody>
-      </p:sp>
-      <p:sp>
-        <p:nvSpPr>
-          <p:cNvPr id="4" name="Rectangle 3">
-            <a:extLst>
-              <a:ext uri="{FF2B5EF4-FFF2-40B4-BE49-F238E27FC236}">
-                <a16:creationId xmlns:a16="http://schemas.microsoft.com/office/drawing/2014/main" id="{C24EF888-692C-4C4D-A080-C4925EC142EE}"/>
-              </a:ext>
-            </a:extLst>
-          </p:cNvPr>
-          <p:cNvSpPr/>
-          <p:nvPr/>
-        </p:nvSpPr>
-        <p:spPr>
-          <a:xfrm>
-            <a:off x="365760" y="1210792"/>
-            <a:ext cx="10922350" cy="980616"/>
-          </a:xfrm>
-          <a:prstGeom prst="rect">
-            <a:avLst/>
-          </a:prstGeom>
-          <a:noFill/>
-          <a:ln w="57150">
-            <a:solidFill>
-              <a:schemeClr val="tx2"/>
-            </a:solidFill>
-          </a:ln>
-          <a:effectLst>
-            <a:outerShdw blurRad="44450" dist="27940" dir="5400000" algn="ctr">
-              <a:srgbClr val="000000">
-                <a:alpha val="32000"/>
-              </a:srgbClr>
-            </a:outerShdw>
-          </a:effectLst>
-        </p:spPr>
-        <p:txBody>
-          <a:bodyPr rot="0" spcFirstLastPara="0" vertOverflow="overflow" horzOverflow="overflow" vert="horz" wrap="square" lIns="121851" tIns="60925" rIns="121851" bIns="60925" numCol="1" spcCol="0" rtlCol="0" fromWordArt="0" anchor="ctr" anchorCtr="0" forceAA="0" compatLnSpc="1">
-            <a:prstTxWarp prst="textNoShape">
-              <a:avLst/>
-            </a:prstTxWarp>
-            <a:noAutofit/>
-          </a:bodyPr>
-          <a:lstStyle/>
-          <a:p>
-            <a:pPr algn="ctr">
-              <a:lnSpc>
-                <a:spcPct val="90000"/>
-              </a:lnSpc>
-            </a:pPr>
-            <a:endParaRPr lang="en-US" sz="2000" dirty="0">
-              <a:ln w="57150">
-                <a:solidFill>
-                  <a:schemeClr val="tx2"/>
-                </a:solidFill>
-              </a:ln>
-              <a:noFill/>
-            </a:endParaRPr>
           </a:p>
         </p:txBody>
       </p:sp>
@@ -5438,13 +5367,13 @@
             </a:pPr>
             <a:r>
               <a:rPr lang="en-US" sz="1600" b="1" dirty="0"/>
-              <a:t>The requested citation the overall tutorial is: David E. Bernholdt, Anshu Dubey, Patricia A. Grubel, Rinku K. Gupta, Better Scientific Software tutorial, in SC ‘20: International Conference for High Performance Computing, Networking, Storage and Analysis, online, 2020. DOI: </a:t>
+              <a:t>The requested citation the overall tutorial is: David E. Bernholdt, Anshu Dubey, Rinku K. Gupta, and David M. Rogers, Better Scientific Software tutorial, in Improving Scientific Software conference, online, 2021. DOI: </a:t>
             </a:r>
             <a:r>
               <a:rPr lang="en-US" sz="1600" b="1" dirty="0">
                 <a:hlinkClick r:id="rId4"/>
               </a:rPr>
-              <a:t>10.6084/m9.figshare.12994376</a:t>
+              <a:t>10.6084/m9.figshare.14256257</a:t>
             </a:r>
             <a:endParaRPr lang="en-US" sz="1600" b="1" dirty="0"/>
           </a:p>
@@ -5650,7 +5579,7 @@
     </p:spTree>
     <p:extLst>
       <p:ext uri="{BB962C8B-B14F-4D97-AF65-F5344CB8AC3E}">
-        <p14:creationId xmlns:p14="http://schemas.microsoft.com/office/powerpoint/2010/main" val="978726433"/>
+        <p14:creationId xmlns:p14="http://schemas.microsoft.com/office/powerpoint/2010/main" val="575333381"/>
       </p:ext>
     </p:extLst>
   </p:cSld>
@@ -7312,7 +7241,13 @@
           </a:p>
           <a:p>
             <a:r>
-              <a:rPr lang="en-US" dirty="0"/>
+              <a:rPr lang="en-US" dirty="0">
+                <a:solidFill>
+                  <a:schemeClr val="bg1">
+                    <a:lumMod val="75000"/>
+                  </a:schemeClr>
+                </a:solidFill>
+              </a:rPr>
               <a:t>Continuous integration testing</a:t>
             </a:r>
           </a:p>

--- a/summary.pptx
+++ b/summary.pptx
@@ -266,7 +266,7 @@
           <a:p>
             <a:fld id="{0B842F42-2CE9-4E35-95C1-410DC08A50B1}" type="datetimeFigureOut">
               <a:rPr lang="en-US" smtClean="0"/>
-              <a:t>3/21/2021</a:t>
+              <a:t>5/21/2021</a:t>
             </a:fld>
             <a:endParaRPr lang="en-US"/>
           </a:p>
@@ -431,7 +431,7 @@
           <a:p>
             <a:fld id="{6F282904-F315-4730-8D91-37D99E141A6F}" type="datetimeFigureOut">
               <a:rPr lang="en-US" smtClean="0"/>
-              <a:t>3/21/2021</a:t>
+              <a:t>5/21/2021</a:t>
             </a:fld>
             <a:endParaRPr lang="en-US"/>
           </a:p>
@@ -1039,7 +1039,7 @@
         </p:blipFill>
         <p:spPr>
           <a:xfrm>
-            <a:off x="360640" y="483164"/>
+            <a:off x="360639" y="483164"/>
             <a:ext cx="2050840" cy="935496"/>
           </a:xfrm>
           <a:prstGeom prst="rect">
@@ -1126,45 +1126,10 @@
       </p:pic>
       <p:pic>
         <p:nvPicPr>
-          <p:cNvPr id="11" name="Picture 10">
+          <p:cNvPr id="8" name="Picture 7" descr="A picture containing shape&#10;&#10;Description automatically generated">
             <a:extLst>
               <a:ext uri="{FF2B5EF4-FFF2-40B4-BE49-F238E27FC236}">
-                <a16:creationId xmlns:a16="http://schemas.microsoft.com/office/drawing/2014/main" id="{FEB516F4-C09A-4E83-A0F1-168C638F25AA}"/>
-              </a:ext>
-            </a:extLst>
-          </p:cNvPr>
-          <p:cNvPicPr>
-            <a:picLocks noChangeAspect="1"/>
-          </p:cNvPicPr>
-          <p:nvPr userDrawn="1"/>
-        </p:nvPicPr>
-        <p:blipFill rotWithShape="1">
-          <a:blip r:embed="rId7">
-            <a:extLst>
-              <a:ext uri="{28A0092B-C50C-407E-A947-70E740481C1C}">
-                <a14:useLocalDpi xmlns:a14="http://schemas.microsoft.com/office/drawing/2010/main" val="0"/>
-              </a:ext>
-            </a:extLst>
-          </a:blip>
-          <a:srcRect r="58932" b="1495"/>
-          <a:stretch/>
-        </p:blipFill>
-        <p:spPr>
-          <a:xfrm rot="10800000">
-            <a:off x="-1" y="1572767"/>
-            <a:ext cx="2852965" cy="4078297"/>
-          </a:xfrm>
-          <a:prstGeom prst="rect">
-            <a:avLst/>
-          </a:prstGeom>
-        </p:spPr>
-      </p:pic>
-      <p:pic>
-        <p:nvPicPr>
-          <p:cNvPr id="10" name="Picture 9" descr="IDEAS_logo.png">
-            <a:extLst>
-              <a:ext uri="{FF2B5EF4-FFF2-40B4-BE49-F238E27FC236}">
-                <a16:creationId xmlns:a16="http://schemas.microsoft.com/office/drawing/2014/main" id="{9DE86E9C-D24A-4552-A542-495444B5B047}"/>
+                <a16:creationId xmlns:a16="http://schemas.microsoft.com/office/drawing/2014/main" id="{C432A180-7341-4E28-8C2B-73F9AB53D13F}"/>
               </a:ext>
             </a:extLst>
           </p:cNvPr>
@@ -1174,10 +1139,10 @@
           <p:nvPr userDrawn="1"/>
         </p:nvPicPr>
         <p:blipFill>
-          <a:blip r:embed="rId8" cstate="print">
+          <a:blip r:embed="rId7">
             <a:extLst>
               <a:ext uri="{28A0092B-C50C-407E-A947-70E740481C1C}">
-                <a14:useLocalDpi xmlns:a14="http://schemas.microsoft.com/office/drawing/2010/main"/>
+                <a14:useLocalDpi xmlns:a14="http://schemas.microsoft.com/office/drawing/2010/main" val="0"/>
               </a:ext>
             </a:extLst>
           </a:blip>
@@ -1187,8 +1152,8 @@
         </p:blipFill>
         <p:spPr>
           <a:xfrm>
-            <a:off x="211056" y="1848659"/>
-            <a:ext cx="2350008" cy="815135"/>
+            <a:off x="331810" y="1848659"/>
+            <a:ext cx="2108499" cy="914400"/>
           </a:xfrm>
           <a:prstGeom prst="rect">
             <a:avLst/>
@@ -1209,6 +1174,604 @@
 </file>
 
 <file path=ppt/slideLayouts/slideLayout2.xml><?xml version="1.0" encoding="utf-8"?>
+<p:sldLayout xmlns:a="http://schemas.openxmlformats.org/drawingml/2006/main" xmlns:r="http://schemas.openxmlformats.org/officeDocument/2006/relationships" xmlns:p="http://schemas.openxmlformats.org/presentationml/2006/main" showMasterSp="0" preserve="1" userDrawn="1">
+  <p:cSld name="8_Title Slide">
+    <p:spTree>
+      <p:nvGrpSpPr>
+        <p:cNvPr id="1" name=""/>
+        <p:cNvGrpSpPr/>
+        <p:nvPr/>
+      </p:nvGrpSpPr>
+      <p:grpSpPr>
+        <a:xfrm>
+          <a:off x="0" y="0"/>
+          <a:ext cx="0" cy="0"/>
+          <a:chOff x="0" y="0"/>
+          <a:chExt cx="0" cy="0"/>
+        </a:xfrm>
+      </p:grpSpPr>
+      <p:sp>
+        <p:nvSpPr>
+          <p:cNvPr id="4" name="Rectangle 3">
+            <a:extLst>
+              <a:ext uri="{FF2B5EF4-FFF2-40B4-BE49-F238E27FC236}">
+                <a16:creationId xmlns:a16="http://schemas.microsoft.com/office/drawing/2014/main" id="{2E2177C6-060C-4445-8C10-ADA6D3CE5F74}"/>
+              </a:ext>
+            </a:extLst>
+          </p:cNvPr>
+          <p:cNvSpPr/>
+          <p:nvPr userDrawn="1"/>
+        </p:nvSpPr>
+        <p:spPr>
+          <a:xfrm>
+            <a:off x="0" y="6186396"/>
+            <a:ext cx="12188825" cy="671604"/>
+          </a:xfrm>
+          <a:prstGeom prst="rect">
+            <a:avLst/>
+          </a:prstGeom>
+          <a:solidFill>
+            <a:schemeClr val="accent1">
+              <a:lumMod val="75000"/>
+            </a:schemeClr>
+          </a:solidFill>
+          <a:ln>
+            <a:noFill/>
+          </a:ln>
+          <a:effectLst/>
+          <a:scene3d>
+            <a:camera prst="orthographicFront">
+              <a:rot lat="0" lon="0" rev="0"/>
+            </a:camera>
+            <a:lightRig rig="threePt" dir="t">
+              <a:rot lat="0" lon="0" rev="1200000"/>
+            </a:lightRig>
+          </a:scene3d>
+          <a:sp3d/>
+        </p:spPr>
+        <p:style>
+          <a:lnRef idx="0">
+            <a:schemeClr val="accent1"/>
+          </a:lnRef>
+          <a:fillRef idx="3">
+            <a:schemeClr val="accent1"/>
+          </a:fillRef>
+          <a:effectRef idx="3">
+            <a:schemeClr val="accent1"/>
+          </a:effectRef>
+          <a:fontRef idx="minor">
+            <a:schemeClr val="lt1"/>
+          </a:fontRef>
+        </p:style>
+        <p:txBody>
+          <a:bodyPr rot="0" spcFirstLastPara="0" vertOverflow="overflow" horzOverflow="overflow" vert="horz" wrap="square" lIns="548640" tIns="45720" rIns="45720" bIns="45720" numCol="1" spcCol="0" rtlCol="0" fromWordArt="0" anchor="ctr" anchorCtr="0" forceAA="0" compatLnSpc="1">
+            <a:prstTxWarp prst="textNoShape">
+              <a:avLst/>
+            </a:prstTxWarp>
+            <a:noAutofit/>
+          </a:bodyPr>
+          <a:lstStyle/>
+          <a:p>
+            <a:pPr algn="l">
+              <a:lnSpc>
+                <a:spcPct val="90000"/>
+              </a:lnSpc>
+            </a:pPr>
+            <a:r>
+              <a:rPr lang="en-US" sz="1600" dirty="0">
+                <a:ln>
+                  <a:noFill/>
+                </a:ln>
+                <a:solidFill>
+                  <a:schemeClr val="bg1"/>
+                </a:solidFill>
+              </a:rPr>
+              <a:t>exascaleproject.org</a:t>
+            </a:r>
+          </a:p>
+        </p:txBody>
+      </p:sp>
+      <p:sp>
+        <p:nvSpPr>
+          <p:cNvPr id="22" name="Rectangle 21"/>
+          <p:cNvSpPr/>
+          <p:nvPr userDrawn="1"/>
+        </p:nvSpPr>
+        <p:spPr>
+          <a:xfrm>
+            <a:off x="8305800" y="5921829"/>
+            <a:ext cx="3883025" cy="936171"/>
+          </a:xfrm>
+          <a:prstGeom prst="rect">
+            <a:avLst/>
+          </a:prstGeom>
+          <a:noFill/>
+          <a:ln>
+            <a:noFill/>
+          </a:ln>
+          <a:effectLst/>
+          <a:scene3d>
+            <a:camera prst="orthographicFront">
+              <a:rot lat="0" lon="0" rev="0"/>
+            </a:camera>
+            <a:lightRig rig="threePt" dir="t">
+              <a:rot lat="0" lon="0" rev="1200000"/>
+            </a:lightRig>
+          </a:scene3d>
+          <a:sp3d/>
+        </p:spPr>
+        <p:style>
+          <a:lnRef idx="0">
+            <a:schemeClr val="accent1"/>
+          </a:lnRef>
+          <a:fillRef idx="3">
+            <a:schemeClr val="accent1"/>
+          </a:fillRef>
+          <a:effectRef idx="3">
+            <a:schemeClr val="accent1"/>
+          </a:effectRef>
+          <a:fontRef idx="minor">
+            <a:schemeClr val="lt1"/>
+          </a:fontRef>
+        </p:style>
+        <p:txBody>
+          <a:bodyPr rot="0" spcFirstLastPara="0" vertOverflow="overflow" horzOverflow="overflow" vert="horz" wrap="square" lIns="45720" tIns="45720" rIns="45720" bIns="45720" numCol="1" spcCol="0" rtlCol="0" fromWordArt="0" anchor="ctr" anchorCtr="0" forceAA="0" compatLnSpc="1">
+            <a:prstTxWarp prst="textNoShape">
+              <a:avLst/>
+            </a:prstTxWarp>
+            <a:noAutofit/>
+          </a:bodyPr>
+          <a:lstStyle/>
+          <a:p>
+            <a:pPr algn="ctr">
+              <a:lnSpc>
+                <a:spcPct val="90000"/>
+              </a:lnSpc>
+            </a:pPr>
+            <a:endParaRPr lang="en-US" dirty="0">
+              <a:solidFill>
+                <a:schemeClr val="tx1"/>
+              </a:solidFill>
+            </a:endParaRPr>
+          </a:p>
+        </p:txBody>
+      </p:sp>
+      <p:sp>
+        <p:nvSpPr>
+          <p:cNvPr id="2" name="Title 1"/>
+          <p:cNvSpPr>
+            <a:spLocks noGrp="1"/>
+          </p:cNvSpPr>
+          <p:nvPr userDrawn="1">
+            <p:ph type="ctrTitle"/>
+          </p:nvPr>
+        </p:nvSpPr>
+        <p:spPr>
+          <a:xfrm>
+            <a:off x="3177633" y="503144"/>
+            <a:ext cx="8292316" cy="1030930"/>
+          </a:xfrm>
+        </p:spPr>
+        <p:txBody>
+          <a:bodyPr anchor="b"/>
+          <a:lstStyle>
+            <a:lvl1pPr algn="l">
+              <a:defRPr sz="3200" b="1">
+                <a:solidFill>
+                  <a:schemeClr val="tx1"/>
+                </a:solidFill>
+                <a:latin typeface="+mn-lt"/>
+              </a:defRPr>
+            </a:lvl1pPr>
+          </a:lstStyle>
+          <a:p>
+            <a:r>
+              <a:rPr lang="en-US"/>
+              <a:t>Click to edit Master title style</a:t>
+            </a:r>
+            <a:endParaRPr lang="en-US" dirty="0"/>
+          </a:p>
+        </p:txBody>
+      </p:sp>
+      <p:sp>
+        <p:nvSpPr>
+          <p:cNvPr id="3" name="Subtitle 2"/>
+          <p:cNvSpPr>
+            <a:spLocks noGrp="1"/>
+          </p:cNvSpPr>
+          <p:nvPr userDrawn="1">
+            <p:ph type="subTitle" idx="1"/>
+          </p:nvPr>
+        </p:nvSpPr>
+        <p:spPr>
+          <a:xfrm>
+            <a:off x="3177632" y="2085962"/>
+            <a:ext cx="8292317" cy="2855300"/>
+          </a:xfrm>
+        </p:spPr>
+        <p:txBody>
+          <a:bodyPr lIns="109728"/>
+          <a:lstStyle>
+            <a:lvl1pPr marL="0" indent="0" algn="l">
+              <a:buNone/>
+              <a:defRPr sz="2400">
+                <a:solidFill>
+                  <a:schemeClr val="tx1"/>
+                </a:solidFill>
+                <a:latin typeface="Arial" panose="020B0604020202020204" pitchFamily="34" charset="0"/>
+                <a:cs typeface="Arial" panose="020B0604020202020204" pitchFamily="34" charset="0"/>
+              </a:defRPr>
+            </a:lvl1pPr>
+            <a:lvl2pPr marL="457200" indent="0" algn="ctr">
+              <a:buNone/>
+              <a:defRPr>
+                <a:solidFill>
+                  <a:schemeClr val="tx1">
+                    <a:tint val="75000"/>
+                  </a:schemeClr>
+                </a:solidFill>
+              </a:defRPr>
+            </a:lvl2pPr>
+            <a:lvl3pPr marL="914400" indent="0" algn="ctr">
+              <a:buNone/>
+              <a:defRPr>
+                <a:solidFill>
+                  <a:schemeClr val="tx1">
+                    <a:tint val="75000"/>
+                  </a:schemeClr>
+                </a:solidFill>
+              </a:defRPr>
+            </a:lvl3pPr>
+            <a:lvl4pPr marL="1371600" indent="0" algn="ctr">
+              <a:buNone/>
+              <a:defRPr>
+                <a:solidFill>
+                  <a:schemeClr val="tx1">
+                    <a:tint val="75000"/>
+                  </a:schemeClr>
+                </a:solidFill>
+              </a:defRPr>
+            </a:lvl4pPr>
+            <a:lvl5pPr marL="1828800" indent="0" algn="ctr">
+              <a:buNone/>
+              <a:defRPr>
+                <a:solidFill>
+                  <a:schemeClr val="tx1">
+                    <a:tint val="75000"/>
+                  </a:schemeClr>
+                </a:solidFill>
+              </a:defRPr>
+            </a:lvl5pPr>
+            <a:lvl6pPr marL="2286000" indent="0" algn="ctr">
+              <a:buNone/>
+              <a:defRPr>
+                <a:solidFill>
+                  <a:schemeClr val="tx1">
+                    <a:tint val="75000"/>
+                  </a:schemeClr>
+                </a:solidFill>
+              </a:defRPr>
+            </a:lvl6pPr>
+            <a:lvl7pPr marL="2743200" indent="0" algn="ctr">
+              <a:buNone/>
+              <a:defRPr>
+                <a:solidFill>
+                  <a:schemeClr val="tx1">
+                    <a:tint val="75000"/>
+                  </a:schemeClr>
+                </a:solidFill>
+              </a:defRPr>
+            </a:lvl7pPr>
+            <a:lvl8pPr marL="3200400" indent="0" algn="ctr">
+              <a:buNone/>
+              <a:defRPr>
+                <a:solidFill>
+                  <a:schemeClr val="tx1">
+                    <a:tint val="75000"/>
+                  </a:schemeClr>
+                </a:solidFill>
+              </a:defRPr>
+            </a:lvl8pPr>
+            <a:lvl9pPr marL="3657600" indent="0" algn="ctr">
+              <a:buNone/>
+              <a:defRPr>
+                <a:solidFill>
+                  <a:schemeClr val="tx1">
+                    <a:tint val="75000"/>
+                  </a:schemeClr>
+                </a:solidFill>
+              </a:defRPr>
+            </a:lvl9pPr>
+          </a:lstStyle>
+          <a:p>
+            <a:r>
+              <a:rPr lang="en-US"/>
+              <a:t>Click to edit Master subtitle style</a:t>
+            </a:r>
+            <a:endParaRPr lang="en-US" dirty="0"/>
+          </a:p>
+        </p:txBody>
+      </p:sp>
+      <p:pic>
+        <p:nvPicPr>
+          <p:cNvPr id="12" name="Picture 11"/>
+          <p:cNvPicPr>
+            <a:picLocks noChangeAspect="1"/>
+          </p:cNvPicPr>
+          <p:nvPr userDrawn="1"/>
+        </p:nvPicPr>
+        <p:blipFill>
+          <a:blip r:embed="rId2" cstate="print">
+            <a:extLst>
+              <a:ext uri="{28A0092B-C50C-407E-A947-70E740481C1C}">
+                <a14:useLocalDpi xmlns:a14="http://schemas.microsoft.com/office/drawing/2010/main" val="0"/>
+              </a:ext>
+            </a:extLst>
+          </a:blip>
+          <a:stretch>
+            <a:fillRect/>
+          </a:stretch>
+        </p:blipFill>
+        <p:spPr>
+          <a:xfrm>
+            <a:off x="362749" y="483164"/>
+            <a:ext cx="2050840" cy="935496"/>
+          </a:xfrm>
+          <a:prstGeom prst="rect">
+            <a:avLst/>
+          </a:prstGeom>
+        </p:spPr>
+      </p:pic>
+      <p:pic>
+        <p:nvPicPr>
+          <p:cNvPr id="16" name="Picture 15"/>
+          <p:cNvPicPr>
+            <a:picLocks noChangeAspect="1"/>
+          </p:cNvPicPr>
+          <p:nvPr userDrawn="1"/>
+        </p:nvPicPr>
+        <p:blipFill>
+          <a:blip r:embed="rId3" cstate="print">
+            <a:extLst>
+              <a:ext uri="{BEBA8EAE-BF5A-486C-A8C5-ECC9F3942E4B}">
+                <a14:imgProps xmlns:a14="http://schemas.microsoft.com/office/drawing/2010/main">
+                  <a14:imgLayer r:embed="rId4">
+                    <a14:imgEffect>
+                      <a14:brightnessContrast bright="100000"/>
+                    </a14:imgEffect>
+                  </a14:imgLayer>
+                </a14:imgProps>
+              </a:ext>
+              <a:ext uri="{28A0092B-C50C-407E-A947-70E740481C1C}">
+                <a14:useLocalDpi xmlns:a14="http://schemas.microsoft.com/office/drawing/2010/main" val="0"/>
+              </a:ext>
+            </a:extLst>
+          </a:blip>
+          <a:stretch>
+            <a:fillRect/>
+          </a:stretch>
+        </p:blipFill>
+        <p:spPr>
+          <a:xfrm>
+            <a:off x="7289921" y="6322747"/>
+            <a:ext cx="2409477" cy="401008"/>
+          </a:xfrm>
+          <a:prstGeom prst="rect">
+            <a:avLst/>
+          </a:prstGeom>
+        </p:spPr>
+      </p:pic>
+      <p:pic>
+        <p:nvPicPr>
+          <p:cNvPr id="17" name="Picture 16"/>
+          <p:cNvPicPr>
+            <a:picLocks noChangeAspect="1"/>
+          </p:cNvPicPr>
+          <p:nvPr userDrawn="1"/>
+        </p:nvPicPr>
+        <p:blipFill rotWithShape="1">
+          <a:blip r:embed="rId5" cstate="print">
+            <a:extLst>
+              <a:ext uri="{BEBA8EAE-BF5A-486C-A8C5-ECC9F3942E4B}">
+                <a14:imgProps xmlns:a14="http://schemas.microsoft.com/office/drawing/2010/main">
+                  <a14:imgLayer r:embed="rId6">
+                    <a14:imgEffect>
+                      <a14:brightnessContrast bright="100000"/>
+                    </a14:imgEffect>
+                  </a14:imgLayer>
+                </a14:imgProps>
+              </a:ext>
+              <a:ext uri="{28A0092B-C50C-407E-A947-70E740481C1C}">
+                <a14:useLocalDpi xmlns:a14="http://schemas.microsoft.com/office/drawing/2010/main" val="0"/>
+              </a:ext>
+            </a:extLst>
+          </a:blip>
+          <a:srcRect b="70693"/>
+          <a:stretch/>
+        </p:blipFill>
+        <p:spPr>
+          <a:xfrm>
+            <a:off x="10204521" y="6307740"/>
+            <a:ext cx="1367541" cy="428915"/>
+          </a:xfrm>
+          <a:prstGeom prst="rect">
+            <a:avLst/>
+          </a:prstGeom>
+        </p:spPr>
+      </p:pic>
+      <p:pic>
+        <p:nvPicPr>
+          <p:cNvPr id="8" name="Picture 7" descr="A picture containing shape&#10;&#10;Description automatically generated">
+            <a:extLst>
+              <a:ext uri="{FF2B5EF4-FFF2-40B4-BE49-F238E27FC236}">
+                <a16:creationId xmlns:a16="http://schemas.microsoft.com/office/drawing/2014/main" id="{C432A180-7341-4E28-8C2B-73F9AB53D13F}"/>
+              </a:ext>
+            </a:extLst>
+          </p:cNvPr>
+          <p:cNvPicPr>
+            <a:picLocks noChangeAspect="1"/>
+          </p:cNvPicPr>
+          <p:nvPr userDrawn="1"/>
+        </p:nvPicPr>
+        <p:blipFill>
+          <a:blip r:embed="rId7">
+            <a:extLst>
+              <a:ext uri="{28A0092B-C50C-407E-A947-70E740481C1C}">
+                <a14:useLocalDpi xmlns:a14="http://schemas.microsoft.com/office/drawing/2010/main" val="0"/>
+              </a:ext>
+            </a:extLst>
+          </a:blip>
+          <a:stretch>
+            <a:fillRect/>
+          </a:stretch>
+        </p:blipFill>
+        <p:spPr>
+          <a:xfrm>
+            <a:off x="333920" y="1848659"/>
+            <a:ext cx="2108499" cy="914400"/>
+          </a:xfrm>
+          <a:prstGeom prst="rect">
+            <a:avLst/>
+          </a:prstGeom>
+        </p:spPr>
+      </p:pic>
+      <p:pic>
+        <p:nvPicPr>
+          <p:cNvPr id="13" name="Picture 2" descr="https://licensebuttons.net/l/by/4.0/88x31.png">
+            <a:extLst>
+              <a:ext uri="{FF2B5EF4-FFF2-40B4-BE49-F238E27FC236}">
+                <a16:creationId xmlns:a16="http://schemas.microsoft.com/office/drawing/2014/main" id="{FAFD7D99-41CA-4FD0-9396-9C5659F22045}"/>
+              </a:ext>
+            </a:extLst>
+          </p:cNvPr>
+          <p:cNvPicPr>
+            <a:picLocks noChangeAspect="1" noChangeArrowheads="1"/>
+          </p:cNvPicPr>
+          <p:nvPr userDrawn="1"/>
+        </p:nvPicPr>
+        <p:blipFill>
+          <a:blip r:embed="rId8">
+            <a:extLst>
+              <a:ext uri="{28A0092B-C50C-407E-A947-70E740481C1C}">
+                <a14:useLocalDpi xmlns:a14="http://schemas.microsoft.com/office/drawing/2010/main" val="0"/>
+              </a:ext>
+            </a:extLst>
+          </a:blip>
+          <a:srcRect/>
+          <a:stretch>
+            <a:fillRect/>
+          </a:stretch>
+        </p:blipFill>
+        <p:spPr bwMode="auto">
+          <a:xfrm>
+            <a:off x="969069" y="5841262"/>
+            <a:ext cx="838200" cy="295275"/>
+          </a:xfrm>
+          <a:prstGeom prst="rect">
+            <a:avLst/>
+          </a:prstGeom>
+          <a:noFill/>
+          <a:extLst>
+            <a:ext uri="{909E8E84-426E-40DD-AFC4-6F175D3DCCD1}">
+              <a14:hiddenFill xmlns:a14="http://schemas.microsoft.com/office/drawing/2010/main">
+                <a:solidFill>
+                  <a:srgbClr val="FFFFFF"/>
+                </a:solidFill>
+              </a14:hiddenFill>
+            </a:ext>
+          </a:extLst>
+        </p:spPr>
+      </p:pic>
+      <p:sp>
+        <p:nvSpPr>
+          <p:cNvPr id="14" name="TextBox 13">
+            <a:extLst>
+              <a:ext uri="{FF2B5EF4-FFF2-40B4-BE49-F238E27FC236}">
+                <a16:creationId xmlns:a16="http://schemas.microsoft.com/office/drawing/2014/main" id="{9D022D1C-99FF-490C-8690-D8081D33C0AF}"/>
+              </a:ext>
+            </a:extLst>
+          </p:cNvPr>
+          <p:cNvSpPr txBox="1"/>
+          <p:nvPr userDrawn="1"/>
+        </p:nvSpPr>
+        <p:spPr>
+          <a:xfrm>
+            <a:off x="1810964" y="5776533"/>
+            <a:ext cx="1171114" cy="424732"/>
+          </a:xfrm>
+          <a:prstGeom prst="rect">
+            <a:avLst/>
+          </a:prstGeom>
+          <a:noFill/>
+        </p:spPr>
+        <p:txBody>
+          <a:bodyPr wrap="square" rtlCol="0">
+            <a:spAutoFit/>
+          </a:bodyPr>
+          <a:lstStyle/>
+          <a:p>
+            <a:pPr algn="ctr">
+              <a:lnSpc>
+                <a:spcPct val="90000"/>
+              </a:lnSpc>
+            </a:pPr>
+            <a:r>
+              <a:rPr lang="en-US" sz="1200" dirty="0"/>
+              <a:t>See slide 2 for license details</a:t>
+            </a:r>
+          </a:p>
+        </p:txBody>
+      </p:sp>
+      <p:pic>
+        <p:nvPicPr>
+          <p:cNvPr id="15" name="Picture 14">
+            <a:extLst>
+              <a:ext uri="{FF2B5EF4-FFF2-40B4-BE49-F238E27FC236}">
+                <a16:creationId xmlns:a16="http://schemas.microsoft.com/office/drawing/2014/main" id="{C554CDC7-44CF-4751-9869-0265C8E01840}"/>
+              </a:ext>
+            </a:extLst>
+          </p:cNvPr>
+          <p:cNvPicPr>
+            <a:picLocks noChangeAspect="1"/>
+          </p:cNvPicPr>
+          <p:nvPr userDrawn="1"/>
+        </p:nvPicPr>
+        <p:blipFill>
+          <a:blip r:embed="rId9" cstate="print">
+            <a:extLst>
+              <a:ext uri="{28A0092B-C50C-407E-A947-70E740481C1C}">
+                <a14:useLocalDpi xmlns:a14="http://schemas.microsoft.com/office/drawing/2010/main" val="0"/>
+              </a:ext>
+            </a:extLst>
+          </a:blip>
+          <a:stretch>
+            <a:fillRect/>
+          </a:stretch>
+        </p:blipFill>
+        <p:spPr>
+          <a:xfrm>
+            <a:off x="333211" y="3189686"/>
+            <a:ext cx="2109916" cy="905256"/>
+          </a:xfrm>
+          <a:prstGeom prst="rect">
+            <a:avLst/>
+          </a:prstGeom>
+        </p:spPr>
+      </p:pic>
+    </p:spTree>
+    <p:extLst>
+      <p:ext uri="{BB962C8B-B14F-4D97-AF65-F5344CB8AC3E}">
+        <p14:creationId xmlns:p14="http://schemas.microsoft.com/office/powerpoint/2010/main" val="451228200"/>
+      </p:ext>
+    </p:extLst>
+  </p:cSld>
+  <p:clrMapOvr>
+    <a:masterClrMapping/>
+  </p:clrMapOvr>
+</p:sldLayout>
+</file>
+
+<file path=ppt/slideLayouts/slideLayout3.xml><?xml version="1.0" encoding="utf-8"?>
 <p:sldLayout xmlns:a="http://schemas.openxmlformats.org/drawingml/2006/main" xmlns:r="http://schemas.openxmlformats.org/officeDocument/2006/relationships" xmlns:p="http://schemas.openxmlformats.org/presentationml/2006/main" type="obj" preserve="1">
   <p:cSld name="Title and Content">
     <p:bg>
@@ -1363,7 +1926,7 @@
 </p:sldLayout>
 </file>
 
-<file path=ppt/slideLayouts/slideLayout3.xml><?xml version="1.0" encoding="utf-8"?>
+<file path=ppt/slideLayouts/slideLayout4.xml><?xml version="1.0" encoding="utf-8"?>
 <p:sldLayout xmlns:a="http://schemas.openxmlformats.org/drawingml/2006/main" xmlns:r="http://schemas.openxmlformats.org/officeDocument/2006/relationships" xmlns:p="http://schemas.openxmlformats.org/presentationml/2006/main" type="twoTxTwoObj" preserve="1">
   <p:cSld name="Comparison">
     <p:spTree>
@@ -1834,7 +2397,7 @@
 </p:sldLayout>
 </file>
 
-<file path=ppt/slideLayouts/slideLayout4.xml><?xml version="1.0" encoding="utf-8"?>
+<file path=ppt/slideLayouts/slideLayout5.xml><?xml version="1.0" encoding="utf-8"?>
 <p:sldLayout xmlns:a="http://schemas.openxmlformats.org/drawingml/2006/main" xmlns:r="http://schemas.openxmlformats.org/officeDocument/2006/relationships" xmlns:p="http://schemas.openxmlformats.org/presentationml/2006/main" preserve="1" userDrawn="1">
   <p:cSld name="quad chart">
     <p:spTree>
@@ -2597,7 +3160,7 @@
 </p:sldLayout>
 </file>
 
-<file path=ppt/slideLayouts/slideLayout5.xml><?xml version="1.0" encoding="utf-8"?>
+<file path=ppt/slideLayouts/slideLayout6.xml><?xml version="1.0" encoding="utf-8"?>
 <p:sldLayout xmlns:a="http://schemas.openxmlformats.org/drawingml/2006/main" xmlns:r="http://schemas.openxmlformats.org/officeDocument/2006/relationships" xmlns:p="http://schemas.openxmlformats.org/presentationml/2006/main" preserve="1" userDrawn="1">
   <p:cSld name="Section divider">
     <p:spTree>
@@ -2655,7 +3218,7 @@
 </p:sldLayout>
 </file>
 
-<file path=ppt/slideLayouts/slideLayout6.xml><?xml version="1.0" encoding="utf-8"?>
+<file path=ppt/slideLayouts/slideLayout7.xml><?xml version="1.0" encoding="utf-8"?>
 <p:sldLayout xmlns:a="http://schemas.openxmlformats.org/drawingml/2006/main" xmlns:r="http://schemas.openxmlformats.org/officeDocument/2006/relationships" xmlns:p="http://schemas.openxmlformats.org/presentationml/2006/main" type="titleOnly" preserve="1">
   <p:cSld name="Title Only">
     <p:spTree>
@@ -2738,48 +3301,6 @@
           <a:chExt cx="0" cy="0"/>
         </a:xfrm>
       </p:grpSpPr>
-      <p:pic>
-        <p:nvPicPr>
-          <p:cNvPr id="14" name="Picture 13">
-            <a:extLst>
-              <a:ext uri="{FF2B5EF4-FFF2-40B4-BE49-F238E27FC236}">
-                <a16:creationId xmlns:a16="http://schemas.microsoft.com/office/drawing/2014/main" id="{ED1C1369-A08C-454A-B0B5-0955BB31B118}"/>
-              </a:ext>
-            </a:extLst>
-          </p:cNvPr>
-          <p:cNvPicPr>
-            <a:picLocks noChangeAspect="1"/>
-          </p:cNvPicPr>
-          <p:nvPr userDrawn="1"/>
-        </p:nvPicPr>
-        <p:blipFill rotWithShape="1">
-          <a:blip r:embed="rId8">
-            <a:extLst>
-              <a:ext uri="{28A0092B-C50C-407E-A947-70E740481C1C}">
-                <a14:useLocalDpi xmlns:a14="http://schemas.microsoft.com/office/drawing/2010/main" val="0"/>
-              </a:ext>
-            </a:extLst>
-          </a:blip>
-          <a:srcRect r="58932" b="1495"/>
-          <a:stretch/>
-        </p:blipFill>
-        <p:spPr>
-          <a:xfrm>
-            <a:off x="9335860" y="0"/>
-            <a:ext cx="2852965" cy="4078297"/>
-          </a:xfrm>
-          <a:prstGeom prst="rect">
-            <a:avLst/>
-          </a:prstGeom>
-          <a:effectLst>
-            <a:outerShdw blurRad="50800" dist="50800" dir="5400000" algn="ctr" rotWithShape="0">
-              <a:srgbClr val="000000">
-                <a:alpha val="0"/>
-              </a:srgbClr>
-            </a:outerShdw>
-          </a:effectLst>
-        </p:spPr>
-      </p:pic>
       <p:sp>
         <p:nvSpPr>
           <p:cNvPr id="1026" name="Title Placeholder 1"/>
@@ -2918,7 +3439,7 @@
         </p:blipFill>
         <p:spPr>
           <a:xfrm>
-            <a:off x="9741160" y="6183517"/>
+            <a:off x="9741160" y="6185919"/>
             <a:ext cx="1971212" cy="533060"/>
           </a:xfrm>
           <a:prstGeom prst="rect">
@@ -3031,10 +3552,10 @@
       </p:sp>
       <p:pic>
         <p:nvPicPr>
-          <p:cNvPr id="10" name="Picture 9" descr="IDEAS_logo.png">
+          <p:cNvPr id="3" name="Picture 2" descr="A picture containing shape&#10;&#10;Description automatically generated">
             <a:extLst>
               <a:ext uri="{FF2B5EF4-FFF2-40B4-BE49-F238E27FC236}">
-                <a16:creationId xmlns:a16="http://schemas.microsoft.com/office/drawing/2014/main" id="{B8E2FEED-84DC-4438-B439-E3DA7A28736A}"/>
+                <a16:creationId xmlns:a16="http://schemas.microsoft.com/office/drawing/2014/main" id="{2A4943B8-0F89-4A94-B130-A128F45E57C4}"/>
               </a:ext>
             </a:extLst>
           </p:cNvPr>
@@ -3044,10 +3565,10 @@
           <p:nvPr userDrawn="1"/>
         </p:nvPicPr>
         <p:blipFill>
-          <a:blip r:embed="rId10" cstate="print">
+          <a:blip r:embed="rId10">
             <a:extLst>
               <a:ext uri="{28A0092B-C50C-407E-A947-70E740481C1C}">
-                <a14:useLocalDpi xmlns:a14="http://schemas.microsoft.com/office/drawing/2010/main"/>
+                <a14:useLocalDpi xmlns:a14="http://schemas.microsoft.com/office/drawing/2010/main" val="0"/>
               </a:ext>
             </a:extLst>
           </a:blip>
@@ -3057,8 +3578,8 @@
         </p:blipFill>
         <p:spPr>
           <a:xfrm>
-            <a:off x="7663530" y="6156960"/>
-            <a:ext cx="1845330" cy="640080"/>
+            <a:off x="7806050" y="6114121"/>
+            <a:ext cx="1560289" cy="676656"/>
           </a:xfrm>
           <a:prstGeom prst="rect">
             <a:avLst/>
@@ -3075,11 +3596,12 @@
   <p:clrMap bg1="lt1" tx1="dk1" bg2="lt2" tx2="dk2" accent1="accent1" accent2="accent2" accent3="accent3" accent4="accent4" accent5="accent5" accent6="accent6" hlink="hlink" folHlink="folHlink"/>
   <p:sldLayoutIdLst>
     <p:sldLayoutId id="2147483949" r:id="rId1"/>
-    <p:sldLayoutId id="2147483937" r:id="rId2"/>
-    <p:sldLayoutId id="2147483939" r:id="rId3"/>
-    <p:sldLayoutId id="2147483950" r:id="rId4"/>
-    <p:sldLayoutId id="2147483940" r:id="rId5"/>
-    <p:sldLayoutId id="2147483941" r:id="rId6"/>
+    <p:sldLayoutId id="2147483951" r:id="rId2"/>
+    <p:sldLayoutId id="2147483937" r:id="rId3"/>
+    <p:sldLayoutId id="2147483939" r:id="rId4"/>
+    <p:sldLayoutId id="2147483950" r:id="rId5"/>
+    <p:sldLayoutId id="2147483940" r:id="rId6"/>
+    <p:sldLayoutId id="2147483941" r:id="rId7"/>
   </p:sldLayoutIdLst>
   <p:hf hdr="0" ftr="0" dt="0"/>
   <p:txStyles>
@@ -3582,12 +4104,7 @@
             <p:ph type="subTitle" idx="1"/>
           </p:nvPr>
         </p:nvSpPr>
-        <p:spPr>
-          <a:xfrm>
-            <a:off x="3177632" y="1844224"/>
-            <a:ext cx="8292317" cy="2855300"/>
-          </a:xfrm>
-        </p:spPr>
+        <p:spPr/>
         <p:txBody>
           <a:bodyPr/>
           <a:lstStyle/>
@@ -3616,129 +4133,6 @@
           </a:p>
         </p:txBody>
       </p:sp>
-      <p:pic>
-        <p:nvPicPr>
-          <p:cNvPr id="6" name="Picture 2" descr="https://licensebuttons.net/l/by/4.0/88x31.png">
-            <a:extLst>
-              <a:ext uri="{FF2B5EF4-FFF2-40B4-BE49-F238E27FC236}">
-                <a16:creationId xmlns:a16="http://schemas.microsoft.com/office/drawing/2014/main" id="{24EAF368-FA38-4254-8E55-6E4D872226E6}"/>
-              </a:ext>
-            </a:extLst>
-          </p:cNvPr>
-          <p:cNvPicPr>
-            <a:picLocks noChangeAspect="1" noChangeArrowheads="1"/>
-          </p:cNvPicPr>
-          <p:nvPr/>
-        </p:nvPicPr>
-        <p:blipFill>
-          <a:blip r:embed="rId2">
-            <a:extLst>
-              <a:ext uri="{28A0092B-C50C-407E-A947-70E740481C1C}">
-                <a14:useLocalDpi xmlns:a14="http://schemas.microsoft.com/office/drawing/2010/main" val="0"/>
-              </a:ext>
-            </a:extLst>
-          </a:blip>
-          <a:srcRect/>
-          <a:stretch>
-            <a:fillRect/>
-          </a:stretch>
-        </p:blipFill>
-        <p:spPr bwMode="auto">
-          <a:xfrm>
-            <a:off x="365760" y="5539716"/>
-            <a:ext cx="1661258" cy="585216"/>
-          </a:xfrm>
-          <a:prstGeom prst="rect">
-            <a:avLst/>
-          </a:prstGeom>
-          <a:noFill/>
-          <a:extLst>
-            <a:ext uri="{909E8E84-426E-40DD-AFC4-6F175D3DCCD1}">
-              <a14:hiddenFill xmlns:a14="http://schemas.microsoft.com/office/drawing/2010/main">
-                <a:solidFill>
-                  <a:srgbClr val="FFFFFF"/>
-                </a:solidFill>
-              </a14:hiddenFill>
-            </a:ext>
-          </a:extLst>
-        </p:spPr>
-      </p:pic>
-      <p:sp>
-        <p:nvSpPr>
-          <p:cNvPr id="7" name="TextBox 6">
-            <a:extLst>
-              <a:ext uri="{FF2B5EF4-FFF2-40B4-BE49-F238E27FC236}">
-                <a16:creationId xmlns:a16="http://schemas.microsoft.com/office/drawing/2014/main" id="{306FBB1C-6D6D-47D4-86AC-DD5BECCBEE38}"/>
-              </a:ext>
-            </a:extLst>
-          </p:cNvPr>
-          <p:cNvSpPr txBox="1"/>
-          <p:nvPr/>
-        </p:nvSpPr>
-        <p:spPr>
-          <a:xfrm>
-            <a:off x="2036432" y="5619958"/>
-            <a:ext cx="1171114" cy="424732"/>
-          </a:xfrm>
-          <a:prstGeom prst="rect">
-            <a:avLst/>
-          </a:prstGeom>
-          <a:noFill/>
-        </p:spPr>
-        <p:txBody>
-          <a:bodyPr wrap="square" rtlCol="0">
-            <a:spAutoFit/>
-          </a:bodyPr>
-          <a:lstStyle/>
-          <a:p>
-            <a:pPr algn="ctr">
-              <a:lnSpc>
-                <a:spcPct val="90000"/>
-              </a:lnSpc>
-            </a:pPr>
-            <a:r>
-              <a:rPr lang="en-US" sz="1200" dirty="0"/>
-              <a:t>See slide 2 for license details</a:t>
-            </a:r>
-          </a:p>
-        </p:txBody>
-      </p:sp>
-      <p:pic>
-        <p:nvPicPr>
-          <p:cNvPr id="8" name="Picture 7">
-            <a:extLst>
-              <a:ext uri="{FF2B5EF4-FFF2-40B4-BE49-F238E27FC236}">
-                <a16:creationId xmlns:a16="http://schemas.microsoft.com/office/drawing/2014/main" id="{5E19A2B9-BE5E-4ECD-965E-E23196D86A6B}"/>
-              </a:ext>
-            </a:extLst>
-          </p:cNvPr>
-          <p:cNvPicPr>
-            <a:picLocks noChangeAspect="1"/>
-          </p:cNvPicPr>
-          <p:nvPr/>
-        </p:nvPicPr>
-        <p:blipFill>
-          <a:blip r:embed="rId3" cstate="print">
-            <a:extLst>
-              <a:ext uri="{28A0092B-C50C-407E-A947-70E740481C1C}">
-                <a14:useLocalDpi xmlns:a14="http://schemas.microsoft.com/office/drawing/2010/main" val="0"/>
-              </a:ext>
-            </a:extLst>
-          </a:blip>
-          <a:stretch>
-            <a:fillRect/>
-          </a:stretch>
-        </p:blipFill>
-        <p:spPr>
-          <a:xfrm>
-            <a:off x="271981" y="2924866"/>
-            <a:ext cx="2350008" cy="1008267"/>
-          </a:xfrm>
-          <a:prstGeom prst="rect">
-            <a:avLst/>
-          </a:prstGeom>
-        </p:spPr>
-      </p:pic>
     </p:spTree>
     <p:extLst>
       <p:ext uri="{BB962C8B-B14F-4D97-AF65-F5344CB8AC3E}">
@@ -8513,9 +8907,12 @@
 </file>
 
 <file path=customXml/item1.xml><?xml version="1.0" encoding="utf-8"?>
-<p:properties xmlns:p="http://schemas.microsoft.com/office/2006/metadata/properties" xmlns:xsi="http://www.w3.org/2001/XMLSchema-instance" xmlns:pc="http://schemas.microsoft.com/office/infopath/2007/PartnerControls">
-  <documentManagement/>
-</p:properties>
+<?mso-contentType ?>
+<FormTemplates xmlns="http://schemas.microsoft.com/sharepoint/v3/contenttype/forms">
+  <Display>DocumentLibraryForm</Display>
+  <Edit>DocumentLibraryForm</Edit>
+  <New>DocumentLibraryForm</New>
+</FormTemplates>
 </file>
 
 <file path=customXml/item2.xml><?xml version="1.0" encoding="utf-8"?>
@@ -8568,25 +8965,15 @@
 </file>
 
 <file path=customXml/item3.xml><?xml version="1.0" encoding="utf-8"?>
-<?mso-contentType ?>
-<FormTemplates xmlns="http://schemas.microsoft.com/sharepoint/v3/contenttype/forms">
-  <Display>DocumentLibraryForm</Display>
-  <Edit>DocumentLibraryForm</Edit>
-  <New>DocumentLibraryForm</New>
-</FormTemplates>
+<p:properties xmlns:p="http://schemas.microsoft.com/office/2006/metadata/properties" xmlns:xsi="http://www.w3.org/2001/XMLSchema-instance" xmlns:pc="http://schemas.microsoft.com/office/infopath/2007/PartnerControls">
+  <documentManagement/>
+</p:properties>
 </file>
 
 <file path=customXml/itemProps1.xml><?xml version="1.0" encoding="utf-8"?>
-<ds:datastoreItem xmlns:ds="http://schemas.openxmlformats.org/officeDocument/2006/customXml" ds:itemID="{A50EC660-24D0-43A0-AE5E-E274115E726B}">
+<ds:datastoreItem xmlns:ds="http://schemas.openxmlformats.org/officeDocument/2006/customXml" ds:itemID="{19E20559-B232-4371-8690-E3D8007EDB82}">
   <ds:schemaRefs>
-    <ds:schemaRef ds:uri="http://purl.org/dc/terms/"/>
-    <ds:schemaRef ds:uri="http://schemas.openxmlformats.org/package/2006/metadata/core-properties"/>
-    <ds:schemaRef ds:uri="http://schemas.microsoft.com/office/2006/documentManagement/types"/>
-    <ds:schemaRef ds:uri="http://purl.org/dc/elements/1.1/"/>
-    <ds:schemaRef ds:uri="http://schemas.microsoft.com/office/2006/metadata/properties"/>
-    <ds:schemaRef ds:uri="http://www.w3.org/XML/1998/namespace"/>
-    <ds:schemaRef ds:uri="http://purl.org/dc/dcmitype/"/>
-    <ds:schemaRef ds:uri="http://schemas.microsoft.com/office/infopath/2007/PartnerControls"/>
+    <ds:schemaRef ds:uri="http://schemas.microsoft.com/sharepoint/v3/contenttype/forms"/>
   </ds:schemaRefs>
 </ds:datastoreItem>
 </file>
@@ -8607,9 +8994,16 @@
 </file>
 
 <file path=customXml/itemProps3.xml><?xml version="1.0" encoding="utf-8"?>
-<ds:datastoreItem xmlns:ds="http://schemas.openxmlformats.org/officeDocument/2006/customXml" ds:itemID="{19E20559-B232-4371-8690-E3D8007EDB82}">
+<ds:datastoreItem xmlns:ds="http://schemas.openxmlformats.org/officeDocument/2006/customXml" ds:itemID="{A50EC660-24D0-43A0-AE5E-E274115E726B}">
   <ds:schemaRefs>
-    <ds:schemaRef ds:uri="http://schemas.microsoft.com/sharepoint/v3/contenttype/forms"/>
+    <ds:schemaRef ds:uri="http://purl.org/dc/elements/1.1/"/>
+    <ds:schemaRef ds:uri="http://schemas.microsoft.com/office/2006/metadata/properties"/>
+    <ds:schemaRef ds:uri="http://purl.org/dc/terms/"/>
+    <ds:schemaRef ds:uri="http://schemas.openxmlformats.org/package/2006/metadata/core-properties"/>
+    <ds:schemaRef ds:uri="http://schemas.microsoft.com/office/2006/documentManagement/types"/>
+    <ds:schemaRef ds:uri="http://www.w3.org/XML/1998/namespace"/>
+    <ds:schemaRef ds:uri="http://purl.org/dc/dcmitype/"/>
+    <ds:schemaRef ds:uri="http://schemas.microsoft.com/office/infopath/2007/PartnerControls"/>
   </ds:schemaRefs>
 </ds:datastoreItem>
 </file>
--- a/summary.pptx
+++ b/summary.pptx
@@ -12,7 +12,7 @@
   </p:handoutMasterIdLst>
   <p:sldIdLst>
     <p:sldId id="318" r:id="rId5"/>
-    <p:sldId id="1848" r:id="rId6"/>
+    <p:sldId id="320" r:id="rId6"/>
     <p:sldId id="1840" r:id="rId7"/>
     <p:sldId id="1841" r:id="rId8"/>
     <p:sldId id="1842" r:id="rId9"/>
@@ -266,7 +266,7 @@
           <a:p>
             <a:fld id="{0B842F42-2CE9-4E35-95C1-410DC08A50B1}" type="datetimeFigureOut">
               <a:rPr lang="en-US" smtClean="0"/>
-              <a:t>5/21/2021</a:t>
+              <a:t>6/15/2021</a:t>
             </a:fld>
             <a:endParaRPr lang="en-US"/>
           </a:p>
@@ -431,7 +431,7 @@
           <a:p>
             <a:fld id="{6F282904-F315-4730-8D91-37D99E141A6F}" type="datetimeFigureOut">
               <a:rPr lang="en-US" smtClean="0"/>
-              <a:t>5/21/2021</a:t>
+              <a:t>6/15/2021</a:t>
             </a:fld>
             <a:endParaRPr lang="en-US"/>
           </a:p>
@@ -4111,24 +4111,36 @@
           <a:p>
             <a:r>
               <a:rPr lang="en-US" u="sng" dirty="0"/>
-              <a:t>David E. Bernholdt</a:t>
-            </a:r>
-            <a:r>
-              <a:rPr lang="en-US" dirty="0"/>
-              <a:t>, David M. Rogers</a:t>
+              <a:t>Anshu Dubey</a:t>
             </a:r>
             <a:br>
               <a:rPr lang="en-US" u="sng" dirty="0"/>
             </a:br>
             <a:r>
               <a:rPr lang="en-US" sz="2000" dirty="0"/>
-              <a:t>Oak Ridge National Laboratory</a:t>
-            </a:r>
-          </a:p>
-          <a:p>
-            <a:r>
-              <a:rPr lang="en-US" dirty="0"/>
-              <a:t>Better Scientific Software Tutorial, ISS, March 2021</a:t>
+              <a:t>Argonne National Laboratory</a:t>
+            </a:r>
+          </a:p>
+          <a:p>
+            <a:pPr>
+              <a:spcBef>
+                <a:spcPts val="2800"/>
+              </a:spcBef>
+            </a:pPr>
+            <a:r>
+              <a:rPr lang="en-US" sz="2000" dirty="0"/>
+              <a:t>Better Scientific Software tutorial, ISC, June 2021</a:t>
+            </a:r>
+          </a:p>
+          <a:p>
+            <a:pPr>
+              <a:spcBef>
+                <a:spcPts val="2800"/>
+              </a:spcBef>
+            </a:pPr>
+            <a:r>
+              <a:rPr lang="en-US" sz="2000" dirty="0"/>
+              <a:t>Contributors: David E. Bernholdt (ORNL), Anshu Dubey (ANL), David M. Rogers (ORNL)</a:t>
             </a:r>
           </a:p>
         </p:txBody>
@@ -5761,13 +5773,13 @@
             </a:pPr>
             <a:r>
               <a:rPr lang="en-US" sz="1600" b="1" dirty="0"/>
-              <a:t>The requested citation the overall tutorial is: David E. Bernholdt, Anshu Dubey, Rinku K. Gupta, and David M. Rogers, Better Scientific Software tutorial, in Improving Scientific Software conference, online, 2021. DOI: </a:t>
+              <a:t>The requested citation the overall tutorial is: David E. Bernholdt, Anshu Dubey, Patricia A. Grubel, Rinku K. Gupta, and David M. Rogers, Better Scientific Software tutorial, in ISC High Performance, online, 2021. DOI: </a:t>
             </a:r>
             <a:r>
               <a:rPr lang="en-US" sz="1600" b="1" dirty="0">
                 <a:hlinkClick r:id="rId4"/>
               </a:rPr>
-              <a:t>10.6084/m9.figshare.14256257</a:t>
+              <a:t>10.6084/m9.figshare.14642520</a:t>
             </a:r>
             <a:endParaRPr lang="en-US" sz="1600" b="1" dirty="0"/>
           </a:p>
@@ -5801,38 +5813,6 @@
               <a:rPr lang="en-US" sz="2000" b="1" dirty="0"/>
               <a:t>Acknowledgements</a:t>
             </a:r>
-          </a:p>
-          <a:p>
-            <a:pPr>
-              <a:spcBef>
-                <a:spcPts val="400"/>
-              </a:spcBef>
-            </a:pPr>
-            <a:r>
-              <a:rPr lang="en-US" sz="1400" dirty="0"/>
-              <a:t>Additional contributors include: Mike </a:t>
-            </a:r>
-            <a:r>
-              <a:rPr lang="en-US" sz="1400" dirty="0" err="1"/>
-              <a:t>Heroux</a:t>
-            </a:r>
-            <a:r>
-              <a:rPr lang="en-US" sz="1400" dirty="0"/>
-              <a:t>, Alicia </a:t>
-            </a:r>
-            <a:r>
-              <a:rPr lang="en-US" sz="1400" dirty="0" err="1"/>
-              <a:t>Klinvex</a:t>
-            </a:r>
-            <a:r>
-              <a:rPr lang="en-US" sz="1400" dirty="0"/>
-              <a:t>, Mark Miller, Jared O’Neal, Katherine Riley, David Rogers, Deborah Stevens, James </a:t>
-            </a:r>
-            <a:r>
-              <a:rPr lang="en-US" sz="1400" dirty="0" err="1"/>
-              <a:t>Willenbring</a:t>
-            </a:r>
-            <a:endParaRPr lang="en-US" sz="1400" dirty="0"/>
           </a:p>
           <a:p>
             <a:pPr>
@@ -5952,8 +5932,8 @@
         </p:blipFill>
         <p:spPr bwMode="auto">
           <a:xfrm>
-            <a:off x="10249254" y="570111"/>
-            <a:ext cx="1661258" cy="585216"/>
+            <a:off x="10230336" y="879673"/>
+            <a:ext cx="838200" cy="295275"/>
           </a:xfrm>
           <a:prstGeom prst="rect">
             <a:avLst/>
@@ -5973,7 +5953,7 @@
     </p:spTree>
     <p:extLst>
       <p:ext uri="{BB962C8B-B14F-4D97-AF65-F5344CB8AC3E}">
-        <p14:creationId xmlns:p14="http://schemas.microsoft.com/office/powerpoint/2010/main" val="575333381"/>
+        <p14:creationId xmlns:p14="http://schemas.microsoft.com/office/powerpoint/2010/main" val="978726433"/>
       </p:ext>
     </p:extLst>
   </p:cSld>
@@ -7635,13 +7615,7 @@
           </a:p>
           <a:p>
             <a:r>
-              <a:rPr lang="en-US" dirty="0">
-                <a:solidFill>
-                  <a:schemeClr val="bg1">
-                    <a:lumMod val="75000"/>
-                  </a:schemeClr>
-                </a:solidFill>
-              </a:rPr>
+              <a:rPr lang="en-US" dirty="0"/>
               <a:t>Continuous integration testing</a:t>
             </a:r>
           </a:p>
@@ -8907,15 +8881,6 @@
 </file>
 
 <file path=customXml/item1.xml><?xml version="1.0" encoding="utf-8"?>
-<?mso-contentType ?>
-<FormTemplates xmlns="http://schemas.microsoft.com/sharepoint/v3/contenttype/forms">
-  <Display>DocumentLibraryForm</Display>
-  <Edit>DocumentLibraryForm</Edit>
-  <New>DocumentLibraryForm</New>
-</FormTemplates>
-</file>
-
-<file path=customXml/item2.xml><?xml version="1.0" encoding="utf-8"?>
 <ct:contentTypeSchema xmlns:ct="http://schemas.microsoft.com/office/2006/metadata/contentType" xmlns:ma="http://schemas.microsoft.com/office/2006/metadata/properties/metaAttributes" ct:_="" ma:_="" ma:contentTypeName="Document" ma:contentTypeID="0x010100565464437F680748A68B85EB6594EA7D" ma:contentTypeVersion="0" ma:contentTypeDescription="Create a new document." ma:contentTypeScope="" ma:versionID="fe3f4dd58d5914c51cfc6deaa8ad845c">
   <xsd:schema xmlns:xsd="http://www.w3.org/2001/XMLSchema" xmlns:p="http://schemas.microsoft.com/office/2006/metadata/properties" targetNamespace="http://schemas.microsoft.com/office/2006/metadata/properties" ma:root="true" ma:fieldsID="4aeb20c0e3442673af7ee10786458764">
     <xsd:element name="properties">
@@ -8964,6 +8929,15 @@
 </ct:contentTypeSchema>
 </file>
 
+<file path=customXml/item2.xml><?xml version="1.0" encoding="utf-8"?>
+<?mso-contentType ?>
+<FormTemplates xmlns="http://schemas.microsoft.com/sharepoint/v3/contenttype/forms">
+  <Display>DocumentLibraryForm</Display>
+  <Edit>DocumentLibraryForm</Edit>
+  <New>DocumentLibraryForm</New>
+</FormTemplates>
+</file>
+
 <file path=customXml/item3.xml><?xml version="1.0" encoding="utf-8"?>
 <p:properties xmlns:p="http://schemas.microsoft.com/office/2006/metadata/properties" xmlns:xsi="http://www.w3.org/2001/XMLSchema-instance" xmlns:pc="http://schemas.microsoft.com/office/infopath/2007/PartnerControls">
   <documentManagement/>
@@ -8971,14 +8945,6 @@
 </file>
 
 <file path=customXml/itemProps1.xml><?xml version="1.0" encoding="utf-8"?>
-<ds:datastoreItem xmlns:ds="http://schemas.openxmlformats.org/officeDocument/2006/customXml" ds:itemID="{19E20559-B232-4371-8690-E3D8007EDB82}">
-  <ds:schemaRefs>
-    <ds:schemaRef ds:uri="http://schemas.microsoft.com/sharepoint/v3/contenttype/forms"/>
-  </ds:schemaRefs>
-</ds:datastoreItem>
-</file>
-
-<file path=customXml/itemProps2.xml><?xml version="1.0" encoding="utf-8"?>
 <ds:datastoreItem xmlns:ds="http://schemas.openxmlformats.org/officeDocument/2006/customXml" ds:itemID="{E8DB7DEB-074E-4EE8-9B6E-FD277323109C}">
   <ds:schemaRefs>
     <ds:schemaRef ds:uri="http://schemas.microsoft.com/office/2006/metadata/contentType"/>
@@ -8989,6 +8955,14 @@
     <ds:schemaRef ds:uri="http://purl.org/dc/elements/1.1/"/>
     <ds:schemaRef ds:uri="http://purl.org/dc/terms/"/>
     <ds:schemaRef ds:uri="http://schemas.microsoft.com/office/internal/2005/internalDocumentation"/>
+  </ds:schemaRefs>
+</ds:datastoreItem>
+</file>
+
+<file path=customXml/itemProps2.xml><?xml version="1.0" encoding="utf-8"?>
+<ds:datastoreItem xmlns:ds="http://schemas.openxmlformats.org/officeDocument/2006/customXml" ds:itemID="{19E20559-B232-4371-8690-E3D8007EDB82}">
+  <ds:schemaRefs>
+    <ds:schemaRef ds:uri="http://schemas.microsoft.com/sharepoint/v3/contenttype/forms"/>
   </ds:schemaRefs>
 </ds:datastoreItem>
 </file>

--- a/summary.pptx
+++ b/summary.pptx
@@ -266,7 +266,7 @@
           <a:p>
             <a:fld id="{0B842F42-2CE9-4E35-95C1-410DC08A50B1}" type="datetimeFigureOut">
               <a:rPr lang="en-US" smtClean="0"/>
-              <a:t>6/15/2021</a:t>
+              <a:t>8/7/2021</a:t>
             </a:fld>
             <a:endParaRPr lang="en-US"/>
           </a:p>
@@ -431,7 +431,7 @@
           <a:p>
             <a:fld id="{6F282904-F315-4730-8D91-37D99E141A6F}" type="datetimeFigureOut">
               <a:rPr lang="en-US" smtClean="0"/>
-              <a:t>6/15/2021</a:t>
+              <a:t>8/7/2021</a:t>
             </a:fld>
             <a:endParaRPr lang="en-US"/>
           </a:p>
@@ -4111,14 +4111,14 @@
           <a:p>
             <a:r>
               <a:rPr lang="en-US" u="sng" dirty="0"/>
-              <a:t>Anshu Dubey</a:t>
+              <a:t>David E. Bernholdt</a:t>
             </a:r>
             <a:br>
               <a:rPr lang="en-US" u="sng" dirty="0"/>
             </a:br>
             <a:r>
               <a:rPr lang="en-US" sz="2000" dirty="0"/>
-              <a:t>Argonne National Laboratory</a:t>
+              <a:t>Oak Ridge National Laboratory</a:t>
             </a:r>
           </a:p>
           <a:p>
@@ -4129,7 +4129,7 @@
             </a:pPr>
             <a:r>
               <a:rPr lang="en-US" sz="2000" dirty="0"/>
-              <a:t>Better Scientific Software tutorial, ISC, June 2021</a:t>
+              <a:t>Software Productivity and Sustainability track, ATPESC 2021</a:t>
             </a:r>
           </a:p>
           <a:p>
@@ -8930,18 +8930,18 @@
 </file>
 
 <file path=customXml/item2.xml><?xml version="1.0" encoding="utf-8"?>
+<p:properties xmlns:p="http://schemas.microsoft.com/office/2006/metadata/properties" xmlns:xsi="http://www.w3.org/2001/XMLSchema-instance" xmlns:pc="http://schemas.microsoft.com/office/infopath/2007/PartnerControls">
+  <documentManagement/>
+</p:properties>
+</file>
+
+<file path=customXml/item3.xml><?xml version="1.0" encoding="utf-8"?>
 <?mso-contentType ?>
 <FormTemplates xmlns="http://schemas.microsoft.com/sharepoint/v3/contenttype/forms">
   <Display>DocumentLibraryForm</Display>
   <Edit>DocumentLibraryForm</Edit>
   <New>DocumentLibraryForm</New>
 </FormTemplates>
-</file>
-
-<file path=customXml/item3.xml><?xml version="1.0" encoding="utf-8"?>
-<p:properties xmlns:p="http://schemas.microsoft.com/office/2006/metadata/properties" xmlns:xsi="http://www.w3.org/2001/XMLSchema-instance" xmlns:pc="http://schemas.microsoft.com/office/infopath/2007/PartnerControls">
-  <documentManagement/>
-</p:properties>
 </file>
 
 <file path=customXml/itemProps1.xml><?xml version="1.0" encoding="utf-8"?>
@@ -8960,14 +8960,6 @@
 </file>
 
 <file path=customXml/itemProps2.xml><?xml version="1.0" encoding="utf-8"?>
-<ds:datastoreItem xmlns:ds="http://schemas.openxmlformats.org/officeDocument/2006/customXml" ds:itemID="{19E20559-B232-4371-8690-E3D8007EDB82}">
-  <ds:schemaRefs>
-    <ds:schemaRef ds:uri="http://schemas.microsoft.com/sharepoint/v3/contenttype/forms"/>
-  </ds:schemaRefs>
-</ds:datastoreItem>
-</file>
-
-<file path=customXml/itemProps3.xml><?xml version="1.0" encoding="utf-8"?>
 <ds:datastoreItem xmlns:ds="http://schemas.openxmlformats.org/officeDocument/2006/customXml" ds:itemID="{A50EC660-24D0-43A0-AE5E-E274115E726B}">
   <ds:schemaRefs>
     <ds:schemaRef ds:uri="http://purl.org/dc/elements/1.1/"/>
@@ -8980,4 +8972,12 @@
     <ds:schemaRef ds:uri="http://schemas.microsoft.com/office/infopath/2007/PartnerControls"/>
   </ds:schemaRefs>
 </ds:datastoreItem>
+</file>
+
+<file path=customXml/itemProps3.xml><?xml version="1.0" encoding="utf-8"?>
+<ds:datastoreItem xmlns:ds="http://schemas.openxmlformats.org/officeDocument/2006/customXml" ds:itemID="{19E20559-B232-4371-8690-E3D8007EDB82}">
+  <ds:schemaRefs>
+    <ds:schemaRef ds:uri="http://schemas.microsoft.com/sharepoint/v3/contenttype/forms"/>
+  </ds:schemaRefs>
+</ds:datastoreItem>
 </file>
--- a/summary.pptx
+++ b/summary.pptx
@@ -266,7 +266,7 @@
           <a:p>
             <a:fld id="{0B842F42-2CE9-4E35-95C1-410DC08A50B1}" type="datetimeFigureOut">
               <a:rPr lang="en-US" smtClean="0"/>
-              <a:t>8/7/2021</a:t>
+              <a:t>8/10/2021</a:t>
             </a:fld>
             <a:endParaRPr lang="en-US"/>
           </a:p>
@@ -431,7 +431,7 @@
           <a:p>
             <a:fld id="{6F282904-F315-4730-8D91-37D99E141A6F}" type="datetimeFigureOut">
               <a:rPr lang="en-US" smtClean="0"/>
-              <a:t>8/7/2021</a:t>
+              <a:t>8/10/2021</a:t>
             </a:fld>
             <a:endParaRPr lang="en-US"/>
           </a:p>
@@ -5773,13 +5773,13 @@
             </a:pPr>
             <a:r>
               <a:rPr lang="en-US" sz="1600" b="1" dirty="0"/>
-              <a:t>The requested citation the overall tutorial is: David E. Bernholdt, Anshu Dubey, Patricia A. Grubel, Rinku K. Gupta, and David M. Rogers, Better Scientific Software tutorial, in ISC High Performance, online, 2021. DOI: </a:t>
+              <a:t>The requested citation the overall tutorial is: David E. Bernholdt, Anshu Dubey, Rinku K. Gupta, and David M. Rogers, Software Productivity and Sustainability track, in Argonne Training Program on Extreme-Scale Computing (ATPESC), online, 2021. DOI: </a:t>
             </a:r>
             <a:r>
               <a:rPr lang="en-US" sz="1600" b="1" dirty="0">
                 <a:hlinkClick r:id="rId4"/>
               </a:rPr>
-              <a:t>10.6084/m9.figshare.14642520</a:t>
+              <a:t>10.6084/m9.figshare.15130590</a:t>
             </a:r>
             <a:endParaRPr lang="en-US" sz="1600" b="1" dirty="0"/>
           </a:p>
@@ -8881,6 +8881,21 @@
 </file>
 
 <file path=customXml/item1.xml><?xml version="1.0" encoding="utf-8"?>
+<?mso-contentType ?>
+<FormTemplates xmlns="http://schemas.microsoft.com/sharepoint/v3/contenttype/forms">
+  <Display>DocumentLibraryForm</Display>
+  <Edit>DocumentLibraryForm</Edit>
+  <New>DocumentLibraryForm</New>
+</FormTemplates>
+</file>
+
+<file path=customXml/item2.xml><?xml version="1.0" encoding="utf-8"?>
+<p:properties xmlns:p="http://schemas.microsoft.com/office/2006/metadata/properties" xmlns:xsi="http://www.w3.org/2001/XMLSchema-instance" xmlns:pc="http://schemas.microsoft.com/office/infopath/2007/PartnerControls">
+  <documentManagement/>
+</p:properties>
+</file>
+
+<file path=customXml/item3.xml><?xml version="1.0" encoding="utf-8"?>
 <ct:contentTypeSchema xmlns:ct="http://schemas.microsoft.com/office/2006/metadata/contentType" xmlns:ma="http://schemas.microsoft.com/office/2006/metadata/properties/metaAttributes" ct:_="" ma:_="" ma:contentTypeName="Document" ma:contentTypeID="0x010100565464437F680748A68B85EB6594EA7D" ma:contentTypeVersion="0" ma:contentTypeDescription="Create a new document." ma:contentTypeScope="" ma:versionID="fe3f4dd58d5914c51cfc6deaa8ad845c">
   <xsd:schema xmlns:xsd="http://www.w3.org/2001/XMLSchema" xmlns:p="http://schemas.microsoft.com/office/2006/metadata/properties" targetNamespace="http://schemas.microsoft.com/office/2006/metadata/properties" ma:root="true" ma:fieldsID="4aeb20c0e3442673af7ee10786458764">
     <xsd:element name="properties">
@@ -8929,32 +8944,10 @@
 </ct:contentTypeSchema>
 </file>
 
-<file path=customXml/item2.xml><?xml version="1.0" encoding="utf-8"?>
-<p:properties xmlns:p="http://schemas.microsoft.com/office/2006/metadata/properties" xmlns:xsi="http://www.w3.org/2001/XMLSchema-instance" xmlns:pc="http://schemas.microsoft.com/office/infopath/2007/PartnerControls">
-  <documentManagement/>
-</p:properties>
-</file>
-
-<file path=customXml/item3.xml><?xml version="1.0" encoding="utf-8"?>
-<?mso-contentType ?>
-<FormTemplates xmlns="http://schemas.microsoft.com/sharepoint/v3/contenttype/forms">
-  <Display>DocumentLibraryForm</Display>
-  <Edit>DocumentLibraryForm</Edit>
-  <New>DocumentLibraryForm</New>
-</FormTemplates>
-</file>
-
 <file path=customXml/itemProps1.xml><?xml version="1.0" encoding="utf-8"?>
-<ds:datastoreItem xmlns:ds="http://schemas.openxmlformats.org/officeDocument/2006/customXml" ds:itemID="{E8DB7DEB-074E-4EE8-9B6E-FD277323109C}">
+<ds:datastoreItem xmlns:ds="http://schemas.openxmlformats.org/officeDocument/2006/customXml" ds:itemID="{19E20559-B232-4371-8690-E3D8007EDB82}">
   <ds:schemaRefs>
-    <ds:schemaRef ds:uri="http://schemas.microsoft.com/office/2006/metadata/contentType"/>
-    <ds:schemaRef ds:uri="http://schemas.microsoft.com/office/2006/metadata/properties/metaAttributes"/>
-    <ds:schemaRef ds:uri="http://www.w3.org/2001/XMLSchema"/>
-    <ds:schemaRef ds:uri="http://schemas.microsoft.com/office/2006/metadata/properties"/>
-    <ds:schemaRef ds:uri="http://schemas.openxmlformats.org/package/2006/metadata/core-properties"/>
-    <ds:schemaRef ds:uri="http://purl.org/dc/elements/1.1/"/>
-    <ds:schemaRef ds:uri="http://purl.org/dc/terms/"/>
-    <ds:schemaRef ds:uri="http://schemas.microsoft.com/office/internal/2005/internalDocumentation"/>
+    <ds:schemaRef ds:uri="http://schemas.microsoft.com/sharepoint/v3/contenttype/forms"/>
   </ds:schemaRefs>
 </ds:datastoreItem>
 </file>
@@ -8975,9 +8968,16 @@
 </file>
 
 <file path=customXml/itemProps3.xml><?xml version="1.0" encoding="utf-8"?>
-<ds:datastoreItem xmlns:ds="http://schemas.openxmlformats.org/officeDocument/2006/customXml" ds:itemID="{19E20559-B232-4371-8690-E3D8007EDB82}">
+<ds:datastoreItem xmlns:ds="http://schemas.openxmlformats.org/officeDocument/2006/customXml" ds:itemID="{E8DB7DEB-074E-4EE8-9B6E-FD277323109C}">
   <ds:schemaRefs>
-    <ds:schemaRef ds:uri="http://schemas.microsoft.com/sharepoint/v3/contenttype/forms"/>
+    <ds:schemaRef ds:uri="http://schemas.microsoft.com/office/2006/metadata/contentType"/>
+    <ds:schemaRef ds:uri="http://schemas.microsoft.com/office/2006/metadata/properties/metaAttributes"/>
+    <ds:schemaRef ds:uri="http://www.w3.org/2001/XMLSchema"/>
+    <ds:schemaRef ds:uri="http://schemas.microsoft.com/office/2006/metadata/properties"/>
+    <ds:schemaRef ds:uri="http://schemas.openxmlformats.org/package/2006/metadata/core-properties"/>
+    <ds:schemaRef ds:uri="http://purl.org/dc/elements/1.1/"/>
+    <ds:schemaRef ds:uri="http://purl.org/dc/terms/"/>
+    <ds:schemaRef ds:uri="http://schemas.microsoft.com/office/internal/2005/internalDocumentation"/>
   </ds:schemaRefs>
 </ds:datastoreItem>
 </file>
--- a/summary.pptx
+++ b/summary.pptx
@@ -12,7 +12,7 @@
   </p:handoutMasterIdLst>
   <p:sldIdLst>
     <p:sldId id="318" r:id="rId5"/>
-    <p:sldId id="320" r:id="rId6"/>
+    <p:sldId id="1848" r:id="rId6"/>
     <p:sldId id="1840" r:id="rId7"/>
     <p:sldId id="1841" r:id="rId8"/>
     <p:sldId id="1842" r:id="rId9"/>
@@ -266,7 +266,7 @@
           <a:p>
             <a:fld id="{0B842F42-2CE9-4E35-95C1-410DC08A50B1}" type="datetimeFigureOut">
               <a:rPr lang="en-US" smtClean="0"/>
-              <a:t>8/10/2021</a:t>
+              <a:t>9/1/2021</a:t>
             </a:fld>
             <a:endParaRPr lang="en-US"/>
           </a:p>
@@ -431,7 +431,7 @@
           <a:p>
             <a:fld id="{6F282904-F315-4730-8D91-37D99E141A6F}" type="datetimeFigureOut">
               <a:rPr lang="en-US" smtClean="0"/>
-              <a:t>8/10/2021</a:t>
+              <a:t>9/1/2021</a:t>
             </a:fld>
             <a:endParaRPr lang="en-US"/>
           </a:p>
@@ -4113,8 +4113,16 @@
               <a:rPr lang="en-US" u="sng" dirty="0"/>
               <a:t>David E. Bernholdt</a:t>
             </a:r>
+            <a:r>
+              <a:rPr lang="en-US" dirty="0"/>
+              <a:t> </a:t>
+            </a:r>
+            <a:r>
+              <a:rPr lang="en-US" sz="2000" dirty="0"/>
+              <a:t>(he/him)</a:t>
+            </a:r>
             <a:br>
-              <a:rPr lang="en-US" u="sng" dirty="0"/>
+              <a:rPr lang="en-US" sz="2000" u="sng" dirty="0"/>
             </a:br>
             <a:r>
               <a:rPr lang="en-US" sz="2000" dirty="0"/>
@@ -4129,7 +4137,7 @@
             </a:pPr>
             <a:r>
               <a:rPr lang="en-US" sz="2000" dirty="0"/>
-              <a:t>Software Productivity and Sustainability track, ATPESC 2021</a:t>
+              <a:t>Better Scientific Software tutorial @ SC21</a:t>
             </a:r>
           </a:p>
           <a:p>
@@ -5773,13 +5781,13 @@
             </a:pPr>
             <a:r>
               <a:rPr lang="en-US" sz="1600" b="1" dirty="0"/>
-              <a:t>The requested citation the overall tutorial is: David E. Bernholdt, Anshu Dubey, Rinku K. Gupta, and David M. Rogers, Software Productivity and Sustainability track, in Argonne Training Program on Extreme-Scale Computing (ATPESC), online, 2021. DOI: </a:t>
+              <a:t>The requested citation the overall tutorial is: David E. Bernholdt, Anshu Dubey, Patricia A. Grubel, Rinku K. Gupta, and Gregory R. Watson, Better Scientific Software tutorial, in the International Conference for High-Performance Computing, Networking, Storage, and Analysis (SC21), St. Louis, MO, USA and online, 2021. DOI: </a:t>
             </a:r>
             <a:r>
               <a:rPr lang="en-US" sz="1600" b="1" dirty="0">
                 <a:hlinkClick r:id="rId4"/>
               </a:rPr>
-              <a:t>10.6084/m9.figshare.15130590</a:t>
+              <a:t>10.6084/m9.figshare.16556628</a:t>
             </a:r>
             <a:endParaRPr lang="en-US" sz="1600" b="1" dirty="0"/>
           </a:p>
@@ -5953,7 +5961,7 @@
     </p:spTree>
     <p:extLst>
       <p:ext uri="{BB962C8B-B14F-4D97-AF65-F5344CB8AC3E}">
-        <p14:creationId xmlns:p14="http://schemas.microsoft.com/office/powerpoint/2010/main" val="978726433"/>
+        <p14:creationId xmlns:p14="http://schemas.microsoft.com/office/powerpoint/2010/main" val="2199770092"/>
       </p:ext>
     </p:extLst>
   </p:cSld>
@@ -8881,21 +8889,6 @@
 </file>
 
 <file path=customXml/item1.xml><?xml version="1.0" encoding="utf-8"?>
-<?mso-contentType ?>
-<FormTemplates xmlns="http://schemas.microsoft.com/sharepoint/v3/contenttype/forms">
-  <Display>DocumentLibraryForm</Display>
-  <Edit>DocumentLibraryForm</Edit>
-  <New>DocumentLibraryForm</New>
-</FormTemplates>
-</file>
-
-<file path=customXml/item2.xml><?xml version="1.0" encoding="utf-8"?>
-<p:properties xmlns:p="http://schemas.microsoft.com/office/2006/metadata/properties" xmlns:xsi="http://www.w3.org/2001/XMLSchema-instance" xmlns:pc="http://schemas.microsoft.com/office/infopath/2007/PartnerControls">
-  <documentManagement/>
-</p:properties>
-</file>
-
-<file path=customXml/item3.xml><?xml version="1.0" encoding="utf-8"?>
 <ct:contentTypeSchema xmlns:ct="http://schemas.microsoft.com/office/2006/metadata/contentType" xmlns:ma="http://schemas.microsoft.com/office/2006/metadata/properties/metaAttributes" ct:_="" ma:_="" ma:contentTypeName="Document" ma:contentTypeID="0x010100565464437F680748A68B85EB6594EA7D" ma:contentTypeVersion="0" ma:contentTypeDescription="Create a new document." ma:contentTypeScope="" ma:versionID="fe3f4dd58d5914c51cfc6deaa8ad845c">
   <xsd:schema xmlns:xsd="http://www.w3.org/2001/XMLSchema" xmlns:p="http://schemas.microsoft.com/office/2006/metadata/properties" targetNamespace="http://schemas.microsoft.com/office/2006/metadata/properties" ma:root="true" ma:fieldsID="4aeb20c0e3442673af7ee10786458764">
     <xsd:element name="properties">
@@ -8944,10 +8937,32 @@
 </ct:contentTypeSchema>
 </file>
 
+<file path=customXml/item2.xml><?xml version="1.0" encoding="utf-8"?>
+<p:properties xmlns:p="http://schemas.microsoft.com/office/2006/metadata/properties" xmlns:xsi="http://www.w3.org/2001/XMLSchema-instance" xmlns:pc="http://schemas.microsoft.com/office/infopath/2007/PartnerControls">
+  <documentManagement/>
+</p:properties>
+</file>
+
+<file path=customXml/item3.xml><?xml version="1.0" encoding="utf-8"?>
+<?mso-contentType ?>
+<FormTemplates xmlns="http://schemas.microsoft.com/sharepoint/v3/contenttype/forms">
+  <Display>DocumentLibraryForm</Display>
+  <Edit>DocumentLibraryForm</Edit>
+  <New>DocumentLibraryForm</New>
+</FormTemplates>
+</file>
+
 <file path=customXml/itemProps1.xml><?xml version="1.0" encoding="utf-8"?>
-<ds:datastoreItem xmlns:ds="http://schemas.openxmlformats.org/officeDocument/2006/customXml" ds:itemID="{19E20559-B232-4371-8690-E3D8007EDB82}">
+<ds:datastoreItem xmlns:ds="http://schemas.openxmlformats.org/officeDocument/2006/customXml" ds:itemID="{E8DB7DEB-074E-4EE8-9B6E-FD277323109C}">
   <ds:schemaRefs>
-    <ds:schemaRef ds:uri="http://schemas.microsoft.com/sharepoint/v3/contenttype/forms"/>
+    <ds:schemaRef ds:uri="http://schemas.microsoft.com/office/2006/metadata/contentType"/>
+    <ds:schemaRef ds:uri="http://schemas.microsoft.com/office/2006/metadata/properties/metaAttributes"/>
+    <ds:schemaRef ds:uri="http://www.w3.org/2001/XMLSchema"/>
+    <ds:schemaRef ds:uri="http://schemas.microsoft.com/office/2006/metadata/properties"/>
+    <ds:schemaRef ds:uri="http://schemas.openxmlformats.org/package/2006/metadata/core-properties"/>
+    <ds:schemaRef ds:uri="http://purl.org/dc/elements/1.1/"/>
+    <ds:schemaRef ds:uri="http://purl.org/dc/terms/"/>
+    <ds:schemaRef ds:uri="http://schemas.microsoft.com/office/internal/2005/internalDocumentation"/>
   </ds:schemaRefs>
 </ds:datastoreItem>
 </file>
@@ -8968,16 +8983,9 @@
 </file>
 
 <file path=customXml/itemProps3.xml><?xml version="1.0" encoding="utf-8"?>
-<ds:datastoreItem xmlns:ds="http://schemas.openxmlformats.org/officeDocument/2006/customXml" ds:itemID="{E8DB7DEB-074E-4EE8-9B6E-FD277323109C}">
+<ds:datastoreItem xmlns:ds="http://schemas.openxmlformats.org/officeDocument/2006/customXml" ds:itemID="{19E20559-B232-4371-8690-E3D8007EDB82}">
   <ds:schemaRefs>
-    <ds:schemaRef ds:uri="http://schemas.microsoft.com/office/2006/metadata/contentType"/>
-    <ds:schemaRef ds:uri="http://schemas.microsoft.com/office/2006/metadata/properties/metaAttributes"/>
-    <ds:schemaRef ds:uri="http://www.w3.org/2001/XMLSchema"/>
-    <ds:schemaRef ds:uri="http://schemas.microsoft.com/office/2006/metadata/properties"/>
-    <ds:schemaRef ds:uri="http://schemas.openxmlformats.org/package/2006/metadata/core-properties"/>
-    <ds:schemaRef ds:uri="http://purl.org/dc/elements/1.1/"/>
-    <ds:schemaRef ds:uri="http://purl.org/dc/terms/"/>
-    <ds:schemaRef ds:uri="http://schemas.microsoft.com/office/internal/2005/internalDocumentation"/>
+    <ds:schemaRef ds:uri="http://schemas.microsoft.com/sharepoint/v3/contenttype/forms"/>
   </ds:schemaRefs>
 </ds:datastoreItem>
 </file>
--- a/summary.pptx
+++ b/summary.pptx
@@ -266,7 +266,7 @@
           <a:p>
             <a:fld id="{0B842F42-2CE9-4E35-95C1-410DC08A50B1}" type="datetimeFigureOut">
               <a:rPr lang="en-US" smtClean="0"/>
-              <a:t>9/1/2021</a:t>
+              <a:t>10/3/2021</a:t>
             </a:fld>
             <a:endParaRPr lang="en-US"/>
           </a:p>
@@ -431,7 +431,7 @@
           <a:p>
             <a:fld id="{6F282904-F315-4730-8D91-37D99E141A6F}" type="datetimeFigureOut">
               <a:rPr lang="en-US" smtClean="0"/>
-              <a:t>9/1/2021</a:t>
+              <a:t>10/3/2021</a:t>
             </a:fld>
             <a:endParaRPr lang="en-US"/>
           </a:p>
@@ -4335,7 +4335,7 @@
               <a:buNone/>
             </a:pPr>
             <a:r>
-              <a:rPr lang="en-US" sz="2000" dirty="0">
+              <a:rPr lang="en-US" sz="1800" dirty="0">
                 <a:solidFill>
                   <a:schemeClr val="tx2"/>
                 </a:solidFill>
@@ -4349,18 +4349,8 @@
               <a:buAutoNum type="arabicPeriod"/>
             </a:pPr>
             <a:r>
-              <a:rPr lang="en-US" sz="2000" dirty="0"/>
+              <a:rPr lang="en-US" sz="1800" dirty="0"/>
               <a:t>Identify your team’s “pain points” in your software development processes</a:t>
-            </a:r>
-          </a:p>
-          <a:p>
-            <a:pPr marL="457200" indent="-457200">
-              <a:buFont typeface="+mj-lt"/>
-              <a:buAutoNum type="arabicPeriod"/>
-            </a:pPr>
-            <a:r>
-              <a:rPr lang="en-US" sz="2000" dirty="0"/>
-              <a:t>Set a goal for something to improve</a:t>
             </a:r>
           </a:p>
           <a:p>
@@ -4370,8 +4360,48 @@
               </a:spcBef>
             </a:pPr>
             <a:r>
+              <a:rPr lang="en-US" sz="1600" dirty="0">
+                <a:solidFill>
+                  <a:schemeClr val="tx2"/>
+                </a:solidFill>
+              </a:rPr>
+              <a:t>Help: </a:t>
+            </a:r>
+            <a:r>
+              <a:rPr lang="en-US" sz="1600" dirty="0" err="1">
+                <a:solidFill>
+                  <a:schemeClr val="tx2"/>
+                </a:solidFill>
+              </a:rPr>
+              <a:t>RateYourProject</a:t>
+            </a:r>
+            <a:r>
+              <a:rPr lang="en-US" sz="1600" dirty="0">
+                <a:solidFill>
+                  <a:schemeClr val="tx2"/>
+                </a:solidFill>
+              </a:rPr>
+              <a:t> assessment tool: </a:t>
+            </a:r>
+            <a:r>
+              <a:rPr lang="en-US" sz="1600" dirty="0">
+                <a:hlinkClick r:id="rId2"/>
+              </a:rPr>
+              <a:t>https://rateyourproject.org/</a:t>
+            </a:r>
+            <a:endParaRPr lang="en-US" sz="1600" dirty="0"/>
+          </a:p>
+          <a:p>
+            <a:pPr marL="457200" indent="-457200">
+              <a:spcBef>
+                <a:spcPts val="1000"/>
+              </a:spcBef>
+              <a:buFont typeface="+mj-lt"/>
+              <a:buAutoNum type="arabicPeriod"/>
+            </a:pPr>
+            <a:r>
               <a:rPr lang="en-US" sz="1800" dirty="0"/>
-              <a:t>Target processes and behaviors, not just tasks</a:t>
+              <a:t>Set a goal for something to improve</a:t>
             </a:r>
           </a:p>
           <a:p>
@@ -4381,25 +4411,8 @@
               </a:spcBef>
             </a:pPr>
             <a:r>
-              <a:rPr lang="en-US" sz="1800" dirty="0"/>
-              <a:t>Pick something that you can address in a few months that will give you a noticeable benefit</a:t>
-            </a:r>
-          </a:p>
-          <a:p>
-            <a:pPr marL="457200" indent="-457200">
-              <a:buFont typeface="+mj-lt"/>
-              <a:buAutoNum type="arabicPeriod"/>
-            </a:pPr>
-            <a:r>
-              <a:rPr lang="en-US" sz="2000" dirty="0"/>
-              <a:t>Agree on a plan to address it, identify </a:t>
-            </a:r>
-            <a:br>
-              <a:rPr lang="en-US" sz="2000" dirty="0"/>
-            </a:br>
-            <a:r>
-              <a:rPr lang="en-US" sz="2000" dirty="0"/>
-              <a:t>markers of progress and what is “done”</a:t>
+              <a:rPr lang="en-US" sz="1600" dirty="0"/>
+              <a:t>Target processes and behaviors, not just tasks</a:t>
             </a:r>
           </a:p>
           <a:p>
@@ -4409,38 +4422,108 @@
               </a:spcBef>
             </a:pPr>
             <a:r>
-              <a:rPr lang="en-US" sz="1800" dirty="0"/>
-              <a:t>Write them down</a:t>
+              <a:rPr lang="en-US" sz="1600" dirty="0"/>
+              <a:t>Pick something that you can address in a few months that will give you a noticeable benefit</a:t>
             </a:r>
           </a:p>
           <a:p>
             <a:pPr marL="457200" indent="-457200">
+              <a:spcBef>
+                <a:spcPts val="1000"/>
+              </a:spcBef>
               <a:buFont typeface="+mj-lt"/>
               <a:buAutoNum type="arabicPeriod"/>
             </a:pPr>
             <a:r>
-              <a:rPr lang="en-US" sz="2000" dirty="0"/>
-              <a:t>Work your plan, track your progress</a:t>
-            </a:r>
+              <a:rPr lang="en-US" sz="1800" dirty="0"/>
+              <a:t>Agree on a plan to address it, identify </a:t>
+            </a:r>
+            <a:br>
+              <a:rPr lang="en-US" sz="1800" dirty="0"/>
+            </a:br>
+            <a:r>
+              <a:rPr lang="en-US" sz="1800" dirty="0"/>
+              <a:t>markers of progress and what is “done”</a:t>
+            </a:r>
+          </a:p>
+          <a:p>
+            <a:pPr lvl="1">
+              <a:spcBef>
+                <a:spcPts val="200"/>
+              </a:spcBef>
+            </a:pPr>
+            <a:r>
+              <a:rPr lang="en-US" sz="1600" dirty="0"/>
+              <a:t>Write them down</a:t>
+            </a:r>
+          </a:p>
+          <a:p>
+            <a:pPr lvl="1">
+              <a:spcBef>
+                <a:spcPts val="200"/>
+              </a:spcBef>
+            </a:pPr>
+            <a:r>
+              <a:rPr lang="en-US" sz="1600" dirty="0">
+                <a:solidFill>
+                  <a:schemeClr val="tx2"/>
+                </a:solidFill>
+              </a:rPr>
+              <a:t>Help: Progress tracking card examples:</a:t>
+            </a:r>
+            <a:br>
+              <a:rPr lang="en-US" sz="1600" dirty="0">
+                <a:solidFill>
+                  <a:schemeClr val="tx2"/>
+                </a:solidFill>
+              </a:rPr>
+            </a:br>
+            <a:r>
+              <a:rPr lang="en-US" sz="1600" dirty="0">
+                <a:hlinkClick r:id="rId3"/>
+              </a:rPr>
+              <a:t>https://bssw-psip.github.io/ptc-catalog/catalog</a:t>
+            </a:r>
+            <a:endParaRPr lang="en-US" sz="1600" dirty="0"/>
           </a:p>
           <a:p>
             <a:pPr marL="457200" indent="-457200">
+              <a:spcBef>
+                <a:spcPts val="1000"/>
+              </a:spcBef>
               <a:buFont typeface="+mj-lt"/>
               <a:buAutoNum type="arabicPeriod"/>
             </a:pPr>
             <a:r>
-              <a:rPr lang="en-US" sz="2000" dirty="0"/>
+              <a:rPr lang="en-US" sz="1800" dirty="0"/>
+              <a:t>Work your plan, track your progress</a:t>
+            </a:r>
+          </a:p>
+          <a:p>
+            <a:pPr marL="457200" indent="-457200">
+              <a:spcBef>
+                <a:spcPts val="1000"/>
+              </a:spcBef>
+              <a:buFont typeface="+mj-lt"/>
+              <a:buAutoNum type="arabicPeriod"/>
+            </a:pPr>
+            <a:r>
+              <a:rPr lang="en-US" sz="1800" dirty="0"/>
               <a:t>When you are done, celebrate…</a:t>
             </a:r>
           </a:p>
           <a:p>
             <a:pPr marL="0" indent="0">
+              <a:spcBef>
+                <a:spcPts val="1000"/>
+              </a:spcBef>
               <a:buNone/>
             </a:pPr>
             <a:r>
-              <a:rPr lang="en-US" sz="2000" dirty="0"/>
+              <a:rPr lang="en-US" sz="1800" dirty="0"/>
               <a:t>…then pick a new pain point to address</a:t>
             </a:r>
+            <a:endParaRPr lang="en-US" sz="2000" dirty="0"/>
           </a:p>
         </p:txBody>
       </p:sp>
@@ -5258,7 +5341,7 @@
               <a:t>Productivity and Sustainability Improvement Planning</a:t>
             </a:r>
             <a:endParaRPr lang="en-US" dirty="0">
-              <a:hlinkClick r:id="rId2"/>
+              <a:hlinkClick r:id="rId4"/>
             </a:endParaRPr>
           </a:p>
           <a:p>
@@ -5269,7 +5352,7 @@
             </a:pPr>
             <a:r>
               <a:rPr lang="en-US" dirty="0">
-                <a:hlinkClick r:id="rId2"/>
+                <a:hlinkClick r:id="rId4"/>
               </a:rPr>
               <a:t>https://bssw.io/psip</a:t>
             </a:r>
@@ -5312,7 +5395,7 @@
             <p:nvPr/>
           </p:nvPicPr>
           <p:blipFill rotWithShape="1">
-            <a:blip r:embed="rId3" cstate="print">
+            <a:blip r:embed="rId5" cstate="print">
               <a:extLst>
                 <a:ext uri="{28A0092B-C50C-407E-A947-70E740481C1C}">
                   <a14:useLocalDpi xmlns:a14="http://schemas.microsoft.com/office/drawing/2010/main" val="0"/>
@@ -5371,7 +5454,7 @@
               </a:r>
               <a:r>
                 <a:rPr lang="en-US" dirty="0">
-                  <a:hlinkClick r:id="rId4"/>
+                  <a:hlinkClick r:id="rId6"/>
                 </a:rPr>
                 <a:t>BSSw.io</a:t>
               </a:r>
@@ -8938,18 +9021,18 @@
 </file>
 
 <file path=customXml/item2.xml><?xml version="1.0" encoding="utf-8"?>
-<p:properties xmlns:p="http://schemas.microsoft.com/office/2006/metadata/properties" xmlns:xsi="http://www.w3.org/2001/XMLSchema-instance" xmlns:pc="http://schemas.microsoft.com/office/infopath/2007/PartnerControls">
-  <documentManagement/>
-</p:properties>
-</file>
-
-<file path=customXml/item3.xml><?xml version="1.0" encoding="utf-8"?>
 <?mso-contentType ?>
 <FormTemplates xmlns="http://schemas.microsoft.com/sharepoint/v3/contenttype/forms">
   <Display>DocumentLibraryForm</Display>
   <Edit>DocumentLibraryForm</Edit>
   <New>DocumentLibraryForm</New>
 </FormTemplates>
+</file>
+
+<file path=customXml/item3.xml><?xml version="1.0" encoding="utf-8"?>
+<p:properties xmlns:p="http://schemas.microsoft.com/office/2006/metadata/properties" xmlns:xsi="http://www.w3.org/2001/XMLSchema-instance" xmlns:pc="http://schemas.microsoft.com/office/infopath/2007/PartnerControls">
+  <documentManagement/>
+</p:properties>
 </file>
 
 <file path=customXml/itemProps1.xml><?xml version="1.0" encoding="utf-8"?>
@@ -8968,6 +9051,14 @@
 </file>
 
 <file path=customXml/itemProps2.xml><?xml version="1.0" encoding="utf-8"?>
+<ds:datastoreItem xmlns:ds="http://schemas.openxmlformats.org/officeDocument/2006/customXml" ds:itemID="{19E20559-B232-4371-8690-E3D8007EDB82}">
+  <ds:schemaRefs>
+    <ds:schemaRef ds:uri="http://schemas.microsoft.com/sharepoint/v3/contenttype/forms"/>
+  </ds:schemaRefs>
+</ds:datastoreItem>
+</file>
+
+<file path=customXml/itemProps3.xml><?xml version="1.0" encoding="utf-8"?>
 <ds:datastoreItem xmlns:ds="http://schemas.openxmlformats.org/officeDocument/2006/customXml" ds:itemID="{A50EC660-24D0-43A0-AE5E-E274115E726B}">
   <ds:schemaRefs>
     <ds:schemaRef ds:uri="http://purl.org/dc/elements/1.1/"/>
@@ -8980,12 +9071,4 @@
     <ds:schemaRef ds:uri="http://schemas.microsoft.com/office/infopath/2007/PartnerControls"/>
   </ds:schemaRefs>
 </ds:datastoreItem>
-</file>
-
-<file path=customXml/itemProps3.xml><?xml version="1.0" encoding="utf-8"?>
-<ds:datastoreItem xmlns:ds="http://schemas.openxmlformats.org/officeDocument/2006/customXml" ds:itemID="{19E20559-B232-4371-8690-E3D8007EDB82}">
-  <ds:schemaRefs>
-    <ds:schemaRef ds:uri="http://schemas.microsoft.com/sharepoint/v3/contenttype/forms"/>
-  </ds:schemaRefs>
-</ds:datastoreItem>
 </file>
--- a/summary.pptx
+++ b/summary.pptx
@@ -266,7 +266,7 @@
           <a:p>
             <a:fld id="{0B842F42-2CE9-4E35-95C1-410DC08A50B1}" type="datetimeFigureOut">
               <a:rPr lang="en-US" smtClean="0"/>
-              <a:t>10/3/2021</a:t>
+              <a:t>10/12/2021</a:t>
             </a:fld>
             <a:endParaRPr lang="en-US"/>
           </a:p>
@@ -431,7 +431,7 @@
           <a:p>
             <a:fld id="{6F282904-F315-4730-8D91-37D99E141A6F}" type="datetimeFigureOut">
               <a:rPr lang="en-US" smtClean="0"/>
-              <a:t>10/3/2021</a:t>
+              <a:t>10/12/2021</a:t>
             </a:fld>
             <a:endParaRPr lang="en-US"/>
           </a:p>
@@ -5586,7 +5586,7 @@
             </a:pPr>
             <a:r>
               <a:rPr lang="en-US" dirty="0"/>
-              <a:t>See tutorial web site for links to resources mentioned in the tutorial</a:t>
+              <a:t>See the tutorial web site for an archive of all the materials from this tutorial</a:t>
             </a:r>
           </a:p>
           <a:p>
@@ -6502,7 +6502,7 @@
         </p:nvSpPr>
         <p:spPr>
           <a:xfrm>
-            <a:off x="1393927" y="5562257"/>
+            <a:off x="1393927" y="5499197"/>
             <a:ext cx="9400971" cy="572464"/>
           </a:xfrm>
           <a:prstGeom prst="rect">
@@ -8972,6 +8972,21 @@
 </file>
 
 <file path=customXml/item1.xml><?xml version="1.0" encoding="utf-8"?>
+<p:properties xmlns:p="http://schemas.microsoft.com/office/2006/metadata/properties" xmlns:xsi="http://www.w3.org/2001/XMLSchema-instance" xmlns:pc="http://schemas.microsoft.com/office/infopath/2007/PartnerControls">
+  <documentManagement/>
+</p:properties>
+</file>
+
+<file path=customXml/item2.xml><?xml version="1.0" encoding="utf-8"?>
+<?mso-contentType ?>
+<FormTemplates xmlns="http://schemas.microsoft.com/sharepoint/v3/contenttype/forms">
+  <Display>DocumentLibraryForm</Display>
+  <Edit>DocumentLibraryForm</Edit>
+  <New>DocumentLibraryForm</New>
+</FormTemplates>
+</file>
+
+<file path=customXml/item3.xml><?xml version="1.0" encoding="utf-8"?>
 <ct:contentTypeSchema xmlns:ct="http://schemas.microsoft.com/office/2006/metadata/contentType" xmlns:ma="http://schemas.microsoft.com/office/2006/metadata/properties/metaAttributes" ct:_="" ma:_="" ma:contentTypeName="Document" ma:contentTypeID="0x010100565464437F680748A68B85EB6594EA7D" ma:contentTypeVersion="0" ma:contentTypeDescription="Create a new document." ma:contentTypeScope="" ma:versionID="fe3f4dd58d5914c51cfc6deaa8ad845c">
   <xsd:schema xmlns:xsd="http://www.w3.org/2001/XMLSchema" xmlns:p="http://schemas.microsoft.com/office/2006/metadata/properties" targetNamespace="http://schemas.microsoft.com/office/2006/metadata/properties" ma:root="true" ma:fieldsID="4aeb20c0e3442673af7ee10786458764">
     <xsd:element name="properties">
@@ -9020,32 +9035,17 @@
 </ct:contentTypeSchema>
 </file>
 
-<file path=customXml/item2.xml><?xml version="1.0" encoding="utf-8"?>
-<?mso-contentType ?>
-<FormTemplates xmlns="http://schemas.microsoft.com/sharepoint/v3/contenttype/forms">
-  <Display>DocumentLibraryForm</Display>
-  <Edit>DocumentLibraryForm</Edit>
-  <New>DocumentLibraryForm</New>
-</FormTemplates>
-</file>
-
-<file path=customXml/item3.xml><?xml version="1.0" encoding="utf-8"?>
-<p:properties xmlns:p="http://schemas.microsoft.com/office/2006/metadata/properties" xmlns:xsi="http://www.w3.org/2001/XMLSchema-instance" xmlns:pc="http://schemas.microsoft.com/office/infopath/2007/PartnerControls">
-  <documentManagement/>
-</p:properties>
-</file>
-
 <file path=customXml/itemProps1.xml><?xml version="1.0" encoding="utf-8"?>
-<ds:datastoreItem xmlns:ds="http://schemas.openxmlformats.org/officeDocument/2006/customXml" ds:itemID="{E8DB7DEB-074E-4EE8-9B6E-FD277323109C}">
+<ds:datastoreItem xmlns:ds="http://schemas.openxmlformats.org/officeDocument/2006/customXml" ds:itemID="{A50EC660-24D0-43A0-AE5E-E274115E726B}">
   <ds:schemaRefs>
-    <ds:schemaRef ds:uri="http://schemas.microsoft.com/office/2006/metadata/contentType"/>
-    <ds:schemaRef ds:uri="http://schemas.microsoft.com/office/2006/metadata/properties/metaAttributes"/>
-    <ds:schemaRef ds:uri="http://www.w3.org/2001/XMLSchema"/>
+    <ds:schemaRef ds:uri="http://purl.org/dc/elements/1.1/"/>
     <ds:schemaRef ds:uri="http://schemas.microsoft.com/office/2006/metadata/properties"/>
+    <ds:schemaRef ds:uri="http://purl.org/dc/terms/"/>
     <ds:schemaRef ds:uri="http://schemas.openxmlformats.org/package/2006/metadata/core-properties"/>
-    <ds:schemaRef ds:uri="http://purl.org/dc/elements/1.1/"/>
-    <ds:schemaRef ds:uri="http://purl.org/dc/terms/"/>
-    <ds:schemaRef ds:uri="http://schemas.microsoft.com/office/internal/2005/internalDocumentation"/>
+    <ds:schemaRef ds:uri="http://schemas.microsoft.com/office/2006/documentManagement/types"/>
+    <ds:schemaRef ds:uri="http://www.w3.org/XML/1998/namespace"/>
+    <ds:schemaRef ds:uri="http://purl.org/dc/dcmitype/"/>
+    <ds:schemaRef ds:uri="http://schemas.microsoft.com/office/infopath/2007/PartnerControls"/>
   </ds:schemaRefs>
 </ds:datastoreItem>
 </file>
@@ -9059,16 +9059,16 @@
 </file>
 
 <file path=customXml/itemProps3.xml><?xml version="1.0" encoding="utf-8"?>
-<ds:datastoreItem xmlns:ds="http://schemas.openxmlformats.org/officeDocument/2006/customXml" ds:itemID="{A50EC660-24D0-43A0-AE5E-E274115E726B}">
+<ds:datastoreItem xmlns:ds="http://schemas.openxmlformats.org/officeDocument/2006/customXml" ds:itemID="{E8DB7DEB-074E-4EE8-9B6E-FD277323109C}">
   <ds:schemaRefs>
+    <ds:schemaRef ds:uri="http://schemas.microsoft.com/office/2006/metadata/contentType"/>
+    <ds:schemaRef ds:uri="http://schemas.microsoft.com/office/2006/metadata/properties/metaAttributes"/>
+    <ds:schemaRef ds:uri="http://www.w3.org/2001/XMLSchema"/>
+    <ds:schemaRef ds:uri="http://schemas.microsoft.com/office/2006/metadata/properties"/>
+    <ds:schemaRef ds:uri="http://schemas.openxmlformats.org/package/2006/metadata/core-properties"/>
     <ds:schemaRef ds:uri="http://purl.org/dc/elements/1.1/"/>
-    <ds:schemaRef ds:uri="http://schemas.microsoft.com/office/2006/metadata/properties"/>
     <ds:schemaRef ds:uri="http://purl.org/dc/terms/"/>
-    <ds:schemaRef ds:uri="http://schemas.openxmlformats.org/package/2006/metadata/core-properties"/>
-    <ds:schemaRef ds:uri="http://schemas.microsoft.com/office/2006/documentManagement/types"/>
-    <ds:schemaRef ds:uri="http://www.w3.org/XML/1998/namespace"/>
-    <ds:schemaRef ds:uri="http://purl.org/dc/dcmitype/"/>
-    <ds:schemaRef ds:uri="http://schemas.microsoft.com/office/infopath/2007/PartnerControls"/>
+    <ds:schemaRef ds:uri="http://schemas.microsoft.com/office/internal/2005/internalDocumentation"/>
   </ds:schemaRefs>
 </ds:datastoreItem>
 </file>
--- a/summary.pptx
+++ b/summary.pptx
@@ -266,7 +266,7 @@
           <a:p>
             <a:fld id="{0B842F42-2CE9-4E35-95C1-410DC08A50B1}" type="datetimeFigureOut">
               <a:rPr lang="en-US" smtClean="0"/>
-              <a:t>10/12/2021</a:t>
+              <a:t>11/14/2021</a:t>
             </a:fld>
             <a:endParaRPr lang="en-US"/>
           </a:p>
@@ -431,7 +431,7 @@
           <a:p>
             <a:fld id="{6F282904-F315-4730-8D91-37D99E141A6F}" type="datetimeFigureOut">
               <a:rPr lang="en-US" smtClean="0"/>
-              <a:t>10/12/2021</a:t>
+              <a:t>11/14/2021</a:t>
             </a:fld>
             <a:endParaRPr lang="en-US"/>
           </a:p>
@@ -6130,7 +6130,7 @@
           <a:p>
             <a:r>
               <a:rPr lang="en-US" sz="2000" dirty="0"/>
-              <a:t>Mar. 16: Neil Ferguson (Imperial College) briefed UK Parliament on epidemiological modeling of COVID-19 pandemic</a:t>
+              <a:t>Mar. 16 2020: Neil Ferguson (Imperial College) briefed UK Parliament on epidemiological modeling of COVID-19 pandemic</a:t>
             </a:r>
           </a:p>
           <a:p>
@@ -6147,7 +6147,7 @@
           <a:p>
             <a:r>
               <a:rPr lang="en-US" sz="2000" dirty="0"/>
-              <a:t>April 1: Nicholas Lewis (independent climate science researcher in UK) can’t easily see where some of the assumptions come from – publishes a blog article</a:t>
+              <a:t>April 1 2020: Nicholas Lewis (independent climate science researcher in UK) can’t easily see where some of the assumptions come from – publishes a blog article</a:t>
             </a:r>
           </a:p>
           <a:p>
@@ -6966,13 +6966,13 @@
           <a:p>
             <a:r>
               <a:rPr lang="en-US" dirty="0"/>
-              <a:t>April 22: Imperial collaborates with Microsoft to refactor and clean up the code, which is released on GitHub</a:t>
+              <a:t>April 22 2020: Imperial collaborates with Microsoft to refactor and clean up the code, which is released on GitHub</a:t>
             </a:r>
           </a:p>
           <a:p>
             <a:r>
               <a:rPr lang="en-US" dirty="0"/>
-              <a:t>May 10: Phil Bull rebuts criticisms of the Imperial code</a:t>
+              <a:t>May 10 2020: Phil Bull rebuts criticisms of the Imperial code</a:t>
             </a:r>
           </a:p>
           <a:p>
@@ -6985,7 +6985,7 @@
           <a:p>
             <a:r>
               <a:rPr lang="en-US" dirty="0"/>
-              <a:t>May 29: CODECHECK independently reproduces results of Imperial’s Report 9</a:t>
+              <a:t>May 29 2020: CODECHECK independently reproduces results of Imperial’s Report 9</a:t>
             </a:r>
           </a:p>
         </p:txBody>
@@ -8972,21 +8972,6 @@
 </file>
 
 <file path=customXml/item1.xml><?xml version="1.0" encoding="utf-8"?>
-<p:properties xmlns:p="http://schemas.microsoft.com/office/2006/metadata/properties" xmlns:xsi="http://www.w3.org/2001/XMLSchema-instance" xmlns:pc="http://schemas.microsoft.com/office/infopath/2007/PartnerControls">
-  <documentManagement/>
-</p:properties>
-</file>
-
-<file path=customXml/item2.xml><?xml version="1.0" encoding="utf-8"?>
-<?mso-contentType ?>
-<FormTemplates xmlns="http://schemas.microsoft.com/sharepoint/v3/contenttype/forms">
-  <Display>DocumentLibraryForm</Display>
-  <Edit>DocumentLibraryForm</Edit>
-  <New>DocumentLibraryForm</New>
-</FormTemplates>
-</file>
-
-<file path=customXml/item3.xml><?xml version="1.0" encoding="utf-8"?>
 <ct:contentTypeSchema xmlns:ct="http://schemas.microsoft.com/office/2006/metadata/contentType" xmlns:ma="http://schemas.microsoft.com/office/2006/metadata/properties/metaAttributes" ct:_="" ma:_="" ma:contentTypeName="Document" ma:contentTypeID="0x010100565464437F680748A68B85EB6594EA7D" ma:contentTypeVersion="0" ma:contentTypeDescription="Create a new document." ma:contentTypeScope="" ma:versionID="fe3f4dd58d5914c51cfc6deaa8ad845c">
   <xsd:schema xmlns:xsd="http://www.w3.org/2001/XMLSchema" xmlns:p="http://schemas.microsoft.com/office/2006/metadata/properties" targetNamespace="http://schemas.microsoft.com/office/2006/metadata/properties" ma:root="true" ma:fieldsID="4aeb20c0e3442673af7ee10786458764">
     <xsd:element name="properties">
@@ -9035,17 +9020,32 @@
 </ct:contentTypeSchema>
 </file>
 
+<file path=customXml/item2.xml><?xml version="1.0" encoding="utf-8"?>
+<?mso-contentType ?>
+<FormTemplates xmlns="http://schemas.microsoft.com/sharepoint/v3/contenttype/forms">
+  <Display>DocumentLibraryForm</Display>
+  <Edit>DocumentLibraryForm</Edit>
+  <New>DocumentLibraryForm</New>
+</FormTemplates>
+</file>
+
+<file path=customXml/item3.xml><?xml version="1.0" encoding="utf-8"?>
+<p:properties xmlns:p="http://schemas.microsoft.com/office/2006/metadata/properties" xmlns:xsi="http://www.w3.org/2001/XMLSchema-instance" xmlns:pc="http://schemas.microsoft.com/office/infopath/2007/PartnerControls">
+  <documentManagement/>
+</p:properties>
+</file>
+
 <file path=customXml/itemProps1.xml><?xml version="1.0" encoding="utf-8"?>
-<ds:datastoreItem xmlns:ds="http://schemas.openxmlformats.org/officeDocument/2006/customXml" ds:itemID="{A50EC660-24D0-43A0-AE5E-E274115E726B}">
+<ds:datastoreItem xmlns:ds="http://schemas.openxmlformats.org/officeDocument/2006/customXml" ds:itemID="{E8DB7DEB-074E-4EE8-9B6E-FD277323109C}">
   <ds:schemaRefs>
+    <ds:schemaRef ds:uri="http://schemas.microsoft.com/office/2006/metadata/contentType"/>
+    <ds:schemaRef ds:uri="http://schemas.microsoft.com/office/2006/metadata/properties/metaAttributes"/>
+    <ds:schemaRef ds:uri="http://www.w3.org/2001/XMLSchema"/>
+    <ds:schemaRef ds:uri="http://schemas.microsoft.com/office/2006/metadata/properties"/>
+    <ds:schemaRef ds:uri="http://schemas.openxmlformats.org/package/2006/metadata/core-properties"/>
     <ds:schemaRef ds:uri="http://purl.org/dc/elements/1.1/"/>
-    <ds:schemaRef ds:uri="http://schemas.microsoft.com/office/2006/metadata/properties"/>
     <ds:schemaRef ds:uri="http://purl.org/dc/terms/"/>
-    <ds:schemaRef ds:uri="http://schemas.openxmlformats.org/package/2006/metadata/core-properties"/>
-    <ds:schemaRef ds:uri="http://schemas.microsoft.com/office/2006/documentManagement/types"/>
-    <ds:schemaRef ds:uri="http://www.w3.org/XML/1998/namespace"/>
-    <ds:schemaRef ds:uri="http://purl.org/dc/dcmitype/"/>
-    <ds:schemaRef ds:uri="http://schemas.microsoft.com/office/infopath/2007/PartnerControls"/>
+    <ds:schemaRef ds:uri="http://schemas.microsoft.com/office/internal/2005/internalDocumentation"/>
   </ds:schemaRefs>
 </ds:datastoreItem>
 </file>
@@ -9059,16 +9059,16 @@
 </file>
 
 <file path=customXml/itemProps3.xml><?xml version="1.0" encoding="utf-8"?>
-<ds:datastoreItem xmlns:ds="http://schemas.openxmlformats.org/officeDocument/2006/customXml" ds:itemID="{E8DB7DEB-074E-4EE8-9B6E-FD277323109C}">
+<ds:datastoreItem xmlns:ds="http://schemas.openxmlformats.org/officeDocument/2006/customXml" ds:itemID="{A50EC660-24D0-43A0-AE5E-E274115E726B}">
   <ds:schemaRefs>
-    <ds:schemaRef ds:uri="http://schemas.microsoft.com/office/2006/metadata/contentType"/>
-    <ds:schemaRef ds:uri="http://schemas.microsoft.com/office/2006/metadata/properties/metaAttributes"/>
-    <ds:schemaRef ds:uri="http://www.w3.org/2001/XMLSchema"/>
+    <ds:schemaRef ds:uri="http://purl.org/dc/elements/1.1/"/>
     <ds:schemaRef ds:uri="http://schemas.microsoft.com/office/2006/metadata/properties"/>
+    <ds:schemaRef ds:uri="http://purl.org/dc/terms/"/>
     <ds:schemaRef ds:uri="http://schemas.openxmlformats.org/package/2006/metadata/core-properties"/>
-    <ds:schemaRef ds:uri="http://purl.org/dc/elements/1.1/"/>
-    <ds:schemaRef ds:uri="http://purl.org/dc/terms/"/>
-    <ds:schemaRef ds:uri="http://schemas.microsoft.com/office/internal/2005/internalDocumentation"/>
+    <ds:schemaRef ds:uri="http://schemas.microsoft.com/office/2006/documentManagement/types"/>
+    <ds:schemaRef ds:uri="http://www.w3.org/XML/1998/namespace"/>
+    <ds:schemaRef ds:uri="http://purl.org/dc/dcmitype/"/>
+    <ds:schemaRef ds:uri="http://schemas.microsoft.com/office/infopath/2007/PartnerControls"/>
   </ds:schemaRefs>
 </ds:datastoreItem>
 </file>
--- a/summary.pptx
+++ b/summary.pptx
@@ -12,7 +12,7 @@
   </p:handoutMasterIdLst>
   <p:sldIdLst>
     <p:sldId id="318" r:id="rId5"/>
-    <p:sldId id="1848" r:id="rId6"/>
+    <p:sldId id="320" r:id="rId6"/>
     <p:sldId id="1840" r:id="rId7"/>
     <p:sldId id="1841" r:id="rId8"/>
     <p:sldId id="1842" r:id="rId9"/>
@@ -266,7 +266,7 @@
           <a:p>
             <a:fld id="{0B842F42-2CE9-4E35-95C1-410DC08A50B1}" type="datetimeFigureOut">
               <a:rPr lang="en-US" smtClean="0"/>
-              <a:t>11/14/2021</a:t>
+              <a:t>3/25/2022</a:t>
             </a:fld>
             <a:endParaRPr lang="en-US"/>
           </a:p>
@@ -431,7 +431,7 @@
           <a:p>
             <a:fld id="{6F282904-F315-4730-8D91-37D99E141A6F}" type="datetimeFigureOut">
               <a:rPr lang="en-US" smtClean="0"/>
-              <a:t>11/14/2021</a:t>
+              <a:t>3/25/2022</a:t>
             </a:fld>
             <a:endParaRPr lang="en-US"/>
           </a:p>
@@ -4111,7 +4111,7 @@
           <a:p>
             <a:r>
               <a:rPr lang="en-US" u="sng" dirty="0"/>
-              <a:t>David E. Bernholdt</a:t>
+              <a:t>David M. Rogers</a:t>
             </a:r>
             <a:r>
               <a:rPr lang="en-US" dirty="0"/>
@@ -4137,7 +4137,7 @@
             </a:pPr>
             <a:r>
               <a:rPr lang="en-US" sz="2000" dirty="0"/>
-              <a:t>Better Scientific Software tutorial @ SC21</a:t>
+              <a:t>Better Scientific Software tutorial @ Improving Scientific Software 2022</a:t>
             </a:r>
           </a:p>
           <a:p>
@@ -5864,15 +5864,21 @@
             </a:pPr>
             <a:r>
               <a:rPr lang="en-US" sz="1600" b="1" dirty="0"/>
-              <a:t>The requested citation the overall tutorial is: David E. Bernholdt, Anshu Dubey, Patricia A. Grubel, Rinku K. Gupta, and Gregory R. Watson, Better Scientific Software tutorial, in the International Conference for High-Performance Computing, Networking, Storage, and Analysis (SC21), St. Louis, MO, USA and online, 2021. DOI: </a:t>
+              <a:t>The requested citation the overall tutorial is: David E. Bernholdt, Patricia A. Grubel, Rinku K. Gupta, and David M. Rogers, Better Scientific Software tutorial, in Improving Scientific Software conference, online, 2022. DOI: </a:t>
             </a:r>
             <a:r>
               <a:rPr lang="en-US" sz="1600" b="1" dirty="0">
                 <a:hlinkClick r:id="rId4"/>
               </a:rPr>
-              <a:t>10.6084/m9.figshare.16556628</a:t>
-            </a:r>
-            <a:endParaRPr lang="en-US" sz="1600" b="1" dirty="0"/>
+              <a:t>10.6084/m9.figshare</a:t>
+            </a:r>
+            <a:r>
+              <a:rPr lang="en-US" sz="1600" b="1">
+                <a:hlinkClick r:id="rId4"/>
+              </a:rPr>
+              <a:t>.19416767</a:t>
+            </a:r>
+            <a:endParaRPr lang="en-US" sz="1600" b="1"/>
           </a:p>
           <a:p>
             <a:pPr>
@@ -6044,7 +6050,7 @@
     </p:spTree>
     <p:extLst>
       <p:ext uri="{BB962C8B-B14F-4D97-AF65-F5344CB8AC3E}">
-        <p14:creationId xmlns:p14="http://schemas.microsoft.com/office/powerpoint/2010/main" val="2199770092"/>
+        <p14:creationId xmlns:p14="http://schemas.microsoft.com/office/powerpoint/2010/main" val="978726433"/>
       </p:ext>
     </p:extLst>
   </p:cSld>
@@ -9021,18 +9027,18 @@
 </file>
 
 <file path=customXml/item2.xml><?xml version="1.0" encoding="utf-8"?>
+<p:properties xmlns:p="http://schemas.microsoft.com/office/2006/metadata/properties" xmlns:xsi="http://www.w3.org/2001/XMLSchema-instance" xmlns:pc="http://schemas.microsoft.com/office/infopath/2007/PartnerControls">
+  <documentManagement/>
+</p:properties>
+</file>
+
+<file path=customXml/item3.xml><?xml version="1.0" encoding="utf-8"?>
 <?mso-contentType ?>
 <FormTemplates xmlns="http://schemas.microsoft.com/sharepoint/v3/contenttype/forms">
   <Display>DocumentLibraryForm</Display>
   <Edit>DocumentLibraryForm</Edit>
   <New>DocumentLibraryForm</New>
 </FormTemplates>
-</file>
-
-<file path=customXml/item3.xml><?xml version="1.0" encoding="utf-8"?>
-<p:properties xmlns:p="http://schemas.microsoft.com/office/2006/metadata/properties" xmlns:xsi="http://www.w3.org/2001/XMLSchema-instance" xmlns:pc="http://schemas.microsoft.com/office/infopath/2007/PartnerControls">
-  <documentManagement/>
-</p:properties>
 </file>
 
 <file path=customXml/itemProps1.xml><?xml version="1.0" encoding="utf-8"?>
@@ -9051,14 +9057,6 @@
 </file>
 
 <file path=customXml/itemProps2.xml><?xml version="1.0" encoding="utf-8"?>
-<ds:datastoreItem xmlns:ds="http://schemas.openxmlformats.org/officeDocument/2006/customXml" ds:itemID="{19E20559-B232-4371-8690-E3D8007EDB82}">
-  <ds:schemaRefs>
-    <ds:schemaRef ds:uri="http://schemas.microsoft.com/sharepoint/v3/contenttype/forms"/>
-  </ds:schemaRefs>
-</ds:datastoreItem>
-</file>
-
-<file path=customXml/itemProps3.xml><?xml version="1.0" encoding="utf-8"?>
 <ds:datastoreItem xmlns:ds="http://schemas.openxmlformats.org/officeDocument/2006/customXml" ds:itemID="{A50EC660-24D0-43A0-AE5E-E274115E726B}">
   <ds:schemaRefs>
     <ds:schemaRef ds:uri="http://purl.org/dc/elements/1.1/"/>
@@ -9071,4 +9069,12 @@
     <ds:schemaRef ds:uri="http://schemas.microsoft.com/office/infopath/2007/PartnerControls"/>
   </ds:schemaRefs>
 </ds:datastoreItem>
+</file>
+
+<file path=customXml/itemProps3.xml><?xml version="1.0" encoding="utf-8"?>
+<ds:datastoreItem xmlns:ds="http://schemas.openxmlformats.org/officeDocument/2006/customXml" ds:itemID="{19E20559-B232-4371-8690-E3D8007EDB82}">
+  <ds:schemaRefs>
+    <ds:schemaRef ds:uri="http://schemas.microsoft.com/sharepoint/v3/contenttype/forms"/>
+  </ds:schemaRefs>
+</ds:datastoreItem>
 </file>
--- a/summary.pptx
+++ b/summary.pptx
@@ -266,7 +266,7 @@
           <a:p>
             <a:fld id="{0B842F42-2CE9-4E35-95C1-410DC08A50B1}" type="datetimeFigureOut">
               <a:rPr lang="en-US" smtClean="0"/>
-              <a:t>3/25/2022</a:t>
+              <a:t>4/1/22</a:t>
             </a:fld>
             <a:endParaRPr lang="en-US"/>
           </a:p>
@@ -431,7 +431,7 @@
           <a:p>
             <a:fld id="{6F282904-F315-4730-8D91-37D99E141A6F}" type="datetimeFigureOut">
               <a:rPr lang="en-US" smtClean="0"/>
-              <a:t>3/25/2022</a:t>
+              <a:t>4/1/22</a:t>
             </a:fld>
             <a:endParaRPr lang="en-US"/>
           </a:p>
@@ -7713,12 +7713,6 @@
           <a:p>
             <a:r>
               <a:rPr lang="en-US" dirty="0"/>
-              <a:t>Continuous integration testing</a:t>
-            </a:r>
-          </a:p>
-          <a:p>
-            <a:r>
-              <a:rPr lang="en-US" dirty="0"/>
               <a:t>Reproducibility</a:t>
             </a:r>
           </a:p>
@@ -7830,6 +7824,17 @@
             <a:r>
               <a:rPr lang="en-US" dirty="0"/>
               <a:t>Licensing</a:t>
+            </a:r>
+          </a:p>
+          <a:p>
+            <a:pPr>
+              <a:spcBef>
+                <a:spcPts val="800"/>
+              </a:spcBef>
+            </a:pPr>
+            <a:r>
+              <a:rPr lang="en-US" dirty="0"/>
+              <a:t>Continuous integration testing</a:t>
             </a:r>
           </a:p>
           <a:p>
@@ -8978,6 +8983,12 @@
 </file>
 
 <file path=customXml/item1.xml><?xml version="1.0" encoding="utf-8"?>
+<p:properties xmlns:p="http://schemas.microsoft.com/office/2006/metadata/properties" xmlns:xsi="http://www.w3.org/2001/XMLSchema-instance" xmlns:pc="http://schemas.microsoft.com/office/infopath/2007/PartnerControls">
+  <documentManagement/>
+</p:properties>
+</file>
+
+<file path=customXml/item2.xml><?xml version="1.0" encoding="utf-8"?>
 <ct:contentTypeSchema xmlns:ct="http://schemas.microsoft.com/office/2006/metadata/contentType" xmlns:ma="http://schemas.microsoft.com/office/2006/metadata/properties/metaAttributes" ct:_="" ma:_="" ma:contentTypeName="Document" ma:contentTypeID="0x010100565464437F680748A68B85EB6594EA7D" ma:contentTypeVersion="0" ma:contentTypeDescription="Create a new document." ma:contentTypeScope="" ma:versionID="fe3f4dd58d5914c51cfc6deaa8ad845c">
   <xsd:schema xmlns:xsd="http://www.w3.org/2001/XMLSchema" xmlns:p="http://schemas.microsoft.com/office/2006/metadata/properties" targetNamespace="http://schemas.microsoft.com/office/2006/metadata/properties" ma:root="true" ma:fieldsID="4aeb20c0e3442673af7ee10786458764">
     <xsd:element name="properties">
@@ -9026,12 +9037,6 @@
 </ct:contentTypeSchema>
 </file>
 
-<file path=customXml/item2.xml><?xml version="1.0" encoding="utf-8"?>
-<p:properties xmlns:p="http://schemas.microsoft.com/office/2006/metadata/properties" xmlns:xsi="http://www.w3.org/2001/XMLSchema-instance" xmlns:pc="http://schemas.microsoft.com/office/infopath/2007/PartnerControls">
-  <documentManagement/>
-</p:properties>
-</file>
-
 <file path=customXml/item3.xml><?xml version="1.0" encoding="utf-8"?>
 <?mso-contentType ?>
 <FormTemplates xmlns="http://schemas.microsoft.com/sharepoint/v3/contenttype/forms">
@@ -9042,6 +9047,21 @@
 </file>
 
 <file path=customXml/itemProps1.xml><?xml version="1.0" encoding="utf-8"?>
+<ds:datastoreItem xmlns:ds="http://schemas.openxmlformats.org/officeDocument/2006/customXml" ds:itemID="{A50EC660-24D0-43A0-AE5E-E274115E726B}">
+  <ds:schemaRefs>
+    <ds:schemaRef ds:uri="http://purl.org/dc/elements/1.1/"/>
+    <ds:schemaRef ds:uri="http://schemas.microsoft.com/office/2006/metadata/properties"/>
+    <ds:schemaRef ds:uri="http://purl.org/dc/terms/"/>
+    <ds:schemaRef ds:uri="http://schemas.openxmlformats.org/package/2006/metadata/core-properties"/>
+    <ds:schemaRef ds:uri="http://schemas.microsoft.com/office/2006/documentManagement/types"/>
+    <ds:schemaRef ds:uri="http://www.w3.org/XML/1998/namespace"/>
+    <ds:schemaRef ds:uri="http://purl.org/dc/dcmitype/"/>
+    <ds:schemaRef ds:uri="http://schemas.microsoft.com/office/infopath/2007/PartnerControls"/>
+  </ds:schemaRefs>
+</ds:datastoreItem>
+</file>
+
+<file path=customXml/itemProps2.xml><?xml version="1.0" encoding="utf-8"?>
 <ds:datastoreItem xmlns:ds="http://schemas.openxmlformats.org/officeDocument/2006/customXml" ds:itemID="{E8DB7DEB-074E-4EE8-9B6E-FD277323109C}">
   <ds:schemaRefs>
     <ds:schemaRef ds:uri="http://schemas.microsoft.com/office/2006/metadata/contentType"/>
@@ -9056,21 +9076,6 @@
 </ds:datastoreItem>
 </file>
 
-<file path=customXml/itemProps2.xml><?xml version="1.0" encoding="utf-8"?>
-<ds:datastoreItem xmlns:ds="http://schemas.openxmlformats.org/officeDocument/2006/customXml" ds:itemID="{A50EC660-24D0-43A0-AE5E-E274115E726B}">
-  <ds:schemaRefs>
-    <ds:schemaRef ds:uri="http://purl.org/dc/elements/1.1/"/>
-    <ds:schemaRef ds:uri="http://schemas.microsoft.com/office/2006/metadata/properties"/>
-    <ds:schemaRef ds:uri="http://purl.org/dc/terms/"/>
-    <ds:schemaRef ds:uri="http://schemas.openxmlformats.org/package/2006/metadata/core-properties"/>
-    <ds:schemaRef ds:uri="http://schemas.microsoft.com/office/2006/documentManagement/types"/>
-    <ds:schemaRef ds:uri="http://www.w3.org/XML/1998/namespace"/>
-    <ds:schemaRef ds:uri="http://purl.org/dc/dcmitype/"/>
-    <ds:schemaRef ds:uri="http://schemas.microsoft.com/office/infopath/2007/PartnerControls"/>
-  </ds:schemaRefs>
-</ds:datastoreItem>
-</file>
-
 <file path=customXml/itemProps3.xml><?xml version="1.0" encoding="utf-8"?>
 <ds:datastoreItem xmlns:ds="http://schemas.openxmlformats.org/officeDocument/2006/customXml" ds:itemID="{19E20559-B232-4371-8690-E3D8007EDB82}">
   <ds:schemaRefs>

--- a/summary.pptx
+++ b/summary.pptx
@@ -266,7 +266,7 @@
           <a:p>
             <a:fld id="{0B842F42-2CE9-4E35-95C1-410DC08A50B1}" type="datetimeFigureOut">
               <a:rPr lang="en-US" smtClean="0"/>
-              <a:t>4/1/22</a:t>
+              <a:t>5/17/22</a:t>
             </a:fld>
             <a:endParaRPr lang="en-US"/>
           </a:p>
@@ -431,7 +431,7 @@
           <a:p>
             <a:fld id="{6F282904-F315-4730-8D91-37D99E141A6F}" type="datetimeFigureOut">
               <a:rPr lang="en-US" smtClean="0"/>
-              <a:t>4/1/22</a:t>
+              <a:t>5/17/22</a:t>
             </a:fld>
             <a:endParaRPr lang="en-US"/>
           </a:p>
@@ -4110,23 +4110,23 @@
           <a:lstStyle/>
           <a:p>
             <a:r>
+              <a:rPr lang="en-US" u="sng" dirty="0" err="1"/>
+              <a:t>Anshu</a:t>
+            </a:r>
+            <a:r>
               <a:rPr lang="en-US" u="sng" dirty="0"/>
-              <a:t>David M. Rogers</a:t>
-            </a:r>
-            <a:r>
-              <a:rPr lang="en-US" dirty="0"/>
-              <a:t> </a:t>
+              <a:t> Dubey </a:t>
             </a:r>
             <a:r>
               <a:rPr lang="en-US" sz="2000" dirty="0"/>
-              <a:t>(he/him)</a:t>
+              <a:t>(she/her)</a:t>
             </a:r>
             <a:br>
               <a:rPr lang="en-US" sz="2000" u="sng" dirty="0"/>
             </a:br>
             <a:r>
               <a:rPr lang="en-US" sz="2000" dirty="0"/>
-              <a:t>Oak Ridge National Laboratory</a:t>
+              <a:t>Argonne National Laboratory</a:t>
             </a:r>
           </a:p>
           <a:p>
@@ -4137,7 +4137,7 @@
             </a:pPr>
             <a:r>
               <a:rPr lang="en-US" sz="2000" dirty="0"/>
-              <a:t>Better Scientific Software tutorial @ Improving Scientific Software 2022</a:t>
+              <a:t>Better Scientific Software tutorial @ ISC 2022</a:t>
             </a:r>
           </a:p>
           <a:p>
@@ -5864,21 +5864,16 @@
             </a:pPr>
             <a:r>
               <a:rPr lang="en-US" sz="1600" b="1" dirty="0"/>
-              <a:t>The requested citation the overall tutorial is: David E. Bernholdt, Patricia A. Grubel, Rinku K. Gupta, and David M. Rogers, Better Scientific Software tutorial, in Improving Scientific Software conference, online, 2022. DOI: </a:t>
-            </a:r>
-            <a:r>
-              <a:rPr lang="en-US" sz="1600" b="1" dirty="0">
-                <a:hlinkClick r:id="rId4"/>
-              </a:rPr>
-              <a:t>10.6084/m9.figshare</a:t>
-            </a:r>
-            <a:r>
-              <a:rPr lang="en-US" sz="1600" b="1">
-                <a:hlinkClick r:id="rId4"/>
-              </a:rPr>
-              <a:t>.19416767</a:t>
-            </a:r>
-            <a:endParaRPr lang="en-US" sz="1600" b="1"/>
+              <a:t>The requested citation the overall tutorial is: </a:t>
+            </a:r>
+            <a:r>
+              <a:rPr lang="en-US" sz="1600" b="1" dirty="0" err="1"/>
+              <a:t>Anshu</a:t>
+            </a:r>
+            <a:r>
+              <a:rPr lang="en-US" sz="1600" b="1" dirty="0"/>
+              <a:t> Dubey and Gregory R. Watson, Better Scientific Software Tutorial, in ISC High Performance, 2022, Hamburg Germany. DOI: 10.6084/m9.figshare.19781752</a:t>
+            </a:r>
           </a:p>
           <a:p>
             <a:pPr>
@@ -5896,7 +5891,7 @@
             </a:r>
             <a:r>
               <a:rPr lang="en-US" sz="1600" dirty="0"/>
-              <a:t>, in Better Scientific Software tutorial…</a:t>
+              <a:t>, in Better Scientific Software tutorial, ISC, 2022 …</a:t>
             </a:r>
           </a:p>
           <a:p>
@@ -6015,7 +6010,7 @@
           <p:nvPr/>
         </p:nvPicPr>
         <p:blipFill>
-          <a:blip r:embed="rId5">
+          <a:blip r:embed="rId4">
             <a:extLst>
               <a:ext uri="{28A0092B-C50C-407E-A947-70E740481C1C}">
                 <a14:useLocalDpi xmlns:a14="http://schemas.microsoft.com/office/drawing/2010/main" val="0"/>
@@ -6050,7 +6045,7 @@
     </p:spTree>
     <p:extLst>
       <p:ext uri="{BB962C8B-B14F-4D97-AF65-F5344CB8AC3E}">
-        <p14:creationId xmlns:p14="http://schemas.microsoft.com/office/powerpoint/2010/main" val="978726433"/>
+        <p14:creationId xmlns:p14="http://schemas.microsoft.com/office/powerpoint/2010/main" val="425021709"/>
       </p:ext>
     </p:extLst>
   </p:cSld>

--- a/summary.pptx
+++ b/summary.pptx
@@ -5,24 +5,20 @@
     <p:sldMasterId id="2147483935" r:id="rId4"/>
   </p:sldMasterIdLst>
   <p:notesMasterIdLst>
-    <p:notesMasterId r:id="rId17"/>
+    <p:notesMasterId r:id="rId13"/>
   </p:notesMasterIdLst>
   <p:handoutMasterIdLst>
-    <p:handoutMasterId r:id="rId18"/>
+    <p:handoutMasterId r:id="rId14"/>
   </p:handoutMasterIdLst>
   <p:sldIdLst>
     <p:sldId id="318" r:id="rId5"/>
-    <p:sldId id="320" r:id="rId6"/>
-    <p:sldId id="1840" r:id="rId7"/>
-    <p:sldId id="1841" r:id="rId8"/>
-    <p:sldId id="1842" r:id="rId9"/>
-    <p:sldId id="1843" r:id="rId10"/>
-    <p:sldId id="1819" r:id="rId11"/>
-    <p:sldId id="1844" r:id="rId12"/>
-    <p:sldId id="1830" r:id="rId13"/>
-    <p:sldId id="1846" r:id="rId14"/>
-    <p:sldId id="1845" r:id="rId15"/>
-    <p:sldId id="1847" r:id="rId16"/>
+    <p:sldId id="1848" r:id="rId6"/>
+    <p:sldId id="1819" r:id="rId7"/>
+    <p:sldId id="1844" r:id="rId8"/>
+    <p:sldId id="1830" r:id="rId9"/>
+    <p:sldId id="1846" r:id="rId10"/>
+    <p:sldId id="1845" r:id="rId11"/>
+    <p:sldId id="1847" r:id="rId12"/>
   </p:sldIdLst>
   <p:sldSz cx="12188825" cy="6858000"/>
   <p:notesSz cx="7010400" cy="9296400"/>
@@ -266,7 +262,7 @@
           <a:p>
             <a:fld id="{0B842F42-2CE9-4E35-95C1-410DC08A50B1}" type="datetimeFigureOut">
               <a:rPr lang="en-US" smtClean="0"/>
-              <a:t>5/17/22</a:t>
+              <a:t>10/27/2022</a:t>
             </a:fld>
             <a:endParaRPr lang="en-US"/>
           </a:p>
@@ -431,7 +427,7 @@
           <a:p>
             <a:fld id="{6F282904-F315-4730-8D91-37D99E141A6F}" type="datetimeFigureOut">
               <a:rPr lang="en-US" smtClean="0"/>
-              <a:t>5/17/22</a:t>
+              <a:t>10/27/2022</a:t>
             </a:fld>
             <a:endParaRPr lang="en-US"/>
           </a:p>
@@ -4110,23 +4106,19 @@
           <a:lstStyle/>
           <a:p>
             <a:r>
-              <a:rPr lang="en-US" u="sng" dirty="0" err="1"/>
-              <a:t>Anshu</a:t>
-            </a:r>
-            <a:r>
               <a:rPr lang="en-US" u="sng" dirty="0"/>
-              <a:t> Dubey </a:t>
+              <a:t>David E. Bernholdt </a:t>
             </a:r>
             <a:r>
               <a:rPr lang="en-US" sz="2000" dirty="0"/>
-              <a:t>(she/her)</a:t>
+              <a:t>(he/him)</a:t>
             </a:r>
             <a:br>
               <a:rPr lang="en-US" sz="2000" u="sng" dirty="0"/>
             </a:br>
             <a:r>
               <a:rPr lang="en-US" sz="2000" dirty="0"/>
-              <a:t>Argonne National Laboratory</a:t>
+              <a:t>Oak Ridge National Laboratory</a:t>
             </a:r>
           </a:p>
           <a:p>
@@ -4137,7 +4129,7 @@
             </a:pPr>
             <a:r>
               <a:rPr lang="en-US" sz="2000" dirty="0"/>
-              <a:t>Better Scientific Software tutorial @ ISC 2022</a:t>
+              <a:t>Better Scientific Software tutorial @ SC22</a:t>
             </a:r>
           </a:p>
           <a:p>
@@ -4166,7 +4158,308 @@
 </p:sld>
 </file>
 
-<file path=ppt/slides/slide10.xml><?xml version="1.0" encoding="utf-8"?>
+<file path=ppt/slides/slide2.xml><?xml version="1.0" encoding="utf-8"?>
+<p:sld xmlns:a="http://schemas.openxmlformats.org/drawingml/2006/main" xmlns:r="http://schemas.openxmlformats.org/officeDocument/2006/relationships" xmlns:p="http://schemas.openxmlformats.org/presentationml/2006/main">
+  <p:cSld>
+    <p:spTree>
+      <p:nvGrpSpPr>
+        <p:cNvPr id="1" name=""/>
+        <p:cNvGrpSpPr/>
+        <p:nvPr/>
+      </p:nvGrpSpPr>
+      <p:grpSpPr>
+        <a:xfrm>
+          <a:off x="0" y="0"/>
+          <a:ext cx="0" cy="0"/>
+          <a:chOff x="0" y="0"/>
+          <a:chExt cx="0" cy="0"/>
+        </a:xfrm>
+      </p:grpSpPr>
+      <p:sp>
+        <p:nvSpPr>
+          <p:cNvPr id="2" name="Title 1">
+            <a:extLst>
+              <a:ext uri="{FF2B5EF4-FFF2-40B4-BE49-F238E27FC236}">
+                <a16:creationId xmlns:a16="http://schemas.microsoft.com/office/drawing/2014/main" id="{6442C24D-D970-4D40-8F14-D70C10A96304}"/>
+              </a:ext>
+            </a:extLst>
+          </p:cNvPr>
+          <p:cNvSpPr>
+            <a:spLocks noGrp="1"/>
+          </p:cNvSpPr>
+          <p:nvPr>
+            <p:ph type="title"/>
+          </p:nvPr>
+        </p:nvSpPr>
+        <p:spPr>
+          <a:xfrm>
+            <a:off x="363096" y="112911"/>
+            <a:ext cx="11372473" cy="914400"/>
+          </a:xfrm>
+        </p:spPr>
+        <p:txBody>
+          <a:bodyPr/>
+          <a:lstStyle/>
+          <a:p>
+            <a:r>
+              <a:rPr lang="en-US" dirty="0"/>
+              <a:t>License, Citation and Acknowledgements</a:t>
+            </a:r>
+          </a:p>
+        </p:txBody>
+      </p:sp>
+      <p:sp>
+        <p:nvSpPr>
+          <p:cNvPr id="3" name="Content Placeholder 2">
+            <a:extLst>
+              <a:ext uri="{FF2B5EF4-FFF2-40B4-BE49-F238E27FC236}">
+                <a16:creationId xmlns:a16="http://schemas.microsoft.com/office/drawing/2014/main" id="{0385A3AB-B258-4D59-B407-F7D57545A163}"/>
+              </a:ext>
+            </a:extLst>
+          </p:cNvPr>
+          <p:cNvSpPr>
+            <a:spLocks noGrp="1"/>
+          </p:cNvSpPr>
+          <p:nvPr>
+            <p:ph idx="1"/>
+          </p:nvPr>
+        </p:nvSpPr>
+        <p:spPr>
+          <a:xfrm>
+            <a:off x="409507" y="570111"/>
+            <a:ext cx="11369809" cy="4047778"/>
+          </a:xfrm>
+        </p:spPr>
+        <p:txBody>
+          <a:bodyPr/>
+          <a:lstStyle/>
+          <a:p>
+            <a:pPr marL="0" indent="0">
+              <a:buNone/>
+            </a:pPr>
+            <a:r>
+              <a:rPr lang="en-US" sz="2000" b="1" dirty="0"/>
+              <a:t>License and Citation</a:t>
+            </a:r>
+          </a:p>
+          <a:p>
+            <a:pPr>
+              <a:spcBef>
+                <a:spcPts val="400"/>
+              </a:spcBef>
+            </a:pPr>
+            <a:r>
+              <a:rPr lang="en-US" sz="1600" dirty="0"/>
+              <a:t>This work is licensed under a </a:t>
+            </a:r>
+            <a:r>
+              <a:rPr lang="en-US" sz="1600" dirty="0">
+                <a:hlinkClick r:id="rId2"/>
+              </a:rPr>
+              <a:t>Creative</a:t>
+            </a:r>
+            <a:r>
+              <a:rPr lang="en-US" sz="1600" dirty="0">
+                <a:hlinkClick r:id="rId3"/>
+              </a:rPr>
+              <a:t> Commons Attribution 4.0 International License</a:t>
+            </a:r>
+            <a:r>
+              <a:rPr lang="en-US" sz="1600" dirty="0"/>
+              <a:t> (CC BY 4.0).</a:t>
+            </a:r>
+          </a:p>
+          <a:p>
+            <a:pPr>
+              <a:spcBef>
+                <a:spcPts val="400"/>
+              </a:spcBef>
+            </a:pPr>
+            <a:r>
+              <a:rPr lang="en-US" sz="1600" b="1" dirty="0"/>
+              <a:t>The requested citation the overall tutorial is: David E. Bernholdt, Anshu Dubey, and Patricia A. Grubel, Better Scientific Software tutorial, in The International Conference for High-Performance Computing, Networking, Storage, and Analysis (SC22), Dallas, Texas, 2022. DOI: </a:t>
+            </a:r>
+            <a:r>
+              <a:rPr lang="en-US" sz="1600" b="1" dirty="0">
+                <a:hlinkClick r:id="rId4"/>
+              </a:rPr>
+              <a:t>10.6084/m9.figshare.21384057</a:t>
+            </a:r>
+            <a:r>
+              <a:rPr lang="en-US" sz="1600" b="1" dirty="0"/>
+              <a:t>.</a:t>
+            </a:r>
+          </a:p>
+          <a:p>
+            <a:pPr>
+              <a:spcBef>
+                <a:spcPts val="400"/>
+              </a:spcBef>
+            </a:pPr>
+            <a:r>
+              <a:rPr lang="en-US" sz="1600" dirty="0"/>
+              <a:t>Individual modules may be cited as </a:t>
+            </a:r>
+            <a:r>
+              <a:rPr lang="en-US" sz="1600" i="1" dirty="0"/>
+              <a:t>Speaker, Module Title</a:t>
+            </a:r>
+            <a:r>
+              <a:rPr lang="en-US" sz="1600" dirty="0"/>
+              <a:t>, in Better Scientific Software tutorial, …</a:t>
+            </a:r>
+          </a:p>
+          <a:p>
+            <a:pPr marL="0" indent="0">
+              <a:spcBef>
+                <a:spcPts val="800"/>
+              </a:spcBef>
+              <a:buNone/>
+            </a:pPr>
+            <a:r>
+              <a:rPr lang="en-US" sz="2000" b="1" dirty="0"/>
+              <a:t>Acknowledgements</a:t>
+            </a:r>
+          </a:p>
+          <a:p>
+            <a:pPr>
+              <a:spcBef>
+                <a:spcPts val="400"/>
+              </a:spcBef>
+            </a:pPr>
+            <a:r>
+              <a:rPr lang="en-US" sz="1400" dirty="0"/>
+              <a:t>This work was supported by the U.S. Department of Energy Office of Science, Office of Advanced Scientific Computing Research (ASCR), and by the Exascale Computing Project (17-SC-20-SC), a collaborative effort of the U.S. Department of Energy Office of Science and the National Nuclear Security Administration</a:t>
+            </a:r>
+            <a:r>
+              <a:rPr lang="en-US" sz="1400" i="1" dirty="0"/>
+              <a:t>.</a:t>
+            </a:r>
+            <a:endParaRPr lang="en-US" sz="1400" dirty="0"/>
+          </a:p>
+          <a:p>
+            <a:pPr>
+              <a:spcBef>
+                <a:spcPts val="400"/>
+              </a:spcBef>
+            </a:pPr>
+            <a:r>
+              <a:rPr lang="en-US" sz="1400" dirty="0"/>
+              <a:t>This work was performed in part at the Argonne National Laboratory, which is managed by UChicago Argonne, LLC for the U.S. Department of Energy under Contract No. DE-AC02-06CH11357.</a:t>
+            </a:r>
+          </a:p>
+          <a:p>
+            <a:pPr>
+              <a:spcBef>
+                <a:spcPts val="400"/>
+              </a:spcBef>
+            </a:pPr>
+            <a:r>
+              <a:rPr lang="en-US" sz="1400" dirty="0"/>
+              <a:t>This work was performed in part at the Lawrence Livermore National Laboratory, which is managed by Lawrence Livermore National Security, LLC for the U.S. Department of Energy under Contract No. DE-AC52-07NA27344.</a:t>
+            </a:r>
+          </a:p>
+          <a:p>
+            <a:pPr>
+              <a:spcBef>
+                <a:spcPts val="400"/>
+              </a:spcBef>
+            </a:pPr>
+            <a:r>
+              <a:rPr lang="en-US" sz="1400" dirty="0"/>
+              <a:t>This work was performed in part at the Los Alamos National Laboratory, which is managed by Triad National Security, LLC for the U.S. Department of Energy under Contract No.89233218CNA000001</a:t>
+            </a:r>
+          </a:p>
+          <a:p>
+            <a:pPr>
+              <a:spcBef>
+                <a:spcPts val="400"/>
+              </a:spcBef>
+            </a:pPr>
+            <a:r>
+              <a:rPr lang="en-US" sz="1400" dirty="0"/>
+              <a:t>This work was performed in part at the Oak Ridge National Laboratory, which is managed by UT-Battelle, LLC for the U.S. Department of Energy under Contract No. DE-AC05-00OR22725.</a:t>
+            </a:r>
+          </a:p>
+          <a:p>
+            <a:pPr>
+              <a:spcBef>
+                <a:spcPts val="400"/>
+              </a:spcBef>
+            </a:pPr>
+            <a:r>
+              <a:rPr lang="en-US" sz="1400" dirty="0"/>
+              <a:t>This work was performed in part at Sandia National Laboratories. Sandia National Laboratories is a multi-mission laboratory managed and operated by National Technology and Engineering Solutions of Sandia, LLC., a wholly owned subsidiary of Honeywell International, Inc., for the U.S. Department of Energy’s National Nuclear Security Administration under contract </a:t>
+            </a:r>
+            <a:r>
+              <a:rPr lang="en-US" sz="1400"/>
+              <a:t>DE-NA0003525.</a:t>
+            </a:r>
+            <a:endParaRPr lang="en-US" sz="1400" dirty="0"/>
+          </a:p>
+        </p:txBody>
+      </p:sp>
+      <p:pic>
+        <p:nvPicPr>
+          <p:cNvPr id="4" name="Picture 2" descr="https://licensebuttons.net/l/by/4.0/88x31.png">
+            <a:extLst>
+              <a:ext uri="{FF2B5EF4-FFF2-40B4-BE49-F238E27FC236}">
+                <a16:creationId xmlns:a16="http://schemas.microsoft.com/office/drawing/2014/main" id="{61840015-22A0-4634-A2DE-AA05F998FD3A}"/>
+              </a:ext>
+            </a:extLst>
+          </p:cNvPr>
+          <p:cNvPicPr>
+            <a:picLocks noChangeAspect="1" noChangeArrowheads="1"/>
+          </p:cNvPicPr>
+          <p:nvPr/>
+        </p:nvPicPr>
+        <p:blipFill>
+          <a:blip r:embed="rId5">
+            <a:extLst>
+              <a:ext uri="{28A0092B-C50C-407E-A947-70E740481C1C}">
+                <a14:useLocalDpi xmlns:a14="http://schemas.microsoft.com/office/drawing/2010/main" val="0"/>
+              </a:ext>
+            </a:extLst>
+          </a:blip>
+          <a:srcRect/>
+          <a:stretch>
+            <a:fillRect/>
+          </a:stretch>
+        </p:blipFill>
+        <p:spPr bwMode="auto">
+          <a:xfrm>
+            <a:off x="10230336" y="879673"/>
+            <a:ext cx="838200" cy="295275"/>
+          </a:xfrm>
+          <a:prstGeom prst="rect">
+            <a:avLst/>
+          </a:prstGeom>
+          <a:noFill/>
+          <a:extLst>
+            <a:ext uri="{909E8E84-426E-40DD-AFC4-6F175D3DCCD1}">
+              <a14:hiddenFill xmlns:a14="http://schemas.microsoft.com/office/drawing/2010/main">
+                <a:solidFill>
+                  <a:srgbClr val="FFFFFF"/>
+                </a:solidFill>
+              </a14:hiddenFill>
+            </a:ext>
+          </a:extLst>
+        </p:spPr>
+      </p:pic>
+    </p:spTree>
+    <p:extLst>
+      <p:ext uri="{BB962C8B-B14F-4D97-AF65-F5344CB8AC3E}">
+        <p14:creationId xmlns:p14="http://schemas.microsoft.com/office/powerpoint/2010/main" val="978726433"/>
+      </p:ext>
+    </p:extLst>
+  </p:cSld>
+  <p:clrMapOvr>
+    <a:masterClrMapping/>
+  </p:clrMapOvr>
+</p:sld>
+</file>
+
+<file path=ppt/slides/slide3.xml><?xml version="1.0" encoding="utf-8"?>
 <p:sld xmlns:a="http://schemas.openxmlformats.org/drawingml/2006/main" xmlns:r="http://schemas.openxmlformats.org/officeDocument/2006/relationships" xmlns:p="http://schemas.openxmlformats.org/presentationml/2006/main">
   <p:cSld>
     <p:spTree>
@@ -4214,6 +4507,529 @@
             </a:pPr>
             <a:r>
               <a:rPr lang="en-US" sz="4400" dirty="0"/>
+              <a:t>Science through computing is, </a:t>
+            </a:r>
+            <a:br>
+              <a:rPr lang="en-US" sz="4400" dirty="0"/>
+            </a:br>
+            <a:r>
+              <a:rPr lang="en-US" sz="4400" dirty="0"/>
+              <a:t>at best, </a:t>
+            </a:r>
+            <a:br>
+              <a:rPr lang="en-US" sz="4400" dirty="0"/>
+            </a:br>
+            <a:r>
+              <a:rPr lang="en-US" sz="4400" dirty="0"/>
+              <a:t>as credible as the software that produces it!</a:t>
+            </a:r>
+          </a:p>
+        </p:txBody>
+      </p:sp>
+    </p:spTree>
+    <p:extLst>
+      <p:ext uri="{BB962C8B-B14F-4D97-AF65-F5344CB8AC3E}">
+        <p14:creationId xmlns:p14="http://schemas.microsoft.com/office/powerpoint/2010/main" val="242292329"/>
+      </p:ext>
+    </p:extLst>
+  </p:cSld>
+  <p:clrMapOvr>
+    <a:masterClrMapping/>
+  </p:clrMapOvr>
+</p:sld>
+</file>
+
+<file path=ppt/slides/slide4.xml><?xml version="1.0" encoding="utf-8"?>
+<p:sld xmlns:a="http://schemas.openxmlformats.org/drawingml/2006/main" xmlns:r="http://schemas.openxmlformats.org/officeDocument/2006/relationships" xmlns:p="http://schemas.openxmlformats.org/presentationml/2006/main">
+  <p:cSld>
+    <p:spTree>
+      <p:nvGrpSpPr>
+        <p:cNvPr id="1" name=""/>
+        <p:cNvGrpSpPr/>
+        <p:nvPr/>
+      </p:nvGrpSpPr>
+      <p:grpSpPr>
+        <a:xfrm>
+          <a:off x="0" y="0"/>
+          <a:ext cx="0" cy="0"/>
+          <a:chOff x="0" y="0"/>
+          <a:chExt cx="0" cy="0"/>
+        </a:xfrm>
+      </p:grpSpPr>
+      <p:sp>
+        <p:nvSpPr>
+          <p:cNvPr id="2" name="Title 1">
+            <a:extLst>
+              <a:ext uri="{FF2B5EF4-FFF2-40B4-BE49-F238E27FC236}">
+                <a16:creationId xmlns:a16="http://schemas.microsoft.com/office/drawing/2014/main" id="{0DDB3257-4000-436D-A7C3-75FA1E751AA5}"/>
+              </a:ext>
+            </a:extLst>
+          </p:cNvPr>
+          <p:cNvSpPr>
+            <a:spLocks noGrp="1"/>
+          </p:cNvSpPr>
+          <p:nvPr>
+            <p:ph type="title"/>
+          </p:nvPr>
+        </p:nvSpPr>
+        <p:spPr/>
+        <p:txBody>
+          <a:bodyPr/>
+          <a:lstStyle/>
+          <a:p>
+            <a:r>
+              <a:rPr lang="en-US" dirty="0"/>
+              <a:t>Today, We Covered Many Topics…</a:t>
+            </a:r>
+          </a:p>
+        </p:txBody>
+      </p:sp>
+      <p:sp>
+        <p:nvSpPr>
+          <p:cNvPr id="3" name="Content Placeholder 2">
+            <a:extLst>
+              <a:ext uri="{FF2B5EF4-FFF2-40B4-BE49-F238E27FC236}">
+                <a16:creationId xmlns:a16="http://schemas.microsoft.com/office/drawing/2014/main" id="{83604F36-B0F4-4052-B41C-CEB4982754BF}"/>
+              </a:ext>
+            </a:extLst>
+          </p:cNvPr>
+          <p:cNvSpPr>
+            <a:spLocks noGrp="1"/>
+          </p:cNvSpPr>
+          <p:nvPr>
+            <p:ph idx="1"/>
+          </p:nvPr>
+        </p:nvSpPr>
+        <p:spPr/>
+        <p:txBody>
+          <a:bodyPr/>
+          <a:lstStyle/>
+          <a:p>
+            <a:r>
+              <a:rPr lang="en-US" dirty="0"/>
+              <a:t>Designing software for flexibility and extensibility</a:t>
+            </a:r>
+          </a:p>
+          <a:p>
+            <a:r>
+              <a:rPr lang="en-US" dirty="0"/>
+              <a:t>Collaborative software development</a:t>
+            </a:r>
+          </a:p>
+          <a:p>
+            <a:r>
+              <a:rPr lang="en-US" dirty="0"/>
+              <a:t>Reproducibility</a:t>
+            </a:r>
+          </a:p>
+          <a:p>
+            <a:r>
+              <a:rPr lang="en-US" dirty="0"/>
+              <a:t>Testing strategies for complex software systems</a:t>
+            </a:r>
+          </a:p>
+        </p:txBody>
+      </p:sp>
+    </p:spTree>
+    <p:extLst>
+      <p:ext uri="{BB962C8B-B14F-4D97-AF65-F5344CB8AC3E}">
+        <p14:creationId xmlns:p14="http://schemas.microsoft.com/office/powerpoint/2010/main" val="4009266668"/>
+      </p:ext>
+    </p:extLst>
+  </p:cSld>
+  <p:clrMapOvr>
+    <a:masterClrMapping/>
+  </p:clrMapOvr>
+</p:sld>
+</file>
+
+<file path=ppt/slides/slide5.xml><?xml version="1.0" encoding="utf-8"?>
+<p:sld xmlns:a="http://schemas.openxmlformats.org/drawingml/2006/main" xmlns:r="http://schemas.openxmlformats.org/officeDocument/2006/relationships" xmlns:p="http://schemas.openxmlformats.org/presentationml/2006/main">
+  <p:cSld>
+    <p:spTree>
+      <p:nvGrpSpPr>
+        <p:cNvPr id="1" name=""/>
+        <p:cNvGrpSpPr/>
+        <p:nvPr/>
+      </p:nvGrpSpPr>
+      <p:grpSpPr>
+        <a:xfrm>
+          <a:off x="0" y="0"/>
+          <a:ext cx="0" cy="0"/>
+          <a:chOff x="0" y="0"/>
+          <a:chExt cx="0" cy="0"/>
+        </a:xfrm>
+      </p:grpSpPr>
+      <p:sp>
+        <p:nvSpPr>
+          <p:cNvPr id="2" name="Title 1">
+            <a:extLst>
+              <a:ext uri="{FF2B5EF4-FFF2-40B4-BE49-F238E27FC236}">
+                <a16:creationId xmlns:a16="http://schemas.microsoft.com/office/drawing/2014/main" id="{4716E6A3-96EC-4523-A436-014C2E270151}"/>
+              </a:ext>
+            </a:extLst>
+          </p:cNvPr>
+          <p:cNvSpPr>
+            <a:spLocks noGrp="1"/>
+          </p:cNvSpPr>
+          <p:nvPr>
+            <p:ph type="title"/>
+          </p:nvPr>
+        </p:nvSpPr>
+        <p:spPr/>
+        <p:txBody>
+          <a:bodyPr/>
+          <a:lstStyle/>
+          <a:p>
+            <a:r>
+              <a:rPr lang="en-US" dirty="0"/>
+              <a:t>And there are Many More We Didn’t Have Time For</a:t>
+            </a:r>
+          </a:p>
+        </p:txBody>
+      </p:sp>
+      <p:sp>
+        <p:nvSpPr>
+          <p:cNvPr id="3" name="Content Placeholder 2">
+            <a:extLst>
+              <a:ext uri="{FF2B5EF4-FFF2-40B4-BE49-F238E27FC236}">
+                <a16:creationId xmlns:a16="http://schemas.microsoft.com/office/drawing/2014/main" id="{BD1F1B50-97F3-4784-88FE-6A4FC215ACCF}"/>
+              </a:ext>
+            </a:extLst>
+          </p:cNvPr>
+          <p:cNvSpPr>
+            <a:spLocks noGrp="1"/>
+          </p:cNvSpPr>
+          <p:nvPr>
+            <p:ph sz="half" idx="2"/>
+          </p:nvPr>
+        </p:nvSpPr>
+        <p:spPr>
+          <a:xfrm>
+            <a:off x="457200" y="1217891"/>
+            <a:ext cx="5588582" cy="3373229"/>
+          </a:xfrm>
+          <a:ln>
+            <a:noFill/>
+          </a:ln>
+        </p:spPr>
+        <p:txBody>
+          <a:bodyPr/>
+          <a:lstStyle/>
+          <a:p>
+            <a:pPr>
+              <a:spcBef>
+                <a:spcPts val="800"/>
+              </a:spcBef>
+            </a:pPr>
+            <a:r>
+              <a:rPr lang="en-US" dirty="0"/>
+              <a:t>Documentation</a:t>
+            </a:r>
+          </a:p>
+          <a:p>
+            <a:pPr>
+              <a:spcBef>
+                <a:spcPts val="800"/>
+              </a:spcBef>
+            </a:pPr>
+            <a:r>
+              <a:rPr lang="en-US" dirty="0"/>
+              <a:t>Licensing</a:t>
+            </a:r>
+          </a:p>
+          <a:p>
+            <a:pPr>
+              <a:spcBef>
+                <a:spcPts val="800"/>
+              </a:spcBef>
+            </a:pPr>
+            <a:r>
+              <a:rPr lang="en-US" dirty="0"/>
+              <a:t>Continuous integration testing</a:t>
+            </a:r>
+          </a:p>
+          <a:p>
+            <a:pPr>
+              <a:spcBef>
+                <a:spcPts val="800"/>
+              </a:spcBef>
+            </a:pPr>
+            <a:r>
+              <a:rPr lang="en-US" dirty="0"/>
+              <a:t>Packaging and distribution</a:t>
+            </a:r>
+          </a:p>
+          <a:p>
+            <a:pPr>
+              <a:spcBef>
+                <a:spcPts val="800"/>
+              </a:spcBef>
+            </a:pPr>
+            <a:r>
+              <a:rPr lang="en-US" dirty="0"/>
+              <a:t>Issue tracking</a:t>
+            </a:r>
+          </a:p>
+          <a:p>
+            <a:pPr>
+              <a:spcBef>
+                <a:spcPts val="800"/>
+              </a:spcBef>
+            </a:pPr>
+            <a:r>
+              <a:rPr lang="en-US" dirty="0"/>
+              <a:t>Configuration and build</a:t>
+            </a:r>
+          </a:p>
+          <a:p>
+            <a:pPr>
+              <a:spcBef>
+                <a:spcPts val="800"/>
+              </a:spcBef>
+            </a:pPr>
+            <a:r>
+              <a:rPr lang="en-US" dirty="0"/>
+              <a:t>Debugging strategies</a:t>
+            </a:r>
+          </a:p>
+          <a:p>
+            <a:pPr>
+              <a:spcBef>
+                <a:spcPts val="800"/>
+              </a:spcBef>
+            </a:pPr>
+            <a:r>
+              <a:rPr lang="en-US" dirty="0"/>
+              <a:t>Building and sustaining communities around software</a:t>
+            </a:r>
+          </a:p>
+          <a:p>
+            <a:pPr>
+              <a:spcBef>
+                <a:spcPts val="800"/>
+              </a:spcBef>
+            </a:pPr>
+            <a:r>
+              <a:rPr lang="en-US" dirty="0"/>
+              <a:t>Software publication and citation</a:t>
+            </a:r>
+          </a:p>
+          <a:p>
+            <a:pPr>
+              <a:spcBef>
+                <a:spcPts val="800"/>
+              </a:spcBef>
+            </a:pPr>
+            <a:r>
+              <a:rPr lang="en-US" dirty="0"/>
+              <a:t>Requirements gathering</a:t>
+            </a:r>
+          </a:p>
+          <a:p>
+            <a:pPr>
+              <a:spcBef>
+                <a:spcPts val="800"/>
+              </a:spcBef>
+            </a:pPr>
+            <a:r>
+              <a:rPr lang="en-US" dirty="0"/>
+              <a:t>Understanding and debugging floating-point math</a:t>
+            </a:r>
+          </a:p>
+          <a:p>
+            <a:pPr>
+              <a:spcBef>
+                <a:spcPts val="800"/>
+              </a:spcBef>
+            </a:pPr>
+            <a:r>
+              <a:rPr lang="en-US" dirty="0"/>
+              <a:t>Performance and performance portability</a:t>
+            </a:r>
+          </a:p>
+          <a:p>
+            <a:pPr>
+              <a:spcBef>
+                <a:spcPts val="800"/>
+              </a:spcBef>
+            </a:pPr>
+            <a:r>
+              <a:rPr lang="en-US" dirty="0"/>
+              <a:t>…</a:t>
+            </a:r>
+          </a:p>
+        </p:txBody>
+      </p:sp>
+      <p:sp>
+        <p:nvSpPr>
+          <p:cNvPr id="7" name="Content Placeholder 6">
+            <a:extLst>
+              <a:ext uri="{FF2B5EF4-FFF2-40B4-BE49-F238E27FC236}">
+                <a16:creationId xmlns:a16="http://schemas.microsoft.com/office/drawing/2014/main" id="{F1C4C0C8-A19F-42A3-BF4E-B009E8F99501}"/>
+              </a:ext>
+            </a:extLst>
+          </p:cNvPr>
+          <p:cNvSpPr>
+            <a:spLocks noGrp="1"/>
+          </p:cNvSpPr>
+          <p:nvPr>
+            <p:ph sz="quarter" idx="4"/>
+          </p:nvPr>
+        </p:nvSpPr>
+        <p:spPr>
+          <a:xfrm>
+            <a:off x="6218914" y="1217891"/>
+            <a:ext cx="5531934" cy="3373229"/>
+          </a:xfrm>
+          <a:ln>
+            <a:noFill/>
+          </a:ln>
+        </p:spPr>
+        <p:txBody>
+          <a:bodyPr/>
+          <a:lstStyle/>
+          <a:p>
+            <a:pPr>
+              <a:spcBef>
+                <a:spcPts val="2400"/>
+              </a:spcBef>
+            </a:pPr>
+            <a:r>
+              <a:rPr lang="en-US" b="1" dirty="0">
+                <a:solidFill>
+                  <a:schemeClr val="tx2"/>
+                </a:solidFill>
+              </a:rPr>
+              <a:t>Also important topics, but…</a:t>
+            </a:r>
+          </a:p>
+          <a:p>
+            <a:pPr>
+              <a:spcBef>
+                <a:spcPts val="800"/>
+              </a:spcBef>
+            </a:pPr>
+            <a:r>
+              <a:rPr lang="en-US" dirty="0">
+                <a:solidFill>
+                  <a:schemeClr val="tx2"/>
+                </a:solidFill>
+              </a:rPr>
+              <a:t>Less distinction between research software and other software</a:t>
+            </a:r>
+          </a:p>
+          <a:p>
+            <a:pPr>
+              <a:spcBef>
+                <a:spcPts val="800"/>
+              </a:spcBef>
+            </a:pPr>
+            <a:r>
+              <a:rPr lang="en-US" dirty="0">
+                <a:solidFill>
+                  <a:schemeClr val="tx2"/>
+                </a:solidFill>
+              </a:rPr>
+              <a:t>More informational resources available</a:t>
+            </a:r>
+          </a:p>
+          <a:p>
+            <a:pPr>
+              <a:spcBef>
+                <a:spcPts val="800"/>
+              </a:spcBef>
+            </a:pPr>
+            <a:r>
+              <a:rPr lang="en-US" dirty="0">
+                <a:solidFill>
+                  <a:schemeClr val="tx2"/>
+                </a:solidFill>
+              </a:rPr>
+              <a:t>Next-level concerns for starting researchers</a:t>
+            </a:r>
+          </a:p>
+          <a:p>
+            <a:pPr>
+              <a:spcBef>
+                <a:spcPts val="800"/>
+              </a:spcBef>
+            </a:pPr>
+            <a:r>
+              <a:rPr lang="en-US" dirty="0">
+                <a:solidFill>
+                  <a:schemeClr val="tx2"/>
+                </a:solidFill>
+              </a:rPr>
+              <a:t>There’s only so much time in the day!</a:t>
+            </a:r>
+          </a:p>
+          <a:p>
+            <a:endParaRPr lang="en-US" dirty="0"/>
+          </a:p>
+        </p:txBody>
+      </p:sp>
+    </p:spTree>
+    <p:extLst>
+      <p:ext uri="{BB962C8B-B14F-4D97-AF65-F5344CB8AC3E}">
+        <p14:creationId xmlns:p14="http://schemas.microsoft.com/office/powerpoint/2010/main" val="4072028838"/>
+      </p:ext>
+    </p:extLst>
+  </p:cSld>
+  <p:clrMapOvr>
+    <a:masterClrMapping/>
+  </p:clrMapOvr>
+</p:sld>
+</file>
+
+<file path=ppt/slides/slide6.xml><?xml version="1.0" encoding="utf-8"?>
+<p:sld xmlns:a="http://schemas.openxmlformats.org/drawingml/2006/main" xmlns:r="http://schemas.openxmlformats.org/officeDocument/2006/relationships" xmlns:p="http://schemas.openxmlformats.org/presentationml/2006/main">
+  <p:cSld>
+    <p:spTree>
+      <p:nvGrpSpPr>
+        <p:cNvPr id="1" name=""/>
+        <p:cNvGrpSpPr/>
+        <p:nvPr/>
+      </p:nvGrpSpPr>
+      <p:grpSpPr>
+        <a:xfrm>
+          <a:off x="0" y="0"/>
+          <a:ext cx="0" cy="0"/>
+          <a:chOff x="0" y="0"/>
+          <a:chExt cx="0" cy="0"/>
+        </a:xfrm>
+      </p:grpSpPr>
+      <p:sp>
+        <p:nvSpPr>
+          <p:cNvPr id="3" name="Content Placeholder 2">
+            <a:extLst>
+              <a:ext uri="{FF2B5EF4-FFF2-40B4-BE49-F238E27FC236}">
+                <a16:creationId xmlns:a16="http://schemas.microsoft.com/office/drawing/2014/main" id="{36733E54-E07F-40D0-AAF9-603545181CBC}"/>
+              </a:ext>
+            </a:extLst>
+          </p:cNvPr>
+          <p:cNvSpPr>
+            <a:spLocks noGrp="1"/>
+          </p:cNvSpPr>
+          <p:nvPr>
+            <p:ph idx="1"/>
+          </p:nvPr>
+        </p:nvSpPr>
+        <p:spPr>
+          <a:xfrm>
+            <a:off x="365760" y="1405111"/>
+            <a:ext cx="11369809" cy="4047778"/>
+          </a:xfrm>
+        </p:spPr>
+        <p:txBody>
+          <a:bodyPr anchor="ctr" anchorCtr="0"/>
+          <a:lstStyle/>
+          <a:p>
+            <a:pPr marL="0" indent="0" algn="ctr">
+              <a:buNone/>
+            </a:pPr>
+            <a:r>
+              <a:rPr lang="en-US" sz="4400" dirty="0"/>
               <a:t>But you’re a researcher.  </a:t>
             </a:r>
             <a:br>
@@ -4253,7 +5069,7 @@
 </p:sld>
 </file>
 
-<file path=ppt/slides/slide11.xml><?xml version="1.0" encoding="utf-8"?>
+<file path=ppt/slides/slide7.xml><?xml version="1.0" encoding="utf-8"?>
 <p:sld xmlns:a="http://schemas.openxmlformats.org/drawingml/2006/main" xmlns:r="http://schemas.openxmlformats.org/officeDocument/2006/relationships" xmlns:p="http://schemas.openxmlformats.org/presentationml/2006/main">
   <p:cSld>
     <p:spTree>
@@ -5479,7 +6295,7 @@
 </p:sld>
 </file>
 
-<file path=ppt/slides/slide12.xml><?xml version="1.0" encoding="utf-8"?>
+<file path=ppt/slides/slide8.xml><?xml version="1.0" encoding="utf-8"?>
 <p:sld xmlns:a="http://schemas.openxmlformats.org/drawingml/2006/main" xmlns:r="http://schemas.openxmlformats.org/officeDocument/2006/relationships" xmlns:p="http://schemas.openxmlformats.org/presentationml/2006/main">
   <p:cSld>
     <p:spTree>
@@ -5566,17 +6382,6 @@
               <a:t>bssw-tutorial@lists.mcs.anl.gov</a:t>
             </a:r>
             <a:endParaRPr lang="en-US" dirty="0"/>
-          </a:p>
-          <a:p>
-            <a:pPr>
-              <a:spcBef>
-                <a:spcPts val="2400"/>
-              </a:spcBef>
-            </a:pPr>
-            <a:r>
-              <a:rPr lang="en-US" dirty="0"/>
-              <a:t>We’ll provide feedback on pull requests in the hands-on repository</a:t>
-            </a:r>
           </a:p>
           <a:p>
             <a:pPr>
@@ -5732,625 +6537,12 @@
           </a:prstGeom>
         </p:spPr>
       </p:pic>
-    </p:spTree>
-    <p:extLst>
-      <p:ext uri="{BB962C8B-B14F-4D97-AF65-F5344CB8AC3E}">
-        <p14:creationId xmlns:p14="http://schemas.microsoft.com/office/powerpoint/2010/main" val="254769955"/>
-      </p:ext>
-    </p:extLst>
-  </p:cSld>
-  <p:clrMapOvr>
-    <a:masterClrMapping/>
-  </p:clrMapOvr>
-</p:sld>
-</file>
-
-<file path=ppt/slides/slide2.xml><?xml version="1.0" encoding="utf-8"?>
-<p:sld xmlns:a="http://schemas.openxmlformats.org/drawingml/2006/main" xmlns:r="http://schemas.openxmlformats.org/officeDocument/2006/relationships" xmlns:p="http://schemas.openxmlformats.org/presentationml/2006/main">
-  <p:cSld>
-    <p:spTree>
-      <p:nvGrpSpPr>
-        <p:cNvPr id="1" name=""/>
-        <p:cNvGrpSpPr/>
-        <p:nvPr/>
-      </p:nvGrpSpPr>
-      <p:grpSpPr>
-        <a:xfrm>
-          <a:off x="0" y="0"/>
-          <a:ext cx="0" cy="0"/>
-          <a:chOff x="0" y="0"/>
-          <a:chExt cx="0" cy="0"/>
-        </a:xfrm>
-      </p:grpSpPr>
       <p:sp>
         <p:nvSpPr>
-          <p:cNvPr id="2" name="Title 1">
+          <p:cNvPr id="4" name="TextBox 3">
             <a:extLst>
               <a:ext uri="{FF2B5EF4-FFF2-40B4-BE49-F238E27FC236}">
-                <a16:creationId xmlns:a16="http://schemas.microsoft.com/office/drawing/2014/main" id="{6442C24D-D970-4D40-8F14-D70C10A96304}"/>
-              </a:ext>
-            </a:extLst>
-          </p:cNvPr>
-          <p:cNvSpPr>
-            <a:spLocks noGrp="1"/>
-          </p:cNvSpPr>
-          <p:nvPr>
-            <p:ph type="title"/>
-          </p:nvPr>
-        </p:nvSpPr>
-        <p:spPr>
-          <a:xfrm>
-            <a:off x="363096" y="112911"/>
-            <a:ext cx="11372473" cy="914400"/>
-          </a:xfrm>
-        </p:spPr>
-        <p:txBody>
-          <a:bodyPr/>
-          <a:lstStyle/>
-          <a:p>
-            <a:r>
-              <a:rPr lang="en-US" dirty="0"/>
-              <a:t>License, Citation and Acknowledgements</a:t>
-            </a:r>
-          </a:p>
-        </p:txBody>
-      </p:sp>
-      <p:sp>
-        <p:nvSpPr>
-          <p:cNvPr id="3" name="Content Placeholder 2">
-            <a:extLst>
-              <a:ext uri="{FF2B5EF4-FFF2-40B4-BE49-F238E27FC236}">
-                <a16:creationId xmlns:a16="http://schemas.microsoft.com/office/drawing/2014/main" id="{0385A3AB-B258-4D59-B407-F7D57545A163}"/>
-              </a:ext>
-            </a:extLst>
-          </p:cNvPr>
-          <p:cNvSpPr>
-            <a:spLocks noGrp="1"/>
-          </p:cNvSpPr>
-          <p:nvPr>
-            <p:ph idx="1"/>
-          </p:nvPr>
-        </p:nvSpPr>
-        <p:spPr>
-          <a:xfrm>
-            <a:off x="409507" y="570111"/>
-            <a:ext cx="11369809" cy="4047778"/>
-          </a:xfrm>
-        </p:spPr>
-        <p:txBody>
-          <a:bodyPr/>
-          <a:lstStyle/>
-          <a:p>
-            <a:pPr marL="0" indent="0">
-              <a:buNone/>
-            </a:pPr>
-            <a:r>
-              <a:rPr lang="en-US" sz="2000" b="1" dirty="0"/>
-              <a:t>License and Citation</a:t>
-            </a:r>
-          </a:p>
-          <a:p>
-            <a:pPr>
-              <a:spcBef>
-                <a:spcPts val="400"/>
-              </a:spcBef>
-            </a:pPr>
-            <a:r>
-              <a:rPr lang="en-US" sz="1600" dirty="0"/>
-              <a:t>This work is licensed under a </a:t>
-            </a:r>
-            <a:r>
-              <a:rPr lang="en-US" sz="1600" dirty="0">
-                <a:hlinkClick r:id="rId2"/>
-              </a:rPr>
-              <a:t>Creative</a:t>
-            </a:r>
-            <a:r>
-              <a:rPr lang="en-US" sz="1600" dirty="0">
-                <a:hlinkClick r:id="rId3"/>
-              </a:rPr>
-              <a:t> Commons Attribution 4.0 International License</a:t>
-            </a:r>
-            <a:r>
-              <a:rPr lang="en-US" sz="1600" dirty="0"/>
-              <a:t> (CC BY 4.0).</a:t>
-            </a:r>
-          </a:p>
-          <a:p>
-            <a:pPr>
-              <a:spcBef>
-                <a:spcPts val="400"/>
-              </a:spcBef>
-            </a:pPr>
-            <a:r>
-              <a:rPr lang="en-US" sz="1600" b="1" dirty="0"/>
-              <a:t>The requested citation the overall tutorial is: </a:t>
-            </a:r>
-            <a:r>
-              <a:rPr lang="en-US" sz="1600" b="1" dirty="0" err="1"/>
-              <a:t>Anshu</a:t>
-            </a:r>
-            <a:r>
-              <a:rPr lang="en-US" sz="1600" b="1" dirty="0"/>
-              <a:t> Dubey and Gregory R. Watson, Better Scientific Software Tutorial, in ISC High Performance, 2022, Hamburg Germany. DOI: 10.6084/m9.figshare.19781752</a:t>
-            </a:r>
-          </a:p>
-          <a:p>
-            <a:pPr>
-              <a:spcBef>
-                <a:spcPts val="400"/>
-              </a:spcBef>
-            </a:pPr>
-            <a:r>
-              <a:rPr lang="en-US" sz="1600" dirty="0"/>
-              <a:t>Individual modules may be cited as </a:t>
-            </a:r>
-            <a:r>
-              <a:rPr lang="en-US" sz="1600" i="1" dirty="0"/>
-              <a:t>Speaker, Module Title</a:t>
-            </a:r>
-            <a:r>
-              <a:rPr lang="en-US" sz="1600" dirty="0"/>
-              <a:t>, in Better Scientific Software tutorial, ISC, 2022 …</a:t>
-            </a:r>
-          </a:p>
-          <a:p>
-            <a:pPr marL="0" indent="0">
-              <a:spcBef>
-                <a:spcPts val="800"/>
-              </a:spcBef>
-              <a:buNone/>
-            </a:pPr>
-            <a:r>
-              <a:rPr lang="en-US" sz="2000" b="1" dirty="0"/>
-              <a:t>Acknowledgements</a:t>
-            </a:r>
-          </a:p>
-          <a:p>
-            <a:pPr>
-              <a:spcBef>
-                <a:spcPts val="400"/>
-              </a:spcBef>
-            </a:pPr>
-            <a:r>
-              <a:rPr lang="en-US" sz="1400" dirty="0"/>
-              <a:t>This work was supported by the U.S. Department of Energy Office of Science, Office of Advanced Scientific Computing Research (ASCR), and by the </a:t>
-            </a:r>
-            <a:r>
-              <a:rPr lang="en-US" sz="1400" dirty="0" err="1"/>
-              <a:t>Exascale</a:t>
-            </a:r>
-            <a:r>
-              <a:rPr lang="en-US" sz="1400" dirty="0"/>
-              <a:t> Computing Project (17-SC-20-SC), a collaborative effort of the U.S. Department of Energy Office of Science and the National Nuclear Security Administration</a:t>
-            </a:r>
-            <a:r>
-              <a:rPr lang="en-US" sz="1400" i="1" dirty="0"/>
-              <a:t>.</a:t>
-            </a:r>
-            <a:endParaRPr lang="en-US" sz="1400" dirty="0"/>
-          </a:p>
-          <a:p>
-            <a:pPr>
-              <a:spcBef>
-                <a:spcPts val="400"/>
-              </a:spcBef>
-            </a:pPr>
-            <a:r>
-              <a:rPr lang="en-US" sz="1400" dirty="0"/>
-              <a:t>This work was performed in part at the Argonne National Laboratory, which is managed by </a:t>
-            </a:r>
-            <a:r>
-              <a:rPr lang="en-US" sz="1400" dirty="0" err="1"/>
-              <a:t>UChicago</a:t>
-            </a:r>
-            <a:r>
-              <a:rPr lang="en-US" sz="1400" dirty="0"/>
-              <a:t> Argonne, LLC for the U.S. Department of Energy under Contract No. DE-AC02-06CH11357.</a:t>
-            </a:r>
-          </a:p>
-          <a:p>
-            <a:pPr>
-              <a:spcBef>
-                <a:spcPts val="400"/>
-              </a:spcBef>
-            </a:pPr>
-            <a:r>
-              <a:rPr lang="en-US" sz="1400" dirty="0"/>
-              <a:t>This work was performed in part at the Oak Ridge National Laboratory, which is managed by UT-Battelle, LLC for the U.S. Department of Energy under Contract No. DE-AC05-00OR22725.</a:t>
-            </a:r>
-          </a:p>
-          <a:p>
-            <a:pPr>
-              <a:spcBef>
-                <a:spcPts val="400"/>
-              </a:spcBef>
-            </a:pPr>
-            <a:r>
-              <a:rPr lang="en-US" sz="1400" dirty="0"/>
-              <a:t>This work was performed in part at the Lawrence Livermore National Laboratory, which is managed by Lawrence Livermore National Security, LLC for the U.S. Department of Energy under Contract No. DE-AC52-07NA27344.</a:t>
-            </a:r>
-          </a:p>
-          <a:p>
-            <a:pPr>
-              <a:spcBef>
-                <a:spcPts val="400"/>
-              </a:spcBef>
-            </a:pPr>
-            <a:r>
-              <a:rPr lang="en-US" sz="1400" dirty="0"/>
-              <a:t>This work was performed in part at the Los Alamos National Laboratory, which is managed by Triad National Security, LLC for the U.S. Department of Energy under Contract No.89233218CNA000001</a:t>
-            </a:r>
-          </a:p>
-          <a:p>
-            <a:pPr>
-              <a:spcBef>
-                <a:spcPts val="400"/>
-              </a:spcBef>
-            </a:pPr>
-            <a:r>
-              <a:rPr lang="en-US" sz="1400" dirty="0"/>
-              <a:t>This work was performed in part at Sandia National Laboratories. Sandia National Laboratories is a multi-mission laboratory managed and operated by National Technology and Engineering Solutions of Sandia, LLC., a wholly owned subsidiary of Honeywell International, Inc., for the U.S. Department of Energy’s National Nuclear Security Administration under contract DE-NA0003525.</a:t>
-            </a:r>
-          </a:p>
-        </p:txBody>
-      </p:sp>
-      <p:pic>
-        <p:nvPicPr>
-          <p:cNvPr id="4" name="Picture 2" descr="https://licensebuttons.net/l/by/4.0/88x31.png">
-            <a:extLst>
-              <a:ext uri="{FF2B5EF4-FFF2-40B4-BE49-F238E27FC236}">
-                <a16:creationId xmlns:a16="http://schemas.microsoft.com/office/drawing/2014/main" id="{61840015-22A0-4634-A2DE-AA05F998FD3A}"/>
-              </a:ext>
-            </a:extLst>
-          </p:cNvPr>
-          <p:cNvPicPr>
-            <a:picLocks noChangeAspect="1" noChangeArrowheads="1"/>
-          </p:cNvPicPr>
-          <p:nvPr/>
-        </p:nvPicPr>
-        <p:blipFill>
-          <a:blip r:embed="rId4">
-            <a:extLst>
-              <a:ext uri="{28A0092B-C50C-407E-A947-70E740481C1C}">
-                <a14:useLocalDpi xmlns:a14="http://schemas.microsoft.com/office/drawing/2010/main" val="0"/>
-              </a:ext>
-            </a:extLst>
-          </a:blip>
-          <a:srcRect/>
-          <a:stretch>
-            <a:fillRect/>
-          </a:stretch>
-        </p:blipFill>
-        <p:spPr bwMode="auto">
-          <a:xfrm>
-            <a:off x="10230336" y="879673"/>
-            <a:ext cx="838200" cy="295275"/>
-          </a:xfrm>
-          <a:prstGeom prst="rect">
-            <a:avLst/>
-          </a:prstGeom>
-          <a:noFill/>
-          <a:extLst>
-            <a:ext uri="{909E8E84-426E-40DD-AFC4-6F175D3DCCD1}">
-              <a14:hiddenFill xmlns:a14="http://schemas.microsoft.com/office/drawing/2010/main">
-                <a:solidFill>
-                  <a:srgbClr val="FFFFFF"/>
-                </a:solidFill>
-              </a14:hiddenFill>
-            </a:ext>
-          </a:extLst>
-        </p:spPr>
-      </p:pic>
-    </p:spTree>
-    <p:extLst>
-      <p:ext uri="{BB962C8B-B14F-4D97-AF65-F5344CB8AC3E}">
-        <p14:creationId xmlns:p14="http://schemas.microsoft.com/office/powerpoint/2010/main" val="425021709"/>
-      </p:ext>
-    </p:extLst>
-  </p:cSld>
-  <p:clrMapOvr>
-    <a:masterClrMapping/>
-  </p:clrMapOvr>
-</p:sld>
-</file>
-
-<file path=ppt/slides/slide3.xml><?xml version="1.0" encoding="utf-8"?>
-<p:sld xmlns:a="http://schemas.openxmlformats.org/drawingml/2006/main" xmlns:r="http://schemas.openxmlformats.org/officeDocument/2006/relationships" xmlns:p="http://schemas.openxmlformats.org/presentationml/2006/main">
-  <p:cSld>
-    <p:spTree>
-      <p:nvGrpSpPr>
-        <p:cNvPr id="1" name=""/>
-        <p:cNvGrpSpPr/>
-        <p:nvPr/>
-      </p:nvGrpSpPr>
-      <p:grpSpPr>
-        <a:xfrm>
-          <a:off x="0" y="0"/>
-          <a:ext cx="0" cy="0"/>
-          <a:chOff x="0" y="0"/>
-          <a:chExt cx="0" cy="0"/>
-        </a:xfrm>
-      </p:grpSpPr>
-      <p:sp>
-        <p:nvSpPr>
-          <p:cNvPr id="2" name="Title 1">
-            <a:extLst>
-              <a:ext uri="{FF2B5EF4-FFF2-40B4-BE49-F238E27FC236}">
-                <a16:creationId xmlns:a16="http://schemas.microsoft.com/office/drawing/2014/main" id="{91244D94-3E9F-43CD-AAF7-1C9718E6D132}"/>
-              </a:ext>
-            </a:extLst>
-          </p:cNvPr>
-          <p:cNvSpPr>
-            <a:spLocks noGrp="1"/>
-          </p:cNvSpPr>
-          <p:nvPr>
-            <p:ph type="title"/>
-          </p:nvPr>
-        </p:nvSpPr>
-        <p:spPr/>
-        <p:txBody>
-          <a:bodyPr/>
-          <a:lstStyle/>
-          <a:p>
-            <a:r>
-              <a:rPr lang="en-US" dirty="0"/>
-              <a:t>Software Under the Microscope</a:t>
-            </a:r>
-          </a:p>
-        </p:txBody>
-      </p:sp>
-      <p:sp>
-        <p:nvSpPr>
-          <p:cNvPr id="3" name="Content Placeholder 2">
-            <a:extLst>
-              <a:ext uri="{FF2B5EF4-FFF2-40B4-BE49-F238E27FC236}">
-                <a16:creationId xmlns:a16="http://schemas.microsoft.com/office/drawing/2014/main" id="{268F46BB-6B5A-4644-9D89-549681D75630}"/>
-              </a:ext>
-            </a:extLst>
-          </p:cNvPr>
-          <p:cNvSpPr>
-            <a:spLocks noGrp="1"/>
-          </p:cNvSpPr>
-          <p:nvPr>
-            <p:ph sz="half" idx="2"/>
-          </p:nvPr>
-        </p:nvSpPr>
-        <p:spPr>
-          <a:xfrm>
-            <a:off x="457199" y="1419254"/>
-            <a:ext cx="5902349" cy="3373229"/>
-          </a:xfrm>
-          <a:ln>
-            <a:noFill/>
-          </a:ln>
-        </p:spPr>
-        <p:txBody>
-          <a:bodyPr/>
-          <a:lstStyle/>
-          <a:p>
-            <a:r>
-              <a:rPr lang="en-US" sz="2000" dirty="0"/>
-              <a:t>Mar. 16 2020: Neil Ferguson (Imperial College) briefed UK Parliament on epidemiological modeling of COVID-19 pandemic</a:t>
-            </a:r>
-          </a:p>
-          <a:p>
-            <a:pPr lvl="1">
-              <a:spcBef>
-                <a:spcPts val="200"/>
-              </a:spcBef>
-            </a:pPr>
-            <a:r>
-              <a:rPr lang="en-US" sz="1600" dirty="0"/>
-              <a:t>Epidemiological models like this helped prompt government action, but have lots of assumptions</a:t>
-            </a:r>
-          </a:p>
-          <a:p>
-            <a:r>
-              <a:rPr lang="en-US" sz="2000" dirty="0"/>
-              <a:t>April 1 2020: Nicholas Lewis (independent climate science researcher in UK) can’t easily see where some of the assumptions come from – publishes a blog article</a:t>
-            </a:r>
-          </a:p>
-          <a:p>
-            <a:pPr lvl="1"/>
-            <a:r>
-              <a:rPr lang="en-US" dirty="0">
-                <a:solidFill>
-                  <a:schemeClr val="tx2"/>
-                </a:solidFill>
-              </a:rPr>
-              <a:t>“Moreover, the computer code… is old, unverified, and documented inadequately, if at all…”</a:t>
-            </a:r>
-          </a:p>
-        </p:txBody>
-      </p:sp>
-      <p:pic>
-        <p:nvPicPr>
-          <p:cNvPr id="8" name="Picture 7" descr="A screenshot of a cell phone&#10;&#10;Description automatically generated">
-            <a:extLst>
-              <a:ext uri="{FF2B5EF4-FFF2-40B4-BE49-F238E27FC236}">
-                <a16:creationId xmlns:a16="http://schemas.microsoft.com/office/drawing/2014/main" id="{D75A5D10-6C61-4973-A536-F9DB2ECCEC95}"/>
-              </a:ext>
-            </a:extLst>
-          </p:cNvPr>
-          <p:cNvPicPr>
-            <a:picLocks noChangeAspect="1"/>
-          </p:cNvPicPr>
-          <p:nvPr/>
-        </p:nvPicPr>
-        <p:blipFill rotWithShape="1">
-          <a:blip r:embed="rId2" cstate="print">
-            <a:extLst>
-              <a:ext uri="{28A0092B-C50C-407E-A947-70E740481C1C}">
-                <a14:useLocalDpi xmlns:a14="http://schemas.microsoft.com/office/drawing/2010/main" val="0"/>
-              </a:ext>
-            </a:extLst>
-          </a:blip>
-          <a:srcRect l="9115" t="9104" r="7533" b="76091"/>
-          <a:stretch/>
-        </p:blipFill>
-        <p:spPr>
-          <a:xfrm>
-            <a:off x="6809849" y="4122497"/>
-            <a:ext cx="4042279" cy="1015300"/>
-          </a:xfrm>
-          <a:prstGeom prst="rect">
-            <a:avLst/>
-          </a:prstGeom>
-          <a:ln w="19050">
-            <a:gradFill flip="none" rotWithShape="1">
-              <a:gsLst>
-                <a:gs pos="0">
-                  <a:schemeClr val="accent1">
-                    <a:lumMod val="5000"/>
-                    <a:lumOff val="95000"/>
-                  </a:schemeClr>
-                </a:gs>
-                <a:gs pos="74000">
-                  <a:schemeClr val="accent1">
-                    <a:lumMod val="45000"/>
-                    <a:lumOff val="55000"/>
-                  </a:schemeClr>
-                </a:gs>
-                <a:gs pos="83000">
-                  <a:schemeClr val="accent1">
-                    <a:lumMod val="45000"/>
-                    <a:lumOff val="55000"/>
-                  </a:schemeClr>
-                </a:gs>
-                <a:gs pos="100000">
-                  <a:schemeClr val="accent1">
-                    <a:lumMod val="30000"/>
-                    <a:lumOff val="70000"/>
-                  </a:schemeClr>
-                </a:gs>
-              </a:gsLst>
-              <a:lin ang="16200000" scaled="1"/>
-              <a:tileRect/>
-            </a:gradFill>
-          </a:ln>
-        </p:spPr>
-      </p:pic>
-      <p:pic>
-        <p:nvPicPr>
-          <p:cNvPr id="10" name="Picture 9" descr="A screenshot of a cell phone&#10;&#10;Description automatically generated">
-            <a:extLst>
-              <a:ext uri="{FF2B5EF4-FFF2-40B4-BE49-F238E27FC236}">
-                <a16:creationId xmlns:a16="http://schemas.microsoft.com/office/drawing/2014/main" id="{0478805F-E121-4A80-88F5-B4CDA20812BF}"/>
-              </a:ext>
-            </a:extLst>
-          </p:cNvPr>
-          <p:cNvPicPr>
-            <a:picLocks noChangeAspect="1"/>
-          </p:cNvPicPr>
-          <p:nvPr/>
-        </p:nvPicPr>
-        <p:blipFill rotWithShape="1">
-          <a:blip r:embed="rId3" cstate="print">
-            <a:extLst>
-              <a:ext uri="{28A0092B-C50C-407E-A947-70E740481C1C}">
-                <a14:useLocalDpi xmlns:a14="http://schemas.microsoft.com/office/drawing/2010/main" val="0"/>
-              </a:ext>
-            </a:extLst>
-          </a:blip>
-          <a:srcRect l="10675" t="3862" r="9742" b="62942"/>
-          <a:stretch/>
-        </p:blipFill>
-        <p:spPr>
-          <a:xfrm>
-            <a:off x="6143044" y="339860"/>
-            <a:ext cx="3859399" cy="2276542"/>
-          </a:xfrm>
-          <a:prstGeom prst="rect">
-            <a:avLst/>
-          </a:prstGeom>
-          <a:ln w="19050">
-            <a:gradFill flip="none" rotWithShape="1">
-              <a:gsLst>
-                <a:gs pos="0">
-                  <a:schemeClr val="accent1">
-                    <a:lumMod val="5000"/>
-                    <a:lumOff val="95000"/>
-                  </a:schemeClr>
-                </a:gs>
-                <a:gs pos="74000">
-                  <a:schemeClr val="accent1">
-                    <a:lumMod val="45000"/>
-                    <a:lumOff val="55000"/>
-                  </a:schemeClr>
-                </a:gs>
-                <a:gs pos="83000">
-                  <a:schemeClr val="accent1">
-                    <a:lumMod val="45000"/>
-                    <a:lumOff val="55000"/>
-                  </a:schemeClr>
-                </a:gs>
-                <a:gs pos="100000">
-                  <a:schemeClr val="accent1">
-                    <a:lumMod val="30000"/>
-                    <a:lumOff val="70000"/>
-                  </a:schemeClr>
-                </a:gs>
-              </a:gsLst>
-              <a:lin ang="16200000" scaled="1"/>
-              <a:tileRect/>
-            </a:gradFill>
-          </a:ln>
-        </p:spPr>
-      </p:pic>
-      <p:pic>
-        <p:nvPicPr>
-          <p:cNvPr id="12" name="Picture 11" descr="A close up of a map&#10;&#10;Description automatically generated">
-            <a:extLst>
-              <a:ext uri="{FF2B5EF4-FFF2-40B4-BE49-F238E27FC236}">
-                <a16:creationId xmlns:a16="http://schemas.microsoft.com/office/drawing/2014/main" id="{07733F80-77F2-46CC-8074-06717545457E}"/>
-              </a:ext>
-            </a:extLst>
-          </p:cNvPr>
-          <p:cNvPicPr>
-            <a:picLocks noChangeAspect="1"/>
-          </p:cNvPicPr>
-          <p:nvPr/>
-        </p:nvPicPr>
-        <p:blipFill rotWithShape="1">
-          <a:blip r:embed="rId4" cstate="print">
-            <a:extLst>
-              <a:ext uri="{28A0092B-C50C-407E-A947-70E740481C1C}">
-                <a14:useLocalDpi xmlns:a14="http://schemas.microsoft.com/office/drawing/2010/main" val="0"/>
-              </a:ext>
-            </a:extLst>
-          </a:blip>
-          <a:srcRect l="11326" t="15632" r="10913" b="44828"/>
-          <a:stretch/>
-        </p:blipFill>
-        <p:spPr>
-          <a:xfrm>
-            <a:off x="8288767" y="1176619"/>
-            <a:ext cx="3771112" cy="2711670"/>
-          </a:xfrm>
-          <a:prstGeom prst="rect">
-            <a:avLst/>
-          </a:prstGeom>
-          <a:ln>
-            <a:solidFill>
-              <a:schemeClr val="accent1"/>
-            </a:solidFill>
-          </a:ln>
-          <a:effectLst>
-            <a:outerShdw blurRad="50800" dist="38100" dir="2700000" algn="tl" rotWithShape="0">
-              <a:prstClr val="black">
-                <a:alpha val="40000"/>
-              </a:prstClr>
-            </a:outerShdw>
-          </a:effectLst>
-        </p:spPr>
-      </p:pic>
-      <p:sp>
-        <p:nvSpPr>
-          <p:cNvPr id="13" name="TextBox 12">
-            <a:extLst>
-              <a:ext uri="{FF2B5EF4-FFF2-40B4-BE49-F238E27FC236}">
-                <a16:creationId xmlns:a16="http://schemas.microsoft.com/office/drawing/2014/main" id="{95476604-38E0-4990-8608-A0AF27FDA5F7}"/>
+                <a16:creationId xmlns:a16="http://schemas.microsoft.com/office/drawing/2014/main" id="{10A66B8C-AF67-6D20-0B3A-CE53D1DB1ADC}"/>
               </a:ext>
             </a:extLst>
           </p:cNvPr>
@@ -6359,1703 +6551,61 @@
         </p:nvSpPr>
         <p:spPr>
           <a:xfrm>
-            <a:off x="457200" y="5353371"/>
-            <a:ext cx="7390806" cy="766364"/>
+            <a:off x="6682265" y="2815357"/>
+            <a:ext cx="5140800" cy="1763560"/>
           </a:xfrm>
           <a:prstGeom prst="rect">
             <a:avLst/>
           </a:prstGeom>
+          <a:solidFill>
+            <a:srgbClr val="FFFF00"/>
+          </a:solidFill>
+          <a:ln w="28575">
+            <a:solidFill>
+              <a:schemeClr val="tx1"/>
+            </a:solidFill>
+          </a:ln>
         </p:spPr>
-        <p:style>
-          <a:lnRef idx="2">
-            <a:schemeClr val="dk1"/>
-          </a:lnRef>
-          <a:fillRef idx="1">
-            <a:schemeClr val="lt1"/>
-          </a:fillRef>
-          <a:effectRef idx="0">
-            <a:schemeClr val="dk1"/>
-          </a:effectRef>
-          <a:fontRef idx="minor">
-            <a:schemeClr val="dk1"/>
-          </a:fontRef>
-        </p:style>
         <p:txBody>
-          <a:bodyPr wrap="none" lIns="118872" tIns="91440" rIns="118872" bIns="91440" rtlCol="0" anchor="ctr" anchorCtr="0">
+          <a:bodyPr wrap="square" lIns="118872" tIns="91440" rIns="118872" bIns="91440" rtlCol="0" anchor="ctr" anchorCtr="0">
             <a:spAutoFit/>
           </a:bodyPr>
           <a:lstStyle/>
           <a:p>
-            <a:pPr>
+            <a:pPr algn="ctr">
               <a:lnSpc>
                 <a:spcPct val="90000"/>
               </a:lnSpc>
             </a:pPr>
             <a:r>
-              <a:rPr lang="en-US" sz="1400" dirty="0">
-                <a:hlinkClick r:id="rId5"/>
+              <a:rPr lang="en-US" sz="2400" dirty="0"/>
+              <a:t>You may also be interested in these other software-related events at SC22: </a:t>
+            </a:r>
+            <a:r>
+              <a:rPr lang="en-US" sz="2400" dirty="0">
+                <a:hlinkClick r:id="rId10"/>
               </a:rPr>
-              <a:t>https://doi.org/10.25561/77482</a:t>
-            </a:r>
-            <a:endParaRPr lang="en-US" sz="1400" dirty="0">
-              <a:hlinkClick r:id="rId6"/>
-            </a:endParaRPr>
-          </a:p>
-          <a:p>
-            <a:pPr>
+              <a:t>https://bssw.io/events/sc22-software-related-events</a:t>
+            </a:r>
+            <a:endParaRPr lang="en-US" sz="2400" dirty="0"/>
+          </a:p>
+          <a:p>
+            <a:pPr algn="ctr">
               <a:lnSpc>
                 <a:spcPct val="90000"/>
               </a:lnSpc>
             </a:pPr>
             <a:r>
-              <a:rPr lang="en-US" sz="1400" dirty="0">
-                <a:hlinkClick r:id="rId7"/>
-              </a:rPr>
-              <a:t>https://www.nicholaslewis.org/imperial-college-uk-covid-19-numbers-dont-seem-to-add-up/</a:t>
-            </a:r>
-            <a:endParaRPr lang="en-US" sz="1400" dirty="0"/>
-          </a:p>
-          <a:p>
-            <a:pPr>
-              <a:lnSpc>
-                <a:spcPct val="90000"/>
-              </a:lnSpc>
-            </a:pPr>
-            <a:r>
-              <a:rPr lang="en-US" sz="1400" dirty="0">
-                <a:hlinkClick r:id="rId6"/>
-              </a:rPr>
-              <a:t>https://www.nature.com/articles/d41586-020-01003-6</a:t>
-            </a:r>
-            <a:endParaRPr lang="en-US" sz="1400" dirty="0"/>
+              <a:rPr lang="en-US" dirty="0"/>
+              <a:t>(link is also on tutorial webpage)</a:t>
+            </a:r>
           </a:p>
         </p:txBody>
       </p:sp>
     </p:spTree>
     <p:extLst>
       <p:ext uri="{BB962C8B-B14F-4D97-AF65-F5344CB8AC3E}">
-        <p14:creationId xmlns:p14="http://schemas.microsoft.com/office/powerpoint/2010/main" val="3946097563"/>
-      </p:ext>
-    </p:extLst>
-  </p:cSld>
-  <p:clrMapOvr>
-    <a:masterClrMapping/>
-  </p:clrMapOvr>
-</p:sld>
-</file>
-
-<file path=ppt/slides/slide4.xml><?xml version="1.0" encoding="utf-8"?>
-<p:sld xmlns:a="http://schemas.openxmlformats.org/drawingml/2006/main" xmlns:r="http://schemas.openxmlformats.org/officeDocument/2006/relationships" xmlns:p="http://schemas.openxmlformats.org/presentationml/2006/main">
-  <p:cSld>
-    <p:spTree>
-      <p:nvGrpSpPr>
-        <p:cNvPr id="1" name=""/>
-        <p:cNvGrpSpPr/>
-        <p:nvPr/>
-      </p:nvGrpSpPr>
-      <p:grpSpPr>
-        <a:xfrm>
-          <a:off x="0" y="0"/>
-          <a:ext cx="0" cy="0"/>
-          <a:chOff x="0" y="0"/>
-          <a:chExt cx="0" cy="0"/>
-        </a:xfrm>
-      </p:grpSpPr>
-      <p:sp>
-        <p:nvSpPr>
-          <p:cNvPr id="2" name="Title 1">
-            <a:extLst>
-              <a:ext uri="{FF2B5EF4-FFF2-40B4-BE49-F238E27FC236}">
-                <a16:creationId xmlns:a16="http://schemas.microsoft.com/office/drawing/2014/main" id="{E0D26887-E839-4994-8D3F-B684EEE2158C}"/>
-              </a:ext>
-            </a:extLst>
-          </p:cNvPr>
-          <p:cNvSpPr>
-            <a:spLocks noGrp="1"/>
-          </p:cNvSpPr>
-          <p:nvPr>
-            <p:ph type="title"/>
-          </p:nvPr>
-        </p:nvSpPr>
-        <p:spPr/>
-        <p:txBody>
-          <a:bodyPr/>
-          <a:lstStyle/>
-          <a:p>
-            <a:r>
-              <a:rPr lang="en-US" dirty="0"/>
-              <a:t>The Press Picks Up the Story</a:t>
-            </a:r>
-          </a:p>
-        </p:txBody>
-      </p:sp>
-      <p:sp>
-        <p:nvSpPr>
-          <p:cNvPr id="7" name="TextBox 6">
-            <a:extLst>
-              <a:ext uri="{FF2B5EF4-FFF2-40B4-BE49-F238E27FC236}">
-                <a16:creationId xmlns:a16="http://schemas.microsoft.com/office/drawing/2014/main" id="{27B9885B-2F9D-4132-89B1-5734073BA3DA}"/>
-              </a:ext>
-            </a:extLst>
-          </p:cNvPr>
-          <p:cNvSpPr txBox="1"/>
-          <p:nvPr/>
-        </p:nvSpPr>
-        <p:spPr>
-          <a:xfrm>
-            <a:off x="1393927" y="5499197"/>
-            <a:ext cx="9400971" cy="572464"/>
-          </a:xfrm>
-          <a:prstGeom prst="rect">
-            <a:avLst/>
-          </a:prstGeom>
-        </p:spPr>
-        <p:style>
-          <a:lnRef idx="2">
-            <a:schemeClr val="dk1"/>
-          </a:lnRef>
-          <a:fillRef idx="1">
-            <a:schemeClr val="lt1"/>
-          </a:fillRef>
-          <a:effectRef idx="0">
-            <a:schemeClr val="dk1"/>
-          </a:effectRef>
-          <a:fontRef idx="minor">
-            <a:schemeClr val="dk1"/>
-          </a:fontRef>
-        </p:style>
-        <p:txBody>
-          <a:bodyPr wrap="none" lIns="118872" tIns="91440" rIns="118872" bIns="91440" rtlCol="0" anchor="ctr" anchorCtr="0">
-            <a:spAutoFit/>
-          </a:bodyPr>
-          <a:lstStyle/>
-          <a:p>
-            <a:pPr>
-              <a:lnSpc>
-                <a:spcPct val="90000"/>
-              </a:lnSpc>
-            </a:pPr>
-            <a:r>
-              <a:rPr lang="en-US" sz="1400" dirty="0">
-                <a:hlinkClick r:id="rId2"/>
-              </a:rPr>
-              <a:t>https://www.foxnews.com/world/imperial-college-britain-coronavirus-lockdown-buggy-mess-unreliable</a:t>
-            </a:r>
-            <a:endParaRPr lang="en-US" sz="1400" dirty="0"/>
-          </a:p>
-          <a:p>
-            <a:pPr>
-              <a:lnSpc>
-                <a:spcPct val="90000"/>
-              </a:lnSpc>
-            </a:pPr>
-            <a:r>
-              <a:rPr lang="en-US" sz="1400" dirty="0">
-                <a:hlinkClick r:id="rId3"/>
-              </a:rPr>
-              <a:t>https://www.telegraph.co.uk/technology/2020/05/16/coding-led-lockdown-totally-unreliable-buggy-mess-say-experts/</a:t>
-            </a:r>
-            <a:endParaRPr lang="en-US" sz="1400" dirty="0"/>
-          </a:p>
-        </p:txBody>
-      </p:sp>
-      <p:pic>
-        <p:nvPicPr>
-          <p:cNvPr id="12" name="Picture 11" descr="A screenshot of a social media post&#10;&#10;Description automatically generated">
-            <a:extLst>
-              <a:ext uri="{FF2B5EF4-FFF2-40B4-BE49-F238E27FC236}">
-                <a16:creationId xmlns:a16="http://schemas.microsoft.com/office/drawing/2014/main" id="{7A99D9B9-5B12-4D08-BDB7-1B5D6001092B}"/>
-              </a:ext>
-            </a:extLst>
-          </p:cNvPr>
-          <p:cNvPicPr>
-            <a:picLocks noChangeAspect="1"/>
-          </p:cNvPicPr>
-          <p:nvPr/>
-        </p:nvPicPr>
-        <p:blipFill rotWithShape="1">
-          <a:blip r:embed="rId4">
-            <a:extLst>
-              <a:ext uri="{28A0092B-C50C-407E-A947-70E740481C1C}">
-                <a14:useLocalDpi xmlns:a14="http://schemas.microsoft.com/office/drawing/2010/main" val="0"/>
-              </a:ext>
-            </a:extLst>
-          </a:blip>
-          <a:srcRect l="26511" t="41819" r="26898" b="37404"/>
-          <a:stretch/>
-        </p:blipFill>
-        <p:spPr>
-          <a:xfrm>
-            <a:off x="5837035" y="238701"/>
-            <a:ext cx="5678906" cy="1375038"/>
-          </a:xfrm>
-          <a:prstGeom prst="rect">
-            <a:avLst/>
-          </a:prstGeom>
-          <a:ln>
-            <a:solidFill>
-              <a:schemeClr val="accent1"/>
-            </a:solidFill>
-          </a:ln>
-          <a:effectLst>
-            <a:outerShdw blurRad="50800" dist="38100" dir="2700000" algn="tl" rotWithShape="0">
-              <a:prstClr val="black">
-                <a:alpha val="40000"/>
-              </a:prstClr>
-            </a:outerShdw>
-          </a:effectLst>
-        </p:spPr>
-      </p:pic>
-      <p:sp>
-        <p:nvSpPr>
-          <p:cNvPr id="13" name="Rectangle 12">
-            <a:extLst>
-              <a:ext uri="{FF2B5EF4-FFF2-40B4-BE49-F238E27FC236}">
-                <a16:creationId xmlns:a16="http://schemas.microsoft.com/office/drawing/2014/main" id="{9247790C-CFF1-484A-A92D-04A37887B341}"/>
-              </a:ext>
-            </a:extLst>
-          </p:cNvPr>
-          <p:cNvSpPr/>
-          <p:nvPr/>
-        </p:nvSpPr>
-        <p:spPr>
-          <a:xfrm>
-            <a:off x="186818" y="3349327"/>
-            <a:ext cx="5190403" cy="1754326"/>
-          </a:xfrm>
-          <a:prstGeom prst="rect">
-            <a:avLst/>
-          </a:prstGeom>
-          <a:solidFill>
-            <a:schemeClr val="bg1"/>
-          </a:solidFill>
-          <a:ln>
-            <a:solidFill>
-              <a:schemeClr val="accent1"/>
-            </a:solidFill>
-          </a:ln>
-          <a:effectLst>
-            <a:outerShdw blurRad="50800" dist="38100" dir="2700000" algn="tl" rotWithShape="0">
-              <a:prstClr val="black">
-                <a:alpha val="40000"/>
-              </a:prstClr>
-            </a:outerShdw>
-          </a:effectLst>
-        </p:spPr>
-        <p:txBody>
-          <a:bodyPr wrap="square">
-            <a:spAutoFit/>
-          </a:bodyPr>
-          <a:lstStyle/>
-          <a:p>
-            <a:r>
-              <a:rPr lang="en-US" dirty="0">
-                <a:latin typeface="+mn-lt"/>
-              </a:rPr>
-              <a:t>“</a:t>
-            </a:r>
-            <a:r>
-              <a:rPr lang="en-US" dirty="0">
-                <a:highlight>
-                  <a:srgbClr val="FFFF00"/>
-                </a:highlight>
-                <a:latin typeface="+mn-lt"/>
-              </a:rPr>
-              <a:t>Models must be capable of passing the basic scientific test of producing the same results given the same initial set of parameters</a:t>
-            </a:r>
-            <a:r>
-              <a:rPr lang="en-US" dirty="0">
-                <a:latin typeface="+mn-lt"/>
-              </a:rPr>
-              <a:t>…otherwise, there is simply no way of knowing whether they will be reliable,” said Michael Bonsall, Professor of Mathematical Biology at Oxford University.</a:t>
-            </a:r>
-          </a:p>
-        </p:txBody>
-      </p:sp>
-      <p:sp>
-        <p:nvSpPr>
-          <p:cNvPr id="14" name="Rectangle 13">
-            <a:extLst>
-              <a:ext uri="{FF2B5EF4-FFF2-40B4-BE49-F238E27FC236}">
-                <a16:creationId xmlns:a16="http://schemas.microsoft.com/office/drawing/2014/main" id="{590551D9-996E-4696-B3DD-86421718D866}"/>
-              </a:ext>
-            </a:extLst>
-          </p:cNvPr>
-          <p:cNvSpPr/>
-          <p:nvPr/>
-        </p:nvSpPr>
-        <p:spPr>
-          <a:xfrm>
-            <a:off x="373787" y="1425155"/>
-            <a:ext cx="4816467" cy="1754326"/>
-          </a:xfrm>
-          <a:prstGeom prst="rect">
-            <a:avLst/>
-          </a:prstGeom>
-          <a:solidFill>
-            <a:schemeClr val="bg1"/>
-          </a:solidFill>
-          <a:ln>
-            <a:solidFill>
-              <a:schemeClr val="accent1"/>
-            </a:solidFill>
-          </a:ln>
-          <a:effectLst>
-            <a:outerShdw blurRad="50800" dist="38100" dir="2700000" algn="tl" rotWithShape="0">
-              <a:prstClr val="black">
-                <a:alpha val="40000"/>
-              </a:prstClr>
-            </a:outerShdw>
-          </a:effectLst>
-        </p:spPr>
-        <p:txBody>
-          <a:bodyPr wrap="square">
-            <a:spAutoFit/>
-          </a:bodyPr>
-          <a:lstStyle/>
-          <a:p>
-            <a:r>
-              <a:rPr lang="en-US" dirty="0"/>
-              <a:t>“In our commercial reality, </a:t>
-            </a:r>
-            <a:r>
-              <a:rPr lang="en-US" dirty="0">
-                <a:highlight>
-                  <a:srgbClr val="FFFF00"/>
-                </a:highlight>
-              </a:rPr>
-              <a:t>we would fire anyone for developing code like this </a:t>
-            </a:r>
-            <a:r>
-              <a:rPr lang="en-US" dirty="0"/>
-              <a:t>and any business that relied on it to produce software for sale would likely go bust,” David Richards, co-founder of British data technology company </a:t>
-            </a:r>
-            <a:r>
-              <a:rPr lang="en-US" dirty="0" err="1"/>
-              <a:t>WANdisco</a:t>
-            </a:r>
-            <a:r>
-              <a:rPr lang="en-US" dirty="0"/>
-              <a:t>, told the Daily Telegraph.</a:t>
-            </a:r>
-          </a:p>
-        </p:txBody>
-      </p:sp>
-      <p:sp>
-        <p:nvSpPr>
-          <p:cNvPr id="15" name="Rectangle 14">
-            <a:extLst>
-              <a:ext uri="{FF2B5EF4-FFF2-40B4-BE49-F238E27FC236}">
-                <a16:creationId xmlns:a16="http://schemas.microsoft.com/office/drawing/2014/main" id="{A9681A77-8F7F-40BA-A04E-61141280FBC4}"/>
-              </a:ext>
-            </a:extLst>
-          </p:cNvPr>
-          <p:cNvSpPr/>
-          <p:nvPr/>
-        </p:nvSpPr>
-        <p:spPr>
-          <a:xfrm>
-            <a:off x="5625866" y="1879838"/>
-            <a:ext cx="6266248" cy="3416320"/>
-          </a:xfrm>
-          <a:prstGeom prst="rect">
-            <a:avLst/>
-          </a:prstGeom>
-          <a:solidFill>
-            <a:schemeClr val="bg1"/>
-          </a:solidFill>
-          <a:ln>
-            <a:solidFill>
-              <a:schemeClr val="accent1"/>
-            </a:solidFill>
-          </a:ln>
-          <a:effectLst>
-            <a:outerShdw blurRad="50800" dist="38100" dir="2700000" algn="tl" rotWithShape="0">
-              <a:prstClr val="black">
-                <a:alpha val="40000"/>
-              </a:prstClr>
-            </a:outerShdw>
-          </a:effectLst>
-        </p:spPr>
-        <p:txBody>
-          <a:bodyPr wrap="square">
-            <a:spAutoFit/>
-          </a:bodyPr>
-          <a:lstStyle/>
-          <a:p>
-            <a:r>
-              <a:rPr lang="en-US" dirty="0"/>
-              <a:t>Scientists from the University of Edinburgh have further claimed that it is </a:t>
-            </a:r>
-            <a:r>
-              <a:rPr lang="en-US" dirty="0">
-                <a:highlight>
-                  <a:srgbClr val="FFFF00"/>
-                </a:highlight>
-              </a:rPr>
-              <a:t>impossible to reproduce </a:t>
-            </a:r>
-            <a:r>
-              <a:rPr lang="en-US" dirty="0"/>
-              <a:t>the same results from the same data using the model. The team got different results when they used different machines, and even different results from the same machines.</a:t>
-            </a:r>
-          </a:p>
-          <a:p>
-            <a:r>
-              <a:rPr lang="en-US" dirty="0"/>
-              <a:t>“There appears to be a bug in either the creation or re-use of the network file. If we attempt two completely identical runs, only varying in that the second should use the network file produced by the first, the results are quite different,” the Edinburgh researchers wrote on the </a:t>
-            </a:r>
-            <a:r>
-              <a:rPr lang="en-US" dirty="0" err="1"/>
-              <a:t>Github</a:t>
-            </a:r>
-            <a:r>
-              <a:rPr lang="en-US" dirty="0"/>
-              <a:t> file.</a:t>
-            </a:r>
-          </a:p>
-          <a:p>
-            <a:r>
-              <a:rPr lang="en-US" dirty="0"/>
-              <a:t>A fix was provided, but it was </a:t>
-            </a:r>
-            <a:r>
-              <a:rPr lang="en-US" dirty="0">
-                <a:highlight>
-                  <a:srgbClr val="FFFF00"/>
-                </a:highlight>
-              </a:rPr>
-              <a:t>the first of many bugs </a:t>
-            </a:r>
-            <a:r>
-              <a:rPr lang="en-US" dirty="0"/>
-              <a:t>found within the program.</a:t>
-            </a:r>
-          </a:p>
-        </p:txBody>
-      </p:sp>
-      <p:sp>
-        <p:nvSpPr>
-          <p:cNvPr id="16" name="TextBox 15">
-            <a:extLst>
-              <a:ext uri="{FF2B5EF4-FFF2-40B4-BE49-F238E27FC236}">
-                <a16:creationId xmlns:a16="http://schemas.microsoft.com/office/drawing/2014/main" id="{2A6A05DB-8039-483A-8C18-6E63A758D369}"/>
-              </a:ext>
-            </a:extLst>
-          </p:cNvPr>
-          <p:cNvSpPr txBox="1"/>
-          <p:nvPr/>
-        </p:nvSpPr>
-        <p:spPr>
-          <a:xfrm>
-            <a:off x="373787" y="907768"/>
-            <a:ext cx="3430042" cy="350865"/>
-          </a:xfrm>
-          <a:prstGeom prst="rect">
-            <a:avLst/>
-          </a:prstGeom>
-          <a:noFill/>
-        </p:spPr>
-        <p:txBody>
-          <a:bodyPr wrap="none" lIns="118872" tIns="91440" rIns="118872" bIns="91440" rtlCol="0" anchor="ctr" anchorCtr="0">
-            <a:spAutoFit/>
-          </a:bodyPr>
-          <a:lstStyle/>
-          <a:p>
-            <a:pPr algn="l">
-              <a:lnSpc>
-                <a:spcPct val="90000"/>
-              </a:lnSpc>
-            </a:pPr>
-            <a:r>
-              <a:rPr lang="en-US" sz="1200" i="1" dirty="0">
-                <a:solidFill>
-                  <a:schemeClr val="tx2"/>
-                </a:solidFill>
-              </a:rPr>
-              <a:t>Headline and quotes from the Fox News article</a:t>
-            </a:r>
-          </a:p>
-        </p:txBody>
-      </p:sp>
-    </p:spTree>
-    <p:extLst>
-      <p:ext uri="{BB962C8B-B14F-4D97-AF65-F5344CB8AC3E}">
-        <p14:creationId xmlns:p14="http://schemas.microsoft.com/office/powerpoint/2010/main" val="3267181914"/>
-      </p:ext>
-    </p:extLst>
-  </p:cSld>
-  <p:clrMapOvr>
-    <a:masterClrMapping/>
-  </p:clrMapOvr>
-</p:sld>
-</file>
-
-<file path=ppt/slides/slide5.xml><?xml version="1.0" encoding="utf-8"?>
-<p:sld xmlns:a="http://schemas.openxmlformats.org/drawingml/2006/main" xmlns:r="http://schemas.openxmlformats.org/officeDocument/2006/relationships" xmlns:p="http://schemas.openxmlformats.org/presentationml/2006/main">
-  <p:cSld>
-    <p:spTree>
-      <p:nvGrpSpPr>
-        <p:cNvPr id="1" name=""/>
-        <p:cNvGrpSpPr/>
-        <p:nvPr/>
-      </p:nvGrpSpPr>
-      <p:grpSpPr>
-        <a:xfrm>
-          <a:off x="0" y="0"/>
-          <a:ext cx="0" cy="0"/>
-          <a:chOff x="0" y="0"/>
-          <a:chExt cx="0" cy="0"/>
-        </a:xfrm>
-      </p:grpSpPr>
-      <p:sp>
-        <p:nvSpPr>
-          <p:cNvPr id="2" name="Title 1">
-            <a:extLst>
-              <a:ext uri="{FF2B5EF4-FFF2-40B4-BE49-F238E27FC236}">
-                <a16:creationId xmlns:a16="http://schemas.microsoft.com/office/drawing/2014/main" id="{346BC4CB-2CF6-4B12-AA0F-B434DB9F521A}"/>
-              </a:ext>
-            </a:extLst>
-          </p:cNvPr>
-          <p:cNvSpPr>
-            <a:spLocks noGrp="1"/>
-          </p:cNvSpPr>
-          <p:nvPr>
-            <p:ph type="title"/>
-          </p:nvPr>
-        </p:nvSpPr>
-        <p:spPr/>
-        <p:txBody>
-          <a:bodyPr/>
-          <a:lstStyle/>
-          <a:p>
-            <a:r>
-              <a:rPr lang="en-US" dirty="0"/>
-              <a:t>What you May Not Have Heard</a:t>
-            </a:r>
-          </a:p>
-        </p:txBody>
-      </p:sp>
-      <p:sp>
-        <p:nvSpPr>
-          <p:cNvPr id="4" name="Content Placeholder 3">
-            <a:extLst>
-              <a:ext uri="{FF2B5EF4-FFF2-40B4-BE49-F238E27FC236}">
-                <a16:creationId xmlns:a16="http://schemas.microsoft.com/office/drawing/2014/main" id="{01357309-EA5B-4871-B245-254EA8DF9454}"/>
-              </a:ext>
-            </a:extLst>
-          </p:cNvPr>
-          <p:cNvSpPr>
-            <a:spLocks noGrp="1"/>
-          </p:cNvSpPr>
-          <p:nvPr>
-            <p:ph sz="half" idx="2"/>
-          </p:nvPr>
-        </p:nvSpPr>
-        <p:spPr>
-          <a:xfrm>
-            <a:off x="457200" y="1534144"/>
-            <a:ext cx="5588582" cy="3373229"/>
-          </a:xfrm>
-          <a:ln>
-            <a:noFill/>
-          </a:ln>
-        </p:spPr>
-        <p:txBody>
-          <a:bodyPr/>
-          <a:lstStyle/>
-          <a:p>
-            <a:r>
-              <a:rPr lang="en-US" dirty="0"/>
-              <a:t>April 22 2020: Imperial collaborates with Microsoft to refactor and clean up the code, which is released on GitHub</a:t>
-            </a:r>
-          </a:p>
-          <a:p>
-            <a:r>
-              <a:rPr lang="en-US" dirty="0"/>
-              <a:t>May 10 2020: Phil Bull rebuts criticisms of the Imperial code</a:t>
-            </a:r>
-          </a:p>
-          <a:p>
-            <a:pPr lvl="1"/>
-            <a:r>
-              <a:rPr lang="en-US" dirty="0"/>
-              <a:t>Which spurs further discussions within some groups focused on scientific software</a:t>
-            </a:r>
-          </a:p>
-          <a:p>
-            <a:r>
-              <a:rPr lang="en-US" dirty="0"/>
-              <a:t>May 29 2020: CODECHECK independently reproduces results of Imperial’s Report 9</a:t>
-            </a:r>
-          </a:p>
-        </p:txBody>
-      </p:sp>
-      <p:sp>
-        <p:nvSpPr>
-          <p:cNvPr id="7" name="TextBox 6">
-            <a:extLst>
-              <a:ext uri="{FF2B5EF4-FFF2-40B4-BE49-F238E27FC236}">
-                <a16:creationId xmlns:a16="http://schemas.microsoft.com/office/drawing/2014/main" id="{15D30507-6194-454F-AB00-74011ECCE6EA}"/>
-              </a:ext>
-            </a:extLst>
-          </p:cNvPr>
-          <p:cNvSpPr txBox="1"/>
-          <p:nvPr/>
-        </p:nvSpPr>
-        <p:spPr>
-          <a:xfrm>
-            <a:off x="807902" y="5051400"/>
-            <a:ext cx="4809128" cy="1154162"/>
-          </a:xfrm>
-          <a:prstGeom prst="rect">
-            <a:avLst/>
-          </a:prstGeom>
-        </p:spPr>
-        <p:style>
-          <a:lnRef idx="2">
-            <a:schemeClr val="dk1"/>
-          </a:lnRef>
-          <a:fillRef idx="1">
-            <a:schemeClr val="lt1"/>
-          </a:fillRef>
-          <a:effectRef idx="0">
-            <a:schemeClr val="dk1"/>
-          </a:effectRef>
-          <a:fontRef idx="minor">
-            <a:schemeClr val="dk1"/>
-          </a:fontRef>
-        </p:style>
-        <p:txBody>
-          <a:bodyPr wrap="square" lIns="118872" tIns="91440" rIns="118872" bIns="91440" rtlCol="0" anchor="ctr" anchorCtr="0">
-            <a:spAutoFit/>
-          </a:bodyPr>
-          <a:lstStyle/>
-          <a:p>
-            <a:pPr>
-              <a:lnSpc>
-                <a:spcPct val="90000"/>
-              </a:lnSpc>
-            </a:pPr>
-            <a:r>
-              <a:rPr lang="en-US" sz="1400" dirty="0">
-                <a:hlinkClick r:id="rId2"/>
-              </a:rPr>
-              <a:t>https://github.com/mrc-ide/covid-sim/</a:t>
-            </a:r>
-            <a:endParaRPr lang="en-US" sz="1400" dirty="0"/>
-          </a:p>
-          <a:p>
-            <a:pPr>
-              <a:lnSpc>
-                <a:spcPct val="90000"/>
-              </a:lnSpc>
-            </a:pPr>
-            <a:r>
-              <a:rPr lang="en-US" sz="1400" dirty="0">
-                <a:hlinkClick r:id="rId3"/>
-              </a:rPr>
-              <a:t>https://philbull.wordpress.com/2020/05/10/why-you-can-ignore-reviews-of-scientific-code-by-commercial-software-developers/amp/</a:t>
-            </a:r>
-            <a:endParaRPr lang="en-US" sz="1400" dirty="0"/>
-          </a:p>
-          <a:p>
-            <a:pPr>
-              <a:lnSpc>
-                <a:spcPct val="90000"/>
-              </a:lnSpc>
-            </a:pPr>
-            <a:r>
-              <a:rPr lang="en-US" sz="1400" dirty="0">
-                <a:hlinkClick r:id="rId4"/>
-              </a:rPr>
-              <a:t>http://doi.org/10.5281/zenodo.3865491</a:t>
-            </a:r>
-            <a:endParaRPr lang="en-US" sz="1400" dirty="0"/>
-          </a:p>
-        </p:txBody>
-      </p:sp>
-      <p:sp>
-        <p:nvSpPr>
-          <p:cNvPr id="8" name="Rectangle 7">
-            <a:extLst>
-              <a:ext uri="{FF2B5EF4-FFF2-40B4-BE49-F238E27FC236}">
-                <a16:creationId xmlns:a16="http://schemas.microsoft.com/office/drawing/2014/main" id="{28B0AE1F-B199-489E-BB28-CE689B7DE1EE}"/>
-              </a:ext>
-            </a:extLst>
-          </p:cNvPr>
-          <p:cNvSpPr/>
-          <p:nvPr/>
-        </p:nvSpPr>
-        <p:spPr>
-          <a:xfrm>
-            <a:off x="6045782" y="1050899"/>
-            <a:ext cx="5975243" cy="2308324"/>
-          </a:xfrm>
-          <a:prstGeom prst="rect">
-            <a:avLst/>
-          </a:prstGeom>
-          <a:solidFill>
-            <a:schemeClr val="bg1"/>
-          </a:solidFill>
-          <a:ln>
-            <a:gradFill flip="none" rotWithShape="1">
-              <a:gsLst>
-                <a:gs pos="0">
-                  <a:schemeClr val="accent1">
-                    <a:lumMod val="5000"/>
-                    <a:lumOff val="95000"/>
-                  </a:schemeClr>
-                </a:gs>
-                <a:gs pos="74000">
-                  <a:schemeClr val="accent1">
-                    <a:lumMod val="45000"/>
-                    <a:lumOff val="55000"/>
-                  </a:schemeClr>
-                </a:gs>
-                <a:gs pos="83000">
-                  <a:schemeClr val="accent1">
-                    <a:lumMod val="45000"/>
-                    <a:lumOff val="55000"/>
-                  </a:schemeClr>
-                </a:gs>
-                <a:gs pos="100000">
-                  <a:schemeClr val="accent1">
-                    <a:lumMod val="30000"/>
-                    <a:lumOff val="70000"/>
-                  </a:schemeClr>
-                </a:gs>
-              </a:gsLst>
-              <a:lin ang="16200000" scaled="1"/>
-              <a:tileRect/>
-            </a:gradFill>
-          </a:ln>
-          <a:effectLst>
-            <a:outerShdw blurRad="50800" dist="38100" dir="2700000" algn="tl" rotWithShape="0">
-              <a:prstClr val="black">
-                <a:alpha val="40000"/>
-              </a:prstClr>
-            </a:outerShdw>
-          </a:effectLst>
-        </p:spPr>
-        <p:txBody>
-          <a:bodyPr wrap="square">
-            <a:spAutoFit/>
-          </a:bodyPr>
-          <a:lstStyle/>
-          <a:p>
-            <a:r>
-              <a:rPr lang="en-US" i="1" dirty="0" err="1">
-                <a:solidFill>
-                  <a:srgbClr val="353535"/>
-                </a:solidFill>
-                <a:latin typeface="+mn-lt"/>
-              </a:rPr>
-              <a:t>tl;dr</a:t>
-            </a:r>
-            <a:r>
-              <a:rPr lang="en-US" i="1" dirty="0">
-                <a:solidFill>
-                  <a:srgbClr val="353535"/>
-                </a:solidFill>
-                <a:latin typeface="+mn-lt"/>
-              </a:rPr>
-              <a:t>: Many </a:t>
-            </a:r>
-            <a:r>
-              <a:rPr lang="en-US" i="1" dirty="0">
-                <a:solidFill>
-                  <a:srgbClr val="353535"/>
-                </a:solidFill>
-                <a:highlight>
-                  <a:srgbClr val="FFFF00"/>
-                </a:highlight>
-                <a:latin typeface="+mn-lt"/>
-              </a:rPr>
-              <a:t>scientists write code that is crappy stylistically, but which is nevertheless scientifically correct </a:t>
-            </a:r>
-            <a:r>
-              <a:rPr lang="en-US" i="1" dirty="0">
-                <a:solidFill>
-                  <a:srgbClr val="353535"/>
-                </a:solidFill>
-                <a:latin typeface="+mn-lt"/>
-              </a:rPr>
-              <a:t>(following rigorous checking/validation of outputs </a:t>
-            </a:r>
-            <a:r>
-              <a:rPr lang="en-US" i="1" dirty="0" err="1">
-                <a:solidFill>
-                  <a:srgbClr val="353535"/>
-                </a:solidFill>
-                <a:latin typeface="+mn-lt"/>
-              </a:rPr>
-              <a:t>etc</a:t>
-            </a:r>
-            <a:r>
-              <a:rPr lang="en-US" i="1" dirty="0">
-                <a:solidFill>
-                  <a:srgbClr val="353535"/>
-                </a:solidFill>
-                <a:latin typeface="+mn-lt"/>
-              </a:rPr>
-              <a:t>). Professional </a:t>
-            </a:r>
-            <a:r>
-              <a:rPr lang="en-US" i="1" dirty="0">
-                <a:solidFill>
-                  <a:srgbClr val="353535"/>
-                </a:solidFill>
-                <a:highlight>
-                  <a:srgbClr val="FFFF00"/>
-                </a:highlight>
-                <a:latin typeface="+mn-lt"/>
-              </a:rPr>
-              <a:t>commercial software developers are well-qualified to review code style, but most don’t have a clue about checking scientific validity or what counts as good scientific practice</a:t>
-            </a:r>
-            <a:r>
-              <a:rPr lang="en-US" i="1" dirty="0">
-                <a:solidFill>
-                  <a:srgbClr val="353535"/>
-                </a:solidFill>
-                <a:latin typeface="+mn-lt"/>
-              </a:rPr>
-              <a:t>. Criticisms of the </a:t>
-            </a:r>
-            <a:r>
-              <a:rPr lang="en-US" i="1" dirty="0">
-                <a:latin typeface="+mn-lt"/>
-              </a:rPr>
-              <a:t>Imperial </a:t>
-            </a:r>
-            <a:r>
-              <a:rPr lang="en-US" i="1" dirty="0" err="1">
-                <a:latin typeface="+mn-lt"/>
-              </a:rPr>
-              <a:t>Covid</a:t>
-            </a:r>
-            <a:r>
-              <a:rPr lang="en-US" i="1" dirty="0">
-                <a:latin typeface="+mn-lt"/>
-              </a:rPr>
-              <a:t>-Sim </a:t>
-            </a:r>
-            <a:r>
-              <a:rPr lang="en-US" i="1" dirty="0">
-                <a:solidFill>
-                  <a:srgbClr val="353535"/>
-                </a:solidFill>
-                <a:latin typeface="+mn-lt"/>
-              </a:rPr>
-              <a:t>model from some of the latter are overstated at best.</a:t>
-            </a:r>
-            <a:endParaRPr lang="en-US" dirty="0">
-              <a:latin typeface="+mn-lt"/>
-            </a:endParaRPr>
-          </a:p>
-        </p:txBody>
-      </p:sp>
-      <p:pic>
-        <p:nvPicPr>
-          <p:cNvPr id="12" name="Picture 11" descr="A screenshot of a cell phone&#10;&#10;Description automatically generated">
-            <a:extLst>
-              <a:ext uri="{FF2B5EF4-FFF2-40B4-BE49-F238E27FC236}">
-                <a16:creationId xmlns:a16="http://schemas.microsoft.com/office/drawing/2014/main" id="{55130320-93E9-4928-8D3D-88B5FA347BC5}"/>
-              </a:ext>
-            </a:extLst>
-          </p:cNvPr>
-          <p:cNvPicPr>
-            <a:picLocks noChangeAspect="1"/>
-          </p:cNvPicPr>
-          <p:nvPr/>
-        </p:nvPicPr>
-        <p:blipFill rotWithShape="1">
-          <a:blip r:embed="rId5" cstate="print">
-            <a:extLst>
-              <a:ext uri="{28A0092B-C50C-407E-A947-70E740481C1C}">
-                <a14:useLocalDpi xmlns:a14="http://schemas.microsoft.com/office/drawing/2010/main" val="0"/>
-              </a:ext>
-            </a:extLst>
-          </a:blip>
-          <a:srcRect l="19196" t="12341" r="18661" b="52281"/>
-          <a:stretch/>
-        </p:blipFill>
-        <p:spPr>
-          <a:xfrm>
-            <a:off x="7386795" y="3565479"/>
-            <a:ext cx="3293215" cy="2426253"/>
-          </a:xfrm>
-          <a:prstGeom prst="rect">
-            <a:avLst/>
-          </a:prstGeom>
-          <a:ln w="19050">
-            <a:gradFill flip="none" rotWithShape="1">
-              <a:gsLst>
-                <a:gs pos="0">
-                  <a:schemeClr val="accent1">
-                    <a:lumMod val="5000"/>
-                    <a:lumOff val="95000"/>
-                  </a:schemeClr>
-                </a:gs>
-                <a:gs pos="74000">
-                  <a:schemeClr val="accent1">
-                    <a:lumMod val="45000"/>
-                    <a:lumOff val="55000"/>
-                  </a:schemeClr>
-                </a:gs>
-                <a:gs pos="83000">
-                  <a:schemeClr val="accent1">
-                    <a:lumMod val="45000"/>
-                    <a:lumOff val="55000"/>
-                  </a:schemeClr>
-                </a:gs>
-                <a:gs pos="100000">
-                  <a:schemeClr val="accent1">
-                    <a:lumMod val="30000"/>
-                    <a:lumOff val="70000"/>
-                  </a:schemeClr>
-                </a:gs>
-              </a:gsLst>
-              <a:lin ang="16200000" scaled="1"/>
-              <a:tileRect/>
-            </a:gradFill>
-          </a:ln>
-          <a:effectLst>
-            <a:outerShdw blurRad="50800" dist="38100" dir="2700000" algn="tl" rotWithShape="0">
-              <a:prstClr val="black">
-                <a:alpha val="40000"/>
-              </a:prstClr>
-            </a:outerShdw>
-          </a:effectLst>
-        </p:spPr>
-      </p:pic>
-    </p:spTree>
-    <p:extLst>
-      <p:ext uri="{BB962C8B-B14F-4D97-AF65-F5344CB8AC3E}">
-        <p14:creationId xmlns:p14="http://schemas.microsoft.com/office/powerpoint/2010/main" val="2441288283"/>
-      </p:ext>
-    </p:extLst>
-  </p:cSld>
-  <p:clrMapOvr>
-    <a:masterClrMapping/>
-  </p:clrMapOvr>
-</p:sld>
-</file>
-
-<file path=ppt/slides/slide6.xml><?xml version="1.0" encoding="utf-8"?>
-<p:sld xmlns:a="http://schemas.openxmlformats.org/drawingml/2006/main" xmlns:r="http://schemas.openxmlformats.org/officeDocument/2006/relationships" xmlns:p="http://schemas.openxmlformats.org/presentationml/2006/main">
-  <p:cSld>
-    <p:spTree>
-      <p:nvGrpSpPr>
-        <p:cNvPr id="1" name=""/>
-        <p:cNvGrpSpPr/>
-        <p:nvPr/>
-      </p:nvGrpSpPr>
-      <p:grpSpPr>
-        <a:xfrm>
-          <a:off x="0" y="0"/>
-          <a:ext cx="0" cy="0"/>
-          <a:chOff x="0" y="0"/>
-          <a:chExt cx="0" cy="0"/>
-        </a:xfrm>
-      </p:grpSpPr>
-      <p:sp>
-        <p:nvSpPr>
-          <p:cNvPr id="7" name="Title 6">
-            <a:extLst>
-              <a:ext uri="{FF2B5EF4-FFF2-40B4-BE49-F238E27FC236}">
-                <a16:creationId xmlns:a16="http://schemas.microsoft.com/office/drawing/2014/main" id="{29328965-75A8-4374-82D5-A2BF03690E41}"/>
-              </a:ext>
-            </a:extLst>
-          </p:cNvPr>
-          <p:cNvSpPr>
-            <a:spLocks noGrp="1"/>
-          </p:cNvSpPr>
-          <p:nvPr>
-            <p:ph type="title"/>
-          </p:nvPr>
-        </p:nvSpPr>
-        <p:spPr/>
-        <p:txBody>
-          <a:bodyPr/>
-          <a:lstStyle/>
-          <a:p>
-            <a:r>
-              <a:rPr lang="en-US" dirty="0"/>
-              <a:t>Some Observations</a:t>
-            </a:r>
-          </a:p>
-        </p:txBody>
-      </p:sp>
-      <p:sp>
-        <p:nvSpPr>
-          <p:cNvPr id="8" name="Content Placeholder 7">
-            <a:extLst>
-              <a:ext uri="{FF2B5EF4-FFF2-40B4-BE49-F238E27FC236}">
-                <a16:creationId xmlns:a16="http://schemas.microsoft.com/office/drawing/2014/main" id="{20324307-6414-484B-8953-D8554EF97306}"/>
-              </a:ext>
-            </a:extLst>
-          </p:cNvPr>
-          <p:cNvSpPr>
-            <a:spLocks noGrp="1"/>
-          </p:cNvSpPr>
-          <p:nvPr>
-            <p:ph idx="1"/>
-          </p:nvPr>
-        </p:nvSpPr>
-        <p:spPr/>
-        <p:txBody>
-          <a:bodyPr/>
-          <a:lstStyle/>
-          <a:p>
-            <a:r>
-              <a:rPr lang="en-US" dirty="0"/>
-              <a:t>Your code is likely to live longer than you expect, and may be used in ways you don’t expect by people you don’t know – plan for it!</a:t>
-            </a:r>
-          </a:p>
-          <a:p>
-            <a:r>
-              <a:rPr lang="en-US" dirty="0"/>
-              <a:t>Increasingly, consequential decisions are made based on computational results</a:t>
-            </a:r>
-          </a:p>
-          <a:p>
-            <a:pPr lvl="1"/>
-            <a:r>
-              <a:rPr lang="en-US" dirty="0"/>
-              <a:t>The codes generating those results may (justifiably) be subject to greater scrutiny</a:t>
-            </a:r>
-          </a:p>
-          <a:p>
-            <a:r>
-              <a:rPr lang="en-US" dirty="0"/>
-              <a:t>The scientific credibility of software is strongly connected to good software engineering practices</a:t>
-            </a:r>
-          </a:p>
-          <a:p>
-            <a:pPr lvl="1"/>
-            <a:r>
-              <a:rPr lang="en-US" dirty="0"/>
-              <a:t>Documentation</a:t>
-            </a:r>
-          </a:p>
-          <a:p>
-            <a:pPr lvl="1"/>
-            <a:r>
-              <a:rPr lang="en-US" dirty="0"/>
-              <a:t>Testing, verification, and (where possible) validation</a:t>
-            </a:r>
-          </a:p>
-          <a:p>
-            <a:pPr lvl="1"/>
-            <a:r>
-              <a:rPr lang="en-US" dirty="0"/>
-              <a:t>Code readability and quality metrics</a:t>
-            </a:r>
-          </a:p>
-        </p:txBody>
-      </p:sp>
-      <p:sp>
-        <p:nvSpPr>
-          <p:cNvPr id="9" name="TextBox 8">
-            <a:extLst>
-              <a:ext uri="{FF2B5EF4-FFF2-40B4-BE49-F238E27FC236}">
-                <a16:creationId xmlns:a16="http://schemas.microsoft.com/office/drawing/2014/main" id="{F7A973BB-506E-4A1B-8268-0ECF0419F34A}"/>
-              </a:ext>
-            </a:extLst>
-          </p:cNvPr>
-          <p:cNvSpPr txBox="1"/>
-          <p:nvPr/>
-        </p:nvSpPr>
-        <p:spPr>
-          <a:xfrm>
-            <a:off x="365760" y="5360406"/>
-            <a:ext cx="10869579" cy="849463"/>
-          </a:xfrm>
-          <a:prstGeom prst="rect">
-            <a:avLst/>
-          </a:prstGeom>
-          <a:noFill/>
-        </p:spPr>
-        <p:txBody>
-          <a:bodyPr wrap="none" lIns="118872" tIns="91440" rIns="118872" bIns="91440" rtlCol="0" anchor="ctr" anchorCtr="0">
-            <a:spAutoFit/>
-          </a:bodyPr>
-          <a:lstStyle/>
-          <a:p>
-            <a:pPr algn="l">
-              <a:lnSpc>
-                <a:spcPct val="90000"/>
-              </a:lnSpc>
-            </a:pPr>
-            <a:r>
-              <a:rPr lang="en-US" sz="2400" dirty="0">
-                <a:solidFill>
-                  <a:schemeClr val="tx2"/>
-                </a:solidFill>
-              </a:rPr>
-              <a:t>Question: Should we excuse scientific software for being “crappy stylistically”?</a:t>
-            </a:r>
-          </a:p>
-          <a:p>
-            <a:pPr algn="l">
-              <a:lnSpc>
-                <a:spcPct val="90000"/>
-              </a:lnSpc>
-            </a:pPr>
-            <a:r>
-              <a:rPr lang="en-US" sz="2400" dirty="0">
-                <a:solidFill>
-                  <a:schemeClr val="tx2">
-                    <a:lumMod val="40000"/>
-                    <a:lumOff val="60000"/>
-                  </a:schemeClr>
-                </a:solidFill>
-              </a:rPr>
-              <a:t>Hint: crappy code can hide bugs</a:t>
-            </a:r>
-          </a:p>
-        </p:txBody>
-      </p:sp>
-    </p:spTree>
-    <p:extLst>
-      <p:ext uri="{BB962C8B-B14F-4D97-AF65-F5344CB8AC3E}">
-        <p14:creationId xmlns:p14="http://schemas.microsoft.com/office/powerpoint/2010/main" val="739991148"/>
-      </p:ext>
-    </p:extLst>
-  </p:cSld>
-  <p:clrMapOvr>
-    <a:masterClrMapping/>
-  </p:clrMapOvr>
-</p:sld>
-</file>
-
-<file path=ppt/slides/slide7.xml><?xml version="1.0" encoding="utf-8"?>
-<p:sld xmlns:a="http://schemas.openxmlformats.org/drawingml/2006/main" xmlns:r="http://schemas.openxmlformats.org/officeDocument/2006/relationships" xmlns:p="http://schemas.openxmlformats.org/presentationml/2006/main">
-  <p:cSld>
-    <p:spTree>
-      <p:nvGrpSpPr>
-        <p:cNvPr id="1" name=""/>
-        <p:cNvGrpSpPr/>
-        <p:nvPr/>
-      </p:nvGrpSpPr>
-      <p:grpSpPr>
-        <a:xfrm>
-          <a:off x="0" y="0"/>
-          <a:ext cx="0" cy="0"/>
-          <a:chOff x="0" y="0"/>
-          <a:chExt cx="0" cy="0"/>
-        </a:xfrm>
-      </p:grpSpPr>
-      <p:sp>
-        <p:nvSpPr>
-          <p:cNvPr id="3" name="Content Placeholder 2">
-            <a:extLst>
-              <a:ext uri="{FF2B5EF4-FFF2-40B4-BE49-F238E27FC236}">
-                <a16:creationId xmlns:a16="http://schemas.microsoft.com/office/drawing/2014/main" id="{36733E54-E07F-40D0-AAF9-603545181CBC}"/>
-              </a:ext>
-            </a:extLst>
-          </p:cNvPr>
-          <p:cNvSpPr>
-            <a:spLocks noGrp="1"/>
-          </p:cNvSpPr>
-          <p:nvPr>
-            <p:ph idx="1"/>
-          </p:nvPr>
-        </p:nvSpPr>
-        <p:spPr>
-          <a:xfrm>
-            <a:off x="365760" y="1405111"/>
-            <a:ext cx="11369809" cy="4047778"/>
-          </a:xfrm>
-        </p:spPr>
-        <p:txBody>
-          <a:bodyPr anchor="ctr" anchorCtr="0"/>
-          <a:lstStyle/>
-          <a:p>
-            <a:pPr marL="0" indent="0" algn="ctr">
-              <a:buNone/>
-            </a:pPr>
-            <a:r>
-              <a:rPr lang="en-US" sz="4400" dirty="0"/>
-              <a:t>Science through computing is, </a:t>
-            </a:r>
-            <a:br>
-              <a:rPr lang="en-US" sz="4400" dirty="0"/>
-            </a:br>
-            <a:r>
-              <a:rPr lang="en-US" sz="4400" dirty="0"/>
-              <a:t>at best, </a:t>
-            </a:r>
-            <a:br>
-              <a:rPr lang="en-US" sz="4400" dirty="0"/>
-            </a:br>
-            <a:r>
-              <a:rPr lang="en-US" sz="4400" dirty="0"/>
-              <a:t>as credible as the software that produces it!</a:t>
-            </a:r>
-          </a:p>
-        </p:txBody>
-      </p:sp>
-    </p:spTree>
-    <p:extLst>
-      <p:ext uri="{BB962C8B-B14F-4D97-AF65-F5344CB8AC3E}">
-        <p14:creationId xmlns:p14="http://schemas.microsoft.com/office/powerpoint/2010/main" val="242292329"/>
-      </p:ext>
-    </p:extLst>
-  </p:cSld>
-  <p:clrMapOvr>
-    <a:masterClrMapping/>
-  </p:clrMapOvr>
-</p:sld>
-</file>
-
-<file path=ppt/slides/slide8.xml><?xml version="1.0" encoding="utf-8"?>
-<p:sld xmlns:a="http://schemas.openxmlformats.org/drawingml/2006/main" xmlns:r="http://schemas.openxmlformats.org/officeDocument/2006/relationships" xmlns:p="http://schemas.openxmlformats.org/presentationml/2006/main">
-  <p:cSld>
-    <p:spTree>
-      <p:nvGrpSpPr>
-        <p:cNvPr id="1" name=""/>
-        <p:cNvGrpSpPr/>
-        <p:nvPr/>
-      </p:nvGrpSpPr>
-      <p:grpSpPr>
-        <a:xfrm>
-          <a:off x="0" y="0"/>
-          <a:ext cx="0" cy="0"/>
-          <a:chOff x="0" y="0"/>
-          <a:chExt cx="0" cy="0"/>
-        </a:xfrm>
-      </p:grpSpPr>
-      <p:sp>
-        <p:nvSpPr>
-          <p:cNvPr id="2" name="Title 1">
-            <a:extLst>
-              <a:ext uri="{FF2B5EF4-FFF2-40B4-BE49-F238E27FC236}">
-                <a16:creationId xmlns:a16="http://schemas.microsoft.com/office/drawing/2014/main" id="{0DDB3257-4000-436D-A7C3-75FA1E751AA5}"/>
-              </a:ext>
-            </a:extLst>
-          </p:cNvPr>
-          <p:cNvSpPr>
-            <a:spLocks noGrp="1"/>
-          </p:cNvSpPr>
-          <p:nvPr>
-            <p:ph type="title"/>
-          </p:nvPr>
-        </p:nvSpPr>
-        <p:spPr/>
-        <p:txBody>
-          <a:bodyPr/>
-          <a:lstStyle/>
-          <a:p>
-            <a:r>
-              <a:rPr lang="en-US" dirty="0"/>
-              <a:t>Today, We Covered Many Topics…</a:t>
-            </a:r>
-          </a:p>
-        </p:txBody>
-      </p:sp>
-      <p:sp>
-        <p:nvSpPr>
-          <p:cNvPr id="3" name="Content Placeholder 2">
-            <a:extLst>
-              <a:ext uri="{FF2B5EF4-FFF2-40B4-BE49-F238E27FC236}">
-                <a16:creationId xmlns:a16="http://schemas.microsoft.com/office/drawing/2014/main" id="{83604F36-B0F4-4052-B41C-CEB4982754BF}"/>
-              </a:ext>
-            </a:extLst>
-          </p:cNvPr>
-          <p:cNvSpPr>
-            <a:spLocks noGrp="1"/>
-          </p:cNvSpPr>
-          <p:nvPr>
-            <p:ph idx="1"/>
-          </p:nvPr>
-        </p:nvSpPr>
-        <p:spPr/>
-        <p:txBody>
-          <a:bodyPr/>
-          <a:lstStyle/>
-          <a:p>
-            <a:r>
-              <a:rPr lang="en-US" dirty="0"/>
-              <a:t>Project management</a:t>
-            </a:r>
-          </a:p>
-          <a:p>
-            <a:r>
-              <a:rPr lang="en-US" dirty="0"/>
-              <a:t>Collaboration around software development</a:t>
-            </a:r>
-          </a:p>
-          <a:p>
-            <a:r>
-              <a:rPr lang="en-US" dirty="0"/>
-              <a:t>Designing software for flexibility and extensibility</a:t>
-            </a:r>
-          </a:p>
-          <a:p>
-            <a:r>
-              <a:rPr lang="en-US" dirty="0"/>
-              <a:t>Testing strategies for complex software systems</a:t>
-            </a:r>
-          </a:p>
-          <a:p>
-            <a:r>
-              <a:rPr lang="en-US" dirty="0"/>
-              <a:t>Systematic refactoring of large, complex software systems</a:t>
-            </a:r>
-          </a:p>
-          <a:p>
-            <a:r>
-              <a:rPr lang="en-US" dirty="0"/>
-              <a:t>Reproducibility</a:t>
-            </a:r>
-          </a:p>
-        </p:txBody>
-      </p:sp>
-    </p:spTree>
-    <p:extLst>
-      <p:ext uri="{BB962C8B-B14F-4D97-AF65-F5344CB8AC3E}">
-        <p14:creationId xmlns:p14="http://schemas.microsoft.com/office/powerpoint/2010/main" val="4009266668"/>
-      </p:ext>
-    </p:extLst>
-  </p:cSld>
-  <p:clrMapOvr>
-    <a:masterClrMapping/>
-  </p:clrMapOvr>
-</p:sld>
-</file>
-
-<file path=ppt/slides/slide9.xml><?xml version="1.0" encoding="utf-8"?>
-<p:sld xmlns:a="http://schemas.openxmlformats.org/drawingml/2006/main" xmlns:r="http://schemas.openxmlformats.org/officeDocument/2006/relationships" xmlns:p="http://schemas.openxmlformats.org/presentationml/2006/main">
-  <p:cSld>
-    <p:spTree>
-      <p:nvGrpSpPr>
-        <p:cNvPr id="1" name=""/>
-        <p:cNvGrpSpPr/>
-        <p:nvPr/>
-      </p:nvGrpSpPr>
-      <p:grpSpPr>
-        <a:xfrm>
-          <a:off x="0" y="0"/>
-          <a:ext cx="0" cy="0"/>
-          <a:chOff x="0" y="0"/>
-          <a:chExt cx="0" cy="0"/>
-        </a:xfrm>
-      </p:grpSpPr>
-      <p:sp>
-        <p:nvSpPr>
-          <p:cNvPr id="2" name="Title 1">
-            <a:extLst>
-              <a:ext uri="{FF2B5EF4-FFF2-40B4-BE49-F238E27FC236}">
-                <a16:creationId xmlns:a16="http://schemas.microsoft.com/office/drawing/2014/main" id="{4716E6A3-96EC-4523-A436-014C2E270151}"/>
-              </a:ext>
-            </a:extLst>
-          </p:cNvPr>
-          <p:cNvSpPr>
-            <a:spLocks noGrp="1"/>
-          </p:cNvSpPr>
-          <p:nvPr>
-            <p:ph type="title"/>
-          </p:nvPr>
-        </p:nvSpPr>
-        <p:spPr/>
-        <p:txBody>
-          <a:bodyPr/>
-          <a:lstStyle/>
-          <a:p>
-            <a:r>
-              <a:rPr lang="en-US" dirty="0"/>
-              <a:t>And there are Many More We Didn’t Have Time For</a:t>
-            </a:r>
-          </a:p>
-        </p:txBody>
-      </p:sp>
-      <p:sp>
-        <p:nvSpPr>
-          <p:cNvPr id="3" name="Content Placeholder 2">
-            <a:extLst>
-              <a:ext uri="{FF2B5EF4-FFF2-40B4-BE49-F238E27FC236}">
-                <a16:creationId xmlns:a16="http://schemas.microsoft.com/office/drawing/2014/main" id="{BD1F1B50-97F3-4784-88FE-6A4FC215ACCF}"/>
-              </a:ext>
-            </a:extLst>
-          </p:cNvPr>
-          <p:cNvSpPr>
-            <a:spLocks noGrp="1"/>
-          </p:cNvSpPr>
-          <p:nvPr>
-            <p:ph sz="half" idx="2"/>
-          </p:nvPr>
-        </p:nvSpPr>
-        <p:spPr>
-          <a:xfrm>
-            <a:off x="457200" y="1217891"/>
-            <a:ext cx="5588582" cy="3373229"/>
-          </a:xfrm>
-          <a:ln>
-            <a:noFill/>
-          </a:ln>
-        </p:spPr>
-        <p:txBody>
-          <a:bodyPr/>
-          <a:lstStyle/>
-          <a:p>
-            <a:pPr>
-              <a:spcBef>
-                <a:spcPts val="800"/>
-              </a:spcBef>
-            </a:pPr>
-            <a:r>
-              <a:rPr lang="en-US" dirty="0"/>
-              <a:t>Documentation</a:t>
-            </a:r>
-          </a:p>
-          <a:p>
-            <a:pPr>
-              <a:spcBef>
-                <a:spcPts val="800"/>
-              </a:spcBef>
-            </a:pPr>
-            <a:r>
-              <a:rPr lang="en-US" dirty="0"/>
-              <a:t>Licensing</a:t>
-            </a:r>
-          </a:p>
-          <a:p>
-            <a:pPr>
-              <a:spcBef>
-                <a:spcPts val="800"/>
-              </a:spcBef>
-            </a:pPr>
-            <a:r>
-              <a:rPr lang="en-US" dirty="0"/>
-              <a:t>Continuous integration testing</a:t>
-            </a:r>
-          </a:p>
-          <a:p>
-            <a:pPr>
-              <a:spcBef>
-                <a:spcPts val="800"/>
-              </a:spcBef>
-            </a:pPr>
-            <a:r>
-              <a:rPr lang="en-US" dirty="0"/>
-              <a:t>Packaging and distribution</a:t>
-            </a:r>
-          </a:p>
-          <a:p>
-            <a:pPr>
-              <a:spcBef>
-                <a:spcPts val="800"/>
-              </a:spcBef>
-            </a:pPr>
-            <a:r>
-              <a:rPr lang="en-US" dirty="0"/>
-              <a:t>Issue tracking</a:t>
-            </a:r>
-          </a:p>
-          <a:p>
-            <a:pPr>
-              <a:spcBef>
-                <a:spcPts val="800"/>
-              </a:spcBef>
-            </a:pPr>
-            <a:r>
-              <a:rPr lang="en-US" dirty="0"/>
-              <a:t>Configuration and build</a:t>
-            </a:r>
-          </a:p>
-          <a:p>
-            <a:pPr>
-              <a:spcBef>
-                <a:spcPts val="800"/>
-              </a:spcBef>
-            </a:pPr>
-            <a:r>
-              <a:rPr lang="en-US" dirty="0"/>
-              <a:t>Debugging strategies</a:t>
-            </a:r>
-          </a:p>
-          <a:p>
-            <a:pPr>
-              <a:spcBef>
-                <a:spcPts val="800"/>
-              </a:spcBef>
-            </a:pPr>
-            <a:r>
-              <a:rPr lang="en-US" dirty="0"/>
-              <a:t>Building and sustaining communities around software</a:t>
-            </a:r>
-          </a:p>
-          <a:p>
-            <a:pPr>
-              <a:spcBef>
-                <a:spcPts val="800"/>
-              </a:spcBef>
-            </a:pPr>
-            <a:r>
-              <a:rPr lang="en-US" dirty="0"/>
-              <a:t>Software publication and citation</a:t>
-            </a:r>
-          </a:p>
-          <a:p>
-            <a:pPr>
-              <a:spcBef>
-                <a:spcPts val="800"/>
-              </a:spcBef>
-            </a:pPr>
-            <a:r>
-              <a:rPr lang="en-US" dirty="0"/>
-              <a:t>Requirements gathering</a:t>
-            </a:r>
-          </a:p>
-          <a:p>
-            <a:pPr>
-              <a:spcBef>
-                <a:spcPts val="800"/>
-              </a:spcBef>
-            </a:pPr>
-            <a:r>
-              <a:rPr lang="en-US" dirty="0"/>
-              <a:t>Understanding and debugging floating-point math</a:t>
-            </a:r>
-          </a:p>
-          <a:p>
-            <a:pPr>
-              <a:spcBef>
-                <a:spcPts val="800"/>
-              </a:spcBef>
-            </a:pPr>
-            <a:r>
-              <a:rPr lang="en-US" dirty="0"/>
-              <a:t>Performance and performance portability</a:t>
-            </a:r>
-          </a:p>
-          <a:p>
-            <a:pPr>
-              <a:spcBef>
-                <a:spcPts val="800"/>
-              </a:spcBef>
-            </a:pPr>
-            <a:r>
-              <a:rPr lang="en-US" dirty="0"/>
-              <a:t>…</a:t>
-            </a:r>
-          </a:p>
-        </p:txBody>
-      </p:sp>
-      <p:sp>
-        <p:nvSpPr>
-          <p:cNvPr id="7" name="Content Placeholder 6">
-            <a:extLst>
-              <a:ext uri="{FF2B5EF4-FFF2-40B4-BE49-F238E27FC236}">
-                <a16:creationId xmlns:a16="http://schemas.microsoft.com/office/drawing/2014/main" id="{F1C4C0C8-A19F-42A3-BF4E-B009E8F99501}"/>
-              </a:ext>
-            </a:extLst>
-          </p:cNvPr>
-          <p:cNvSpPr>
-            <a:spLocks noGrp="1"/>
-          </p:cNvSpPr>
-          <p:nvPr>
-            <p:ph sz="quarter" idx="4"/>
-          </p:nvPr>
-        </p:nvSpPr>
-        <p:spPr>
-          <a:xfrm>
-            <a:off x="6218914" y="1217891"/>
-            <a:ext cx="5531934" cy="3373229"/>
-          </a:xfrm>
-          <a:ln>
-            <a:noFill/>
-          </a:ln>
-        </p:spPr>
-        <p:txBody>
-          <a:bodyPr/>
-          <a:lstStyle/>
-          <a:p>
-            <a:pPr>
-              <a:spcBef>
-                <a:spcPts val="2400"/>
-              </a:spcBef>
-            </a:pPr>
-            <a:r>
-              <a:rPr lang="en-US" b="1" dirty="0">
-                <a:solidFill>
-                  <a:schemeClr val="tx2"/>
-                </a:solidFill>
-              </a:rPr>
-              <a:t>Also important topics, but…</a:t>
-            </a:r>
-          </a:p>
-          <a:p>
-            <a:pPr>
-              <a:spcBef>
-                <a:spcPts val="800"/>
-              </a:spcBef>
-            </a:pPr>
-            <a:r>
-              <a:rPr lang="en-US" dirty="0">
-                <a:solidFill>
-                  <a:schemeClr val="tx2"/>
-                </a:solidFill>
-              </a:rPr>
-              <a:t>Less distinction between research software and other software</a:t>
-            </a:r>
-          </a:p>
-          <a:p>
-            <a:pPr>
-              <a:spcBef>
-                <a:spcPts val="800"/>
-              </a:spcBef>
-            </a:pPr>
-            <a:r>
-              <a:rPr lang="en-US" dirty="0">
-                <a:solidFill>
-                  <a:schemeClr val="tx2"/>
-                </a:solidFill>
-              </a:rPr>
-              <a:t>More informational resources available</a:t>
-            </a:r>
-          </a:p>
-          <a:p>
-            <a:pPr>
-              <a:spcBef>
-                <a:spcPts val="800"/>
-              </a:spcBef>
-            </a:pPr>
-            <a:r>
-              <a:rPr lang="en-US" dirty="0">
-                <a:solidFill>
-                  <a:schemeClr val="tx2"/>
-                </a:solidFill>
-              </a:rPr>
-              <a:t>Next-level concerns for starting researchers</a:t>
-            </a:r>
-          </a:p>
-          <a:p>
-            <a:pPr>
-              <a:spcBef>
-                <a:spcPts val="800"/>
-              </a:spcBef>
-            </a:pPr>
-            <a:r>
-              <a:rPr lang="en-US" dirty="0">
-                <a:solidFill>
-                  <a:schemeClr val="tx2"/>
-                </a:solidFill>
-              </a:rPr>
-              <a:t>There’s only so much time in the day!</a:t>
-            </a:r>
-          </a:p>
-          <a:p>
-            <a:endParaRPr lang="en-US" dirty="0"/>
-          </a:p>
-        </p:txBody>
-      </p:sp>
-    </p:spTree>
-    <p:extLst>
-      <p:ext uri="{BB962C8B-B14F-4D97-AF65-F5344CB8AC3E}">
-        <p14:creationId xmlns:p14="http://schemas.microsoft.com/office/powerpoint/2010/main" val="4072028838"/>
+        <p14:creationId xmlns:p14="http://schemas.microsoft.com/office/powerpoint/2010/main" val="254769955"/>
       </p:ext>
     </p:extLst>
   </p:cSld>
@@ -8978,12 +7528,6 @@
 </file>
 
 <file path=customXml/item1.xml><?xml version="1.0" encoding="utf-8"?>
-<p:properties xmlns:p="http://schemas.microsoft.com/office/2006/metadata/properties" xmlns:xsi="http://www.w3.org/2001/XMLSchema-instance" xmlns:pc="http://schemas.microsoft.com/office/infopath/2007/PartnerControls">
-  <documentManagement/>
-</p:properties>
-</file>
-
-<file path=customXml/item2.xml><?xml version="1.0" encoding="utf-8"?>
 <ct:contentTypeSchema xmlns:ct="http://schemas.microsoft.com/office/2006/metadata/contentType" xmlns:ma="http://schemas.microsoft.com/office/2006/metadata/properties/metaAttributes" ct:_="" ma:_="" ma:contentTypeName="Document" ma:contentTypeID="0x010100565464437F680748A68B85EB6594EA7D" ma:contentTypeVersion="0" ma:contentTypeDescription="Create a new document." ma:contentTypeScope="" ma:versionID="fe3f4dd58d5914c51cfc6deaa8ad845c">
   <xsd:schema xmlns:xsd="http://www.w3.org/2001/XMLSchema" xmlns:p="http://schemas.microsoft.com/office/2006/metadata/properties" targetNamespace="http://schemas.microsoft.com/office/2006/metadata/properties" ma:root="true" ma:fieldsID="4aeb20c0e3442673af7ee10786458764">
     <xsd:element name="properties">
@@ -9032,6 +7576,12 @@
 </ct:contentTypeSchema>
 </file>
 
+<file path=customXml/item2.xml><?xml version="1.0" encoding="utf-8"?>
+<p:properties xmlns:p="http://schemas.microsoft.com/office/2006/metadata/properties" xmlns:xsi="http://www.w3.org/2001/XMLSchema-instance" xmlns:pc="http://schemas.microsoft.com/office/infopath/2007/PartnerControls">
+  <documentManagement/>
+</p:properties>
+</file>
+
 <file path=customXml/item3.xml><?xml version="1.0" encoding="utf-8"?>
 <?mso-contentType ?>
 <FormTemplates xmlns="http://schemas.microsoft.com/sharepoint/v3/contenttype/forms">
@@ -9042,6 +7592,21 @@
 </file>
 
 <file path=customXml/itemProps1.xml><?xml version="1.0" encoding="utf-8"?>
+<ds:datastoreItem xmlns:ds="http://schemas.openxmlformats.org/officeDocument/2006/customXml" ds:itemID="{E8DB7DEB-074E-4EE8-9B6E-FD277323109C}">
+  <ds:schemaRefs>
+    <ds:schemaRef ds:uri="http://schemas.microsoft.com/office/2006/metadata/contentType"/>
+    <ds:schemaRef ds:uri="http://schemas.microsoft.com/office/2006/metadata/properties/metaAttributes"/>
+    <ds:schemaRef ds:uri="http://www.w3.org/2001/XMLSchema"/>
+    <ds:schemaRef ds:uri="http://schemas.microsoft.com/office/2006/metadata/properties"/>
+    <ds:schemaRef ds:uri="http://schemas.openxmlformats.org/package/2006/metadata/core-properties"/>
+    <ds:schemaRef ds:uri="http://purl.org/dc/elements/1.1/"/>
+    <ds:schemaRef ds:uri="http://purl.org/dc/terms/"/>
+    <ds:schemaRef ds:uri="http://schemas.microsoft.com/office/internal/2005/internalDocumentation"/>
+  </ds:schemaRefs>
+</ds:datastoreItem>
+</file>
+
+<file path=customXml/itemProps2.xml><?xml version="1.0" encoding="utf-8"?>
 <ds:datastoreItem xmlns:ds="http://schemas.openxmlformats.org/officeDocument/2006/customXml" ds:itemID="{A50EC660-24D0-43A0-AE5E-E274115E726B}">
   <ds:schemaRefs>
     <ds:schemaRef ds:uri="http://purl.org/dc/elements/1.1/"/>
@@ -9056,21 +7621,6 @@
 </ds:datastoreItem>
 </file>
 
-<file path=customXml/itemProps2.xml><?xml version="1.0" encoding="utf-8"?>
-<ds:datastoreItem xmlns:ds="http://schemas.openxmlformats.org/officeDocument/2006/customXml" ds:itemID="{E8DB7DEB-074E-4EE8-9B6E-FD277323109C}">
-  <ds:schemaRefs>
-    <ds:schemaRef ds:uri="http://schemas.microsoft.com/office/2006/metadata/contentType"/>
-    <ds:schemaRef ds:uri="http://schemas.microsoft.com/office/2006/metadata/properties/metaAttributes"/>
-    <ds:schemaRef ds:uri="http://www.w3.org/2001/XMLSchema"/>
-    <ds:schemaRef ds:uri="http://schemas.microsoft.com/office/2006/metadata/properties"/>
-    <ds:schemaRef ds:uri="http://schemas.openxmlformats.org/package/2006/metadata/core-properties"/>
-    <ds:schemaRef ds:uri="http://purl.org/dc/elements/1.1/"/>
-    <ds:schemaRef ds:uri="http://purl.org/dc/terms/"/>
-    <ds:schemaRef ds:uri="http://schemas.microsoft.com/office/internal/2005/internalDocumentation"/>
-  </ds:schemaRefs>
-</ds:datastoreItem>
-</file>
-
 <file path=customXml/itemProps3.xml><?xml version="1.0" encoding="utf-8"?>
 <ds:datastoreItem xmlns:ds="http://schemas.openxmlformats.org/officeDocument/2006/customXml" ds:itemID="{19E20559-B232-4371-8690-E3D8007EDB82}">
   <ds:schemaRefs>

--- a/summary.pptx
+++ b/summary.pptx
@@ -262,7 +262,7 @@
           <a:p>
             <a:fld id="{0B842F42-2CE9-4E35-95C1-410DC08A50B1}" type="datetimeFigureOut">
               <a:rPr lang="en-US" smtClean="0"/>
-              <a:t>10/27/2022</a:t>
+              <a:t>4/3/23</a:t>
             </a:fld>
             <a:endParaRPr lang="en-US"/>
           </a:p>
@@ -427,7 +427,7 @@
           <a:p>
             <a:fld id="{6F282904-F315-4730-8D91-37D99E141A6F}" type="datetimeFigureOut">
               <a:rPr lang="en-US" smtClean="0"/>
-              <a:t>10/27/2022</a:t>
+              <a:t>4/3/23</a:t>
             </a:fld>
             <a:endParaRPr lang="en-US"/>
           </a:p>
@@ -4107,18 +4107,18 @@
           <a:p>
             <a:r>
               <a:rPr lang="en-US" u="sng" dirty="0"/>
-              <a:t>David E. Bernholdt </a:t>
+              <a:t>Patricia Grubel</a:t>
             </a:r>
             <a:r>
               <a:rPr lang="en-US" sz="2000" dirty="0"/>
-              <a:t>(he/him)</a:t>
+              <a:t>(she/her)</a:t>
             </a:r>
             <a:br>
               <a:rPr lang="en-US" sz="2000" u="sng" dirty="0"/>
             </a:br>
             <a:r>
               <a:rPr lang="en-US" sz="2000" dirty="0"/>
-              <a:t>Oak Ridge National Laboratory</a:t>
+              <a:t>Los Alamos National Laboratory</a:t>
             </a:r>
           </a:p>
           <a:p>
@@ -4129,7 +4129,7 @@
             </a:pPr>
             <a:r>
               <a:rPr lang="en-US" sz="2000" dirty="0"/>
-              <a:t>Better Scientific Software tutorial @ SC22</a:t>
+              <a:t>Better Scientific Software tutorial @ </a:t>
             </a:r>
           </a:p>
           <a:p>
@@ -4140,7 +4140,61 @@
             </a:pPr>
             <a:r>
               <a:rPr lang="en-US" sz="2000" dirty="0"/>
-              <a:t>Contributors: David E. Bernholdt (ORNL), Anshu Dubey (ANL), David M. Rogers (ORNL)</a:t>
+              <a:t>Contributors: David E. Bernholdt (ORNL), </a:t>
+            </a:r>
+            <a:r>
+              <a:rPr lang="en-US" sz="2000" dirty="0" err="1"/>
+              <a:t>Anshu</a:t>
+            </a:r>
+            <a:r>
+              <a:rPr lang="en-US" sz="2000" dirty="0"/>
+              <a:t> Dubey (ANL), </a:t>
+            </a:r>
+            <a:r>
+              <a:rPr lang="en-US" sz="2000"/>
+              <a:t>Patricia Grubel, David </a:t>
+            </a:r>
+            <a:r>
+              <a:rPr lang="en-US" sz="2000" dirty="0"/>
+              <a:t>M. Rogers (ORNL)</a:t>
+            </a:r>
+          </a:p>
+        </p:txBody>
+      </p:sp>
+      <p:sp>
+        <p:nvSpPr>
+          <p:cNvPr id="3" name="TextBox 2">
+            <a:extLst>
+              <a:ext uri="{FF2B5EF4-FFF2-40B4-BE49-F238E27FC236}">
+                <a16:creationId xmlns:a16="http://schemas.microsoft.com/office/drawing/2014/main" id="{2D29CF90-BF55-49DC-D64D-47B71966DF64}"/>
+              </a:ext>
+            </a:extLst>
+          </p:cNvPr>
+          <p:cNvSpPr txBox="1"/>
+          <p:nvPr/>
+        </p:nvSpPr>
+        <p:spPr>
+          <a:xfrm>
+            <a:off x="9810888" y="5748995"/>
+            <a:ext cx="2089702" cy="369332"/>
+          </a:xfrm>
+          <a:prstGeom prst="rect">
+            <a:avLst/>
+          </a:prstGeom>
+          <a:noFill/>
+        </p:spPr>
+        <p:txBody>
+          <a:bodyPr wrap="square">
+            <a:spAutoFit/>
+          </a:bodyPr>
+          <a:lstStyle/>
+          <a:p>
+            <a:r>
+              <a:rPr lang="en-US" sz="1800" dirty="0">
+                <a:effectLst/>
+                <a:latin typeface="+mn-lt"/>
+              </a:rPr>
+              <a:t>LA-UR-23-XXXXX</a:t>
             </a:r>
           </a:p>
         </p:txBody>
@@ -4613,19 +4667,31 @@
           <a:p>
             <a:r>
               <a:rPr lang="en-US" dirty="0"/>
+              <a:t>Refactoring software</a:t>
+            </a:r>
+          </a:p>
+          <a:p>
+            <a:r>
+              <a:rPr lang="en-US" dirty="0"/>
               <a:t>Collaborative software development</a:t>
+            </a:r>
+          </a:p>
+          <a:p>
+            <a:r>
+              <a:rPr lang="en-US" dirty="0"/>
+              <a:t>Packaging</a:t>
+            </a:r>
+          </a:p>
+          <a:p>
+            <a:r>
+              <a:rPr lang="en-US" dirty="0"/>
+              <a:t>Testing strategies for complex software systems</a:t>
             </a:r>
           </a:p>
           <a:p>
             <a:r>
               <a:rPr lang="en-US" dirty="0"/>
               <a:t>Reproducibility</a:t>
-            </a:r>
-          </a:p>
-          <a:p>
-            <a:r>
-              <a:rPr lang="en-US" dirty="0"/>
-              <a:t>Testing strategies for complex software systems</a:t>
             </a:r>
           </a:p>
         </p:txBody>
@@ -4757,7 +4823,7 @@
             </a:pPr>
             <a:r>
               <a:rPr lang="en-US" dirty="0"/>
-              <a:t>Packaging and distribution</a:t>
+              <a:t>Distribution</a:t>
             </a:r>
           </a:p>
           <a:p>
@@ -4779,7 +4845,7 @@
             </a:pPr>
             <a:r>
               <a:rPr lang="en-US" dirty="0"/>
-              <a:t>Configuration and build</a:t>
+              <a:t>Configuration and building</a:t>
             </a:r>
           </a:p>
           <a:p>
@@ -6537,71 +6603,6 @@
           </a:prstGeom>
         </p:spPr>
       </p:pic>
-      <p:sp>
-        <p:nvSpPr>
-          <p:cNvPr id="4" name="TextBox 3">
-            <a:extLst>
-              <a:ext uri="{FF2B5EF4-FFF2-40B4-BE49-F238E27FC236}">
-                <a16:creationId xmlns:a16="http://schemas.microsoft.com/office/drawing/2014/main" id="{10A66B8C-AF67-6D20-0B3A-CE53D1DB1ADC}"/>
-              </a:ext>
-            </a:extLst>
-          </p:cNvPr>
-          <p:cNvSpPr txBox="1"/>
-          <p:nvPr/>
-        </p:nvSpPr>
-        <p:spPr>
-          <a:xfrm>
-            <a:off x="6682265" y="2815357"/>
-            <a:ext cx="5140800" cy="1763560"/>
-          </a:xfrm>
-          <a:prstGeom prst="rect">
-            <a:avLst/>
-          </a:prstGeom>
-          <a:solidFill>
-            <a:srgbClr val="FFFF00"/>
-          </a:solidFill>
-          <a:ln w="28575">
-            <a:solidFill>
-              <a:schemeClr val="tx1"/>
-            </a:solidFill>
-          </a:ln>
-        </p:spPr>
-        <p:txBody>
-          <a:bodyPr wrap="square" lIns="118872" tIns="91440" rIns="118872" bIns="91440" rtlCol="0" anchor="ctr" anchorCtr="0">
-            <a:spAutoFit/>
-          </a:bodyPr>
-          <a:lstStyle/>
-          <a:p>
-            <a:pPr algn="ctr">
-              <a:lnSpc>
-                <a:spcPct val="90000"/>
-              </a:lnSpc>
-            </a:pPr>
-            <a:r>
-              <a:rPr lang="en-US" sz="2400" dirty="0"/>
-              <a:t>You may also be interested in these other software-related events at SC22: </a:t>
-            </a:r>
-            <a:r>
-              <a:rPr lang="en-US" sz="2400" dirty="0">
-                <a:hlinkClick r:id="rId10"/>
-              </a:rPr>
-              <a:t>https://bssw.io/events/sc22-software-related-events</a:t>
-            </a:r>
-            <a:endParaRPr lang="en-US" sz="2400" dirty="0"/>
-          </a:p>
-          <a:p>
-            <a:pPr algn="ctr">
-              <a:lnSpc>
-                <a:spcPct val="90000"/>
-              </a:lnSpc>
-            </a:pPr>
-            <a:r>
-              <a:rPr lang="en-US" dirty="0"/>
-              <a:t>(link is also on tutorial webpage)</a:t>
-            </a:r>
-          </a:p>
-        </p:txBody>
-      </p:sp>
     </p:spTree>
     <p:extLst>
       <p:ext uri="{BB962C8B-B14F-4D97-AF65-F5344CB8AC3E}">
@@ -7528,6 +7529,21 @@
 </file>
 
 <file path=customXml/item1.xml><?xml version="1.0" encoding="utf-8"?>
+<?mso-contentType ?>
+<FormTemplates xmlns="http://schemas.microsoft.com/sharepoint/v3/contenttype/forms">
+  <Display>DocumentLibraryForm</Display>
+  <Edit>DocumentLibraryForm</Edit>
+  <New>DocumentLibraryForm</New>
+</FormTemplates>
+</file>
+
+<file path=customXml/item2.xml><?xml version="1.0" encoding="utf-8"?>
+<p:properties xmlns:p="http://schemas.microsoft.com/office/2006/metadata/properties" xmlns:xsi="http://www.w3.org/2001/XMLSchema-instance" xmlns:pc="http://schemas.microsoft.com/office/infopath/2007/PartnerControls">
+  <documentManagement/>
+</p:properties>
+</file>
+
+<file path=customXml/item3.xml><?xml version="1.0" encoding="utf-8"?>
 <ct:contentTypeSchema xmlns:ct="http://schemas.microsoft.com/office/2006/metadata/contentType" xmlns:ma="http://schemas.microsoft.com/office/2006/metadata/properties/metaAttributes" ct:_="" ma:_="" ma:contentTypeName="Document" ma:contentTypeID="0x010100565464437F680748A68B85EB6594EA7D" ma:contentTypeVersion="0" ma:contentTypeDescription="Create a new document." ma:contentTypeScope="" ma:versionID="fe3f4dd58d5914c51cfc6deaa8ad845c">
   <xsd:schema xmlns:xsd="http://www.w3.org/2001/XMLSchema" xmlns:p="http://schemas.microsoft.com/office/2006/metadata/properties" targetNamespace="http://schemas.microsoft.com/office/2006/metadata/properties" ma:root="true" ma:fieldsID="4aeb20c0e3442673af7ee10786458764">
     <xsd:element name="properties">
@@ -7576,32 +7592,10 @@
 </ct:contentTypeSchema>
 </file>
 
-<file path=customXml/item2.xml><?xml version="1.0" encoding="utf-8"?>
-<p:properties xmlns:p="http://schemas.microsoft.com/office/2006/metadata/properties" xmlns:xsi="http://www.w3.org/2001/XMLSchema-instance" xmlns:pc="http://schemas.microsoft.com/office/infopath/2007/PartnerControls">
-  <documentManagement/>
-</p:properties>
-</file>
-
-<file path=customXml/item3.xml><?xml version="1.0" encoding="utf-8"?>
-<?mso-contentType ?>
-<FormTemplates xmlns="http://schemas.microsoft.com/sharepoint/v3/contenttype/forms">
-  <Display>DocumentLibraryForm</Display>
-  <Edit>DocumentLibraryForm</Edit>
-  <New>DocumentLibraryForm</New>
-</FormTemplates>
-</file>
-
 <file path=customXml/itemProps1.xml><?xml version="1.0" encoding="utf-8"?>
-<ds:datastoreItem xmlns:ds="http://schemas.openxmlformats.org/officeDocument/2006/customXml" ds:itemID="{E8DB7DEB-074E-4EE8-9B6E-FD277323109C}">
+<ds:datastoreItem xmlns:ds="http://schemas.openxmlformats.org/officeDocument/2006/customXml" ds:itemID="{19E20559-B232-4371-8690-E3D8007EDB82}">
   <ds:schemaRefs>
-    <ds:schemaRef ds:uri="http://schemas.microsoft.com/office/2006/metadata/contentType"/>
-    <ds:schemaRef ds:uri="http://schemas.microsoft.com/office/2006/metadata/properties/metaAttributes"/>
-    <ds:schemaRef ds:uri="http://www.w3.org/2001/XMLSchema"/>
-    <ds:schemaRef ds:uri="http://schemas.microsoft.com/office/2006/metadata/properties"/>
-    <ds:schemaRef ds:uri="http://schemas.openxmlformats.org/package/2006/metadata/core-properties"/>
-    <ds:schemaRef ds:uri="http://purl.org/dc/elements/1.1/"/>
-    <ds:schemaRef ds:uri="http://purl.org/dc/terms/"/>
-    <ds:schemaRef ds:uri="http://schemas.microsoft.com/office/internal/2005/internalDocumentation"/>
+    <ds:schemaRef ds:uri="http://schemas.microsoft.com/sharepoint/v3/contenttype/forms"/>
   </ds:schemaRefs>
 </ds:datastoreItem>
 </file>
@@ -7622,9 +7616,16 @@
 </file>
 
 <file path=customXml/itemProps3.xml><?xml version="1.0" encoding="utf-8"?>
-<ds:datastoreItem xmlns:ds="http://schemas.openxmlformats.org/officeDocument/2006/customXml" ds:itemID="{19E20559-B232-4371-8690-E3D8007EDB82}">
+<ds:datastoreItem xmlns:ds="http://schemas.openxmlformats.org/officeDocument/2006/customXml" ds:itemID="{E8DB7DEB-074E-4EE8-9B6E-FD277323109C}">
   <ds:schemaRefs>
-    <ds:schemaRef ds:uri="http://schemas.microsoft.com/sharepoint/v3/contenttype/forms"/>
+    <ds:schemaRef ds:uri="http://schemas.microsoft.com/office/2006/metadata/contentType"/>
+    <ds:schemaRef ds:uri="http://schemas.microsoft.com/office/2006/metadata/properties/metaAttributes"/>
+    <ds:schemaRef ds:uri="http://www.w3.org/2001/XMLSchema"/>
+    <ds:schemaRef ds:uri="http://schemas.microsoft.com/office/2006/metadata/properties"/>
+    <ds:schemaRef ds:uri="http://schemas.openxmlformats.org/package/2006/metadata/core-properties"/>
+    <ds:schemaRef ds:uri="http://purl.org/dc/elements/1.1/"/>
+    <ds:schemaRef ds:uri="http://purl.org/dc/terms/"/>
+    <ds:schemaRef ds:uri="http://schemas.microsoft.com/office/internal/2005/internalDocumentation"/>
   </ds:schemaRefs>
 </ds:datastoreItem>
 </file>
--- a/summary.pptx
+++ b/summary.pptx
@@ -262,7 +262,7 @@
           <a:p>
             <a:fld id="{0B842F42-2CE9-4E35-95C1-410DC08A50B1}" type="datetimeFigureOut">
               <a:rPr lang="en-US" smtClean="0"/>
-              <a:t>4/3/23</a:t>
+              <a:t>4/6/23</a:t>
             </a:fld>
             <a:endParaRPr lang="en-US"/>
           </a:p>
@@ -427,7 +427,7 @@
           <a:p>
             <a:fld id="{6F282904-F315-4730-8D91-37D99E141A6F}" type="datetimeFigureOut">
               <a:rPr lang="en-US" smtClean="0"/>
-              <a:t>4/3/23</a:t>
+              <a:t>4/6/23</a:t>
             </a:fld>
             <a:endParaRPr lang="en-US"/>
           </a:p>
@@ -4148,15 +4148,7 @@
             </a:r>
             <a:r>
               <a:rPr lang="en-US" sz="2000" dirty="0"/>
-              <a:t> Dubey (ANL), </a:t>
-            </a:r>
-            <a:r>
-              <a:rPr lang="en-US" sz="2000"/>
-              <a:t>Patricia Grubel, David </a:t>
-            </a:r>
-            <a:r>
-              <a:rPr lang="en-US" sz="2000" dirty="0"/>
-              <a:t>M. Rogers (ORNL)</a:t>
+              <a:t> Dubey (ANL), Patricia Grubel, David M. Rogers (ORNL)</a:t>
             </a:r>
           </a:p>
         </p:txBody>
@@ -4190,12 +4182,22 @@
           <a:lstStyle/>
           <a:p>
             <a:r>
-              <a:rPr lang="en-US" sz="1800" dirty="0">
+              <a:rPr lang="en-US">
                 <a:effectLst/>
                 <a:latin typeface="+mn-lt"/>
               </a:rPr>
-              <a:t>LA-UR-23-XXXXX</a:t>
-            </a:r>
+              <a:t>LA-UR-23-</a:t>
+            </a:r>
+            <a:r>
+              <a:rPr lang="en-US">
+                <a:latin typeface="+mn-lt"/>
+              </a:rPr>
+              <a:t>23522</a:t>
+            </a:r>
+            <a:endParaRPr lang="en-US" dirty="0">
+              <a:effectLst/>
+              <a:latin typeface="+mn-lt"/>
+            </a:endParaRPr>
           </a:p>
         </p:txBody>
       </p:sp>
@@ -7529,18 +7531,18 @@
 </file>
 
 <file path=customXml/item1.xml><?xml version="1.0" encoding="utf-8"?>
+<p:properties xmlns:p="http://schemas.microsoft.com/office/2006/metadata/properties" xmlns:xsi="http://www.w3.org/2001/XMLSchema-instance" xmlns:pc="http://schemas.microsoft.com/office/infopath/2007/PartnerControls">
+  <documentManagement/>
+</p:properties>
+</file>
+
+<file path=customXml/item2.xml><?xml version="1.0" encoding="utf-8"?>
 <?mso-contentType ?>
 <FormTemplates xmlns="http://schemas.microsoft.com/sharepoint/v3/contenttype/forms">
   <Display>DocumentLibraryForm</Display>
   <Edit>DocumentLibraryForm</Edit>
   <New>DocumentLibraryForm</New>
 </FormTemplates>
-</file>
-
-<file path=customXml/item2.xml><?xml version="1.0" encoding="utf-8"?>
-<p:properties xmlns:p="http://schemas.microsoft.com/office/2006/metadata/properties" xmlns:xsi="http://www.w3.org/2001/XMLSchema-instance" xmlns:pc="http://schemas.microsoft.com/office/infopath/2007/PartnerControls">
-  <documentManagement/>
-</p:properties>
 </file>
 
 <file path=customXml/item3.xml><?xml version="1.0" encoding="utf-8"?>
@@ -7593,14 +7595,6 @@
 </file>
 
 <file path=customXml/itemProps1.xml><?xml version="1.0" encoding="utf-8"?>
-<ds:datastoreItem xmlns:ds="http://schemas.openxmlformats.org/officeDocument/2006/customXml" ds:itemID="{19E20559-B232-4371-8690-E3D8007EDB82}">
-  <ds:schemaRefs>
-    <ds:schemaRef ds:uri="http://schemas.microsoft.com/sharepoint/v3/contenttype/forms"/>
-  </ds:schemaRefs>
-</ds:datastoreItem>
-</file>
-
-<file path=customXml/itemProps2.xml><?xml version="1.0" encoding="utf-8"?>
 <ds:datastoreItem xmlns:ds="http://schemas.openxmlformats.org/officeDocument/2006/customXml" ds:itemID="{A50EC660-24D0-43A0-AE5E-E274115E726B}">
   <ds:schemaRefs>
     <ds:schemaRef ds:uri="http://purl.org/dc/elements/1.1/"/>
@@ -7611,6 +7605,14 @@
     <ds:schemaRef ds:uri="http://www.w3.org/XML/1998/namespace"/>
     <ds:schemaRef ds:uri="http://purl.org/dc/dcmitype/"/>
     <ds:schemaRef ds:uri="http://schemas.microsoft.com/office/infopath/2007/PartnerControls"/>
+  </ds:schemaRefs>
+</ds:datastoreItem>
+</file>
+
+<file path=customXml/itemProps2.xml><?xml version="1.0" encoding="utf-8"?>
+<ds:datastoreItem xmlns:ds="http://schemas.openxmlformats.org/officeDocument/2006/customXml" ds:itemID="{19E20559-B232-4371-8690-E3D8007EDB82}">
+  <ds:schemaRefs>
+    <ds:schemaRef ds:uri="http://schemas.microsoft.com/sharepoint/v3/contenttype/forms"/>
   </ds:schemaRefs>
 </ds:datastoreItem>
 </file>

--- a/summary.pptx
+++ b/summary.pptx
@@ -12,7 +12,7 @@
   </p:handoutMasterIdLst>
   <p:sldIdLst>
     <p:sldId id="318" r:id="rId5"/>
-    <p:sldId id="1848" r:id="rId6"/>
+    <p:sldId id="320" r:id="rId6"/>
     <p:sldId id="1819" r:id="rId7"/>
     <p:sldId id="1844" r:id="rId8"/>
     <p:sldId id="1830" r:id="rId9"/>
@@ -262,7 +262,7 @@
           <a:p>
             <a:fld id="{0B842F42-2CE9-4E35-95C1-410DC08A50B1}" type="datetimeFigureOut">
               <a:rPr lang="en-US" smtClean="0"/>
-              <a:t>4/6/23</a:t>
+              <a:t>4/15/2023</a:t>
             </a:fld>
             <a:endParaRPr lang="en-US"/>
           </a:p>
@@ -427,7 +427,7 @@
           <a:p>
             <a:fld id="{6F282904-F315-4730-8D91-37D99E141A6F}" type="datetimeFigureOut">
               <a:rPr lang="en-US" smtClean="0"/>
-              <a:t>4/6/23</a:t>
+              <a:t>4/15/2023</a:t>
             </a:fld>
             <a:endParaRPr lang="en-US"/>
           </a:p>
@@ -4110,6 +4110,10 @@
               <a:t>Patricia Grubel</a:t>
             </a:r>
             <a:r>
+              <a:rPr lang="en-US" dirty="0"/>
+              <a:t> </a:t>
+            </a:r>
+            <a:r>
               <a:rPr lang="en-US" sz="2000" dirty="0"/>
               <a:t>(she/her)</a:t>
             </a:r>
@@ -4129,7 +4133,14 @@
             </a:pPr>
             <a:r>
               <a:rPr lang="en-US" sz="2000" dirty="0"/>
-              <a:t>Better Scientific Software tutorial @ </a:t>
+              <a:t>Better Scientific Software tutorial </a:t>
+            </a:r>
+            <a:br>
+              <a:rPr lang="en-US" sz="2000" dirty="0"/>
+            </a:br>
+            <a:r>
+              <a:rPr lang="en-US" sz="2000" dirty="0"/>
+              <a:t>@ Improving Scientific Software conference (2023)</a:t>
             </a:r>
           </a:p>
           <a:p>
@@ -4333,16 +4344,37 @@
             </a:pPr>
             <a:r>
               <a:rPr lang="en-US" sz="1600" b="1" dirty="0"/>
-              <a:t>The requested citation the overall tutorial is: David E. Bernholdt, Anshu Dubey, and Patricia A. Grubel, Better Scientific Software tutorial, in The International Conference for High-Performance Computing, Networking, Storage, and Analysis (SC22), Dallas, Texas, 2022. DOI: </a:t>
-            </a:r>
-            <a:r>
-              <a:rPr lang="en-US" sz="1600" b="1" dirty="0">
+              <a:t>The requested citation the overall tutorial is: </a:t>
+            </a:r>
+            <a:r>
+              <a:rPr lang="en-US" sz="1600" b="0" i="0" dirty="0">
+                <a:solidFill>
+                  <a:srgbClr val="111111"/>
+                </a:solidFill>
+                <a:effectLst/>
+                <a:latin typeface="+mn-lt"/>
+              </a:rPr>
+              <a:t>David E. Bernholdt, Patricia A. Grubel, and David M. Rogers, Better Scientific Software tutorial, in Improving Scientific Software, Boulder, Colorado and online, 2023. DOI: </a:t>
+            </a:r>
+            <a:r>
+              <a:rPr lang="en-US" sz="1600" b="0" i="0" dirty="0">
+                <a:solidFill>
+                  <a:srgbClr val="111111"/>
+                </a:solidFill>
+                <a:effectLst/>
+                <a:latin typeface="+mn-lt"/>
                 <a:hlinkClick r:id="rId4"/>
               </a:rPr>
-              <a:t>10.6084/m9.figshare.21384057</a:t>
-            </a:r>
-            <a:r>
-              <a:rPr lang="en-US" sz="1600" b="1" dirty="0"/>
+              <a:t>10.6084/m9.figshare.22179748</a:t>
+            </a:r>
+            <a:r>
+              <a:rPr lang="en-US" sz="1600" b="0" i="0" dirty="0">
+                <a:solidFill>
+                  <a:srgbClr val="111111"/>
+                </a:solidFill>
+                <a:effectLst/>
+                <a:latin typeface="+mn-lt"/>
+              </a:rPr>
               <a:t>.</a:t>
             </a:r>
           </a:p>
@@ -4362,7 +4394,21 @@
             </a:r>
             <a:r>
               <a:rPr lang="en-US" sz="1600" dirty="0"/>
-              <a:t>, in Better Scientific Software tutorial, …</a:t>
+              <a:t>, in </a:t>
+            </a:r>
+            <a:r>
+              <a:rPr lang="en-US" sz="1600" b="0" i="1" dirty="0">
+                <a:solidFill>
+                  <a:srgbClr val="111111"/>
+                </a:solidFill>
+                <a:effectLst/>
+                <a:latin typeface="+mn-lt"/>
+              </a:rPr>
+              <a:t>Tutorial Title</a:t>
+            </a:r>
+            <a:r>
+              <a:rPr lang="en-US" sz="1600" dirty="0"/>
+              <a:t>, …</a:t>
             </a:r>
           </a:p>
           <a:p>
@@ -4445,13 +4491,8 @@
             </a:pPr>
             <a:r>
               <a:rPr lang="en-US" sz="1400" dirty="0"/>
-              <a:t>This work was performed in part at Sandia National Laboratories. Sandia National Laboratories is a multi-mission laboratory managed and operated by National Technology and Engineering Solutions of Sandia, LLC., a wholly owned subsidiary of Honeywell International, Inc., for the U.S. Department of Energy’s National Nuclear Security Administration under contract </a:t>
-            </a:r>
-            <a:r>
-              <a:rPr lang="en-US" sz="1400"/>
-              <a:t>DE-NA0003525.</a:t>
-            </a:r>
-            <a:endParaRPr lang="en-US" sz="1400" dirty="0"/>
+              <a:t>This work was performed in part at Sandia National Laboratories. Sandia National Laboratories is a multi-mission laboratory managed and operated by National Technology and Engineering Solutions of Sandia, LLC., a wholly owned subsidiary of Honeywell International, Inc., for the U.S. Department of Energy’s National Nuclear Security Administration under contract DE-NA0003525.</a:t>
+            </a:r>
           </a:p>
         </p:txBody>
       </p:sp>
@@ -4505,7 +4546,7 @@
     </p:spTree>
     <p:extLst>
       <p:ext uri="{BB962C8B-B14F-4D97-AF65-F5344CB8AC3E}">
-        <p14:creationId xmlns:p14="http://schemas.microsoft.com/office/powerpoint/2010/main" val="978726433"/>
+        <p14:creationId xmlns:p14="http://schemas.microsoft.com/office/powerpoint/2010/main" val="1056021599"/>
       </p:ext>
     </p:extLst>
   </p:cSld>
@@ -7531,21 +7572,6 @@
 </file>
 
 <file path=customXml/item1.xml><?xml version="1.0" encoding="utf-8"?>
-<p:properties xmlns:p="http://schemas.microsoft.com/office/2006/metadata/properties" xmlns:xsi="http://www.w3.org/2001/XMLSchema-instance" xmlns:pc="http://schemas.microsoft.com/office/infopath/2007/PartnerControls">
-  <documentManagement/>
-</p:properties>
-</file>
-
-<file path=customXml/item2.xml><?xml version="1.0" encoding="utf-8"?>
-<?mso-contentType ?>
-<FormTemplates xmlns="http://schemas.microsoft.com/sharepoint/v3/contenttype/forms">
-  <Display>DocumentLibraryForm</Display>
-  <Edit>DocumentLibraryForm</Edit>
-  <New>DocumentLibraryForm</New>
-</FormTemplates>
-</file>
-
-<file path=customXml/item3.xml><?xml version="1.0" encoding="utf-8"?>
 <ct:contentTypeSchema xmlns:ct="http://schemas.microsoft.com/office/2006/metadata/contentType" xmlns:ma="http://schemas.microsoft.com/office/2006/metadata/properties/metaAttributes" ct:_="" ma:_="" ma:contentTypeName="Document" ma:contentTypeID="0x010100565464437F680748A68B85EB6594EA7D" ma:contentTypeVersion="0" ma:contentTypeDescription="Create a new document." ma:contentTypeScope="" ma:versionID="fe3f4dd58d5914c51cfc6deaa8ad845c">
   <xsd:schema xmlns:xsd="http://www.w3.org/2001/XMLSchema" xmlns:p="http://schemas.microsoft.com/office/2006/metadata/properties" targetNamespace="http://schemas.microsoft.com/office/2006/metadata/properties" ma:root="true" ma:fieldsID="4aeb20c0e3442673af7ee10786458764">
     <xsd:element name="properties">
@@ -7594,17 +7620,32 @@
 </ct:contentTypeSchema>
 </file>
 
+<file path=customXml/item2.xml><?xml version="1.0" encoding="utf-8"?>
+<?mso-contentType ?>
+<FormTemplates xmlns="http://schemas.microsoft.com/sharepoint/v3/contenttype/forms">
+  <Display>DocumentLibraryForm</Display>
+  <Edit>DocumentLibraryForm</Edit>
+  <New>DocumentLibraryForm</New>
+</FormTemplates>
+</file>
+
+<file path=customXml/item3.xml><?xml version="1.0" encoding="utf-8"?>
+<p:properties xmlns:p="http://schemas.microsoft.com/office/2006/metadata/properties" xmlns:xsi="http://www.w3.org/2001/XMLSchema-instance" xmlns:pc="http://schemas.microsoft.com/office/infopath/2007/PartnerControls">
+  <documentManagement/>
+</p:properties>
+</file>
+
 <file path=customXml/itemProps1.xml><?xml version="1.0" encoding="utf-8"?>
-<ds:datastoreItem xmlns:ds="http://schemas.openxmlformats.org/officeDocument/2006/customXml" ds:itemID="{A50EC660-24D0-43A0-AE5E-E274115E726B}">
+<ds:datastoreItem xmlns:ds="http://schemas.openxmlformats.org/officeDocument/2006/customXml" ds:itemID="{E8DB7DEB-074E-4EE8-9B6E-FD277323109C}">
   <ds:schemaRefs>
+    <ds:schemaRef ds:uri="http://schemas.microsoft.com/office/2006/metadata/contentType"/>
+    <ds:schemaRef ds:uri="http://schemas.microsoft.com/office/2006/metadata/properties/metaAttributes"/>
+    <ds:schemaRef ds:uri="http://www.w3.org/2001/XMLSchema"/>
+    <ds:schemaRef ds:uri="http://schemas.microsoft.com/office/2006/metadata/properties"/>
+    <ds:schemaRef ds:uri="http://schemas.openxmlformats.org/package/2006/metadata/core-properties"/>
     <ds:schemaRef ds:uri="http://purl.org/dc/elements/1.1/"/>
-    <ds:schemaRef ds:uri="http://schemas.microsoft.com/office/2006/metadata/properties"/>
     <ds:schemaRef ds:uri="http://purl.org/dc/terms/"/>
-    <ds:schemaRef ds:uri="http://schemas.openxmlformats.org/package/2006/metadata/core-properties"/>
-    <ds:schemaRef ds:uri="http://schemas.microsoft.com/office/2006/documentManagement/types"/>
-    <ds:schemaRef ds:uri="http://www.w3.org/XML/1998/namespace"/>
-    <ds:schemaRef ds:uri="http://purl.org/dc/dcmitype/"/>
-    <ds:schemaRef ds:uri="http://schemas.microsoft.com/office/infopath/2007/PartnerControls"/>
+    <ds:schemaRef ds:uri="http://schemas.microsoft.com/office/internal/2005/internalDocumentation"/>
   </ds:schemaRefs>
 </ds:datastoreItem>
 </file>
@@ -7618,16 +7659,16 @@
 </file>
 
 <file path=customXml/itemProps3.xml><?xml version="1.0" encoding="utf-8"?>
-<ds:datastoreItem xmlns:ds="http://schemas.openxmlformats.org/officeDocument/2006/customXml" ds:itemID="{E8DB7DEB-074E-4EE8-9B6E-FD277323109C}">
+<ds:datastoreItem xmlns:ds="http://schemas.openxmlformats.org/officeDocument/2006/customXml" ds:itemID="{A50EC660-24D0-43A0-AE5E-E274115E726B}">
   <ds:schemaRefs>
-    <ds:schemaRef ds:uri="http://schemas.microsoft.com/office/2006/metadata/contentType"/>
-    <ds:schemaRef ds:uri="http://schemas.microsoft.com/office/2006/metadata/properties/metaAttributes"/>
-    <ds:schemaRef ds:uri="http://www.w3.org/2001/XMLSchema"/>
+    <ds:schemaRef ds:uri="http://purl.org/dc/elements/1.1/"/>
     <ds:schemaRef ds:uri="http://schemas.microsoft.com/office/2006/metadata/properties"/>
+    <ds:schemaRef ds:uri="http://purl.org/dc/terms/"/>
     <ds:schemaRef ds:uri="http://schemas.openxmlformats.org/package/2006/metadata/core-properties"/>
-    <ds:schemaRef ds:uri="http://purl.org/dc/elements/1.1/"/>
-    <ds:schemaRef ds:uri="http://purl.org/dc/terms/"/>
-    <ds:schemaRef ds:uri="http://schemas.microsoft.com/office/internal/2005/internalDocumentation"/>
+    <ds:schemaRef ds:uri="http://schemas.microsoft.com/office/2006/documentManagement/types"/>
+    <ds:schemaRef ds:uri="http://www.w3.org/XML/1998/namespace"/>
+    <ds:schemaRef ds:uri="http://purl.org/dc/dcmitype/"/>
+    <ds:schemaRef ds:uri="http://schemas.microsoft.com/office/infopath/2007/PartnerControls"/>
   </ds:schemaRefs>
 </ds:datastoreItem>
 </file>
--- a/summary.pptx
+++ b/summary.pptx
@@ -7572,6 +7572,15 @@
 </file>
 
 <file path=customXml/item1.xml><?xml version="1.0" encoding="utf-8"?>
+<?mso-contentType ?>
+<FormTemplates xmlns="http://schemas.microsoft.com/sharepoint/v3/contenttype/forms">
+  <Display>DocumentLibraryForm</Display>
+  <Edit>DocumentLibraryForm</Edit>
+  <New>DocumentLibraryForm</New>
+</FormTemplates>
+</file>
+
+<file path=customXml/item2.xml><?xml version="1.0" encoding="utf-8"?>
 <ct:contentTypeSchema xmlns:ct="http://schemas.microsoft.com/office/2006/metadata/contentType" xmlns:ma="http://schemas.microsoft.com/office/2006/metadata/properties/metaAttributes" ct:_="" ma:_="" ma:contentTypeName="Document" ma:contentTypeID="0x010100565464437F680748A68B85EB6594EA7D" ma:contentTypeVersion="0" ma:contentTypeDescription="Create a new document." ma:contentTypeScope="" ma:versionID="fe3f4dd58d5914c51cfc6deaa8ad845c">
   <xsd:schema xmlns:xsd="http://www.w3.org/2001/XMLSchema" xmlns:p="http://schemas.microsoft.com/office/2006/metadata/properties" targetNamespace="http://schemas.microsoft.com/office/2006/metadata/properties" ma:root="true" ma:fieldsID="4aeb20c0e3442673af7ee10786458764">
     <xsd:element name="properties">
@@ -7620,15 +7629,6 @@
 </ct:contentTypeSchema>
 </file>
 
-<file path=customXml/item2.xml><?xml version="1.0" encoding="utf-8"?>
-<?mso-contentType ?>
-<FormTemplates xmlns="http://schemas.microsoft.com/sharepoint/v3/contenttype/forms">
-  <Display>DocumentLibraryForm</Display>
-  <Edit>DocumentLibraryForm</Edit>
-  <New>DocumentLibraryForm</New>
-</FormTemplates>
-</file>
-
 <file path=customXml/item3.xml><?xml version="1.0" encoding="utf-8"?>
 <p:properties xmlns:p="http://schemas.microsoft.com/office/2006/metadata/properties" xmlns:xsi="http://www.w3.org/2001/XMLSchema-instance" xmlns:pc="http://schemas.microsoft.com/office/infopath/2007/PartnerControls">
   <documentManagement/>
@@ -7636,6 +7636,14 @@
 </file>
 
 <file path=customXml/itemProps1.xml><?xml version="1.0" encoding="utf-8"?>
+<ds:datastoreItem xmlns:ds="http://schemas.openxmlformats.org/officeDocument/2006/customXml" ds:itemID="{19E20559-B232-4371-8690-E3D8007EDB82}">
+  <ds:schemaRefs>
+    <ds:schemaRef ds:uri="http://schemas.microsoft.com/sharepoint/v3/contenttype/forms"/>
+  </ds:schemaRefs>
+</ds:datastoreItem>
+</file>
+
+<file path=customXml/itemProps2.xml><?xml version="1.0" encoding="utf-8"?>
 <ds:datastoreItem xmlns:ds="http://schemas.openxmlformats.org/officeDocument/2006/customXml" ds:itemID="{E8DB7DEB-074E-4EE8-9B6E-FD277323109C}">
   <ds:schemaRefs>
     <ds:schemaRef ds:uri="http://schemas.microsoft.com/office/2006/metadata/contentType"/>
@@ -7646,14 +7654,6 @@
     <ds:schemaRef ds:uri="http://purl.org/dc/elements/1.1/"/>
     <ds:schemaRef ds:uri="http://purl.org/dc/terms/"/>
     <ds:schemaRef ds:uri="http://schemas.microsoft.com/office/internal/2005/internalDocumentation"/>
-  </ds:schemaRefs>
-</ds:datastoreItem>
-</file>
-
-<file path=customXml/itemProps2.xml><?xml version="1.0" encoding="utf-8"?>
-<ds:datastoreItem xmlns:ds="http://schemas.openxmlformats.org/officeDocument/2006/customXml" ds:itemID="{19E20559-B232-4371-8690-E3D8007EDB82}">
-  <ds:schemaRefs>
-    <ds:schemaRef ds:uri="http://schemas.microsoft.com/sharepoint/v3/contenttype/forms"/>
   </ds:schemaRefs>
 </ds:datastoreItem>
 </file>

--- a/summary.pptx
+++ b/summary.pptx
@@ -12,7 +12,7 @@
   </p:handoutMasterIdLst>
   <p:sldIdLst>
     <p:sldId id="318" r:id="rId5"/>
-    <p:sldId id="320" r:id="rId6"/>
+    <p:sldId id="1848" r:id="rId6"/>
     <p:sldId id="1819" r:id="rId7"/>
     <p:sldId id="1844" r:id="rId8"/>
     <p:sldId id="1830" r:id="rId9"/>
@@ -262,7 +262,7 @@
           <a:p>
             <a:fld id="{0B842F42-2CE9-4E35-95C1-410DC08A50B1}" type="datetimeFigureOut">
               <a:rPr lang="en-US" smtClean="0"/>
-              <a:t>4/15/2023</a:t>
+              <a:t>5/9/2023</a:t>
             </a:fld>
             <a:endParaRPr lang="en-US"/>
           </a:p>
@@ -427,7 +427,7 @@
           <a:p>
             <a:fld id="{6F282904-F315-4730-8D91-37D99E141A6F}" type="datetimeFigureOut">
               <a:rPr lang="en-US" smtClean="0"/>
-              <a:t>4/15/2023</a:t>
+              <a:t>5/9/2023</a:t>
             </a:fld>
             <a:endParaRPr lang="en-US"/>
           </a:p>
@@ -4107,7 +4107,7 @@
           <a:p>
             <a:r>
               <a:rPr lang="en-US" u="sng" dirty="0"/>
-              <a:t>Patricia Grubel</a:t>
+              <a:t>Anshu Dubey</a:t>
             </a:r>
             <a:r>
               <a:rPr lang="en-US" dirty="0"/>
@@ -4122,7 +4122,7 @@
             </a:br>
             <a:r>
               <a:rPr lang="en-US" sz="2000" dirty="0"/>
-              <a:t>Los Alamos National Laboratory</a:t>
+              <a:t>Argonne National Laboratory</a:t>
             </a:r>
           </a:p>
           <a:p>
@@ -4133,14 +4133,7 @@
             </a:pPr>
             <a:r>
               <a:rPr lang="en-US" sz="2000" dirty="0"/>
-              <a:t>Better Scientific Software tutorial </a:t>
-            </a:r>
-            <a:br>
-              <a:rPr lang="en-US" sz="2000" dirty="0"/>
-            </a:br>
-            <a:r>
-              <a:rPr lang="en-US" sz="2000" dirty="0"/>
-              <a:t>@ Improving Scientific Software conference (2023)</a:t>
+              <a:t>Better Scientific Software tutorial @ ISC23</a:t>
             </a:r>
           </a:p>
           <a:p>
@@ -4161,54 +4154,6 @@
               <a:rPr lang="en-US" sz="2000" dirty="0"/>
               <a:t> Dubey (ANL), Patricia Grubel, David M. Rogers (ORNL)</a:t>
             </a:r>
-          </a:p>
-        </p:txBody>
-      </p:sp>
-      <p:sp>
-        <p:nvSpPr>
-          <p:cNvPr id="3" name="TextBox 2">
-            <a:extLst>
-              <a:ext uri="{FF2B5EF4-FFF2-40B4-BE49-F238E27FC236}">
-                <a16:creationId xmlns:a16="http://schemas.microsoft.com/office/drawing/2014/main" id="{2D29CF90-BF55-49DC-D64D-47B71966DF64}"/>
-              </a:ext>
-            </a:extLst>
-          </p:cNvPr>
-          <p:cNvSpPr txBox="1"/>
-          <p:nvPr/>
-        </p:nvSpPr>
-        <p:spPr>
-          <a:xfrm>
-            <a:off x="9810888" y="5748995"/>
-            <a:ext cx="2089702" cy="369332"/>
-          </a:xfrm>
-          <a:prstGeom prst="rect">
-            <a:avLst/>
-          </a:prstGeom>
-          <a:noFill/>
-        </p:spPr>
-        <p:txBody>
-          <a:bodyPr wrap="square">
-            <a:spAutoFit/>
-          </a:bodyPr>
-          <a:lstStyle/>
-          <a:p>
-            <a:r>
-              <a:rPr lang="en-US">
-                <a:effectLst/>
-                <a:latin typeface="+mn-lt"/>
-              </a:rPr>
-              <a:t>LA-UR-23-</a:t>
-            </a:r>
-            <a:r>
-              <a:rPr lang="en-US">
-                <a:latin typeface="+mn-lt"/>
-              </a:rPr>
-              <a:t>23522</a:t>
-            </a:r>
-            <a:endParaRPr lang="en-US" dirty="0">
-              <a:effectLst/>
-              <a:latin typeface="+mn-lt"/>
-            </a:endParaRPr>
           </a:p>
         </p:txBody>
       </p:sp>
@@ -4354,10 +4299,10 @@
                 <a:effectLst/>
                 <a:latin typeface="+mn-lt"/>
               </a:rPr>
-              <a:t>David E. Bernholdt, Patricia A. Grubel, and David M. Rogers, Better Scientific Software tutorial, in Improving Scientific Software, Boulder, Colorado and online, 2023. DOI: </a:t>
-            </a:r>
-            <a:r>
-              <a:rPr lang="en-US" sz="1600" b="0" i="0" dirty="0">
+              <a:t>Anshu Dubey and David M. Rogers, Better Scientific Software tutorial, in ISC High Performance, Hamburg, Germany and online, 2023. DOI: </a:t>
+            </a:r>
+            <a:r>
+              <a:rPr lang="en-US" sz="1600" b="0" i="0" u="sng" dirty="0">
                 <a:solidFill>
                   <a:srgbClr val="111111"/>
                 </a:solidFill>
@@ -4365,10 +4310,21 @@
                 <a:latin typeface="+mn-lt"/>
                 <a:hlinkClick r:id="rId4"/>
               </a:rPr>
-              <a:t>10.6084/m9.figshare.22179748</a:t>
-            </a:r>
-            <a:r>
-              <a:rPr lang="en-US" sz="1600" b="0" i="0" dirty="0">
+              <a:t>10.6084/m9.figshare</a:t>
+            </a:r>
+            <a:r>
+              <a:rPr lang="en-US" sz="1600" b="0" i="0" u="sng">
+                <a:solidFill>
+                  <a:srgbClr val="111111"/>
+                </a:solidFill>
+                <a:effectLst/>
+                <a:latin typeface="+mn-lt"/>
+                <a:hlinkClick r:id="rId4"/>
+              </a:rPr>
+              <a:t>.22790762</a:t>
+            </a:r>
+            <a:r>
+              <a:rPr lang="en-US" sz="1600" b="0" i="0">
                 <a:solidFill>
                   <a:srgbClr val="111111"/>
                 </a:solidFill>
@@ -4377,6 +4333,13 @@
               </a:rPr>
               <a:t>.</a:t>
             </a:r>
+            <a:endParaRPr lang="en-US" sz="1600" b="0" i="0" dirty="0">
+              <a:solidFill>
+                <a:srgbClr val="111111"/>
+              </a:solidFill>
+              <a:effectLst/>
+              <a:latin typeface="+mn-lt"/>
+            </a:endParaRPr>
           </a:p>
           <a:p>
             <a:pPr>
@@ -4546,7 +4509,7 @@
     </p:spTree>
     <p:extLst>
       <p:ext uri="{BB962C8B-B14F-4D97-AF65-F5344CB8AC3E}">
-        <p14:creationId xmlns:p14="http://schemas.microsoft.com/office/powerpoint/2010/main" val="1056021599"/>
+        <p14:creationId xmlns:p14="http://schemas.microsoft.com/office/powerpoint/2010/main" val="978726433"/>
       </p:ext>
     </p:extLst>
   </p:cSld>
@@ -7581,6 +7544,12 @@
 </file>
 
 <file path=customXml/item2.xml><?xml version="1.0" encoding="utf-8"?>
+<p:properties xmlns:p="http://schemas.microsoft.com/office/2006/metadata/properties" xmlns:xsi="http://www.w3.org/2001/XMLSchema-instance" xmlns:pc="http://schemas.microsoft.com/office/infopath/2007/PartnerControls">
+  <documentManagement/>
+</p:properties>
+</file>
+
+<file path=customXml/item3.xml><?xml version="1.0" encoding="utf-8"?>
 <ct:contentTypeSchema xmlns:ct="http://schemas.microsoft.com/office/2006/metadata/contentType" xmlns:ma="http://schemas.microsoft.com/office/2006/metadata/properties/metaAttributes" ct:_="" ma:_="" ma:contentTypeName="Document" ma:contentTypeID="0x010100565464437F680748A68B85EB6594EA7D" ma:contentTypeVersion="0" ma:contentTypeDescription="Create a new document." ma:contentTypeScope="" ma:versionID="fe3f4dd58d5914c51cfc6deaa8ad845c">
   <xsd:schema xmlns:xsd="http://www.w3.org/2001/XMLSchema" xmlns:p="http://schemas.microsoft.com/office/2006/metadata/properties" targetNamespace="http://schemas.microsoft.com/office/2006/metadata/properties" ma:root="true" ma:fieldsID="4aeb20c0e3442673af7ee10786458764">
     <xsd:element name="properties">
@@ -7629,12 +7598,6 @@
 </ct:contentTypeSchema>
 </file>
 
-<file path=customXml/item3.xml><?xml version="1.0" encoding="utf-8"?>
-<p:properties xmlns:p="http://schemas.microsoft.com/office/2006/metadata/properties" xmlns:xsi="http://www.w3.org/2001/XMLSchema-instance" xmlns:pc="http://schemas.microsoft.com/office/infopath/2007/PartnerControls">
-  <documentManagement/>
-</p:properties>
-</file>
-
 <file path=customXml/itemProps1.xml><?xml version="1.0" encoding="utf-8"?>
 <ds:datastoreItem xmlns:ds="http://schemas.openxmlformats.org/officeDocument/2006/customXml" ds:itemID="{19E20559-B232-4371-8690-E3D8007EDB82}">
   <ds:schemaRefs>
@@ -7644,6 +7607,21 @@
 </file>
 
 <file path=customXml/itemProps2.xml><?xml version="1.0" encoding="utf-8"?>
+<ds:datastoreItem xmlns:ds="http://schemas.openxmlformats.org/officeDocument/2006/customXml" ds:itemID="{A50EC660-24D0-43A0-AE5E-E274115E726B}">
+  <ds:schemaRefs>
+    <ds:schemaRef ds:uri="http://purl.org/dc/elements/1.1/"/>
+    <ds:schemaRef ds:uri="http://schemas.microsoft.com/office/2006/metadata/properties"/>
+    <ds:schemaRef ds:uri="http://purl.org/dc/terms/"/>
+    <ds:schemaRef ds:uri="http://schemas.openxmlformats.org/package/2006/metadata/core-properties"/>
+    <ds:schemaRef ds:uri="http://schemas.microsoft.com/office/2006/documentManagement/types"/>
+    <ds:schemaRef ds:uri="http://www.w3.org/XML/1998/namespace"/>
+    <ds:schemaRef ds:uri="http://purl.org/dc/dcmitype/"/>
+    <ds:schemaRef ds:uri="http://schemas.microsoft.com/office/infopath/2007/PartnerControls"/>
+  </ds:schemaRefs>
+</ds:datastoreItem>
+</file>
+
+<file path=customXml/itemProps3.xml><?xml version="1.0" encoding="utf-8"?>
 <ds:datastoreItem xmlns:ds="http://schemas.openxmlformats.org/officeDocument/2006/customXml" ds:itemID="{E8DB7DEB-074E-4EE8-9B6E-FD277323109C}">
   <ds:schemaRefs>
     <ds:schemaRef ds:uri="http://schemas.microsoft.com/office/2006/metadata/contentType"/>
@@ -7656,19 +7634,4 @@
     <ds:schemaRef ds:uri="http://schemas.microsoft.com/office/internal/2005/internalDocumentation"/>
   </ds:schemaRefs>
 </ds:datastoreItem>
-</file>
-
-<file path=customXml/itemProps3.xml><?xml version="1.0" encoding="utf-8"?>
-<ds:datastoreItem xmlns:ds="http://schemas.openxmlformats.org/officeDocument/2006/customXml" ds:itemID="{A50EC660-24D0-43A0-AE5E-E274115E726B}">
-  <ds:schemaRefs>
-    <ds:schemaRef ds:uri="http://purl.org/dc/elements/1.1/"/>
-    <ds:schemaRef ds:uri="http://schemas.microsoft.com/office/2006/metadata/properties"/>
-    <ds:schemaRef ds:uri="http://purl.org/dc/terms/"/>
-    <ds:schemaRef ds:uri="http://schemas.openxmlformats.org/package/2006/metadata/core-properties"/>
-    <ds:schemaRef ds:uri="http://schemas.microsoft.com/office/2006/documentManagement/types"/>
-    <ds:schemaRef ds:uri="http://www.w3.org/XML/1998/namespace"/>
-    <ds:schemaRef ds:uri="http://purl.org/dc/dcmitype/"/>
-    <ds:schemaRef ds:uri="http://schemas.microsoft.com/office/infopath/2007/PartnerControls"/>
-  </ds:schemaRefs>
-</ds:datastoreItem>
 </file>
--- a/summary.pptx
+++ b/summary.pptx
@@ -12,7 +12,7 @@
   </p:handoutMasterIdLst>
   <p:sldIdLst>
     <p:sldId id="318" r:id="rId5"/>
-    <p:sldId id="1848" r:id="rId6"/>
+    <p:sldId id="320" r:id="rId6"/>
     <p:sldId id="1819" r:id="rId7"/>
     <p:sldId id="1844" r:id="rId8"/>
     <p:sldId id="1830" r:id="rId9"/>
@@ -262,7 +262,7 @@
           <a:p>
             <a:fld id="{0B842F42-2CE9-4E35-95C1-410DC08A50B1}" type="datetimeFigureOut">
               <a:rPr lang="en-US" smtClean="0"/>
-              <a:t>5/9/2023</a:t>
+              <a:t>7/28/2023</a:t>
             </a:fld>
             <a:endParaRPr lang="en-US"/>
           </a:p>
@@ -427,7 +427,7 @@
           <a:p>
             <a:fld id="{6F282904-F315-4730-8D91-37D99E141A6F}" type="datetimeFigureOut">
               <a:rPr lang="en-US" smtClean="0"/>
-              <a:t>5/9/2023</a:t>
+              <a:t>7/28/2023</a:t>
             </a:fld>
             <a:endParaRPr lang="en-US"/>
           </a:p>
@@ -4107,7 +4107,7 @@
           <a:p>
             <a:r>
               <a:rPr lang="en-US" u="sng" dirty="0"/>
-              <a:t>Anshu Dubey</a:t>
+              <a:t>David E. Bernholdt</a:t>
             </a:r>
             <a:r>
               <a:rPr lang="en-US" dirty="0"/>
@@ -4115,14 +4115,14 @@
             </a:r>
             <a:r>
               <a:rPr lang="en-US" sz="2000" dirty="0"/>
-              <a:t>(she/her)</a:t>
+              <a:t>(he/him)</a:t>
             </a:r>
             <a:br>
               <a:rPr lang="en-US" sz="2000" u="sng" dirty="0"/>
             </a:br>
             <a:r>
               <a:rPr lang="en-US" sz="2000" dirty="0"/>
-              <a:t>Argonne National Laboratory</a:t>
+              <a:t>Oak Ridge National Laboratory</a:t>
             </a:r>
           </a:p>
           <a:p>
@@ -4133,7 +4133,7 @@
             </a:pPr>
             <a:r>
               <a:rPr lang="en-US" sz="2000" dirty="0"/>
-              <a:t>Better Scientific Software tutorial @ ISC23</a:t>
+              <a:t>Better Scientific Software tutorial @ NOAA Global Systems Laboratory </a:t>
             </a:r>
           </a:p>
           <a:p>
@@ -4297,49 +4297,31 @@
                   <a:srgbClr val="111111"/>
                 </a:solidFill>
                 <a:effectLst/>
-                <a:latin typeface="+mn-lt"/>
+                <a:latin typeface="+mj-lt"/>
               </a:rPr>
-              <a:t>Anshu Dubey and David M. Rogers, Better Scientific Software tutorial, in ISC High Performance, Hamburg, Germany and online, 2023. DOI: </a:t>
-            </a:r>
-            <a:r>
-              <a:rPr lang="en-US" sz="1600" b="0" i="0" u="sng" dirty="0">
+              <a:t>David E. Bernholdt, Anshu Dubey, and Patricia A. Grubel, Better Scientific Software tutorial, in NOAA Global Systems Laboratory, Boulder, Colorado, 2023. DOI: </a:t>
+            </a:r>
+            <a:r>
+              <a:rPr lang="en-US" sz="1600" b="0" i="0" u="none" strike="noStrike" dirty="0">
+                <a:solidFill>
+                  <a:srgbClr val="2A7AE2"/>
+                </a:solidFill>
+                <a:effectLst/>
+                <a:latin typeface="+mj-lt"/>
+                <a:hlinkClick r:id="rId4"/>
+              </a:rPr>
+              <a:t>10.6084/m9.figshare.23796606</a:t>
+            </a:r>
+            <a:r>
+              <a:rPr lang="en-US" sz="1600" b="0" i="0" dirty="0">
                 <a:solidFill>
                   <a:srgbClr val="111111"/>
                 </a:solidFill>
                 <a:effectLst/>
-                <a:latin typeface="+mn-lt"/>
-                <a:hlinkClick r:id="rId4"/>
-              </a:rPr>
-              <a:t>10.6084/m9.figshare</a:t>
-            </a:r>
-            <a:r>
-              <a:rPr lang="en-US" sz="1600" b="0" i="0" u="sng">
-                <a:solidFill>
-                  <a:srgbClr val="111111"/>
-                </a:solidFill>
-                <a:effectLst/>
-                <a:latin typeface="+mn-lt"/>
-                <a:hlinkClick r:id="rId4"/>
-              </a:rPr>
-              <a:t>.22790762</a:t>
-            </a:r>
-            <a:r>
-              <a:rPr lang="en-US" sz="1600" b="0" i="0">
-                <a:solidFill>
-                  <a:srgbClr val="111111"/>
-                </a:solidFill>
-                <a:effectLst/>
-                <a:latin typeface="+mn-lt"/>
+                <a:latin typeface="+mj-lt"/>
               </a:rPr>
               <a:t>.</a:t>
             </a:r>
-            <a:endParaRPr lang="en-US" sz="1600" b="0" i="0" dirty="0">
-              <a:solidFill>
-                <a:srgbClr val="111111"/>
-              </a:solidFill>
-              <a:effectLst/>
-              <a:latin typeface="+mn-lt"/>
-            </a:endParaRPr>
           </a:p>
           <a:p>
             <a:pPr>
@@ -4509,7 +4491,7 @@
     </p:spTree>
     <p:extLst>
       <p:ext uri="{BB962C8B-B14F-4D97-AF65-F5344CB8AC3E}">
-        <p14:creationId xmlns:p14="http://schemas.microsoft.com/office/powerpoint/2010/main" val="978726433"/>
+        <p14:creationId xmlns:p14="http://schemas.microsoft.com/office/powerpoint/2010/main" val="2395163906"/>
       </p:ext>
     </p:extLst>
   </p:cSld>
@@ -4639,7 +4621,7 @@
           <a:p>
             <a:r>
               <a:rPr lang="en-US" dirty="0"/>
-              <a:t>Today, We Covered Many Topics…</a:t>
+              <a:t>In the Last Two Days, We Covered Many Topics…</a:t>
             </a:r>
           </a:p>
         </p:txBody>
@@ -4698,6 +4680,18 @@
             <a:r>
               <a:rPr lang="en-US" dirty="0"/>
               <a:t>Reproducibility</a:t>
+            </a:r>
+          </a:p>
+          <a:p>
+            <a:r>
+              <a:rPr lang="en-US" dirty="0"/>
+              <a:t>Lab notebooks and managing computational experiments</a:t>
+            </a:r>
+          </a:p>
+          <a:p>
+            <a:r>
+              <a:rPr lang="en-US" dirty="0"/>
+              <a:t>Documentation</a:t>
             </a:r>
           </a:p>
         </p:txBody>
@@ -4788,17 +4782,6 @@
         <p:txBody>
           <a:bodyPr/>
           <a:lstStyle/>
-          <a:p>
-            <a:pPr>
-              <a:spcBef>
-                <a:spcPts val="800"/>
-              </a:spcBef>
-            </a:pPr>
-            <a:r>
-              <a:rPr lang="en-US" dirty="0"/>
-              <a:t>Documentation</a:t>
-            </a:r>
-          </a:p>
           <a:p>
             <a:pPr>
               <a:spcBef>

--- a/summary.pptx
+++ b/summary.pptx
@@ -12,7 +12,7 @@
   </p:handoutMasterIdLst>
   <p:sldIdLst>
     <p:sldId id="318" r:id="rId5"/>
-    <p:sldId id="320" r:id="rId6"/>
+    <p:sldId id="1848" r:id="rId6"/>
     <p:sldId id="1819" r:id="rId7"/>
     <p:sldId id="1844" r:id="rId8"/>
     <p:sldId id="1830" r:id="rId9"/>
@@ -262,7 +262,7 @@
           <a:p>
             <a:fld id="{0B842F42-2CE9-4E35-95C1-410DC08A50B1}" type="datetimeFigureOut">
               <a:rPr lang="en-US" smtClean="0"/>
-              <a:t>7/28/2023</a:t>
+              <a:t>8/3/2023</a:t>
             </a:fld>
             <a:endParaRPr lang="en-US"/>
           </a:p>
@@ -427,7 +427,7 @@
           <a:p>
             <a:fld id="{6F282904-F315-4730-8D91-37D99E141A6F}" type="datetimeFigureOut">
               <a:rPr lang="en-US" smtClean="0"/>
-              <a:t>7/28/2023</a:t>
+              <a:t>8/3/2023</a:t>
             </a:fld>
             <a:endParaRPr lang="en-US"/>
           </a:p>
@@ -4132,8 +4132,14 @@
               </a:spcBef>
             </a:pPr>
             <a:r>
-              <a:rPr lang="en-US" sz="2000" dirty="0"/>
-              <a:t>Better Scientific Software tutorial @ NOAA Global Systems Laboratory </a:t>
+              <a:rPr lang="en-US" sz="2000" b="0" i="0" dirty="0">
+                <a:solidFill>
+                  <a:srgbClr val="111111"/>
+                </a:solidFill>
+                <a:effectLst/>
+                <a:latin typeface="+mn-lt"/>
+              </a:rPr>
+              <a:t>Software Productivity and Sustainability track @ Argonne Training Program on Extreme-Scale Computing summer school</a:t>
             </a:r>
           </a:p>
           <a:p>
@@ -4144,7 +4150,15 @@
             </a:pPr>
             <a:r>
               <a:rPr lang="en-US" sz="2000" dirty="0"/>
-              <a:t>Contributors: David E. Bernholdt (ORNL), </a:t>
+              <a:t>Contributors: David E. Bernholdt (ORNL), Patricia A. </a:t>
+            </a:r>
+            <a:r>
+              <a:rPr lang="en-US" sz="2000" dirty="0" err="1"/>
+              <a:t>GruContributors</a:t>
+            </a:r>
+            <a:r>
+              <a:rPr lang="en-US" sz="2000" dirty="0"/>
+              <a:t>: David E. Bernholdt (ORNL), </a:t>
             </a:r>
             <a:r>
               <a:rPr lang="en-US" sz="2000" dirty="0" err="1"/>
@@ -4297,9 +4311,9 @@
                   <a:srgbClr val="111111"/>
                 </a:solidFill>
                 <a:effectLst/>
-                <a:latin typeface="+mj-lt"/>
+                <a:latin typeface="+mn-lt"/>
               </a:rPr>
-              <a:t>David E. Bernholdt, Anshu Dubey, and Patricia A. Grubel, Better Scientific Software tutorial, in NOAA Global Systems Laboratory, Boulder, Colorado, 2023. DOI: </a:t>
+              <a:t>Anshu Dubey, David E. Bernholdt, Greg Becker, and Jared O’Neal, Software Productivity and Sustainability track, in Argonne Training Program on Extreme-Scale Computing, St. Charles, Illinois, 2023. DOI: </a:t>
             </a:r>
             <a:r>
               <a:rPr lang="en-US" sz="1600" b="0" i="0" u="none" strike="noStrike" dirty="0">
@@ -4307,10 +4321,10 @@
                   <a:srgbClr val="2A7AE2"/>
                 </a:solidFill>
                 <a:effectLst/>
-                <a:latin typeface="+mj-lt"/>
+                <a:latin typeface="+mn-lt"/>
                 <a:hlinkClick r:id="rId4"/>
               </a:rPr>
-              <a:t>10.6084/m9.figshare.23796606</a:t>
+              <a:t>10.6084/m9.figshare.23823822</a:t>
             </a:r>
             <a:r>
               <a:rPr lang="en-US" sz="1600" b="0" i="0" dirty="0">
@@ -4318,7 +4332,7 @@
                   <a:srgbClr val="111111"/>
                 </a:solidFill>
                 <a:effectLst/>
-                <a:latin typeface="+mj-lt"/>
+                <a:latin typeface="+mn-lt"/>
               </a:rPr>
               <a:t>.</a:t>
             </a:r>
@@ -4491,7 +4505,7 @@
     </p:spTree>
     <p:extLst>
       <p:ext uri="{BB962C8B-B14F-4D97-AF65-F5344CB8AC3E}">
-        <p14:creationId xmlns:p14="http://schemas.microsoft.com/office/powerpoint/2010/main" val="2395163906"/>
+        <p14:creationId xmlns:p14="http://schemas.microsoft.com/office/powerpoint/2010/main" val="978726433"/>
       </p:ext>
     </p:extLst>
   </p:cSld>
@@ -4621,7 +4635,7 @@
           <a:p>
             <a:r>
               <a:rPr lang="en-US" dirty="0"/>
-              <a:t>In the Last Two Days, We Covered Many Topics…</a:t>
+              <a:t>Today, We Covered Many Topics…</a:t>
             </a:r>
           </a:p>
         </p:txBody>
@@ -4667,12 +4681,6 @@
           <a:p>
             <a:r>
               <a:rPr lang="en-US" dirty="0"/>
-              <a:t>Packaging</a:t>
-            </a:r>
-          </a:p>
-          <a:p>
-            <a:r>
-              <a:rPr lang="en-US" dirty="0"/>
               <a:t>Testing strategies for complex software systems</a:t>
             </a:r>
           </a:p>
@@ -4689,10 +4697,10 @@
             </a:r>
           </a:p>
           <a:p>
-            <a:r>
-              <a:rPr lang="en-US" dirty="0"/>
-              <a:t>Documentation</a:t>
-            </a:r>
+            <a:pPr marL="0" indent="0">
+              <a:buNone/>
+            </a:pPr>
+            <a:endParaRPr lang="en-US" dirty="0"/>
           </a:p>
         </p:txBody>
       </p:sp>
@@ -4868,6 +4876,17 @@
             <a:r>
               <a:rPr lang="en-US" dirty="0"/>
               <a:t>Software publication and citation</a:t>
+            </a:r>
+          </a:p>
+          <a:p>
+            <a:pPr>
+              <a:spcBef>
+                <a:spcPts val="800"/>
+              </a:spcBef>
+            </a:pPr>
+            <a:r>
+              <a:rPr lang="en-US" dirty="0"/>
+              <a:t>Packaging</a:t>
             </a:r>
           </a:p>
           <a:p>
@@ -7518,21 +7537,6 @@
 </file>
 
 <file path=customXml/item1.xml><?xml version="1.0" encoding="utf-8"?>
-<?mso-contentType ?>
-<FormTemplates xmlns="http://schemas.microsoft.com/sharepoint/v3/contenttype/forms">
-  <Display>DocumentLibraryForm</Display>
-  <Edit>DocumentLibraryForm</Edit>
-  <New>DocumentLibraryForm</New>
-</FormTemplates>
-</file>
-
-<file path=customXml/item2.xml><?xml version="1.0" encoding="utf-8"?>
-<p:properties xmlns:p="http://schemas.microsoft.com/office/2006/metadata/properties" xmlns:xsi="http://www.w3.org/2001/XMLSchema-instance" xmlns:pc="http://schemas.microsoft.com/office/infopath/2007/PartnerControls">
-  <documentManagement/>
-</p:properties>
-</file>
-
-<file path=customXml/item3.xml><?xml version="1.0" encoding="utf-8"?>
 <ct:contentTypeSchema xmlns:ct="http://schemas.microsoft.com/office/2006/metadata/contentType" xmlns:ma="http://schemas.microsoft.com/office/2006/metadata/properties/metaAttributes" ct:_="" ma:_="" ma:contentTypeName="Document" ma:contentTypeID="0x010100565464437F680748A68B85EB6594EA7D" ma:contentTypeVersion="0" ma:contentTypeDescription="Create a new document." ma:contentTypeScope="" ma:versionID="fe3f4dd58d5914c51cfc6deaa8ad845c">
   <xsd:schema xmlns:xsd="http://www.w3.org/2001/XMLSchema" xmlns:p="http://schemas.microsoft.com/office/2006/metadata/properties" targetNamespace="http://schemas.microsoft.com/office/2006/metadata/properties" ma:root="true" ma:fieldsID="4aeb20c0e3442673af7ee10786458764">
     <xsd:element name="properties">
@@ -7581,10 +7585,32 @@
 </ct:contentTypeSchema>
 </file>
 
+<file path=customXml/item2.xml><?xml version="1.0" encoding="utf-8"?>
+<p:properties xmlns:p="http://schemas.microsoft.com/office/2006/metadata/properties" xmlns:xsi="http://www.w3.org/2001/XMLSchema-instance" xmlns:pc="http://schemas.microsoft.com/office/infopath/2007/PartnerControls">
+  <documentManagement/>
+</p:properties>
+</file>
+
+<file path=customXml/item3.xml><?xml version="1.0" encoding="utf-8"?>
+<?mso-contentType ?>
+<FormTemplates xmlns="http://schemas.microsoft.com/sharepoint/v3/contenttype/forms">
+  <Display>DocumentLibraryForm</Display>
+  <Edit>DocumentLibraryForm</Edit>
+  <New>DocumentLibraryForm</New>
+</FormTemplates>
+</file>
+
 <file path=customXml/itemProps1.xml><?xml version="1.0" encoding="utf-8"?>
-<ds:datastoreItem xmlns:ds="http://schemas.openxmlformats.org/officeDocument/2006/customXml" ds:itemID="{19E20559-B232-4371-8690-E3D8007EDB82}">
+<ds:datastoreItem xmlns:ds="http://schemas.openxmlformats.org/officeDocument/2006/customXml" ds:itemID="{E8DB7DEB-074E-4EE8-9B6E-FD277323109C}">
   <ds:schemaRefs>
-    <ds:schemaRef ds:uri="http://schemas.microsoft.com/sharepoint/v3/contenttype/forms"/>
+    <ds:schemaRef ds:uri="http://schemas.microsoft.com/office/2006/metadata/contentType"/>
+    <ds:schemaRef ds:uri="http://schemas.microsoft.com/office/2006/metadata/properties/metaAttributes"/>
+    <ds:schemaRef ds:uri="http://www.w3.org/2001/XMLSchema"/>
+    <ds:schemaRef ds:uri="http://schemas.microsoft.com/office/2006/metadata/properties"/>
+    <ds:schemaRef ds:uri="http://schemas.openxmlformats.org/package/2006/metadata/core-properties"/>
+    <ds:schemaRef ds:uri="http://purl.org/dc/elements/1.1/"/>
+    <ds:schemaRef ds:uri="http://purl.org/dc/terms/"/>
+    <ds:schemaRef ds:uri="http://schemas.microsoft.com/office/internal/2005/internalDocumentation"/>
   </ds:schemaRefs>
 </ds:datastoreItem>
 </file>
@@ -7605,16 +7631,9 @@
 </file>
 
 <file path=customXml/itemProps3.xml><?xml version="1.0" encoding="utf-8"?>
-<ds:datastoreItem xmlns:ds="http://schemas.openxmlformats.org/officeDocument/2006/customXml" ds:itemID="{E8DB7DEB-074E-4EE8-9B6E-FD277323109C}">
+<ds:datastoreItem xmlns:ds="http://schemas.openxmlformats.org/officeDocument/2006/customXml" ds:itemID="{19E20559-B232-4371-8690-E3D8007EDB82}">
   <ds:schemaRefs>
-    <ds:schemaRef ds:uri="http://schemas.microsoft.com/office/2006/metadata/contentType"/>
-    <ds:schemaRef ds:uri="http://schemas.microsoft.com/office/2006/metadata/properties/metaAttributes"/>
-    <ds:schemaRef ds:uri="http://www.w3.org/2001/XMLSchema"/>
-    <ds:schemaRef ds:uri="http://schemas.microsoft.com/office/2006/metadata/properties"/>
-    <ds:schemaRef ds:uri="http://schemas.openxmlformats.org/package/2006/metadata/core-properties"/>
-    <ds:schemaRef ds:uri="http://purl.org/dc/elements/1.1/"/>
-    <ds:schemaRef ds:uri="http://purl.org/dc/terms/"/>
-    <ds:schemaRef ds:uri="http://schemas.microsoft.com/office/internal/2005/internalDocumentation"/>
+    <ds:schemaRef ds:uri="http://schemas.microsoft.com/sharepoint/v3/contenttype/forms"/>
   </ds:schemaRefs>
 </ds:datastoreItem>
 </file>
--- a/summary.pptx
+++ b/summary.pptx
@@ -262,7 +262,7 @@
           <a:p>
             <a:fld id="{0B842F42-2CE9-4E35-95C1-410DC08A50B1}" type="datetimeFigureOut">
               <a:rPr lang="en-US" smtClean="0"/>
-              <a:t>8/3/2023</a:t>
+              <a:t>10/22/2023</a:t>
             </a:fld>
             <a:endParaRPr lang="en-US"/>
           </a:p>
@@ -427,7 +427,7 @@
           <a:p>
             <a:fld id="{6F282904-F315-4730-8D91-37D99E141A6F}" type="datetimeFigureOut">
               <a:rPr lang="en-US" smtClean="0"/>
-              <a:t>8/3/2023</a:t>
+              <a:t>10/22/2023</a:t>
             </a:fld>
             <a:endParaRPr lang="en-US"/>
           </a:p>
@@ -4676,6 +4676,12 @@
             <a:r>
               <a:rPr lang="en-US" dirty="0"/>
               <a:t>Collaborative software development</a:t>
+            </a:r>
+          </a:p>
+          <a:p>
+            <a:r>
+              <a:rPr lang="en-US" dirty="0"/>
+              <a:t>Software packaging</a:t>
             </a:r>
           </a:p>
           <a:p>
@@ -6611,6 +6617,67 @@
           </a:prstGeom>
         </p:spPr>
       </p:pic>
+      <p:sp>
+        <p:nvSpPr>
+          <p:cNvPr id="4" name="TextBox 3">
+            <a:extLst>
+              <a:ext uri="{FF2B5EF4-FFF2-40B4-BE49-F238E27FC236}">
+                <a16:creationId xmlns:a16="http://schemas.microsoft.com/office/drawing/2014/main" id="{06FB4D60-A43C-03F5-7B52-92FAC8621C4A}"/>
+              </a:ext>
+            </a:extLst>
+          </p:cNvPr>
+          <p:cNvSpPr txBox="1"/>
+          <p:nvPr/>
+        </p:nvSpPr>
+        <p:spPr>
+          <a:xfrm>
+            <a:off x="6354697" y="2772101"/>
+            <a:ext cx="5465397" cy="1846659"/>
+          </a:xfrm>
+          <a:prstGeom prst="rect">
+            <a:avLst/>
+          </a:prstGeom>
+          <a:solidFill>
+            <a:srgbClr val="FFFF00"/>
+          </a:solidFill>
+          <a:ln>
+            <a:solidFill>
+              <a:schemeClr val="tx1"/>
+            </a:solidFill>
+          </a:ln>
+        </p:spPr>
+        <p:txBody>
+          <a:bodyPr wrap="square" lIns="118872" tIns="91440" rIns="118872" bIns="91440" rtlCol="0" anchor="ctr" anchorCtr="0">
+            <a:spAutoFit/>
+          </a:bodyPr>
+          <a:lstStyle/>
+          <a:p>
+            <a:pPr algn="ctr">
+              <a:lnSpc>
+                <a:spcPct val="90000"/>
+              </a:lnSpc>
+            </a:pPr>
+            <a:r>
+              <a:rPr lang="en-US" sz="2400" dirty="0"/>
+              <a:t>You may also be interested in these other software-related events at SC23: </a:t>
+            </a:r>
+            <a:r>
+              <a:rPr lang="en-US" sz="2400" dirty="0">
+                <a:hlinkClick r:id="rId10"/>
+              </a:rPr>
+              <a:t>https://bssw.io/events/sc23-software-related-events</a:t>
+            </a:r>
+            <a:br>
+              <a:rPr lang="en-US" sz="2400" dirty="0"/>
+            </a:br>
+            <a:r>
+              <a:rPr lang="en-US" dirty="0"/>
+              <a:t>(link is also on tutorial web page)</a:t>
+            </a:r>
+            <a:endParaRPr lang="en-US" sz="2400" dirty="0"/>
+          </a:p>
+        </p:txBody>
+      </p:sp>
     </p:spTree>
     <p:extLst>
       <p:ext uri="{BB962C8B-B14F-4D97-AF65-F5344CB8AC3E}">
@@ -7537,6 +7604,21 @@
 </file>
 
 <file path=customXml/item1.xml><?xml version="1.0" encoding="utf-8"?>
+<?mso-contentType ?>
+<FormTemplates xmlns="http://schemas.microsoft.com/sharepoint/v3/contenttype/forms">
+  <Display>DocumentLibraryForm</Display>
+  <Edit>DocumentLibraryForm</Edit>
+  <New>DocumentLibraryForm</New>
+</FormTemplates>
+</file>
+
+<file path=customXml/item2.xml><?xml version="1.0" encoding="utf-8"?>
+<p:properties xmlns:p="http://schemas.microsoft.com/office/2006/metadata/properties" xmlns:xsi="http://www.w3.org/2001/XMLSchema-instance" xmlns:pc="http://schemas.microsoft.com/office/infopath/2007/PartnerControls">
+  <documentManagement/>
+</p:properties>
+</file>
+
+<file path=customXml/item3.xml><?xml version="1.0" encoding="utf-8"?>
 <ct:contentTypeSchema xmlns:ct="http://schemas.microsoft.com/office/2006/metadata/contentType" xmlns:ma="http://schemas.microsoft.com/office/2006/metadata/properties/metaAttributes" ct:_="" ma:_="" ma:contentTypeName="Document" ma:contentTypeID="0x010100565464437F680748A68B85EB6594EA7D" ma:contentTypeVersion="0" ma:contentTypeDescription="Create a new document." ma:contentTypeScope="" ma:versionID="fe3f4dd58d5914c51cfc6deaa8ad845c">
   <xsd:schema xmlns:xsd="http://www.w3.org/2001/XMLSchema" xmlns:p="http://schemas.microsoft.com/office/2006/metadata/properties" targetNamespace="http://schemas.microsoft.com/office/2006/metadata/properties" ma:root="true" ma:fieldsID="4aeb20c0e3442673af7ee10786458764">
     <xsd:element name="properties">
@@ -7585,32 +7667,10 @@
 </ct:contentTypeSchema>
 </file>
 
-<file path=customXml/item2.xml><?xml version="1.0" encoding="utf-8"?>
-<p:properties xmlns:p="http://schemas.microsoft.com/office/2006/metadata/properties" xmlns:xsi="http://www.w3.org/2001/XMLSchema-instance" xmlns:pc="http://schemas.microsoft.com/office/infopath/2007/PartnerControls">
-  <documentManagement/>
-</p:properties>
-</file>
-
-<file path=customXml/item3.xml><?xml version="1.0" encoding="utf-8"?>
-<?mso-contentType ?>
-<FormTemplates xmlns="http://schemas.microsoft.com/sharepoint/v3/contenttype/forms">
-  <Display>DocumentLibraryForm</Display>
-  <Edit>DocumentLibraryForm</Edit>
-  <New>DocumentLibraryForm</New>
-</FormTemplates>
-</file>
-
 <file path=customXml/itemProps1.xml><?xml version="1.0" encoding="utf-8"?>
-<ds:datastoreItem xmlns:ds="http://schemas.openxmlformats.org/officeDocument/2006/customXml" ds:itemID="{E8DB7DEB-074E-4EE8-9B6E-FD277323109C}">
+<ds:datastoreItem xmlns:ds="http://schemas.openxmlformats.org/officeDocument/2006/customXml" ds:itemID="{19E20559-B232-4371-8690-E3D8007EDB82}">
   <ds:schemaRefs>
-    <ds:schemaRef ds:uri="http://schemas.microsoft.com/office/2006/metadata/contentType"/>
-    <ds:schemaRef ds:uri="http://schemas.microsoft.com/office/2006/metadata/properties/metaAttributes"/>
-    <ds:schemaRef ds:uri="http://www.w3.org/2001/XMLSchema"/>
-    <ds:schemaRef ds:uri="http://schemas.microsoft.com/office/2006/metadata/properties"/>
-    <ds:schemaRef ds:uri="http://schemas.openxmlformats.org/package/2006/metadata/core-properties"/>
-    <ds:schemaRef ds:uri="http://purl.org/dc/elements/1.1/"/>
-    <ds:schemaRef ds:uri="http://purl.org/dc/terms/"/>
-    <ds:schemaRef ds:uri="http://schemas.microsoft.com/office/internal/2005/internalDocumentation"/>
+    <ds:schemaRef ds:uri="http://schemas.microsoft.com/sharepoint/v3/contenttype/forms"/>
   </ds:schemaRefs>
 </ds:datastoreItem>
 </file>
@@ -7631,9 +7691,16 @@
 </file>
 
 <file path=customXml/itemProps3.xml><?xml version="1.0" encoding="utf-8"?>
-<ds:datastoreItem xmlns:ds="http://schemas.openxmlformats.org/officeDocument/2006/customXml" ds:itemID="{19E20559-B232-4371-8690-E3D8007EDB82}">
+<ds:datastoreItem xmlns:ds="http://schemas.openxmlformats.org/officeDocument/2006/customXml" ds:itemID="{E8DB7DEB-074E-4EE8-9B6E-FD277323109C}">
   <ds:schemaRefs>
-    <ds:schemaRef ds:uri="http://schemas.microsoft.com/sharepoint/v3/contenttype/forms"/>
+    <ds:schemaRef ds:uri="http://schemas.microsoft.com/office/2006/metadata/contentType"/>
+    <ds:schemaRef ds:uri="http://schemas.microsoft.com/office/2006/metadata/properties/metaAttributes"/>
+    <ds:schemaRef ds:uri="http://www.w3.org/2001/XMLSchema"/>
+    <ds:schemaRef ds:uri="http://schemas.microsoft.com/office/2006/metadata/properties"/>
+    <ds:schemaRef ds:uri="http://schemas.openxmlformats.org/package/2006/metadata/core-properties"/>
+    <ds:schemaRef ds:uri="http://purl.org/dc/elements/1.1/"/>
+    <ds:schemaRef ds:uri="http://purl.org/dc/terms/"/>
+    <ds:schemaRef ds:uri="http://schemas.microsoft.com/office/internal/2005/internalDocumentation"/>
   </ds:schemaRefs>
 </ds:datastoreItem>
 </file>
--- a/summary.pptx
+++ b/summary.pptx
@@ -12,7 +12,7 @@
   </p:handoutMasterIdLst>
   <p:sldIdLst>
     <p:sldId id="318" r:id="rId5"/>
-    <p:sldId id="1848" r:id="rId6"/>
+    <p:sldId id="320" r:id="rId6"/>
     <p:sldId id="1819" r:id="rId7"/>
     <p:sldId id="1844" r:id="rId8"/>
     <p:sldId id="1830" r:id="rId9"/>
@@ -262,7 +262,7 @@
           <a:p>
             <a:fld id="{0B842F42-2CE9-4E35-95C1-410DC08A50B1}" type="datetimeFigureOut">
               <a:rPr lang="en-US" smtClean="0"/>
-              <a:t>10/22/2023</a:t>
+              <a:t>10/26/2023</a:t>
             </a:fld>
             <a:endParaRPr lang="en-US"/>
           </a:p>
@@ -427,7 +427,7 @@
           <a:p>
             <a:fld id="{6F282904-F315-4730-8D91-37D99E141A6F}" type="datetimeFigureOut">
               <a:rPr lang="en-US" smtClean="0"/>
-              <a:t>10/22/2023</a:t>
+              <a:t>10/26/2023</a:t>
             </a:fld>
             <a:endParaRPr lang="en-US"/>
           </a:p>
@@ -4126,11 +4126,9 @@
             </a:r>
           </a:p>
           <a:p>
-            <a:pPr>
-              <a:spcBef>
-                <a:spcPts val="2800"/>
-              </a:spcBef>
-            </a:pPr>
+            <a:endParaRPr lang="en-US" sz="2000" dirty="0"/>
+          </a:p>
+          <a:p>
             <a:r>
               <a:rPr lang="en-US" sz="2000" b="0" i="0" dirty="0">
                 <a:solidFill>
@@ -4139,7 +4137,17 @@
                 <a:effectLst/>
                 <a:latin typeface="+mn-lt"/>
               </a:rPr>
-              <a:t>Software Productivity and Sustainability track @ Argonne Training Program on Extreme-Scale Computing summer school</a:t>
+              <a:t>Better Software for Reproducible Science tutorial</a:t>
+            </a:r>
+            <a:r>
+              <a:rPr lang="en-US" sz="2000" dirty="0">
+                <a:latin typeface="+mn-lt"/>
+              </a:rPr>
+              <a:t> </a:t>
+            </a:r>
+            <a:r>
+              <a:rPr lang="en-US" sz="2000" dirty="0"/>
+              <a:t>@ SC23</a:t>
             </a:r>
           </a:p>
           <a:p>
@@ -4313,7 +4321,7 @@
                 <a:effectLst/>
                 <a:latin typeface="+mn-lt"/>
               </a:rPr>
-              <a:t>Anshu Dubey, David E. Bernholdt, Greg Becker, and Jared O’Neal, Software Productivity and Sustainability track, in Argonne Training Program on Extreme-Scale Computing, St. Charles, Illinois, 2023. DOI: </a:t>
+              <a:t>David E. Bernholdt, Patricia A. Grubel, David M. Rogers, and Gregory R. Watson, Better Software for Reproducible Science tutorial, in The International Conference for High-Performance Computing, Networking, Storage, and Analysis (SC23), Denver, Colorado, 2023. DOI: </a:t>
             </a:r>
             <a:r>
               <a:rPr lang="en-US" sz="1600" b="0" i="0" u="none" strike="noStrike" dirty="0">
@@ -4324,7 +4332,7 @@
                 <a:latin typeface="+mn-lt"/>
                 <a:hlinkClick r:id="rId4"/>
               </a:rPr>
-              <a:t>10.6084/m9.figshare.23823822</a:t>
+              <a:t>10.6084/m9.figshare.24226105</a:t>
             </a:r>
             <a:r>
               <a:rPr lang="en-US" sz="1600" b="0" i="0" dirty="0">
@@ -4505,7 +4513,7 @@
     </p:spTree>
     <p:extLst>
       <p:ext uri="{BB962C8B-B14F-4D97-AF65-F5344CB8AC3E}">
-        <p14:creationId xmlns:p14="http://schemas.microsoft.com/office/powerpoint/2010/main" val="978726433"/>
+        <p14:creationId xmlns:p14="http://schemas.microsoft.com/office/powerpoint/2010/main" val="834580391"/>
       </p:ext>
     </p:extLst>
   </p:cSld>
@@ -7604,18 +7612,18 @@
 </file>
 
 <file path=customXml/item1.xml><?xml version="1.0" encoding="utf-8"?>
+<p:properties xmlns:p="http://schemas.microsoft.com/office/2006/metadata/properties" xmlns:xsi="http://www.w3.org/2001/XMLSchema-instance" xmlns:pc="http://schemas.microsoft.com/office/infopath/2007/PartnerControls">
+  <documentManagement/>
+</p:properties>
+</file>
+
+<file path=customXml/item2.xml><?xml version="1.0" encoding="utf-8"?>
 <?mso-contentType ?>
 <FormTemplates xmlns="http://schemas.microsoft.com/sharepoint/v3/contenttype/forms">
   <Display>DocumentLibraryForm</Display>
   <Edit>DocumentLibraryForm</Edit>
   <New>DocumentLibraryForm</New>
 </FormTemplates>
-</file>
-
-<file path=customXml/item2.xml><?xml version="1.0" encoding="utf-8"?>
-<p:properties xmlns:p="http://schemas.microsoft.com/office/2006/metadata/properties" xmlns:xsi="http://www.w3.org/2001/XMLSchema-instance" xmlns:pc="http://schemas.microsoft.com/office/infopath/2007/PartnerControls">
-  <documentManagement/>
-</p:properties>
 </file>
 
 <file path=customXml/item3.xml><?xml version="1.0" encoding="utf-8"?>
@@ -7668,14 +7676,6 @@
 </file>
 
 <file path=customXml/itemProps1.xml><?xml version="1.0" encoding="utf-8"?>
-<ds:datastoreItem xmlns:ds="http://schemas.openxmlformats.org/officeDocument/2006/customXml" ds:itemID="{19E20559-B232-4371-8690-E3D8007EDB82}">
-  <ds:schemaRefs>
-    <ds:schemaRef ds:uri="http://schemas.microsoft.com/sharepoint/v3/contenttype/forms"/>
-  </ds:schemaRefs>
-</ds:datastoreItem>
-</file>
-
-<file path=customXml/itemProps2.xml><?xml version="1.0" encoding="utf-8"?>
 <ds:datastoreItem xmlns:ds="http://schemas.openxmlformats.org/officeDocument/2006/customXml" ds:itemID="{A50EC660-24D0-43A0-AE5E-E274115E726B}">
   <ds:schemaRefs>
     <ds:schemaRef ds:uri="http://purl.org/dc/elements/1.1/"/>
@@ -7686,6 +7686,14 @@
     <ds:schemaRef ds:uri="http://www.w3.org/XML/1998/namespace"/>
     <ds:schemaRef ds:uri="http://purl.org/dc/dcmitype/"/>
     <ds:schemaRef ds:uri="http://schemas.microsoft.com/office/infopath/2007/PartnerControls"/>
+  </ds:schemaRefs>
+</ds:datastoreItem>
+</file>
+
+<file path=customXml/itemProps2.xml><?xml version="1.0" encoding="utf-8"?>
+<ds:datastoreItem xmlns:ds="http://schemas.openxmlformats.org/officeDocument/2006/customXml" ds:itemID="{19E20559-B232-4371-8690-E3D8007EDB82}">
+  <ds:schemaRefs>
+    <ds:schemaRef ds:uri="http://schemas.microsoft.com/sharepoint/v3/contenttype/forms"/>
   </ds:schemaRefs>
 </ds:datastoreItem>
 </file>
